--- a/yanick.anagho@divergence.one/Capstone Presentation_User Ratings - Products.pptx
+++ b/yanick.anagho@divergence.one/Capstone Presentation_User Ratings - Products.pptx
@@ -8,8 +8,10 @@
     <p:sldId id="256" r:id="rId2"/>
     <p:sldId id="260" r:id="rId3"/>
     <p:sldId id="257" r:id="rId4"/>
-    <p:sldId id="259" r:id="rId5"/>
-    <p:sldId id="258" r:id="rId6"/>
+    <p:sldId id="261" r:id="rId5"/>
+    <p:sldId id="262" r:id="rId6"/>
+    <p:sldId id="259" r:id="rId7"/>
+    <p:sldId id="258" r:id="rId8"/>
   </p:sldIdLst>
   <p:sldSz cx="12192000" cy="6858000"/>
   <p:notesSz cx="6858000" cy="9144000"/>
@@ -116,6 +118,3043 @@
 </p:presentation>
 </file>
 
+<file path=ppt/diagrams/colors1.xml><?xml version="1.0" encoding="utf-8"?>
+<dgm:colorsDef xmlns:dgm="http://schemas.openxmlformats.org/drawingml/2006/diagram" xmlns:a="http://schemas.openxmlformats.org/drawingml/2006/main" uniqueId="urn:microsoft.com/office/officeart/2018/5/colors/Iconchunking_neutralicontext_colorful1">
+  <dgm:title val=""/>
+  <dgm:desc val=""/>
+  <dgm:catLst>
+    <dgm:cat type="colorful" pri="10100"/>
+  </dgm:catLst>
+  <dgm:styleLbl name="node0">
+    <dgm:fillClrLst meth="repeat">
+      <a:schemeClr val="accent1"/>
+    </dgm:fillClrLst>
+    <dgm:linClrLst meth="repeat">
+      <a:schemeClr val="lt1"/>
+    </dgm:linClrLst>
+    <dgm:effectClrLst/>
+    <dgm:txLinClrLst/>
+    <dgm:txFillClrLst/>
+    <dgm:txEffectClrLst/>
+  </dgm:styleLbl>
+  <dgm:styleLbl name="node1">
+    <dgm:fillClrLst meth="repeat">
+      <a:schemeClr val="bg1"/>
+    </dgm:fillClrLst>
+    <dgm:linClrLst meth="repeat">
+      <a:schemeClr val="lt1">
+        <a:alpha val="0"/>
+      </a:schemeClr>
+    </dgm:linClrLst>
+    <dgm:effectClrLst/>
+    <dgm:txLinClrLst/>
+    <dgm:txFillClrLst meth="repeat">
+      <a:schemeClr val="dk1"/>
+    </dgm:txFillClrLst>
+    <dgm:txEffectClrLst/>
+  </dgm:styleLbl>
+  <dgm:styleLbl name="alignNode1">
+    <dgm:fillClrLst meth="repeat">
+      <a:schemeClr val="accent2"/>
+      <a:schemeClr val="accent3"/>
+      <a:schemeClr val="accent4"/>
+      <a:schemeClr val="accent5"/>
+      <a:schemeClr val="accent6"/>
+    </dgm:fillClrLst>
+    <dgm:linClrLst meth="repeat">
+      <a:schemeClr val="accent2"/>
+      <a:schemeClr val="accent3"/>
+      <a:schemeClr val="accent4"/>
+      <a:schemeClr val="accent5"/>
+      <a:schemeClr val="accent6"/>
+    </dgm:linClrLst>
+    <dgm:effectClrLst/>
+    <dgm:txLinClrLst/>
+    <dgm:txFillClrLst/>
+    <dgm:txEffectClrLst/>
+  </dgm:styleLbl>
+  <dgm:styleLbl name="lnNode1">
+    <dgm:fillClrLst meth="repeat">
+      <a:schemeClr val="accent2"/>
+      <a:schemeClr val="accent3"/>
+      <a:schemeClr val="accent4"/>
+      <a:schemeClr val="accent5"/>
+      <a:schemeClr val="accent6"/>
+    </dgm:fillClrLst>
+    <dgm:linClrLst meth="repeat">
+      <a:schemeClr val="lt1"/>
+    </dgm:linClrLst>
+    <dgm:effectClrLst/>
+    <dgm:txLinClrLst/>
+    <dgm:txFillClrLst/>
+    <dgm:txEffectClrLst/>
+  </dgm:styleLbl>
+  <dgm:styleLbl name="vennNode1">
+    <dgm:fillClrLst meth="repeat">
+      <a:schemeClr val="accent2">
+        <a:alpha val="50000"/>
+      </a:schemeClr>
+      <a:schemeClr val="accent3">
+        <a:alpha val="50000"/>
+      </a:schemeClr>
+      <a:schemeClr val="accent4">
+        <a:alpha val="50000"/>
+      </a:schemeClr>
+      <a:schemeClr val="accent5">
+        <a:alpha val="50000"/>
+      </a:schemeClr>
+      <a:schemeClr val="accent6">
+        <a:alpha val="50000"/>
+      </a:schemeClr>
+    </dgm:fillClrLst>
+    <dgm:linClrLst meth="repeat">
+      <a:schemeClr val="lt1"/>
+    </dgm:linClrLst>
+    <dgm:effectClrLst/>
+    <dgm:txLinClrLst/>
+    <dgm:txFillClrLst/>
+    <dgm:txEffectClrLst/>
+  </dgm:styleLbl>
+  <dgm:styleLbl name="node2">
+    <dgm:fillClrLst>
+      <a:schemeClr val="accent2"/>
+    </dgm:fillClrLst>
+    <dgm:linClrLst meth="repeat">
+      <a:schemeClr val="lt1"/>
+    </dgm:linClrLst>
+    <dgm:effectClrLst/>
+    <dgm:txLinClrLst/>
+    <dgm:txFillClrLst/>
+    <dgm:txEffectClrLst/>
+  </dgm:styleLbl>
+  <dgm:styleLbl name="node3">
+    <dgm:fillClrLst>
+      <a:schemeClr val="accent3"/>
+    </dgm:fillClrLst>
+    <dgm:linClrLst meth="repeat">
+      <a:schemeClr val="lt1"/>
+    </dgm:linClrLst>
+    <dgm:effectClrLst/>
+    <dgm:txLinClrLst/>
+    <dgm:txFillClrLst/>
+    <dgm:txEffectClrLst/>
+  </dgm:styleLbl>
+  <dgm:styleLbl name="node4">
+    <dgm:fillClrLst>
+      <a:schemeClr val="accent4"/>
+    </dgm:fillClrLst>
+    <dgm:linClrLst meth="repeat">
+      <a:schemeClr val="lt1"/>
+    </dgm:linClrLst>
+    <dgm:effectClrLst/>
+    <dgm:txLinClrLst/>
+    <dgm:txFillClrLst/>
+    <dgm:txEffectClrLst/>
+  </dgm:styleLbl>
+  <dgm:styleLbl name="fgImgPlace1">
+    <dgm:fillClrLst meth="repeat">
+      <a:schemeClr val="accent2">
+        <a:tint val="50000"/>
+      </a:schemeClr>
+      <a:schemeClr val="accent3">
+        <a:tint val="50000"/>
+      </a:schemeClr>
+      <a:schemeClr val="accent4">
+        <a:tint val="50000"/>
+      </a:schemeClr>
+      <a:schemeClr val="accent5">
+        <a:tint val="50000"/>
+      </a:schemeClr>
+      <a:schemeClr val="accent6">
+        <a:tint val="50000"/>
+      </a:schemeClr>
+    </dgm:fillClrLst>
+    <dgm:linClrLst meth="repeat">
+      <a:schemeClr val="lt1"/>
+    </dgm:linClrLst>
+    <dgm:effectClrLst/>
+    <dgm:txLinClrLst/>
+    <dgm:txFillClrLst meth="repeat">
+      <a:schemeClr val="lt1"/>
+    </dgm:txFillClrLst>
+    <dgm:txEffectClrLst/>
+  </dgm:styleLbl>
+  <dgm:styleLbl name="alignImgPlace1">
+    <dgm:fillClrLst>
+      <a:schemeClr val="accent1">
+        <a:tint val="50000"/>
+      </a:schemeClr>
+      <a:schemeClr val="accent2">
+        <a:tint val="20000"/>
+      </a:schemeClr>
+    </dgm:fillClrLst>
+    <dgm:linClrLst meth="repeat">
+      <a:schemeClr val="lt1"/>
+    </dgm:linClrLst>
+    <dgm:effectClrLst/>
+    <dgm:txLinClrLst/>
+    <dgm:txFillClrLst meth="repeat">
+      <a:schemeClr val="lt1"/>
+    </dgm:txFillClrLst>
+    <dgm:txEffectClrLst/>
+  </dgm:styleLbl>
+  <dgm:styleLbl name="bgImgPlace1">
+    <dgm:fillClrLst>
+      <a:schemeClr val="accent1">
+        <a:tint val="50000"/>
+      </a:schemeClr>
+      <a:schemeClr val="accent2">
+        <a:tint val="20000"/>
+      </a:schemeClr>
+    </dgm:fillClrLst>
+    <dgm:linClrLst meth="repeat">
+      <a:schemeClr val="lt1"/>
+    </dgm:linClrLst>
+    <dgm:effectClrLst/>
+    <dgm:txLinClrLst/>
+    <dgm:txFillClrLst meth="repeat">
+      <a:schemeClr val="lt1"/>
+    </dgm:txFillClrLst>
+    <dgm:txEffectClrLst/>
+  </dgm:styleLbl>
+  <dgm:styleLbl name="sibTrans2D1">
+    <dgm:fillClrLst meth="repeat">
+      <a:schemeClr val="accent2"/>
+      <a:schemeClr val="accent3"/>
+      <a:schemeClr val="accent4"/>
+      <a:schemeClr val="accent5"/>
+      <a:schemeClr val="accent6"/>
+    </dgm:fillClrLst>
+    <dgm:linClrLst meth="cycle">
+      <a:schemeClr val="lt1"/>
+    </dgm:linClrLst>
+    <dgm:effectClrLst/>
+    <dgm:txLinClrLst/>
+    <dgm:txFillClrLst/>
+    <dgm:txEffectClrLst/>
+  </dgm:styleLbl>
+  <dgm:styleLbl name="fgSibTrans2D1">
+    <dgm:fillClrLst meth="repeat">
+      <a:schemeClr val="accent2"/>
+      <a:schemeClr val="accent3"/>
+      <a:schemeClr val="accent4"/>
+      <a:schemeClr val="accent5"/>
+      <a:schemeClr val="accent6"/>
+    </dgm:fillClrLst>
+    <dgm:linClrLst meth="cycle">
+      <a:schemeClr val="lt1"/>
+    </dgm:linClrLst>
+    <dgm:effectClrLst/>
+    <dgm:txLinClrLst/>
+    <dgm:txFillClrLst meth="repeat">
+      <a:schemeClr val="lt1"/>
+    </dgm:txFillClrLst>
+    <dgm:txEffectClrLst/>
+  </dgm:styleLbl>
+  <dgm:styleLbl name="bgSibTrans2D1">
+    <dgm:fillClrLst meth="repeat">
+      <a:schemeClr val="accent2"/>
+      <a:schemeClr val="accent3"/>
+      <a:schemeClr val="accent4"/>
+      <a:schemeClr val="accent5"/>
+      <a:schemeClr val="accent6"/>
+    </dgm:fillClrLst>
+    <dgm:linClrLst meth="cycle">
+      <a:schemeClr val="lt1"/>
+    </dgm:linClrLst>
+    <dgm:effectClrLst/>
+    <dgm:txLinClrLst/>
+    <dgm:txFillClrLst meth="repeat">
+      <a:schemeClr val="lt1"/>
+    </dgm:txFillClrLst>
+    <dgm:txEffectClrLst/>
+  </dgm:styleLbl>
+  <dgm:styleLbl name="sibTrans1D1">
+    <dgm:fillClrLst meth="repeat">
+      <a:schemeClr val="accent2"/>
+      <a:schemeClr val="accent3"/>
+      <a:schemeClr val="accent4"/>
+      <a:schemeClr val="accent5"/>
+      <a:schemeClr val="accent6"/>
+    </dgm:fillClrLst>
+    <dgm:linClrLst meth="repeat">
+      <a:schemeClr val="accent2"/>
+      <a:schemeClr val="accent3"/>
+      <a:schemeClr val="accent4"/>
+      <a:schemeClr val="accent5"/>
+      <a:schemeClr val="accent6"/>
+    </dgm:linClrLst>
+    <dgm:effectClrLst/>
+    <dgm:txLinClrLst/>
+    <dgm:txFillClrLst meth="repeat">
+      <a:schemeClr val="tx1"/>
+    </dgm:txFillClrLst>
+    <dgm:txEffectClrLst/>
+  </dgm:styleLbl>
+  <dgm:styleLbl name="callout">
+    <dgm:fillClrLst meth="repeat">
+      <a:schemeClr val="accent2"/>
+    </dgm:fillClrLst>
+    <dgm:linClrLst meth="repeat">
+      <a:schemeClr val="accent2">
+        <a:tint val="50000"/>
+      </a:schemeClr>
+    </dgm:linClrLst>
+    <dgm:effectClrLst/>
+    <dgm:txLinClrLst/>
+    <dgm:txFillClrLst meth="repeat">
+      <a:schemeClr val="tx1"/>
+    </dgm:txFillClrLst>
+    <dgm:txEffectClrLst/>
+  </dgm:styleLbl>
+  <dgm:styleLbl name="asst0">
+    <dgm:fillClrLst meth="repeat">
+      <a:schemeClr val="accent1"/>
+    </dgm:fillClrLst>
+    <dgm:linClrLst meth="repeat">
+      <a:schemeClr val="lt1"/>
+    </dgm:linClrLst>
+    <dgm:effectClrLst/>
+    <dgm:txLinClrLst/>
+    <dgm:txFillClrLst/>
+    <dgm:txEffectClrLst/>
+  </dgm:styleLbl>
+  <dgm:styleLbl name="asst1">
+    <dgm:fillClrLst meth="repeat">
+      <a:schemeClr val="accent2"/>
+    </dgm:fillClrLst>
+    <dgm:linClrLst meth="repeat">
+      <a:schemeClr val="lt1"/>
+    </dgm:linClrLst>
+    <dgm:effectClrLst/>
+    <dgm:txLinClrLst/>
+    <dgm:txFillClrLst/>
+    <dgm:txEffectClrLst/>
+  </dgm:styleLbl>
+  <dgm:styleLbl name="asst2">
+    <dgm:fillClrLst>
+      <a:schemeClr val="accent3"/>
+    </dgm:fillClrLst>
+    <dgm:linClrLst meth="repeat">
+      <a:schemeClr val="lt1"/>
+    </dgm:linClrLst>
+    <dgm:effectClrLst/>
+    <dgm:txLinClrLst/>
+    <dgm:txFillClrLst/>
+    <dgm:txEffectClrLst/>
+  </dgm:styleLbl>
+  <dgm:styleLbl name="asst3">
+    <dgm:fillClrLst>
+      <a:schemeClr val="accent4"/>
+    </dgm:fillClrLst>
+    <dgm:linClrLst meth="repeat">
+      <a:schemeClr val="lt1"/>
+    </dgm:linClrLst>
+    <dgm:effectClrLst/>
+    <dgm:txLinClrLst/>
+    <dgm:txFillClrLst/>
+    <dgm:txEffectClrLst/>
+  </dgm:styleLbl>
+  <dgm:styleLbl name="asst4">
+    <dgm:fillClrLst>
+      <a:schemeClr val="accent5"/>
+    </dgm:fillClrLst>
+    <dgm:linClrLst meth="repeat">
+      <a:schemeClr val="lt1"/>
+    </dgm:linClrLst>
+    <dgm:effectClrLst/>
+    <dgm:txLinClrLst/>
+    <dgm:txFillClrLst/>
+    <dgm:txEffectClrLst/>
+  </dgm:styleLbl>
+  <dgm:styleLbl name="parChTrans2D1">
+    <dgm:fillClrLst meth="repeat">
+      <a:schemeClr val="accent2"/>
+    </dgm:fillClrLst>
+    <dgm:linClrLst meth="repeat">
+      <a:schemeClr val="lt1"/>
+    </dgm:linClrLst>
+    <dgm:effectClrLst/>
+    <dgm:txLinClrLst/>
+    <dgm:txFillClrLst meth="repeat">
+      <a:schemeClr val="lt1"/>
+    </dgm:txFillClrLst>
+    <dgm:txEffectClrLst/>
+  </dgm:styleLbl>
+  <dgm:styleLbl name="parChTrans2D2">
+    <dgm:fillClrLst meth="repeat">
+      <a:schemeClr val="accent3"/>
+    </dgm:fillClrLst>
+    <dgm:linClrLst meth="repeat">
+      <a:schemeClr val="lt1"/>
+    </dgm:linClrLst>
+    <dgm:effectClrLst/>
+    <dgm:txLinClrLst/>
+    <dgm:txFillClrLst/>
+    <dgm:txEffectClrLst/>
+  </dgm:styleLbl>
+  <dgm:styleLbl name="parChTrans2D3">
+    <dgm:fillClrLst meth="repeat">
+      <a:schemeClr val="accent4"/>
+    </dgm:fillClrLst>
+    <dgm:linClrLst meth="repeat">
+      <a:schemeClr val="lt1"/>
+    </dgm:linClrLst>
+    <dgm:effectClrLst/>
+    <dgm:txLinClrLst/>
+    <dgm:txFillClrLst/>
+    <dgm:txEffectClrLst/>
+  </dgm:styleLbl>
+  <dgm:styleLbl name="parChTrans2D4">
+    <dgm:fillClrLst meth="repeat">
+      <a:schemeClr val="accent5"/>
+    </dgm:fillClrLst>
+    <dgm:linClrLst meth="repeat">
+      <a:schemeClr val="lt1"/>
+    </dgm:linClrLst>
+    <dgm:effectClrLst/>
+    <dgm:txLinClrLst/>
+    <dgm:txFillClrLst meth="repeat">
+      <a:schemeClr val="lt1"/>
+    </dgm:txFillClrLst>
+    <dgm:txEffectClrLst/>
+  </dgm:styleLbl>
+  <dgm:styleLbl name="parChTrans1D1">
+    <dgm:fillClrLst meth="repeat">
+      <a:schemeClr val="accent2"/>
+    </dgm:fillClrLst>
+    <dgm:linClrLst meth="repeat">
+      <a:schemeClr val="accent1"/>
+    </dgm:linClrLst>
+    <dgm:effectClrLst/>
+    <dgm:txLinClrLst/>
+    <dgm:txFillClrLst meth="repeat">
+      <a:schemeClr val="tx1"/>
+    </dgm:txFillClrLst>
+    <dgm:txEffectClrLst/>
+  </dgm:styleLbl>
+  <dgm:styleLbl name="parChTrans1D2">
+    <dgm:fillClrLst meth="repeat">
+      <a:schemeClr val="accent3">
+        <a:tint val="90000"/>
+      </a:schemeClr>
+    </dgm:fillClrLst>
+    <dgm:linClrLst meth="repeat">
+      <a:schemeClr val="accent2"/>
+    </dgm:linClrLst>
+    <dgm:effectClrLst/>
+    <dgm:txLinClrLst/>
+    <dgm:txFillClrLst meth="repeat">
+      <a:schemeClr val="tx1"/>
+    </dgm:txFillClrLst>
+    <dgm:txEffectClrLst/>
+  </dgm:styleLbl>
+  <dgm:styleLbl name="parChTrans1D3">
+    <dgm:fillClrLst meth="repeat">
+      <a:schemeClr val="accent4">
+        <a:tint val="70000"/>
+      </a:schemeClr>
+    </dgm:fillClrLst>
+    <dgm:linClrLst meth="repeat">
+      <a:schemeClr val="accent3"/>
+    </dgm:linClrLst>
+    <dgm:effectClrLst/>
+    <dgm:txLinClrLst/>
+    <dgm:txFillClrLst meth="repeat">
+      <a:schemeClr val="tx1"/>
+    </dgm:txFillClrLst>
+    <dgm:txEffectClrLst/>
+  </dgm:styleLbl>
+  <dgm:styleLbl name="parChTrans1D4">
+    <dgm:fillClrLst meth="repeat">
+      <a:schemeClr val="accent5">
+        <a:tint val="50000"/>
+      </a:schemeClr>
+    </dgm:fillClrLst>
+    <dgm:linClrLst meth="repeat">
+      <a:schemeClr val="accent4"/>
+    </dgm:linClrLst>
+    <dgm:effectClrLst/>
+    <dgm:txLinClrLst/>
+    <dgm:txFillClrLst meth="repeat">
+      <a:schemeClr val="tx1"/>
+    </dgm:txFillClrLst>
+    <dgm:txEffectClrLst/>
+  </dgm:styleLbl>
+  <dgm:styleLbl name="fgAcc1">
+    <dgm:fillClrLst meth="repeat">
+      <a:schemeClr val="lt1">
+        <a:alpha val="90000"/>
+      </a:schemeClr>
+    </dgm:fillClrLst>
+    <dgm:linClrLst meth="repeat">
+      <a:schemeClr val="accent2"/>
+      <a:schemeClr val="accent3"/>
+      <a:schemeClr val="accent4"/>
+      <a:schemeClr val="accent5"/>
+      <a:schemeClr val="accent6"/>
+    </dgm:linClrLst>
+    <dgm:effectClrLst/>
+    <dgm:txLinClrLst/>
+    <dgm:txFillClrLst meth="repeat">
+      <a:schemeClr val="dk1"/>
+    </dgm:txFillClrLst>
+    <dgm:txEffectClrLst/>
+  </dgm:styleLbl>
+  <dgm:styleLbl name="conFgAcc1">
+    <dgm:fillClrLst meth="repeat">
+      <a:schemeClr val="lt1">
+        <a:alpha val="90000"/>
+      </a:schemeClr>
+    </dgm:fillClrLst>
+    <dgm:linClrLst meth="repeat">
+      <a:schemeClr val="accent2"/>
+      <a:schemeClr val="accent3"/>
+      <a:schemeClr val="accent4"/>
+      <a:schemeClr val="accent5"/>
+      <a:schemeClr val="accent6"/>
+    </dgm:linClrLst>
+    <dgm:effectClrLst/>
+    <dgm:txLinClrLst/>
+    <dgm:txFillClrLst meth="repeat">
+      <a:schemeClr val="dk1"/>
+    </dgm:txFillClrLst>
+    <dgm:txEffectClrLst/>
+  </dgm:styleLbl>
+  <dgm:styleLbl name="alignAcc1">
+    <dgm:fillClrLst meth="repeat">
+      <a:schemeClr val="lt1">
+        <a:alpha val="90000"/>
+      </a:schemeClr>
+    </dgm:fillClrLst>
+    <dgm:linClrLst meth="repeat">
+      <a:schemeClr val="accent2"/>
+      <a:schemeClr val="accent3"/>
+      <a:schemeClr val="accent4"/>
+      <a:schemeClr val="accent5"/>
+      <a:schemeClr val="accent6"/>
+    </dgm:linClrLst>
+    <dgm:effectClrLst/>
+    <dgm:txLinClrLst/>
+    <dgm:txFillClrLst meth="repeat">
+      <a:schemeClr val="dk1"/>
+    </dgm:txFillClrLst>
+    <dgm:txEffectClrLst/>
+  </dgm:styleLbl>
+  <dgm:styleLbl name="trAlignAcc1">
+    <dgm:fillClrLst meth="repeat">
+      <a:schemeClr val="lt1">
+        <a:alpha val="40000"/>
+      </a:schemeClr>
+    </dgm:fillClrLst>
+    <dgm:linClrLst meth="repeat">
+      <a:schemeClr val="accent1"/>
+    </dgm:linClrLst>
+    <dgm:effectClrLst/>
+    <dgm:txLinClrLst/>
+    <dgm:txFillClrLst meth="repeat">
+      <a:schemeClr val="dk1"/>
+    </dgm:txFillClrLst>
+    <dgm:txEffectClrLst/>
+  </dgm:styleLbl>
+  <dgm:styleLbl name="bgAcc1">
+    <dgm:fillClrLst meth="repeat">
+      <a:schemeClr val="lt1">
+        <a:alpha val="90000"/>
+      </a:schemeClr>
+    </dgm:fillClrLst>
+    <dgm:linClrLst meth="repeat">
+      <a:schemeClr val="accent2"/>
+      <a:schemeClr val="accent3"/>
+      <a:schemeClr val="accent4"/>
+      <a:schemeClr val="accent5"/>
+      <a:schemeClr val="accent6"/>
+    </dgm:linClrLst>
+    <dgm:effectClrLst/>
+    <dgm:txLinClrLst/>
+    <dgm:txFillClrLst meth="repeat">
+      <a:schemeClr val="dk1"/>
+    </dgm:txFillClrLst>
+    <dgm:txEffectClrLst/>
+  </dgm:styleLbl>
+  <dgm:styleLbl name="solidFgAcc1">
+    <dgm:fillClrLst meth="repeat">
+      <a:schemeClr val="lt1"/>
+    </dgm:fillClrLst>
+    <dgm:linClrLst meth="repeat">
+      <a:schemeClr val="accent2"/>
+      <a:schemeClr val="accent3"/>
+      <a:schemeClr val="accent4"/>
+      <a:schemeClr val="accent5"/>
+      <a:schemeClr val="accent6"/>
+    </dgm:linClrLst>
+    <dgm:effectClrLst/>
+    <dgm:txLinClrLst/>
+    <dgm:txFillClrLst meth="repeat">
+      <a:schemeClr val="dk1"/>
+    </dgm:txFillClrLst>
+    <dgm:txEffectClrLst/>
+  </dgm:styleLbl>
+  <dgm:styleLbl name="solidAlignAcc1">
+    <dgm:fillClrLst meth="repeat">
+      <a:schemeClr val="lt1"/>
+    </dgm:fillClrLst>
+    <dgm:linClrLst meth="repeat">
+      <a:schemeClr val="accent2"/>
+      <a:schemeClr val="accent3"/>
+      <a:schemeClr val="accent4"/>
+      <a:schemeClr val="accent5"/>
+      <a:schemeClr val="accent6"/>
+    </dgm:linClrLst>
+    <dgm:effectClrLst/>
+    <dgm:txLinClrLst/>
+    <dgm:txFillClrLst meth="repeat">
+      <a:schemeClr val="dk1"/>
+    </dgm:txFillClrLst>
+    <dgm:txEffectClrLst/>
+  </dgm:styleLbl>
+  <dgm:styleLbl name="solidBgAcc1">
+    <dgm:fillClrLst meth="repeat">
+      <a:schemeClr val="lt1"/>
+    </dgm:fillClrLst>
+    <dgm:linClrLst meth="repeat">
+      <a:schemeClr val="accent2"/>
+      <a:schemeClr val="accent3"/>
+      <a:schemeClr val="accent4"/>
+      <a:schemeClr val="accent5"/>
+      <a:schemeClr val="accent6"/>
+    </dgm:linClrLst>
+    <dgm:effectClrLst/>
+    <dgm:txLinClrLst/>
+    <dgm:txFillClrLst meth="repeat">
+      <a:schemeClr val="dk1"/>
+    </dgm:txFillClrLst>
+    <dgm:txEffectClrLst/>
+  </dgm:styleLbl>
+  <dgm:styleLbl name="fgAccFollowNode1">
+    <dgm:fillClrLst meth="repeat">
+      <a:schemeClr val="accent2">
+        <a:tint val="40000"/>
+        <a:alpha val="90000"/>
+      </a:schemeClr>
+      <a:schemeClr val="accent3">
+        <a:tint val="40000"/>
+        <a:alpha val="90000"/>
+      </a:schemeClr>
+      <a:schemeClr val="accent4">
+        <a:tint val="40000"/>
+        <a:alpha val="90000"/>
+      </a:schemeClr>
+      <a:schemeClr val="accent5">
+        <a:tint val="40000"/>
+        <a:alpha val="90000"/>
+      </a:schemeClr>
+      <a:schemeClr val="accent6">
+        <a:tint val="40000"/>
+        <a:alpha val="90000"/>
+      </a:schemeClr>
+    </dgm:fillClrLst>
+    <dgm:linClrLst meth="repeat">
+      <a:schemeClr val="accent2">
+        <a:tint val="40000"/>
+        <a:alpha val="90000"/>
+      </a:schemeClr>
+      <a:schemeClr val="accent3">
+        <a:tint val="40000"/>
+        <a:alpha val="90000"/>
+      </a:schemeClr>
+      <a:schemeClr val="accent4">
+        <a:tint val="40000"/>
+        <a:alpha val="90000"/>
+      </a:schemeClr>
+      <a:schemeClr val="accent5">
+        <a:tint val="40000"/>
+        <a:alpha val="90000"/>
+      </a:schemeClr>
+      <a:schemeClr val="accent6">
+        <a:tint val="40000"/>
+        <a:alpha val="90000"/>
+      </a:schemeClr>
+    </dgm:linClrLst>
+    <dgm:effectClrLst/>
+    <dgm:txLinClrLst/>
+    <dgm:txFillClrLst meth="repeat">
+      <a:schemeClr val="dk1"/>
+    </dgm:txFillClrLst>
+    <dgm:txEffectClrLst/>
+  </dgm:styleLbl>
+  <dgm:styleLbl name="alignAccFollowNode1">
+    <dgm:fillClrLst meth="repeat">
+      <a:schemeClr val="accent2">
+        <a:tint val="40000"/>
+        <a:alpha val="90000"/>
+      </a:schemeClr>
+      <a:schemeClr val="accent3">
+        <a:tint val="40000"/>
+        <a:alpha val="90000"/>
+      </a:schemeClr>
+      <a:schemeClr val="accent4">
+        <a:tint val="40000"/>
+        <a:alpha val="90000"/>
+      </a:schemeClr>
+      <a:schemeClr val="accent5">
+        <a:tint val="40000"/>
+        <a:alpha val="90000"/>
+      </a:schemeClr>
+      <a:schemeClr val="accent6">
+        <a:tint val="40000"/>
+        <a:alpha val="90000"/>
+      </a:schemeClr>
+    </dgm:fillClrLst>
+    <dgm:linClrLst meth="repeat">
+      <a:schemeClr val="accent2">
+        <a:tint val="40000"/>
+        <a:alpha val="90000"/>
+      </a:schemeClr>
+      <a:schemeClr val="accent3">
+        <a:tint val="40000"/>
+        <a:alpha val="90000"/>
+      </a:schemeClr>
+      <a:schemeClr val="accent4">
+        <a:tint val="40000"/>
+        <a:alpha val="90000"/>
+      </a:schemeClr>
+      <a:schemeClr val="accent5">
+        <a:tint val="40000"/>
+        <a:alpha val="90000"/>
+      </a:schemeClr>
+      <a:schemeClr val="accent6">
+        <a:tint val="40000"/>
+        <a:alpha val="90000"/>
+      </a:schemeClr>
+    </dgm:linClrLst>
+    <dgm:effectClrLst/>
+    <dgm:txLinClrLst/>
+    <dgm:txFillClrLst meth="repeat">
+      <a:schemeClr val="dk1"/>
+    </dgm:txFillClrLst>
+    <dgm:txEffectClrLst/>
+  </dgm:styleLbl>
+  <dgm:styleLbl name="bgAccFollowNode1">
+    <dgm:fillClrLst meth="repeat">
+      <a:schemeClr val="accent2">
+        <a:tint val="40000"/>
+        <a:alpha val="90000"/>
+      </a:schemeClr>
+      <a:schemeClr val="accent3">
+        <a:tint val="40000"/>
+        <a:alpha val="90000"/>
+      </a:schemeClr>
+      <a:schemeClr val="accent4">
+        <a:tint val="40000"/>
+        <a:alpha val="90000"/>
+      </a:schemeClr>
+      <a:schemeClr val="accent5">
+        <a:tint val="40000"/>
+        <a:alpha val="90000"/>
+      </a:schemeClr>
+      <a:schemeClr val="accent6">
+        <a:tint val="40000"/>
+        <a:alpha val="90000"/>
+      </a:schemeClr>
+    </dgm:fillClrLst>
+    <dgm:linClrLst meth="repeat">
+      <a:schemeClr val="accent2">
+        <a:tint val="40000"/>
+        <a:alpha val="90000"/>
+      </a:schemeClr>
+      <a:schemeClr val="accent3">
+        <a:tint val="40000"/>
+        <a:alpha val="90000"/>
+      </a:schemeClr>
+      <a:schemeClr val="accent4">
+        <a:tint val="40000"/>
+        <a:alpha val="90000"/>
+      </a:schemeClr>
+      <a:schemeClr val="accent5">
+        <a:tint val="40000"/>
+        <a:alpha val="90000"/>
+      </a:schemeClr>
+      <a:schemeClr val="accent6">
+        <a:tint val="40000"/>
+        <a:alpha val="90000"/>
+      </a:schemeClr>
+    </dgm:linClrLst>
+    <dgm:effectClrLst/>
+    <dgm:txLinClrLst/>
+    <dgm:txFillClrLst meth="repeat">
+      <a:schemeClr val="dk1"/>
+    </dgm:txFillClrLst>
+    <dgm:txEffectClrLst/>
+  </dgm:styleLbl>
+  <dgm:styleLbl name="fgAcc0">
+    <dgm:fillClrLst meth="repeat">
+      <a:schemeClr val="lt1">
+        <a:alpha val="90000"/>
+      </a:schemeClr>
+    </dgm:fillClrLst>
+    <dgm:linClrLst>
+      <a:schemeClr val="accent1"/>
+    </dgm:linClrLst>
+    <dgm:effectClrLst/>
+    <dgm:txLinClrLst/>
+    <dgm:txFillClrLst meth="repeat">
+      <a:schemeClr val="dk1"/>
+    </dgm:txFillClrLst>
+    <dgm:txEffectClrLst/>
+  </dgm:styleLbl>
+  <dgm:styleLbl name="fgAcc2">
+    <dgm:fillClrLst meth="repeat">
+      <a:schemeClr val="lt1">
+        <a:alpha val="90000"/>
+      </a:schemeClr>
+    </dgm:fillClrLst>
+    <dgm:linClrLst>
+      <a:schemeClr val="accent2"/>
+    </dgm:linClrLst>
+    <dgm:effectClrLst/>
+    <dgm:txLinClrLst/>
+    <dgm:txFillClrLst meth="repeat">
+      <a:schemeClr val="dk1"/>
+    </dgm:txFillClrLst>
+    <dgm:txEffectClrLst/>
+  </dgm:styleLbl>
+  <dgm:styleLbl name="fgAcc3">
+    <dgm:fillClrLst meth="repeat">
+      <a:schemeClr val="lt1">
+        <a:alpha val="90000"/>
+      </a:schemeClr>
+    </dgm:fillClrLst>
+    <dgm:linClrLst>
+      <a:schemeClr val="accent3"/>
+    </dgm:linClrLst>
+    <dgm:effectClrLst/>
+    <dgm:txLinClrLst/>
+    <dgm:txFillClrLst meth="repeat">
+      <a:schemeClr val="dk1"/>
+    </dgm:txFillClrLst>
+    <dgm:txEffectClrLst/>
+  </dgm:styleLbl>
+  <dgm:styleLbl name="fgAcc4">
+    <dgm:fillClrLst meth="repeat">
+      <a:schemeClr val="lt1">
+        <a:alpha val="90000"/>
+      </a:schemeClr>
+    </dgm:fillClrLst>
+    <dgm:linClrLst>
+      <a:schemeClr val="accent4"/>
+    </dgm:linClrLst>
+    <dgm:effectClrLst/>
+    <dgm:txLinClrLst/>
+    <dgm:txFillClrLst meth="repeat">
+      <a:schemeClr val="dk1"/>
+    </dgm:txFillClrLst>
+    <dgm:txEffectClrLst/>
+  </dgm:styleLbl>
+  <dgm:styleLbl name="bgShp">
+    <dgm:fillClrLst meth="repeat">
+      <a:schemeClr val="accent2"/>
+      <a:schemeClr val="accent3"/>
+      <a:schemeClr val="accent4"/>
+      <a:schemeClr val="accent5"/>
+      <a:schemeClr val="accent6"/>
+    </dgm:fillClrLst>
+    <dgm:linClrLst meth="repeat">
+      <a:schemeClr val="lt1">
+        <a:alpha val="0"/>
+      </a:schemeClr>
+    </dgm:linClrLst>
+    <dgm:effectClrLst/>
+    <dgm:txLinClrLst/>
+    <dgm:txFillClrLst/>
+    <dgm:txEffectClrLst/>
+  </dgm:styleLbl>
+  <dgm:styleLbl name="dkBgShp">
+    <dgm:fillClrLst meth="repeat">
+      <a:schemeClr val="accent2">
+        <a:shade val="90000"/>
+      </a:schemeClr>
+    </dgm:fillClrLst>
+    <dgm:linClrLst meth="repeat">
+      <a:schemeClr val="dk1"/>
+    </dgm:linClrLst>
+    <dgm:effectClrLst/>
+    <dgm:txLinClrLst/>
+    <dgm:txFillClrLst meth="repeat">
+      <a:schemeClr val="lt1"/>
+    </dgm:txFillClrLst>
+    <dgm:txEffectClrLst/>
+  </dgm:styleLbl>
+  <dgm:styleLbl name="trBgShp">
+    <dgm:fillClrLst meth="repeat">
+      <a:schemeClr val="accent1">
+        <a:tint val="50000"/>
+        <a:alpha val="40000"/>
+      </a:schemeClr>
+    </dgm:fillClrLst>
+    <dgm:linClrLst meth="repeat">
+      <a:schemeClr val="accent2"/>
+    </dgm:linClrLst>
+    <dgm:effectClrLst/>
+    <dgm:txLinClrLst/>
+    <dgm:txFillClrLst meth="repeat">
+      <a:schemeClr val="lt1"/>
+    </dgm:txFillClrLst>
+    <dgm:txEffectClrLst/>
+  </dgm:styleLbl>
+  <dgm:styleLbl name="fgShp">
+    <dgm:fillClrLst meth="repeat">
+      <a:schemeClr val="accent2">
+        <a:tint val="40000"/>
+      </a:schemeClr>
+    </dgm:fillClrLst>
+    <dgm:linClrLst meth="repeat">
+      <a:schemeClr val="lt1"/>
+    </dgm:linClrLst>
+    <dgm:effectClrLst/>
+    <dgm:txLinClrLst/>
+    <dgm:txFillClrLst meth="repeat">
+      <a:schemeClr val="dk1"/>
+    </dgm:txFillClrLst>
+    <dgm:txEffectClrLst/>
+  </dgm:styleLbl>
+  <dgm:styleLbl name="revTx">
+    <dgm:fillClrLst meth="repeat">
+      <a:schemeClr val="lt1">
+        <a:alpha val="0"/>
+      </a:schemeClr>
+    </dgm:fillClrLst>
+    <dgm:linClrLst meth="repeat">
+      <a:schemeClr val="dk1">
+        <a:alpha val="0"/>
+      </a:schemeClr>
+    </dgm:linClrLst>
+    <dgm:effectClrLst/>
+    <dgm:txLinClrLst/>
+    <dgm:txFillClrLst meth="repeat">
+      <a:schemeClr val="bg1"/>
+    </dgm:txFillClrLst>
+    <dgm:txEffectClrLst/>
+  </dgm:styleLbl>
+</dgm:colorsDef>
+</file>
+
+<file path=ppt/diagrams/data1.xml><?xml version="1.0" encoding="utf-8"?>
+<dgm:dataModel xmlns:dgm="http://schemas.openxmlformats.org/drawingml/2006/diagram" xmlns:a="http://schemas.openxmlformats.org/drawingml/2006/main">
+  <dgm:ptLst>
+    <dgm:pt modelId="{175BAB4B-7FCC-4BDF-A548-75A33B01F89C}" type="doc">
+      <dgm:prSet loTypeId="urn:microsoft.com/office/officeart/2018/2/layout/IconVerticalSolidList" loCatId="icon" qsTypeId="urn:microsoft.com/office/officeart/2005/8/quickstyle/simple1" qsCatId="simple" csTypeId="urn:microsoft.com/office/officeart/2018/5/colors/Iconchunking_neutralicontext_colorful1" csCatId="colorful" phldr="1"/>
+      <dgm:spPr/>
+      <dgm:t>
+        <a:bodyPr/>
+        <a:lstStyle/>
+        <a:p>
+          <a:endParaRPr lang="en-US"/>
+        </a:p>
+      </dgm:t>
+    </dgm:pt>
+    <dgm:pt modelId="{3BB1B6E0-911D-4E78-BC1D-49324BB365B8}">
+      <dgm:prSet/>
+      <dgm:spPr/>
+      <dgm:t>
+        <a:bodyPr/>
+        <a:lstStyle/>
+        <a:p>
+          <a:r>
+            <a:rPr lang="en-US"/>
+            <a:t>Explore data further (identify data story)</a:t>
+          </a:r>
+        </a:p>
+      </dgm:t>
+    </dgm:pt>
+    <dgm:pt modelId="{E50E17A4-5FAD-4EDF-9DCB-81B946F8B021}" type="parTrans" cxnId="{D31015B7-04C5-4252-8FC9-E05A14B0C609}">
+      <dgm:prSet/>
+      <dgm:spPr/>
+      <dgm:t>
+        <a:bodyPr/>
+        <a:lstStyle/>
+        <a:p>
+          <a:endParaRPr lang="en-US"/>
+        </a:p>
+      </dgm:t>
+    </dgm:pt>
+    <dgm:pt modelId="{47010D84-4086-4349-BD93-551C8792EF64}" type="sibTrans" cxnId="{D31015B7-04C5-4252-8FC9-E05A14B0C609}">
+      <dgm:prSet/>
+      <dgm:spPr/>
+      <dgm:t>
+        <a:bodyPr/>
+        <a:lstStyle/>
+        <a:p>
+          <a:endParaRPr lang="en-US"/>
+        </a:p>
+      </dgm:t>
+    </dgm:pt>
+    <dgm:pt modelId="{3BFCA093-33AF-4D13-8657-66668F987528}">
+      <dgm:prSet/>
+      <dgm:spPr/>
+      <dgm:t>
+        <a:bodyPr/>
+        <a:lstStyle/>
+        <a:p>
+          <a:r>
+            <a:rPr lang="en-US"/>
+            <a:t>Narrow down to specific question(s) – possibly expand more attributes and reduce instances (columns and rows)</a:t>
+          </a:r>
+        </a:p>
+      </dgm:t>
+    </dgm:pt>
+    <dgm:pt modelId="{322C6B2A-7F13-4A0B-9C50-7B85A134B609}" type="parTrans" cxnId="{6EB20B79-8ED9-4889-B2F6-A2B009E4DA34}">
+      <dgm:prSet/>
+      <dgm:spPr/>
+      <dgm:t>
+        <a:bodyPr/>
+        <a:lstStyle/>
+        <a:p>
+          <a:endParaRPr lang="en-US"/>
+        </a:p>
+      </dgm:t>
+    </dgm:pt>
+    <dgm:pt modelId="{57CAA2E4-01B1-4DE4-BAB5-6D8491EE0EE2}" type="sibTrans" cxnId="{6EB20B79-8ED9-4889-B2F6-A2B009E4DA34}">
+      <dgm:prSet/>
+      <dgm:spPr/>
+      <dgm:t>
+        <a:bodyPr/>
+        <a:lstStyle/>
+        <a:p>
+          <a:endParaRPr lang="en-US"/>
+        </a:p>
+      </dgm:t>
+    </dgm:pt>
+    <dgm:pt modelId="{62D04096-0064-40F2-8D1E-5785E6F2F905}">
+      <dgm:prSet/>
+      <dgm:spPr/>
+      <dgm:t>
+        <a:bodyPr/>
+        <a:lstStyle/>
+        <a:p>
+          <a:r>
+            <a:rPr lang="en-US"/>
+            <a:t>Integrate other independent data linked to any attribute of existing dataset e.g. weather, labor etc.</a:t>
+          </a:r>
+        </a:p>
+      </dgm:t>
+    </dgm:pt>
+    <dgm:pt modelId="{678A88D4-CD8B-4043-9489-BF8C984ACEC1}" type="parTrans" cxnId="{3F3ADAB9-AA33-4A25-A5AE-885391F623E1}">
+      <dgm:prSet/>
+      <dgm:spPr/>
+      <dgm:t>
+        <a:bodyPr/>
+        <a:lstStyle/>
+        <a:p>
+          <a:endParaRPr lang="en-US"/>
+        </a:p>
+      </dgm:t>
+    </dgm:pt>
+    <dgm:pt modelId="{7245EEF0-A976-4216-BE45-8387C8DEAB84}" type="sibTrans" cxnId="{3F3ADAB9-AA33-4A25-A5AE-885391F623E1}">
+      <dgm:prSet/>
+      <dgm:spPr/>
+      <dgm:t>
+        <a:bodyPr/>
+        <a:lstStyle/>
+        <a:p>
+          <a:endParaRPr lang="en-US"/>
+        </a:p>
+      </dgm:t>
+    </dgm:pt>
+    <dgm:pt modelId="{57017507-C952-4521-B59A-DBA38AE86170}" type="pres">
+      <dgm:prSet presAssocID="{175BAB4B-7FCC-4BDF-A548-75A33B01F89C}" presName="root" presStyleCnt="0">
+        <dgm:presLayoutVars>
+          <dgm:dir/>
+          <dgm:resizeHandles val="exact"/>
+        </dgm:presLayoutVars>
+      </dgm:prSet>
+      <dgm:spPr/>
+    </dgm:pt>
+    <dgm:pt modelId="{720524D1-5A16-40AA-9C49-B38C0396004A}" type="pres">
+      <dgm:prSet presAssocID="{3BB1B6E0-911D-4E78-BC1D-49324BB365B8}" presName="compNode" presStyleCnt="0"/>
+      <dgm:spPr/>
+    </dgm:pt>
+    <dgm:pt modelId="{85282CC7-A787-4E3B-946E-AE0920C75F5B}" type="pres">
+      <dgm:prSet presAssocID="{3BB1B6E0-911D-4E78-BC1D-49324BB365B8}" presName="bgRect" presStyleLbl="bgShp" presStyleIdx="0" presStyleCnt="3"/>
+      <dgm:spPr/>
+    </dgm:pt>
+    <dgm:pt modelId="{A0598C66-AAEB-4525-9ECD-8303D67600EC}" type="pres">
+      <dgm:prSet presAssocID="{3BB1B6E0-911D-4E78-BC1D-49324BB365B8}" presName="iconRect" presStyleLbl="node1" presStyleIdx="0" presStyleCnt="3"/>
+      <dgm:spPr>
+        <a:blipFill>
+          <a:blip xmlns:r="http://schemas.openxmlformats.org/officeDocument/2006/relationships" r:embed="rId1">
+            <a:extLst>
+              <a:ext uri="{28A0092B-C50C-407E-A947-70E740481C1C}">
+                <a14:useLocalDpi xmlns:a14="http://schemas.microsoft.com/office/drawing/2010/main" val="0"/>
+              </a:ext>
+              <a:ext uri="{96DAC541-7B7A-43D3-8B79-37D633B846F1}">
+                <asvg:svgBlip xmlns:asvg="http://schemas.microsoft.com/office/drawing/2016/SVG/main" r:embed="rId2"/>
+              </a:ext>
+            </a:extLst>
+          </a:blip>
+          <a:stretch>
+            <a:fillRect/>
+          </a:stretch>
+        </a:blipFill>
+        <a:ln>
+          <a:noFill/>
+        </a:ln>
+      </dgm:spPr>
+      <dgm:extLst>
+        <a:ext uri="{E40237B7-FDA0-4F09-8148-C483321AD2D9}">
+          <dgm14:cNvPr xmlns:dgm14="http://schemas.microsoft.com/office/drawing/2010/diagram" id="0" name="" descr="Research"/>
+        </a:ext>
+      </dgm:extLst>
+    </dgm:pt>
+    <dgm:pt modelId="{716D9297-02F9-44F0-ACD2-73FB26656DBF}" type="pres">
+      <dgm:prSet presAssocID="{3BB1B6E0-911D-4E78-BC1D-49324BB365B8}" presName="spaceRect" presStyleCnt="0"/>
+      <dgm:spPr/>
+    </dgm:pt>
+    <dgm:pt modelId="{89B498D5-8A9F-495F-B24B-81927CA49B4B}" type="pres">
+      <dgm:prSet presAssocID="{3BB1B6E0-911D-4E78-BC1D-49324BB365B8}" presName="parTx" presStyleLbl="revTx" presStyleIdx="0" presStyleCnt="3">
+        <dgm:presLayoutVars>
+          <dgm:chMax val="0"/>
+          <dgm:chPref val="0"/>
+        </dgm:presLayoutVars>
+      </dgm:prSet>
+      <dgm:spPr/>
+    </dgm:pt>
+    <dgm:pt modelId="{93F94D2E-C21C-44C6-934F-9BF18A257B4D}" type="pres">
+      <dgm:prSet presAssocID="{47010D84-4086-4349-BD93-551C8792EF64}" presName="sibTrans" presStyleCnt="0"/>
+      <dgm:spPr/>
+    </dgm:pt>
+    <dgm:pt modelId="{CC53D648-105E-486D-A4E6-F466E54341BB}" type="pres">
+      <dgm:prSet presAssocID="{3BFCA093-33AF-4D13-8657-66668F987528}" presName="compNode" presStyleCnt="0"/>
+      <dgm:spPr/>
+    </dgm:pt>
+    <dgm:pt modelId="{CCA322AA-03D0-437B-9316-EBF3CC588F60}" type="pres">
+      <dgm:prSet presAssocID="{3BFCA093-33AF-4D13-8657-66668F987528}" presName="bgRect" presStyleLbl="bgShp" presStyleIdx="1" presStyleCnt="3"/>
+      <dgm:spPr/>
+    </dgm:pt>
+    <dgm:pt modelId="{5D537140-81F5-45F9-89E9-306C556AFFD4}" type="pres">
+      <dgm:prSet presAssocID="{3BFCA093-33AF-4D13-8657-66668F987528}" presName="iconRect" presStyleLbl="node1" presStyleIdx="1" presStyleCnt="3"/>
+      <dgm:spPr>
+        <a:blipFill>
+          <a:blip xmlns:r="http://schemas.openxmlformats.org/officeDocument/2006/relationships" r:embed="rId3">
+            <a:extLst>
+              <a:ext uri="{28A0092B-C50C-407E-A947-70E740481C1C}">
+                <a14:useLocalDpi xmlns:a14="http://schemas.microsoft.com/office/drawing/2010/main" val="0"/>
+              </a:ext>
+              <a:ext uri="{96DAC541-7B7A-43D3-8B79-37D633B846F1}">
+                <asvg:svgBlip xmlns:asvg="http://schemas.microsoft.com/office/drawing/2016/SVG/main" r:embed="rId4"/>
+              </a:ext>
+            </a:extLst>
+          </a:blip>
+          <a:stretch>
+            <a:fillRect/>
+          </a:stretch>
+        </a:blipFill>
+        <a:ln>
+          <a:noFill/>
+        </a:ln>
+      </dgm:spPr>
+      <dgm:extLst>
+        <a:ext uri="{E40237B7-FDA0-4F09-8148-C483321AD2D9}">
+          <dgm14:cNvPr xmlns:dgm14="http://schemas.microsoft.com/office/drawing/2010/diagram" id="0" name="" descr="Table"/>
+        </a:ext>
+      </dgm:extLst>
+    </dgm:pt>
+    <dgm:pt modelId="{E76FBD8E-74F0-4A8C-8211-6C90F24F4055}" type="pres">
+      <dgm:prSet presAssocID="{3BFCA093-33AF-4D13-8657-66668F987528}" presName="spaceRect" presStyleCnt="0"/>
+      <dgm:spPr/>
+    </dgm:pt>
+    <dgm:pt modelId="{BCBB2798-4073-4D50-9AC8-A68E36A66F0E}" type="pres">
+      <dgm:prSet presAssocID="{3BFCA093-33AF-4D13-8657-66668F987528}" presName="parTx" presStyleLbl="revTx" presStyleIdx="1" presStyleCnt="3">
+        <dgm:presLayoutVars>
+          <dgm:chMax val="0"/>
+          <dgm:chPref val="0"/>
+        </dgm:presLayoutVars>
+      </dgm:prSet>
+      <dgm:spPr/>
+    </dgm:pt>
+    <dgm:pt modelId="{B1BCFFA9-CB61-42B6-A6B3-DD5F24D75E3A}" type="pres">
+      <dgm:prSet presAssocID="{57CAA2E4-01B1-4DE4-BAB5-6D8491EE0EE2}" presName="sibTrans" presStyleCnt="0"/>
+      <dgm:spPr/>
+    </dgm:pt>
+    <dgm:pt modelId="{88DD745C-1A25-4A26-B6A7-185E6937309C}" type="pres">
+      <dgm:prSet presAssocID="{62D04096-0064-40F2-8D1E-5785E6F2F905}" presName="compNode" presStyleCnt="0"/>
+      <dgm:spPr/>
+    </dgm:pt>
+    <dgm:pt modelId="{514790DB-4D13-447C-BCD1-57ADE151ACB5}" type="pres">
+      <dgm:prSet presAssocID="{62D04096-0064-40F2-8D1E-5785E6F2F905}" presName="bgRect" presStyleLbl="bgShp" presStyleIdx="2" presStyleCnt="3"/>
+      <dgm:spPr/>
+    </dgm:pt>
+    <dgm:pt modelId="{03B087BA-FF01-4212-95EA-403B41DF86EB}" type="pres">
+      <dgm:prSet presAssocID="{62D04096-0064-40F2-8D1E-5785E6F2F905}" presName="iconRect" presStyleLbl="node1" presStyleIdx="2" presStyleCnt="3"/>
+      <dgm:spPr>
+        <a:blipFill>
+          <a:blip xmlns:r="http://schemas.openxmlformats.org/officeDocument/2006/relationships" r:embed="rId5">
+            <a:extLst>
+              <a:ext uri="{28A0092B-C50C-407E-A947-70E740481C1C}">
+                <a14:useLocalDpi xmlns:a14="http://schemas.microsoft.com/office/drawing/2010/main" val="0"/>
+              </a:ext>
+              <a:ext uri="{96DAC541-7B7A-43D3-8B79-37D633B846F1}">
+                <asvg:svgBlip xmlns:asvg="http://schemas.microsoft.com/office/drawing/2016/SVG/main" r:embed="rId6"/>
+              </a:ext>
+            </a:extLst>
+          </a:blip>
+          <a:stretch>
+            <a:fillRect/>
+          </a:stretch>
+        </a:blipFill>
+        <a:ln>
+          <a:noFill/>
+        </a:ln>
+      </dgm:spPr>
+      <dgm:extLst>
+        <a:ext uri="{E40237B7-FDA0-4F09-8148-C483321AD2D9}">
+          <dgm14:cNvPr xmlns:dgm14="http://schemas.microsoft.com/office/drawing/2010/diagram" id="0" name="" descr="Database"/>
+        </a:ext>
+      </dgm:extLst>
+    </dgm:pt>
+    <dgm:pt modelId="{07AAA141-DF04-42E0-8B0A-B79972062FA3}" type="pres">
+      <dgm:prSet presAssocID="{62D04096-0064-40F2-8D1E-5785E6F2F905}" presName="spaceRect" presStyleCnt="0"/>
+      <dgm:spPr/>
+    </dgm:pt>
+    <dgm:pt modelId="{9FFEC301-9E09-45E0-959F-338A77A30356}" type="pres">
+      <dgm:prSet presAssocID="{62D04096-0064-40F2-8D1E-5785E6F2F905}" presName="parTx" presStyleLbl="revTx" presStyleIdx="2" presStyleCnt="3">
+        <dgm:presLayoutVars>
+          <dgm:chMax val="0"/>
+          <dgm:chPref val="0"/>
+        </dgm:presLayoutVars>
+      </dgm:prSet>
+      <dgm:spPr/>
+    </dgm:pt>
+  </dgm:ptLst>
+  <dgm:cxnLst>
+    <dgm:cxn modelId="{15B4BE38-1EA8-4627-8F66-BABCA60FEDE6}" type="presOf" srcId="{3BFCA093-33AF-4D13-8657-66668F987528}" destId="{BCBB2798-4073-4D50-9AC8-A68E36A66F0E}" srcOrd="0" destOrd="0" presId="urn:microsoft.com/office/officeart/2018/2/layout/IconVerticalSolidList"/>
+    <dgm:cxn modelId="{FB2F1A66-A6A1-44AF-B114-74FF698522C4}" type="presOf" srcId="{62D04096-0064-40F2-8D1E-5785E6F2F905}" destId="{9FFEC301-9E09-45E0-959F-338A77A30356}" srcOrd="0" destOrd="0" presId="urn:microsoft.com/office/officeart/2018/2/layout/IconVerticalSolidList"/>
+    <dgm:cxn modelId="{6EB20B79-8ED9-4889-B2F6-A2B009E4DA34}" srcId="{175BAB4B-7FCC-4BDF-A548-75A33B01F89C}" destId="{3BFCA093-33AF-4D13-8657-66668F987528}" srcOrd="1" destOrd="0" parTransId="{322C6B2A-7F13-4A0B-9C50-7B85A134B609}" sibTransId="{57CAA2E4-01B1-4DE4-BAB5-6D8491EE0EE2}"/>
+    <dgm:cxn modelId="{0A9A558A-9F8F-4D31-A992-42F278A1AFA3}" type="presOf" srcId="{3BB1B6E0-911D-4E78-BC1D-49324BB365B8}" destId="{89B498D5-8A9F-495F-B24B-81927CA49B4B}" srcOrd="0" destOrd="0" presId="urn:microsoft.com/office/officeart/2018/2/layout/IconVerticalSolidList"/>
+    <dgm:cxn modelId="{D31015B7-04C5-4252-8FC9-E05A14B0C609}" srcId="{175BAB4B-7FCC-4BDF-A548-75A33B01F89C}" destId="{3BB1B6E0-911D-4E78-BC1D-49324BB365B8}" srcOrd="0" destOrd="0" parTransId="{E50E17A4-5FAD-4EDF-9DCB-81B946F8B021}" sibTransId="{47010D84-4086-4349-BD93-551C8792EF64}"/>
+    <dgm:cxn modelId="{3F3ADAB9-AA33-4A25-A5AE-885391F623E1}" srcId="{175BAB4B-7FCC-4BDF-A548-75A33B01F89C}" destId="{62D04096-0064-40F2-8D1E-5785E6F2F905}" srcOrd="2" destOrd="0" parTransId="{678A88D4-CD8B-4043-9489-BF8C984ACEC1}" sibTransId="{7245EEF0-A976-4216-BE45-8387C8DEAB84}"/>
+    <dgm:cxn modelId="{FBCEE1DC-DEBE-438B-99EA-562C9E847F1F}" type="presOf" srcId="{175BAB4B-7FCC-4BDF-A548-75A33B01F89C}" destId="{57017507-C952-4521-B59A-DBA38AE86170}" srcOrd="0" destOrd="0" presId="urn:microsoft.com/office/officeart/2018/2/layout/IconVerticalSolidList"/>
+    <dgm:cxn modelId="{301C18AF-81E9-4CC8-BC7F-B9A386B5DA4E}" type="presParOf" srcId="{57017507-C952-4521-B59A-DBA38AE86170}" destId="{720524D1-5A16-40AA-9C49-B38C0396004A}" srcOrd="0" destOrd="0" presId="urn:microsoft.com/office/officeart/2018/2/layout/IconVerticalSolidList"/>
+    <dgm:cxn modelId="{C8EBFABF-8BF3-40F4-82AE-1FCCCF15BE34}" type="presParOf" srcId="{720524D1-5A16-40AA-9C49-B38C0396004A}" destId="{85282CC7-A787-4E3B-946E-AE0920C75F5B}" srcOrd="0" destOrd="0" presId="urn:microsoft.com/office/officeart/2018/2/layout/IconVerticalSolidList"/>
+    <dgm:cxn modelId="{3D99CCD3-B63A-4698-BCA3-CE7F730E7C05}" type="presParOf" srcId="{720524D1-5A16-40AA-9C49-B38C0396004A}" destId="{A0598C66-AAEB-4525-9ECD-8303D67600EC}" srcOrd="1" destOrd="0" presId="urn:microsoft.com/office/officeart/2018/2/layout/IconVerticalSolidList"/>
+    <dgm:cxn modelId="{2C5354CD-5F19-4505-8C18-554E5C3D9254}" type="presParOf" srcId="{720524D1-5A16-40AA-9C49-B38C0396004A}" destId="{716D9297-02F9-44F0-ACD2-73FB26656DBF}" srcOrd="2" destOrd="0" presId="urn:microsoft.com/office/officeart/2018/2/layout/IconVerticalSolidList"/>
+    <dgm:cxn modelId="{AB8643DE-9464-4EF2-A020-B59E52342A14}" type="presParOf" srcId="{720524D1-5A16-40AA-9C49-B38C0396004A}" destId="{89B498D5-8A9F-495F-B24B-81927CA49B4B}" srcOrd="3" destOrd="0" presId="urn:microsoft.com/office/officeart/2018/2/layout/IconVerticalSolidList"/>
+    <dgm:cxn modelId="{614C4FFB-946B-4079-B529-68B8F6842CE2}" type="presParOf" srcId="{57017507-C952-4521-B59A-DBA38AE86170}" destId="{93F94D2E-C21C-44C6-934F-9BF18A257B4D}" srcOrd="1" destOrd="0" presId="urn:microsoft.com/office/officeart/2018/2/layout/IconVerticalSolidList"/>
+    <dgm:cxn modelId="{AE44943E-5031-420F-8703-039465B9FE27}" type="presParOf" srcId="{57017507-C952-4521-B59A-DBA38AE86170}" destId="{CC53D648-105E-486D-A4E6-F466E54341BB}" srcOrd="2" destOrd="0" presId="urn:microsoft.com/office/officeart/2018/2/layout/IconVerticalSolidList"/>
+    <dgm:cxn modelId="{835DE7EA-6907-49E0-BAE2-4034A35E13D2}" type="presParOf" srcId="{CC53D648-105E-486D-A4E6-F466E54341BB}" destId="{CCA322AA-03D0-437B-9316-EBF3CC588F60}" srcOrd="0" destOrd="0" presId="urn:microsoft.com/office/officeart/2018/2/layout/IconVerticalSolidList"/>
+    <dgm:cxn modelId="{23D95C27-E19B-412C-93AE-63EA0354E2E3}" type="presParOf" srcId="{CC53D648-105E-486D-A4E6-F466E54341BB}" destId="{5D537140-81F5-45F9-89E9-306C556AFFD4}" srcOrd="1" destOrd="0" presId="urn:microsoft.com/office/officeart/2018/2/layout/IconVerticalSolidList"/>
+    <dgm:cxn modelId="{F04807E0-8F1C-4597-A77A-601677629513}" type="presParOf" srcId="{CC53D648-105E-486D-A4E6-F466E54341BB}" destId="{E76FBD8E-74F0-4A8C-8211-6C90F24F4055}" srcOrd="2" destOrd="0" presId="urn:microsoft.com/office/officeart/2018/2/layout/IconVerticalSolidList"/>
+    <dgm:cxn modelId="{C545F6A2-B400-49FA-88C7-B356DB1A0D3E}" type="presParOf" srcId="{CC53D648-105E-486D-A4E6-F466E54341BB}" destId="{BCBB2798-4073-4D50-9AC8-A68E36A66F0E}" srcOrd="3" destOrd="0" presId="urn:microsoft.com/office/officeart/2018/2/layout/IconVerticalSolidList"/>
+    <dgm:cxn modelId="{6308E3C0-626A-4F12-B1E3-4C3AB8B0DE51}" type="presParOf" srcId="{57017507-C952-4521-B59A-DBA38AE86170}" destId="{B1BCFFA9-CB61-42B6-A6B3-DD5F24D75E3A}" srcOrd="3" destOrd="0" presId="urn:microsoft.com/office/officeart/2018/2/layout/IconVerticalSolidList"/>
+    <dgm:cxn modelId="{5D2C269B-F62F-49D4-855C-409FAFE23E1E}" type="presParOf" srcId="{57017507-C952-4521-B59A-DBA38AE86170}" destId="{88DD745C-1A25-4A26-B6A7-185E6937309C}" srcOrd="4" destOrd="0" presId="urn:microsoft.com/office/officeart/2018/2/layout/IconVerticalSolidList"/>
+    <dgm:cxn modelId="{9E41AEB7-56C4-4474-8DB2-F7DE04FB1457}" type="presParOf" srcId="{88DD745C-1A25-4A26-B6A7-185E6937309C}" destId="{514790DB-4D13-447C-BCD1-57ADE151ACB5}" srcOrd="0" destOrd="0" presId="urn:microsoft.com/office/officeart/2018/2/layout/IconVerticalSolidList"/>
+    <dgm:cxn modelId="{95E3DD18-BE4D-4D78-9D03-0F59F7F5CD01}" type="presParOf" srcId="{88DD745C-1A25-4A26-B6A7-185E6937309C}" destId="{03B087BA-FF01-4212-95EA-403B41DF86EB}" srcOrd="1" destOrd="0" presId="urn:microsoft.com/office/officeart/2018/2/layout/IconVerticalSolidList"/>
+    <dgm:cxn modelId="{0B2E981C-5E39-4FEB-8A9D-A2919AFF1FF6}" type="presParOf" srcId="{88DD745C-1A25-4A26-B6A7-185E6937309C}" destId="{07AAA141-DF04-42E0-8B0A-B79972062FA3}" srcOrd="2" destOrd="0" presId="urn:microsoft.com/office/officeart/2018/2/layout/IconVerticalSolidList"/>
+    <dgm:cxn modelId="{58EA4268-E602-4689-85C5-FDC42E63AE14}" type="presParOf" srcId="{88DD745C-1A25-4A26-B6A7-185E6937309C}" destId="{9FFEC301-9E09-45E0-959F-338A77A30356}" srcOrd="3" destOrd="0" presId="urn:microsoft.com/office/officeart/2018/2/layout/IconVerticalSolidList"/>
+  </dgm:cxnLst>
+  <dgm:bg/>
+  <dgm:whole/>
+  <dgm:extLst>
+    <a:ext uri="http://schemas.microsoft.com/office/drawing/2008/diagram">
+      <dsp:dataModelExt xmlns:dsp="http://schemas.microsoft.com/office/drawing/2008/diagram" relId="rId6" minVer="http://schemas.openxmlformats.org/drawingml/2006/diagram"/>
+    </a:ext>
+  </dgm:extLst>
+</dgm:dataModel>
+</file>
+
+<file path=ppt/diagrams/drawing1.xml><?xml version="1.0" encoding="utf-8"?>
+<dsp:drawing xmlns:dgm="http://schemas.openxmlformats.org/drawingml/2006/diagram" xmlns:dsp="http://schemas.microsoft.com/office/drawing/2008/diagram" xmlns:a="http://schemas.openxmlformats.org/drawingml/2006/main">
+  <dsp:spTree>
+    <dsp:nvGrpSpPr>
+      <dsp:cNvPr id="0" name=""/>
+      <dsp:cNvGrpSpPr/>
+    </dsp:nvGrpSpPr>
+    <dsp:grpSpPr/>
+    <dsp:sp modelId="{85282CC7-A787-4E3B-946E-AE0920C75F5B}">
+      <dsp:nvSpPr>
+        <dsp:cNvPr id="0" name=""/>
+        <dsp:cNvSpPr/>
+      </dsp:nvSpPr>
+      <dsp:spPr>
+        <a:xfrm>
+          <a:off x="0" y="695"/>
+          <a:ext cx="6117335" cy="1627234"/>
+        </a:xfrm>
+        <a:prstGeom prst="roundRect">
+          <a:avLst>
+            <a:gd name="adj" fmla="val 10000"/>
+          </a:avLst>
+        </a:prstGeom>
+        <a:solidFill>
+          <a:schemeClr val="accent2">
+            <a:hueOff val="0"/>
+            <a:satOff val="0"/>
+            <a:lumOff val="0"/>
+            <a:alphaOff val="0"/>
+          </a:schemeClr>
+        </a:solidFill>
+        <a:ln>
+          <a:noFill/>
+        </a:ln>
+        <a:effectLst/>
+      </dsp:spPr>
+      <dsp:style>
+        <a:lnRef idx="0">
+          <a:scrgbClr r="0" g="0" b="0"/>
+        </a:lnRef>
+        <a:fillRef idx="1">
+          <a:scrgbClr r="0" g="0" b="0"/>
+        </a:fillRef>
+        <a:effectRef idx="0">
+          <a:scrgbClr r="0" g="0" b="0"/>
+        </a:effectRef>
+        <a:fontRef idx="minor"/>
+      </dsp:style>
+    </dsp:sp>
+    <dsp:sp modelId="{A0598C66-AAEB-4525-9ECD-8303D67600EC}">
+      <dsp:nvSpPr>
+        <dsp:cNvPr id="0" name=""/>
+        <dsp:cNvSpPr/>
+      </dsp:nvSpPr>
+      <dsp:spPr>
+        <a:xfrm>
+          <a:off x="492238" y="366823"/>
+          <a:ext cx="894979" cy="894979"/>
+        </a:xfrm>
+        <a:prstGeom prst="rect">
+          <a:avLst/>
+        </a:prstGeom>
+        <a:blipFill>
+          <a:blip xmlns:r="http://schemas.openxmlformats.org/officeDocument/2006/relationships" r:embed="rId1">
+            <a:extLst>
+              <a:ext uri="{28A0092B-C50C-407E-A947-70E740481C1C}">
+                <a14:useLocalDpi xmlns:a14="http://schemas.microsoft.com/office/drawing/2010/main" val="0"/>
+              </a:ext>
+              <a:ext uri="{96DAC541-7B7A-43D3-8B79-37D633B846F1}">
+                <asvg:svgBlip xmlns:asvg="http://schemas.microsoft.com/office/drawing/2016/SVG/main" r:embed="rId2"/>
+              </a:ext>
+            </a:extLst>
+          </a:blip>
+          <a:stretch>
+            <a:fillRect/>
+          </a:stretch>
+        </a:blipFill>
+        <a:ln w="12700" cap="flat" cmpd="sng" algn="ctr">
+          <a:noFill/>
+          <a:prstDash val="solid"/>
+          <a:miter lim="800000"/>
+        </a:ln>
+        <a:effectLst/>
+      </dsp:spPr>
+      <dsp:style>
+        <a:lnRef idx="2">
+          <a:scrgbClr r="0" g="0" b="0"/>
+        </a:lnRef>
+        <a:fillRef idx="1">
+          <a:scrgbClr r="0" g="0" b="0"/>
+        </a:fillRef>
+        <a:effectRef idx="0">
+          <a:scrgbClr r="0" g="0" b="0"/>
+        </a:effectRef>
+        <a:fontRef idx="minor">
+          <a:schemeClr val="lt1"/>
+        </a:fontRef>
+      </dsp:style>
+    </dsp:sp>
+    <dsp:sp modelId="{89B498D5-8A9F-495F-B24B-81927CA49B4B}">
+      <dsp:nvSpPr>
+        <dsp:cNvPr id="0" name=""/>
+        <dsp:cNvSpPr/>
+      </dsp:nvSpPr>
+      <dsp:spPr>
+        <a:xfrm>
+          <a:off x="1879455" y="695"/>
+          <a:ext cx="4237880" cy="1627234"/>
+        </a:xfrm>
+        <a:prstGeom prst="rect">
+          <a:avLst/>
+        </a:prstGeom>
+        <a:noFill/>
+        <a:ln>
+          <a:noFill/>
+        </a:ln>
+        <a:effectLst/>
+      </dsp:spPr>
+      <dsp:style>
+        <a:lnRef idx="0">
+          <a:scrgbClr r="0" g="0" b="0"/>
+        </a:lnRef>
+        <a:fillRef idx="0">
+          <a:scrgbClr r="0" g="0" b="0"/>
+        </a:fillRef>
+        <a:effectRef idx="0">
+          <a:scrgbClr r="0" g="0" b="0"/>
+        </a:effectRef>
+        <a:fontRef idx="minor"/>
+      </dsp:style>
+      <dsp:txBody>
+        <a:bodyPr spcFirstLastPara="0" vert="horz" wrap="square" lIns="172216" tIns="172216" rIns="172216" bIns="172216" numCol="1" spcCol="1270" anchor="ctr" anchorCtr="0">
+          <a:noAutofit/>
+        </a:bodyPr>
+        <a:lstStyle/>
+        <a:p>
+          <a:pPr marL="0" lvl="0" indent="0" algn="l" defTabSz="977900">
+            <a:lnSpc>
+              <a:spcPct val="90000"/>
+            </a:lnSpc>
+            <a:spcBef>
+              <a:spcPct val="0"/>
+            </a:spcBef>
+            <a:spcAft>
+              <a:spcPct val="35000"/>
+            </a:spcAft>
+            <a:buNone/>
+          </a:pPr>
+          <a:r>
+            <a:rPr lang="en-US" sz="2200" kern="1200"/>
+            <a:t>Explore data further (identify data story)</a:t>
+          </a:r>
+        </a:p>
+      </dsp:txBody>
+      <dsp:txXfrm>
+        <a:off x="1879455" y="695"/>
+        <a:ext cx="4237880" cy="1627234"/>
+      </dsp:txXfrm>
+    </dsp:sp>
+    <dsp:sp modelId="{CCA322AA-03D0-437B-9316-EBF3CC588F60}">
+      <dsp:nvSpPr>
+        <dsp:cNvPr id="0" name=""/>
+        <dsp:cNvSpPr/>
+      </dsp:nvSpPr>
+      <dsp:spPr>
+        <a:xfrm>
+          <a:off x="0" y="2034738"/>
+          <a:ext cx="6117335" cy="1627234"/>
+        </a:xfrm>
+        <a:prstGeom prst="roundRect">
+          <a:avLst>
+            <a:gd name="adj" fmla="val 10000"/>
+          </a:avLst>
+        </a:prstGeom>
+        <a:solidFill>
+          <a:schemeClr val="accent3">
+            <a:hueOff val="0"/>
+            <a:satOff val="0"/>
+            <a:lumOff val="0"/>
+            <a:alphaOff val="0"/>
+          </a:schemeClr>
+        </a:solidFill>
+        <a:ln>
+          <a:noFill/>
+        </a:ln>
+        <a:effectLst/>
+      </dsp:spPr>
+      <dsp:style>
+        <a:lnRef idx="0">
+          <a:scrgbClr r="0" g="0" b="0"/>
+        </a:lnRef>
+        <a:fillRef idx="1">
+          <a:scrgbClr r="0" g="0" b="0"/>
+        </a:fillRef>
+        <a:effectRef idx="0">
+          <a:scrgbClr r="0" g="0" b="0"/>
+        </a:effectRef>
+        <a:fontRef idx="minor"/>
+      </dsp:style>
+    </dsp:sp>
+    <dsp:sp modelId="{5D537140-81F5-45F9-89E9-306C556AFFD4}">
+      <dsp:nvSpPr>
+        <dsp:cNvPr id="0" name=""/>
+        <dsp:cNvSpPr/>
+      </dsp:nvSpPr>
+      <dsp:spPr>
+        <a:xfrm>
+          <a:off x="492238" y="2400866"/>
+          <a:ext cx="894979" cy="894979"/>
+        </a:xfrm>
+        <a:prstGeom prst="rect">
+          <a:avLst/>
+        </a:prstGeom>
+        <a:blipFill>
+          <a:blip xmlns:r="http://schemas.openxmlformats.org/officeDocument/2006/relationships" r:embed="rId3">
+            <a:extLst>
+              <a:ext uri="{28A0092B-C50C-407E-A947-70E740481C1C}">
+                <a14:useLocalDpi xmlns:a14="http://schemas.microsoft.com/office/drawing/2010/main" val="0"/>
+              </a:ext>
+              <a:ext uri="{96DAC541-7B7A-43D3-8B79-37D633B846F1}">
+                <asvg:svgBlip xmlns:asvg="http://schemas.microsoft.com/office/drawing/2016/SVG/main" r:embed="rId4"/>
+              </a:ext>
+            </a:extLst>
+          </a:blip>
+          <a:stretch>
+            <a:fillRect/>
+          </a:stretch>
+        </a:blipFill>
+        <a:ln w="12700" cap="flat" cmpd="sng" algn="ctr">
+          <a:noFill/>
+          <a:prstDash val="solid"/>
+          <a:miter lim="800000"/>
+        </a:ln>
+        <a:effectLst/>
+      </dsp:spPr>
+      <dsp:style>
+        <a:lnRef idx="2">
+          <a:scrgbClr r="0" g="0" b="0"/>
+        </a:lnRef>
+        <a:fillRef idx="1">
+          <a:scrgbClr r="0" g="0" b="0"/>
+        </a:fillRef>
+        <a:effectRef idx="0">
+          <a:scrgbClr r="0" g="0" b="0"/>
+        </a:effectRef>
+        <a:fontRef idx="minor">
+          <a:schemeClr val="lt1"/>
+        </a:fontRef>
+      </dsp:style>
+    </dsp:sp>
+    <dsp:sp modelId="{BCBB2798-4073-4D50-9AC8-A68E36A66F0E}">
+      <dsp:nvSpPr>
+        <dsp:cNvPr id="0" name=""/>
+        <dsp:cNvSpPr/>
+      </dsp:nvSpPr>
+      <dsp:spPr>
+        <a:xfrm>
+          <a:off x="1879455" y="2034738"/>
+          <a:ext cx="4237880" cy="1627234"/>
+        </a:xfrm>
+        <a:prstGeom prst="rect">
+          <a:avLst/>
+        </a:prstGeom>
+        <a:noFill/>
+        <a:ln>
+          <a:noFill/>
+        </a:ln>
+        <a:effectLst/>
+      </dsp:spPr>
+      <dsp:style>
+        <a:lnRef idx="0">
+          <a:scrgbClr r="0" g="0" b="0"/>
+        </a:lnRef>
+        <a:fillRef idx="0">
+          <a:scrgbClr r="0" g="0" b="0"/>
+        </a:fillRef>
+        <a:effectRef idx="0">
+          <a:scrgbClr r="0" g="0" b="0"/>
+        </a:effectRef>
+        <a:fontRef idx="minor"/>
+      </dsp:style>
+      <dsp:txBody>
+        <a:bodyPr spcFirstLastPara="0" vert="horz" wrap="square" lIns="172216" tIns="172216" rIns="172216" bIns="172216" numCol="1" spcCol="1270" anchor="ctr" anchorCtr="0">
+          <a:noAutofit/>
+        </a:bodyPr>
+        <a:lstStyle/>
+        <a:p>
+          <a:pPr marL="0" lvl="0" indent="0" algn="l" defTabSz="977900">
+            <a:lnSpc>
+              <a:spcPct val="90000"/>
+            </a:lnSpc>
+            <a:spcBef>
+              <a:spcPct val="0"/>
+            </a:spcBef>
+            <a:spcAft>
+              <a:spcPct val="35000"/>
+            </a:spcAft>
+            <a:buNone/>
+          </a:pPr>
+          <a:r>
+            <a:rPr lang="en-US" sz="2200" kern="1200"/>
+            <a:t>Narrow down to specific question(s) – possibly expand more attributes and reduce instances (columns and rows)</a:t>
+          </a:r>
+        </a:p>
+      </dsp:txBody>
+      <dsp:txXfrm>
+        <a:off x="1879455" y="2034738"/>
+        <a:ext cx="4237880" cy="1627234"/>
+      </dsp:txXfrm>
+    </dsp:sp>
+    <dsp:sp modelId="{514790DB-4D13-447C-BCD1-57ADE151ACB5}">
+      <dsp:nvSpPr>
+        <dsp:cNvPr id="0" name=""/>
+        <dsp:cNvSpPr/>
+      </dsp:nvSpPr>
+      <dsp:spPr>
+        <a:xfrm>
+          <a:off x="0" y="4068781"/>
+          <a:ext cx="6117335" cy="1627234"/>
+        </a:xfrm>
+        <a:prstGeom prst="roundRect">
+          <a:avLst>
+            <a:gd name="adj" fmla="val 10000"/>
+          </a:avLst>
+        </a:prstGeom>
+        <a:solidFill>
+          <a:schemeClr val="accent4">
+            <a:hueOff val="0"/>
+            <a:satOff val="0"/>
+            <a:lumOff val="0"/>
+            <a:alphaOff val="0"/>
+          </a:schemeClr>
+        </a:solidFill>
+        <a:ln>
+          <a:noFill/>
+        </a:ln>
+        <a:effectLst/>
+      </dsp:spPr>
+      <dsp:style>
+        <a:lnRef idx="0">
+          <a:scrgbClr r="0" g="0" b="0"/>
+        </a:lnRef>
+        <a:fillRef idx="1">
+          <a:scrgbClr r="0" g="0" b="0"/>
+        </a:fillRef>
+        <a:effectRef idx="0">
+          <a:scrgbClr r="0" g="0" b="0"/>
+        </a:effectRef>
+        <a:fontRef idx="minor"/>
+      </dsp:style>
+    </dsp:sp>
+    <dsp:sp modelId="{03B087BA-FF01-4212-95EA-403B41DF86EB}">
+      <dsp:nvSpPr>
+        <dsp:cNvPr id="0" name=""/>
+        <dsp:cNvSpPr/>
+      </dsp:nvSpPr>
+      <dsp:spPr>
+        <a:xfrm>
+          <a:off x="492238" y="4434909"/>
+          <a:ext cx="894979" cy="894979"/>
+        </a:xfrm>
+        <a:prstGeom prst="rect">
+          <a:avLst/>
+        </a:prstGeom>
+        <a:blipFill>
+          <a:blip xmlns:r="http://schemas.openxmlformats.org/officeDocument/2006/relationships" r:embed="rId5">
+            <a:extLst>
+              <a:ext uri="{28A0092B-C50C-407E-A947-70E740481C1C}">
+                <a14:useLocalDpi xmlns:a14="http://schemas.microsoft.com/office/drawing/2010/main" val="0"/>
+              </a:ext>
+              <a:ext uri="{96DAC541-7B7A-43D3-8B79-37D633B846F1}">
+                <asvg:svgBlip xmlns:asvg="http://schemas.microsoft.com/office/drawing/2016/SVG/main" r:embed="rId6"/>
+              </a:ext>
+            </a:extLst>
+          </a:blip>
+          <a:stretch>
+            <a:fillRect/>
+          </a:stretch>
+        </a:blipFill>
+        <a:ln w="12700" cap="flat" cmpd="sng" algn="ctr">
+          <a:noFill/>
+          <a:prstDash val="solid"/>
+          <a:miter lim="800000"/>
+        </a:ln>
+        <a:effectLst/>
+      </dsp:spPr>
+      <dsp:style>
+        <a:lnRef idx="2">
+          <a:scrgbClr r="0" g="0" b="0"/>
+        </a:lnRef>
+        <a:fillRef idx="1">
+          <a:scrgbClr r="0" g="0" b="0"/>
+        </a:fillRef>
+        <a:effectRef idx="0">
+          <a:scrgbClr r="0" g="0" b="0"/>
+        </a:effectRef>
+        <a:fontRef idx="minor">
+          <a:schemeClr val="lt1"/>
+        </a:fontRef>
+      </dsp:style>
+    </dsp:sp>
+    <dsp:sp modelId="{9FFEC301-9E09-45E0-959F-338A77A30356}">
+      <dsp:nvSpPr>
+        <dsp:cNvPr id="0" name=""/>
+        <dsp:cNvSpPr/>
+      </dsp:nvSpPr>
+      <dsp:spPr>
+        <a:xfrm>
+          <a:off x="1879455" y="4068781"/>
+          <a:ext cx="4237880" cy="1627234"/>
+        </a:xfrm>
+        <a:prstGeom prst="rect">
+          <a:avLst/>
+        </a:prstGeom>
+        <a:noFill/>
+        <a:ln>
+          <a:noFill/>
+        </a:ln>
+        <a:effectLst/>
+      </dsp:spPr>
+      <dsp:style>
+        <a:lnRef idx="0">
+          <a:scrgbClr r="0" g="0" b="0"/>
+        </a:lnRef>
+        <a:fillRef idx="0">
+          <a:scrgbClr r="0" g="0" b="0"/>
+        </a:fillRef>
+        <a:effectRef idx="0">
+          <a:scrgbClr r="0" g="0" b="0"/>
+        </a:effectRef>
+        <a:fontRef idx="minor"/>
+      </dsp:style>
+      <dsp:txBody>
+        <a:bodyPr spcFirstLastPara="0" vert="horz" wrap="square" lIns="172216" tIns="172216" rIns="172216" bIns="172216" numCol="1" spcCol="1270" anchor="ctr" anchorCtr="0">
+          <a:noAutofit/>
+        </a:bodyPr>
+        <a:lstStyle/>
+        <a:p>
+          <a:pPr marL="0" lvl="0" indent="0" algn="l" defTabSz="977900">
+            <a:lnSpc>
+              <a:spcPct val="90000"/>
+            </a:lnSpc>
+            <a:spcBef>
+              <a:spcPct val="0"/>
+            </a:spcBef>
+            <a:spcAft>
+              <a:spcPct val="35000"/>
+            </a:spcAft>
+            <a:buNone/>
+          </a:pPr>
+          <a:r>
+            <a:rPr lang="en-US" sz="2200" kern="1200"/>
+            <a:t>Integrate other independent data linked to any attribute of existing dataset e.g. weather, labor etc.</a:t>
+          </a:r>
+        </a:p>
+      </dsp:txBody>
+      <dsp:txXfrm>
+        <a:off x="1879455" y="4068781"/>
+        <a:ext cx="4237880" cy="1627234"/>
+      </dsp:txXfrm>
+    </dsp:sp>
+  </dsp:spTree>
+</dsp:drawing>
+</file>
+
+<file path=ppt/diagrams/layout1.xml><?xml version="1.0" encoding="utf-8"?>
+<dgm:layoutDef xmlns:dgm="http://schemas.openxmlformats.org/drawingml/2006/diagram" xmlns:a="http://schemas.openxmlformats.org/drawingml/2006/main" uniqueId="urn:microsoft.com/office/officeart/2018/2/layout/IconVerticalSolidList">
+  <dgm:title val="Icon Vertical Solid List"/>
+  <dgm:desc val="Use to show a series of visuals from top to bottom with Level 1 or Level 1 and Level 2 text grouped in a shape. Works best with icons or small pictures with lengthier descriptions."/>
+  <dgm:catLst>
+    <dgm:cat type="icon" pri="500"/>
+  </dgm:catLst>
+  <dgm:sampData useDef="1">
+    <dgm:dataModel>
+      <dgm:ptLst/>
+      <dgm:bg/>
+      <dgm:whole/>
+    </dgm:dataModel>
+  </dgm:sampData>
+  <dgm:styleData useDef="1">
+    <dgm:dataModel>
+      <dgm:ptLst/>
+      <dgm:bg/>
+      <dgm:whole/>
+    </dgm:dataModel>
+  </dgm:styleData>
+  <dgm:clrData useDef="1">
+    <dgm:dataModel>
+      <dgm:ptLst/>
+      <dgm:bg/>
+      <dgm:whole/>
+    </dgm:dataModel>
+  </dgm:clrData>
+  <dgm:layoutNode name="root">
+    <dgm:varLst>
+      <dgm:dir/>
+      <dgm:resizeHandles val="exact"/>
+    </dgm:varLst>
+    <dgm:choose name="Name0">
+      <dgm:if name="Name1" axis="self" func="var" arg="dir" op="equ" val="norm">
+        <dgm:alg type="lin">
+          <dgm:param type="linDir" val="fromT"/>
+          <dgm:param type="nodeHorzAlign" val="l"/>
+        </dgm:alg>
+      </dgm:if>
+      <dgm:else name="Name2">
+        <dgm:alg type="lin">
+          <dgm:param type="linDir" val="fromT"/>
+          <dgm:param type="nodeHorzAlign" val="r"/>
+        </dgm:alg>
+      </dgm:else>
+    </dgm:choose>
+    <dgm:shape xmlns:r="http://schemas.openxmlformats.org/officeDocument/2006/relationships" r:blip="">
+      <dgm:adjLst/>
+    </dgm:shape>
+    <dgm:presOf/>
+    <dgm:choose name="Name3">
+      <dgm:if name="Name4" axis="ch" ptType="node" func="cnt" op="lte" val="3">
+        <dgm:constrLst>
+          <dgm:constr type="h" for="ch" forName="compNode" refType="h" fact="0.3"/>
+          <dgm:constr type="w" for="ch" forName="compNode" refType="w"/>
+          <dgm:constr type="h" for="ch" forName="sibTrans" refType="h" refFor="ch" refForName="compNode" fact="0.25"/>
+          <dgm:constr type="primFontSz" for="des" forName="parTx" val="25"/>
+          <dgm:constr type="primFontSz" for="des" forName="desTx" refType="primFontSz" refFor="des" refForName="parTx" op="lte" fact="0.75"/>
+          <dgm:constr type="h" for="des" forName="compNode" op="equ"/>
+          <dgm:constr type="h" for="des" forName="bgRect" op="equ"/>
+          <dgm:constr type="h" for="des" forName="iconRect" op="equ"/>
+          <dgm:constr type="w" for="des" forName="iconRect" op="equ"/>
+          <dgm:constr type="h" for="des" forName="spaceRect" op="equ"/>
+          <dgm:constr type="h" for="des" forName="parTx" op="equ"/>
+          <dgm:constr type="h" for="des" forName="desTx" op="equ"/>
+        </dgm:constrLst>
+      </dgm:if>
+      <dgm:if name="Name5" axis="ch" ptType="node" func="cnt" op="lte" val="4">
+        <dgm:constrLst>
+          <dgm:constr type="h" for="ch" forName="compNode" refType="h" fact="0.3"/>
+          <dgm:constr type="w" for="ch" forName="compNode" refType="w"/>
+          <dgm:constr type="h" for="ch" forName="sibTrans" refType="h" refFor="ch" refForName="compNode" fact="0.25"/>
+          <dgm:constr type="primFontSz" for="des" forName="parTx" val="22"/>
+          <dgm:constr type="primFontSz" for="des" forName="desTx" refType="primFontSz" refFor="des" refForName="parTx" op="lte" fact="0.75"/>
+          <dgm:constr type="h" for="des" forName="compNode" op="equ"/>
+          <dgm:constr type="h" for="des" forName="bgRect" op="equ"/>
+          <dgm:constr type="h" for="des" forName="iconRect" op="equ"/>
+          <dgm:constr type="w" for="des" forName="iconRect" op="equ"/>
+          <dgm:constr type="h" for="des" forName="spaceRect" op="equ"/>
+          <dgm:constr type="h" for="des" forName="parTx" op="equ"/>
+          <dgm:constr type="h" for="des" forName="desTx" op="equ"/>
+        </dgm:constrLst>
+      </dgm:if>
+      <dgm:if name="Name6" axis="ch" ptType="node" func="cnt" op="lte" val="6">
+        <dgm:constrLst>
+          <dgm:constr type="h" for="ch" forName="compNode" refType="h" fact="0.3"/>
+          <dgm:constr type="w" for="ch" forName="compNode" refType="w"/>
+          <dgm:constr type="h" for="ch" forName="sibTrans" refType="h" refFor="ch" refForName="compNode" fact="0.25"/>
+          <dgm:constr type="primFontSz" for="des" forName="parTx" val="19"/>
+          <dgm:constr type="primFontSz" for="des" forName="desTx" refType="primFontSz" refFor="des" refForName="parTx" op="lte" fact="0.75"/>
+          <dgm:constr type="h" for="des" forName="compNode" op="equ"/>
+          <dgm:constr type="h" for="des" forName="bgRect" op="equ"/>
+          <dgm:constr type="h" for="des" forName="iconRect" op="equ"/>
+          <dgm:constr type="w" for="des" forName="iconRect" op="equ"/>
+          <dgm:constr type="h" for="des" forName="spaceRect" op="equ"/>
+          <dgm:constr type="h" for="des" forName="parTx" op="equ"/>
+          <dgm:constr type="h" for="des" forName="desTx" op="equ"/>
+        </dgm:constrLst>
+      </dgm:if>
+      <dgm:else name="Name7">
+        <dgm:constrLst>
+          <dgm:constr type="h" for="ch" forName="compNode" refType="h" fact="0.3"/>
+          <dgm:constr type="w" for="ch" forName="compNode" refType="w"/>
+          <dgm:constr type="h" for="ch" forName="sibTrans" refType="h" refFor="ch" refForName="compNode" fact="0.25"/>
+          <dgm:constr type="primFontSz" for="des" forName="parTx" val="16"/>
+          <dgm:constr type="primFontSz" for="des" forName="desTx" refType="primFontSz" refFor="des" refForName="parTx" op="lte" fact="0.75"/>
+          <dgm:constr type="h" for="des" forName="compNode" op="equ"/>
+          <dgm:constr type="h" for="des" forName="bgRect" op="equ"/>
+          <dgm:constr type="h" for="des" forName="iconRect" op="equ"/>
+          <dgm:constr type="w" for="des" forName="iconRect" op="equ"/>
+          <dgm:constr type="h" for="des" forName="spaceRect" op="equ"/>
+          <dgm:constr type="h" for="des" forName="parTx" op="equ"/>
+          <dgm:constr type="h" for="des" forName="desTx" op="equ"/>
+        </dgm:constrLst>
+      </dgm:else>
+    </dgm:choose>
+    <dgm:ruleLst>
+      <dgm:rule type="h" for="ch" forName="compNode" val="0" fact="NaN" max="NaN"/>
+    </dgm:ruleLst>
+    <dgm:forEach name="Name8" axis="ch" ptType="node">
+      <dgm:layoutNode name="compNode">
+        <dgm:alg type="composite"/>
+        <dgm:shape xmlns:r="http://schemas.openxmlformats.org/officeDocument/2006/relationships" r:blip="">
+          <dgm:adjLst/>
+        </dgm:shape>
+        <dgm:presOf axis="self"/>
+        <dgm:choose name="Name9">
+          <dgm:if name="Name10" axis="ch" ptType="node" func="cnt" op="gte" val="1">
+            <dgm:constrLst>
+              <dgm:constr type="w" for="ch" forName="bgRect" refType="w"/>
+              <dgm:constr type="h" for="ch" forName="bgRect" refType="h"/>
+              <dgm:constr type="l" for="ch" forName="bgRect"/>
+              <dgm:constr type="t" for="ch" forName="bgRect"/>
+              <dgm:constr type="h" for="ch" forName="iconRect" refType="h" fact="0.55"/>
+              <dgm:constr type="w" for="ch" forName="iconRect" refType="h" refFor="ch" refForName="iconRect"/>
+              <dgm:constr type="l" for="ch" forName="iconRect" refType="h" refFor="ch" refForName="iconRect" fact="0.55"/>
+              <dgm:constr type="ctrY" for="ch" forName="iconRect" refType="ctrY" refFor="ch" refForName="bgRect"/>
+              <dgm:constr type="w" for="ch" forName="spaceRect" refType="l" refFor="ch" refForName="iconRect"/>
+              <dgm:constr type="h" for="ch" forName="spaceRect" refType="h"/>
+              <dgm:constr type="l" for="ch" forName="spaceRect" refType="r" refFor="ch" refForName="iconRect"/>
+              <dgm:constr type="t" for="ch" forName="spaceRect"/>
+              <dgm:constr type="w" for="ch" forName="parTx" refType="w" fact="0.45"/>
+              <dgm:constr type="h" for="ch" forName="parTx" refType="h"/>
+              <dgm:constr type="l" for="ch" forName="parTx" refType="r" refFor="ch" refForName="spaceRect"/>
+              <dgm:constr type="t" for="ch" forName="parTx"/>
+              <dgm:constr type="h" for="ch" forName="desTx" refType="h"/>
+              <dgm:constr type="l" for="ch" forName="desTx" refType="r" refFor="ch" refForName="parTx"/>
+              <dgm:constr type="t" for="ch" forName="desTx"/>
+            </dgm:constrLst>
+          </dgm:if>
+          <dgm:else name="Name11">
+            <dgm:constrLst>
+              <dgm:constr type="w" for="ch" forName="bgRect" refType="w"/>
+              <dgm:constr type="h" for="ch" forName="bgRect" refType="h"/>
+              <dgm:constr type="l" for="ch" forName="bgRect"/>
+              <dgm:constr type="t" for="ch" forName="bgRect"/>
+              <dgm:constr type="h" for="ch" forName="iconRect" refType="h" fact="0.55"/>
+              <dgm:constr type="w" for="ch" forName="iconRect" refType="h" refFor="ch" refForName="iconRect"/>
+              <dgm:constr type="l" for="ch" forName="iconRect" refType="h" refFor="ch" refForName="iconRect" fact="0.55"/>
+              <dgm:constr type="ctrY" for="ch" forName="iconRect" refType="ctrY" refFor="ch" refForName="bgRect"/>
+              <dgm:constr type="w" for="ch" forName="spaceRect" refType="l" refFor="ch" refForName="iconRect"/>
+              <dgm:constr type="h" for="ch" forName="spaceRect" refType="h"/>
+              <dgm:constr type="l" for="ch" forName="spaceRect" refType="r" refFor="ch" refForName="iconRect"/>
+              <dgm:constr type="t" for="ch" forName="spaceRect"/>
+              <dgm:constr type="h" for="ch" forName="parTx" refType="h"/>
+              <dgm:constr type="l" for="ch" forName="parTx" refType="r" refFor="ch" refForName="spaceRect"/>
+              <dgm:constr type="t" for="ch" forName="parTx"/>
+            </dgm:constrLst>
+          </dgm:else>
+        </dgm:choose>
+        <dgm:ruleLst>
+          <dgm:rule type="h" val="INF" fact="NaN" max="NaN"/>
+        </dgm:ruleLst>
+        <dgm:layoutNode name="bgRect" styleLbl="bgShp">
+          <dgm:alg type="sp"/>
+          <dgm:shape xmlns:r="http://schemas.openxmlformats.org/officeDocument/2006/relationships" type="roundRect" r:blip="">
+            <dgm:adjLst>
+              <dgm:adj idx="1" val="0.1"/>
+            </dgm:adjLst>
+          </dgm:shape>
+          <dgm:presOf/>
+          <dgm:constrLst/>
+          <dgm:ruleLst/>
+        </dgm:layoutNode>
+        <dgm:layoutNode name="iconRect" styleLbl="node1">
+          <dgm:alg type="sp"/>
+          <dgm:shape xmlns:r="http://schemas.openxmlformats.org/officeDocument/2006/relationships" type="rect" r:blip="" blipPhldr="1">
+            <dgm:adjLst/>
+          </dgm:shape>
+          <dgm:presOf/>
+          <dgm:constrLst/>
+          <dgm:ruleLst/>
+        </dgm:layoutNode>
+        <dgm:layoutNode name="spaceRect">
+          <dgm:alg type="sp"/>
+          <dgm:shape xmlns:r="http://schemas.openxmlformats.org/officeDocument/2006/relationships" r:blip="">
+            <dgm:adjLst/>
+          </dgm:shape>
+          <dgm:presOf/>
+          <dgm:constrLst/>
+          <dgm:ruleLst/>
+        </dgm:layoutNode>
+        <dgm:layoutNode name="parTx" styleLbl="revTx">
+          <dgm:varLst>
+            <dgm:chMax val="0"/>
+            <dgm:chPref val="0"/>
+          </dgm:varLst>
+          <dgm:alg type="tx">
+            <dgm:param type="txAnchorVert" val="mid"/>
+            <dgm:param type="parTxLTRAlign" val="l"/>
+            <dgm:param type="shpTxLTRAlignCh" val="l"/>
+            <dgm:param type="parTxRTLAlign" val="r"/>
+            <dgm:param type="shpTxRTLAlignCh" val="r"/>
+          </dgm:alg>
+          <dgm:shape xmlns:r="http://schemas.openxmlformats.org/officeDocument/2006/relationships" type="rect" r:blip="">
+            <dgm:adjLst/>
+          </dgm:shape>
+          <dgm:presOf axis="self" ptType="node"/>
+          <dgm:constrLst>
+            <dgm:constr type="lMarg" refType="h" fact="0.3"/>
+            <dgm:constr type="rMarg" refType="h" fact="0.3"/>
+            <dgm:constr type="tMarg" refType="h" fact="0.3"/>
+            <dgm:constr type="bMarg" refType="h" fact="0.3"/>
+          </dgm:constrLst>
+          <dgm:ruleLst>
+            <dgm:rule type="primFontSz" val="14" fact="NaN" max="NaN"/>
+            <dgm:rule type="h" val="INF" fact="NaN" max="NaN"/>
+          </dgm:ruleLst>
+        </dgm:layoutNode>
+        <dgm:choose name="Name12">
+          <dgm:if name="Name13" axis="ch" ptType="node" func="cnt" op="gte" val="1">
+            <dgm:layoutNode name="desTx" styleLbl="revTx">
+              <dgm:varLst/>
+              <dgm:alg type="tx">
+                <dgm:param type="txAnchorVertCh" val="mid"/>
+                <dgm:param type="parTxLTRAlign" val="l"/>
+                <dgm:param type="shpTxLTRAlignCh" val="l"/>
+                <dgm:param type="parTxRTLAlign" val="r"/>
+                <dgm:param type="shpTxRTLAlignCh" val="r"/>
+                <dgm:param type="stBulletLvl" val="0"/>
+              </dgm:alg>
+              <dgm:shape xmlns:r="http://schemas.openxmlformats.org/officeDocument/2006/relationships" type="rect" r:blip="">
+                <dgm:adjLst/>
+              </dgm:shape>
+              <dgm:presOf axis="des" ptType="node"/>
+              <dgm:constrLst>
+                <dgm:constr type="primFontSz" val="18"/>
+                <dgm:constr type="secFontSz" refType="primFontSz"/>
+                <dgm:constr type="lMarg" refType="h" fact="0.3"/>
+                <dgm:constr type="rMarg" refType="h" fact="0.3"/>
+                <dgm:constr type="tMarg" refType="h" fact="0.3"/>
+                <dgm:constr type="bMarg" refType="h" fact="0.3"/>
+              </dgm:constrLst>
+              <dgm:ruleLst>
+                <dgm:rule type="primFontSz" val="11" fact="NaN" max="NaN"/>
+              </dgm:ruleLst>
+            </dgm:layoutNode>
+          </dgm:if>
+          <dgm:else name="Name14"/>
+        </dgm:choose>
+      </dgm:layoutNode>
+      <dgm:forEach name="Name15" axis="followSib" ptType="sibTrans" cnt="1">
+        <dgm:layoutNode name="sibTrans">
+          <dgm:alg type="sp"/>
+          <dgm:shape xmlns:r="http://schemas.openxmlformats.org/officeDocument/2006/relationships" r:blip="">
+            <dgm:adjLst/>
+          </dgm:shape>
+          <dgm:presOf axis="self"/>
+          <dgm:constrLst/>
+          <dgm:ruleLst/>
+        </dgm:layoutNode>
+      </dgm:forEach>
+    </dgm:forEach>
+  </dgm:layoutNode>
+  <dgm:extLst>
+    <a:ext uri="{68A01E43-0DF5-4B5B-8FA6-DAF915123BFB}">
+      <dgm1612:lstStyle xmlns:dgm1612="http://schemas.microsoft.com/office/drawing/2016/12/diagram">
+        <a:lvl1pPr>
+          <a:lnSpc>
+            <a:spcPct val="100000"/>
+          </a:lnSpc>
+        </a:lvl1pPr>
+        <a:lvl2pPr>
+          <a:lnSpc>
+            <a:spcPct val="100000"/>
+          </a:lnSpc>
+        </a:lvl2pPr>
+      </dgm1612:lstStyle>
+    </a:ext>
+  </dgm:extLst>
+</dgm:layoutDef>
+</file>
+
+<file path=ppt/diagrams/quickStyle1.xml><?xml version="1.0" encoding="utf-8"?>
+<dgm:styleDef xmlns:dgm="http://schemas.openxmlformats.org/drawingml/2006/diagram" xmlns:a="http://schemas.openxmlformats.org/drawingml/2006/main" uniqueId="urn:microsoft.com/office/officeart/2005/8/quickstyle/simple1">
+  <dgm:title val=""/>
+  <dgm:desc val=""/>
+  <dgm:catLst>
+    <dgm:cat type="simple" pri="10100"/>
+  </dgm:catLst>
+  <dgm:scene3d>
+    <a:camera prst="orthographicFront"/>
+    <a:lightRig rig="threePt" dir="t"/>
+  </dgm:scene3d>
+  <dgm:styleLbl name="node0">
+    <dgm:scene3d>
+      <a:camera prst="orthographicFront"/>
+      <a:lightRig rig="threePt" dir="t"/>
+    </dgm:scene3d>
+    <dgm:sp3d/>
+    <dgm:txPr/>
+    <dgm:style>
+      <a:lnRef idx="2">
+        <a:scrgbClr r="0" g="0" b="0"/>
+      </a:lnRef>
+      <a:fillRef idx="1">
+        <a:scrgbClr r="0" g="0" b="0"/>
+      </a:fillRef>
+      <a:effectRef idx="0">
+        <a:scrgbClr r="0" g="0" b="0"/>
+      </a:effectRef>
+      <a:fontRef idx="minor">
+        <a:schemeClr val="lt1"/>
+      </a:fontRef>
+    </dgm:style>
+  </dgm:styleLbl>
+  <dgm:styleLbl name="lnNode1">
+    <dgm:scene3d>
+      <a:camera prst="orthographicFront"/>
+      <a:lightRig rig="threePt" dir="t"/>
+    </dgm:scene3d>
+    <dgm:sp3d/>
+    <dgm:txPr/>
+    <dgm:style>
+      <a:lnRef idx="2">
+        <a:scrgbClr r="0" g="0" b="0"/>
+      </a:lnRef>
+      <a:fillRef idx="1">
+        <a:scrgbClr r="0" g="0" b="0"/>
+      </a:fillRef>
+      <a:effectRef idx="0">
+        <a:scrgbClr r="0" g="0" b="0"/>
+      </a:effectRef>
+      <a:fontRef idx="minor">
+        <a:schemeClr val="lt1"/>
+      </a:fontRef>
+    </dgm:style>
+  </dgm:styleLbl>
+  <dgm:styleLbl name="vennNode1">
+    <dgm:scene3d>
+      <a:camera prst="orthographicFront"/>
+      <a:lightRig rig="threePt" dir="t"/>
+    </dgm:scene3d>
+    <dgm:sp3d/>
+    <dgm:txPr/>
+    <dgm:style>
+      <a:lnRef idx="2">
+        <a:scrgbClr r="0" g="0" b="0"/>
+      </a:lnRef>
+      <a:fillRef idx="1">
+        <a:scrgbClr r="0" g="0" b="0"/>
+      </a:fillRef>
+      <a:effectRef idx="0">
+        <a:scrgbClr r="0" g="0" b="0"/>
+      </a:effectRef>
+      <a:fontRef idx="minor">
+        <a:schemeClr val="tx1"/>
+      </a:fontRef>
+    </dgm:style>
+  </dgm:styleLbl>
+  <dgm:styleLbl name="alignNode1">
+    <dgm:scene3d>
+      <a:camera prst="orthographicFront"/>
+      <a:lightRig rig="threePt" dir="t"/>
+    </dgm:scene3d>
+    <dgm:sp3d/>
+    <dgm:txPr/>
+    <dgm:style>
+      <a:lnRef idx="2">
+        <a:scrgbClr r="0" g="0" b="0"/>
+      </a:lnRef>
+      <a:fillRef idx="1">
+        <a:scrgbClr r="0" g="0" b="0"/>
+      </a:fillRef>
+      <a:effectRef idx="0">
+        <a:scrgbClr r="0" g="0" b="0"/>
+      </a:effectRef>
+      <a:fontRef idx="minor">
+        <a:schemeClr val="lt1"/>
+      </a:fontRef>
+    </dgm:style>
+  </dgm:styleLbl>
+  <dgm:styleLbl name="node1">
+    <dgm:scene3d>
+      <a:camera prst="orthographicFront"/>
+      <a:lightRig rig="threePt" dir="t"/>
+    </dgm:scene3d>
+    <dgm:sp3d/>
+    <dgm:txPr/>
+    <dgm:style>
+      <a:lnRef idx="2">
+        <a:scrgbClr r="0" g="0" b="0"/>
+      </a:lnRef>
+      <a:fillRef idx="1">
+        <a:scrgbClr r="0" g="0" b="0"/>
+      </a:fillRef>
+      <a:effectRef idx="0">
+        <a:scrgbClr r="0" g="0" b="0"/>
+      </a:effectRef>
+      <a:fontRef idx="minor">
+        <a:schemeClr val="lt1"/>
+      </a:fontRef>
+    </dgm:style>
+  </dgm:styleLbl>
+  <dgm:styleLbl name="node2">
+    <dgm:scene3d>
+      <a:camera prst="orthographicFront"/>
+      <a:lightRig rig="threePt" dir="t"/>
+    </dgm:scene3d>
+    <dgm:sp3d/>
+    <dgm:txPr/>
+    <dgm:style>
+      <a:lnRef idx="2">
+        <a:scrgbClr r="0" g="0" b="0"/>
+      </a:lnRef>
+      <a:fillRef idx="1">
+        <a:scrgbClr r="0" g="0" b="0"/>
+      </a:fillRef>
+      <a:effectRef idx="0">
+        <a:scrgbClr r="0" g="0" b="0"/>
+      </a:effectRef>
+      <a:fontRef idx="minor">
+        <a:schemeClr val="lt1"/>
+      </a:fontRef>
+    </dgm:style>
+  </dgm:styleLbl>
+  <dgm:styleLbl name="node3">
+    <dgm:scene3d>
+      <a:camera prst="orthographicFront"/>
+      <a:lightRig rig="threePt" dir="t"/>
+    </dgm:scene3d>
+    <dgm:sp3d/>
+    <dgm:txPr/>
+    <dgm:style>
+      <a:lnRef idx="2">
+        <a:scrgbClr r="0" g="0" b="0"/>
+      </a:lnRef>
+      <a:fillRef idx="1">
+        <a:scrgbClr r="0" g="0" b="0"/>
+      </a:fillRef>
+      <a:effectRef idx="0">
+        <a:scrgbClr r="0" g="0" b="0"/>
+      </a:effectRef>
+      <a:fontRef idx="minor">
+        <a:schemeClr val="lt1"/>
+      </a:fontRef>
+    </dgm:style>
+  </dgm:styleLbl>
+  <dgm:styleLbl name="node4">
+    <dgm:scene3d>
+      <a:camera prst="orthographicFront"/>
+      <a:lightRig rig="threePt" dir="t"/>
+    </dgm:scene3d>
+    <dgm:sp3d/>
+    <dgm:txPr/>
+    <dgm:style>
+      <a:lnRef idx="2">
+        <a:scrgbClr r="0" g="0" b="0"/>
+      </a:lnRef>
+      <a:fillRef idx="1">
+        <a:scrgbClr r="0" g="0" b="0"/>
+      </a:fillRef>
+      <a:effectRef idx="0">
+        <a:scrgbClr r="0" g="0" b="0"/>
+      </a:effectRef>
+      <a:fontRef idx="minor">
+        <a:schemeClr val="lt1"/>
+      </a:fontRef>
+    </dgm:style>
+  </dgm:styleLbl>
+  <dgm:styleLbl name="fgImgPlace1">
+    <dgm:scene3d>
+      <a:camera prst="orthographicFront"/>
+      <a:lightRig rig="threePt" dir="t"/>
+    </dgm:scene3d>
+    <dgm:sp3d/>
+    <dgm:txPr/>
+    <dgm:style>
+      <a:lnRef idx="2">
+        <a:scrgbClr r="0" g="0" b="0"/>
+      </a:lnRef>
+      <a:fillRef idx="1">
+        <a:scrgbClr r="0" g="0" b="0"/>
+      </a:fillRef>
+      <a:effectRef idx="0">
+        <a:scrgbClr r="0" g="0" b="0"/>
+      </a:effectRef>
+      <a:fontRef idx="minor"/>
+    </dgm:style>
+  </dgm:styleLbl>
+  <dgm:styleLbl name="alignImgPlace1">
+    <dgm:scene3d>
+      <a:camera prst="orthographicFront"/>
+      <a:lightRig rig="threePt" dir="t"/>
+    </dgm:scene3d>
+    <dgm:sp3d/>
+    <dgm:txPr/>
+    <dgm:style>
+      <a:lnRef idx="2">
+        <a:scrgbClr r="0" g="0" b="0"/>
+      </a:lnRef>
+      <a:fillRef idx="1">
+        <a:scrgbClr r="0" g="0" b="0"/>
+      </a:fillRef>
+      <a:effectRef idx="0">
+        <a:scrgbClr r="0" g="0" b="0"/>
+      </a:effectRef>
+      <a:fontRef idx="minor"/>
+    </dgm:style>
+  </dgm:styleLbl>
+  <dgm:styleLbl name="bgImgPlace1">
+    <dgm:scene3d>
+      <a:camera prst="orthographicFront"/>
+      <a:lightRig rig="threePt" dir="t"/>
+    </dgm:scene3d>
+    <dgm:sp3d/>
+    <dgm:txPr/>
+    <dgm:style>
+      <a:lnRef idx="2">
+        <a:scrgbClr r="0" g="0" b="0"/>
+      </a:lnRef>
+      <a:fillRef idx="1">
+        <a:scrgbClr r="0" g="0" b="0"/>
+      </a:fillRef>
+      <a:effectRef idx="0">
+        <a:scrgbClr r="0" g="0" b="0"/>
+      </a:effectRef>
+      <a:fontRef idx="minor"/>
+    </dgm:style>
+  </dgm:styleLbl>
+  <dgm:styleLbl name="sibTrans2D1">
+    <dgm:scene3d>
+      <a:camera prst="orthographicFront"/>
+      <a:lightRig rig="threePt" dir="t"/>
+    </dgm:scene3d>
+    <dgm:sp3d/>
+    <dgm:txPr/>
+    <dgm:style>
+      <a:lnRef idx="0">
+        <a:scrgbClr r="0" g="0" b="0"/>
+      </a:lnRef>
+      <a:fillRef idx="1">
+        <a:scrgbClr r="0" g="0" b="0"/>
+      </a:fillRef>
+      <a:effectRef idx="0">
+        <a:scrgbClr r="0" g="0" b="0"/>
+      </a:effectRef>
+      <a:fontRef idx="minor">
+        <a:schemeClr val="lt1"/>
+      </a:fontRef>
+    </dgm:style>
+  </dgm:styleLbl>
+  <dgm:styleLbl name="fgSibTrans2D1">
+    <dgm:scene3d>
+      <a:camera prst="orthographicFront"/>
+      <a:lightRig rig="threePt" dir="t"/>
+    </dgm:scene3d>
+    <dgm:sp3d/>
+    <dgm:txPr/>
+    <dgm:style>
+      <a:lnRef idx="0">
+        <a:scrgbClr r="0" g="0" b="0"/>
+      </a:lnRef>
+      <a:fillRef idx="1">
+        <a:scrgbClr r="0" g="0" b="0"/>
+      </a:fillRef>
+      <a:effectRef idx="0">
+        <a:scrgbClr r="0" g="0" b="0"/>
+      </a:effectRef>
+      <a:fontRef idx="minor">
+        <a:schemeClr val="lt1"/>
+      </a:fontRef>
+    </dgm:style>
+  </dgm:styleLbl>
+  <dgm:styleLbl name="bgSibTrans2D1">
+    <dgm:scene3d>
+      <a:camera prst="orthographicFront"/>
+      <a:lightRig rig="threePt" dir="t"/>
+    </dgm:scene3d>
+    <dgm:sp3d/>
+    <dgm:txPr/>
+    <dgm:style>
+      <a:lnRef idx="0">
+        <a:scrgbClr r="0" g="0" b="0"/>
+      </a:lnRef>
+      <a:fillRef idx="1">
+        <a:scrgbClr r="0" g="0" b="0"/>
+      </a:fillRef>
+      <a:effectRef idx="0">
+        <a:scrgbClr r="0" g="0" b="0"/>
+      </a:effectRef>
+      <a:fontRef idx="minor">
+        <a:schemeClr val="lt1"/>
+      </a:fontRef>
+    </dgm:style>
+  </dgm:styleLbl>
+  <dgm:styleLbl name="sibTrans1D1">
+    <dgm:scene3d>
+      <a:camera prst="orthographicFront"/>
+      <a:lightRig rig="threePt" dir="t"/>
+    </dgm:scene3d>
+    <dgm:sp3d/>
+    <dgm:txPr/>
+    <dgm:style>
+      <a:lnRef idx="1">
+        <a:scrgbClr r="0" g="0" b="0"/>
+      </a:lnRef>
+      <a:fillRef idx="0">
+        <a:scrgbClr r="0" g="0" b="0"/>
+      </a:fillRef>
+      <a:effectRef idx="0">
+        <a:scrgbClr r="0" g="0" b="0"/>
+      </a:effectRef>
+      <a:fontRef idx="minor"/>
+    </dgm:style>
+  </dgm:styleLbl>
+  <dgm:styleLbl name="callout">
+    <dgm:scene3d>
+      <a:camera prst="orthographicFront"/>
+      <a:lightRig rig="threePt" dir="t"/>
+    </dgm:scene3d>
+    <dgm:sp3d/>
+    <dgm:txPr/>
+    <dgm:style>
+      <a:lnRef idx="2">
+        <a:scrgbClr r="0" g="0" b="0"/>
+      </a:lnRef>
+      <a:fillRef idx="1">
+        <a:scrgbClr r="0" g="0" b="0"/>
+      </a:fillRef>
+      <a:effectRef idx="0">
+        <a:scrgbClr r="0" g="0" b="0"/>
+      </a:effectRef>
+      <a:fontRef idx="minor"/>
+    </dgm:style>
+  </dgm:styleLbl>
+  <dgm:styleLbl name="asst0">
+    <dgm:scene3d>
+      <a:camera prst="orthographicFront"/>
+      <a:lightRig rig="threePt" dir="t"/>
+    </dgm:scene3d>
+    <dgm:sp3d/>
+    <dgm:txPr/>
+    <dgm:style>
+      <a:lnRef idx="2">
+        <a:scrgbClr r="0" g="0" b="0"/>
+      </a:lnRef>
+      <a:fillRef idx="1">
+        <a:scrgbClr r="0" g="0" b="0"/>
+      </a:fillRef>
+      <a:effectRef idx="0">
+        <a:scrgbClr r="0" g="0" b="0"/>
+      </a:effectRef>
+      <a:fontRef idx="minor">
+        <a:schemeClr val="lt1"/>
+      </a:fontRef>
+    </dgm:style>
+  </dgm:styleLbl>
+  <dgm:styleLbl name="asst1">
+    <dgm:scene3d>
+      <a:camera prst="orthographicFront"/>
+      <a:lightRig rig="threePt" dir="t"/>
+    </dgm:scene3d>
+    <dgm:sp3d/>
+    <dgm:txPr/>
+    <dgm:style>
+      <a:lnRef idx="2">
+        <a:scrgbClr r="0" g="0" b="0"/>
+      </a:lnRef>
+      <a:fillRef idx="1">
+        <a:scrgbClr r="0" g="0" b="0"/>
+      </a:fillRef>
+      <a:effectRef idx="0">
+        <a:scrgbClr r="0" g="0" b="0"/>
+      </a:effectRef>
+      <a:fontRef idx="minor">
+        <a:schemeClr val="lt1"/>
+      </a:fontRef>
+    </dgm:style>
+  </dgm:styleLbl>
+  <dgm:styleLbl name="asst2">
+    <dgm:scene3d>
+      <a:camera prst="orthographicFront"/>
+      <a:lightRig rig="threePt" dir="t"/>
+    </dgm:scene3d>
+    <dgm:sp3d/>
+    <dgm:txPr/>
+    <dgm:style>
+      <a:lnRef idx="2">
+        <a:scrgbClr r="0" g="0" b="0"/>
+      </a:lnRef>
+      <a:fillRef idx="1">
+        <a:scrgbClr r="0" g="0" b="0"/>
+      </a:fillRef>
+      <a:effectRef idx="0">
+        <a:scrgbClr r="0" g="0" b="0"/>
+      </a:effectRef>
+      <a:fontRef idx="minor">
+        <a:schemeClr val="lt1"/>
+      </a:fontRef>
+    </dgm:style>
+  </dgm:styleLbl>
+  <dgm:styleLbl name="asst3">
+    <dgm:scene3d>
+      <a:camera prst="orthographicFront"/>
+      <a:lightRig rig="threePt" dir="t"/>
+    </dgm:scene3d>
+    <dgm:sp3d/>
+    <dgm:txPr/>
+    <dgm:style>
+      <a:lnRef idx="2">
+        <a:scrgbClr r="0" g="0" b="0"/>
+      </a:lnRef>
+      <a:fillRef idx="1">
+        <a:scrgbClr r="0" g="0" b="0"/>
+      </a:fillRef>
+      <a:effectRef idx="0">
+        <a:scrgbClr r="0" g="0" b="0"/>
+      </a:effectRef>
+      <a:fontRef idx="minor">
+        <a:schemeClr val="lt1"/>
+      </a:fontRef>
+    </dgm:style>
+  </dgm:styleLbl>
+  <dgm:styleLbl name="asst4">
+    <dgm:scene3d>
+      <a:camera prst="orthographicFront"/>
+      <a:lightRig rig="threePt" dir="t"/>
+    </dgm:scene3d>
+    <dgm:sp3d/>
+    <dgm:txPr/>
+    <dgm:style>
+      <a:lnRef idx="2">
+        <a:scrgbClr r="0" g="0" b="0"/>
+      </a:lnRef>
+      <a:fillRef idx="1">
+        <a:scrgbClr r="0" g="0" b="0"/>
+      </a:fillRef>
+      <a:effectRef idx="0">
+        <a:scrgbClr r="0" g="0" b="0"/>
+      </a:effectRef>
+      <a:fontRef idx="minor">
+        <a:schemeClr val="lt1"/>
+      </a:fontRef>
+    </dgm:style>
+  </dgm:styleLbl>
+  <dgm:styleLbl name="parChTrans2D1">
+    <dgm:scene3d>
+      <a:camera prst="orthographicFront"/>
+      <a:lightRig rig="threePt" dir="t"/>
+    </dgm:scene3d>
+    <dgm:sp3d/>
+    <dgm:txPr/>
+    <dgm:style>
+      <a:lnRef idx="2">
+        <a:scrgbClr r="0" g="0" b="0"/>
+      </a:lnRef>
+      <a:fillRef idx="1">
+        <a:scrgbClr r="0" g="0" b="0"/>
+      </a:fillRef>
+      <a:effectRef idx="0">
+        <a:scrgbClr r="0" g="0" b="0"/>
+      </a:effectRef>
+      <a:fontRef idx="minor">
+        <a:schemeClr val="lt1"/>
+      </a:fontRef>
+    </dgm:style>
+  </dgm:styleLbl>
+  <dgm:styleLbl name="parChTrans2D2">
+    <dgm:scene3d>
+      <a:camera prst="orthographicFront"/>
+      <a:lightRig rig="threePt" dir="t"/>
+    </dgm:scene3d>
+    <dgm:sp3d/>
+    <dgm:txPr/>
+    <dgm:style>
+      <a:lnRef idx="2">
+        <a:scrgbClr r="0" g="0" b="0"/>
+      </a:lnRef>
+      <a:fillRef idx="1">
+        <a:scrgbClr r="0" g="0" b="0"/>
+      </a:fillRef>
+      <a:effectRef idx="0">
+        <a:scrgbClr r="0" g="0" b="0"/>
+      </a:effectRef>
+      <a:fontRef idx="minor">
+        <a:schemeClr val="lt1"/>
+      </a:fontRef>
+    </dgm:style>
+  </dgm:styleLbl>
+  <dgm:styleLbl name="parChTrans2D3">
+    <dgm:scene3d>
+      <a:camera prst="orthographicFront"/>
+      <a:lightRig rig="threePt" dir="t"/>
+    </dgm:scene3d>
+    <dgm:sp3d/>
+    <dgm:txPr/>
+    <dgm:style>
+      <a:lnRef idx="2">
+        <a:scrgbClr r="0" g="0" b="0"/>
+      </a:lnRef>
+      <a:fillRef idx="1">
+        <a:scrgbClr r="0" g="0" b="0"/>
+      </a:fillRef>
+      <a:effectRef idx="0">
+        <a:scrgbClr r="0" g="0" b="0"/>
+      </a:effectRef>
+      <a:fontRef idx="minor">
+        <a:schemeClr val="lt1"/>
+      </a:fontRef>
+    </dgm:style>
+  </dgm:styleLbl>
+  <dgm:styleLbl name="parChTrans2D4">
+    <dgm:scene3d>
+      <a:camera prst="orthographicFront"/>
+      <a:lightRig rig="threePt" dir="t"/>
+    </dgm:scene3d>
+    <dgm:sp3d/>
+    <dgm:txPr/>
+    <dgm:style>
+      <a:lnRef idx="2">
+        <a:scrgbClr r="0" g="0" b="0"/>
+      </a:lnRef>
+      <a:fillRef idx="1">
+        <a:scrgbClr r="0" g="0" b="0"/>
+      </a:fillRef>
+      <a:effectRef idx="0">
+        <a:scrgbClr r="0" g="0" b="0"/>
+      </a:effectRef>
+      <a:fontRef idx="minor">
+        <a:schemeClr val="lt1"/>
+      </a:fontRef>
+    </dgm:style>
+  </dgm:styleLbl>
+  <dgm:styleLbl name="parChTrans1D1">
+    <dgm:scene3d>
+      <a:camera prst="orthographicFront"/>
+      <a:lightRig rig="threePt" dir="t"/>
+    </dgm:scene3d>
+    <dgm:sp3d/>
+    <dgm:txPr/>
+    <dgm:style>
+      <a:lnRef idx="2">
+        <a:scrgbClr r="0" g="0" b="0"/>
+      </a:lnRef>
+      <a:fillRef idx="0">
+        <a:scrgbClr r="0" g="0" b="0"/>
+      </a:fillRef>
+      <a:effectRef idx="0">
+        <a:scrgbClr r="0" g="0" b="0"/>
+      </a:effectRef>
+      <a:fontRef idx="minor"/>
+    </dgm:style>
+  </dgm:styleLbl>
+  <dgm:styleLbl name="parChTrans1D2">
+    <dgm:scene3d>
+      <a:camera prst="orthographicFront"/>
+      <a:lightRig rig="threePt" dir="t"/>
+    </dgm:scene3d>
+    <dgm:sp3d/>
+    <dgm:txPr/>
+    <dgm:style>
+      <a:lnRef idx="2">
+        <a:scrgbClr r="0" g="0" b="0"/>
+      </a:lnRef>
+      <a:fillRef idx="0">
+        <a:scrgbClr r="0" g="0" b="0"/>
+      </a:fillRef>
+      <a:effectRef idx="0">
+        <a:scrgbClr r="0" g="0" b="0"/>
+      </a:effectRef>
+      <a:fontRef idx="minor"/>
+    </dgm:style>
+  </dgm:styleLbl>
+  <dgm:styleLbl name="parChTrans1D3">
+    <dgm:scene3d>
+      <a:camera prst="orthographicFront"/>
+      <a:lightRig rig="threePt" dir="t"/>
+    </dgm:scene3d>
+    <dgm:sp3d/>
+    <dgm:txPr/>
+    <dgm:style>
+      <a:lnRef idx="2">
+        <a:scrgbClr r="0" g="0" b="0"/>
+      </a:lnRef>
+      <a:fillRef idx="0">
+        <a:scrgbClr r="0" g="0" b="0"/>
+      </a:fillRef>
+      <a:effectRef idx="0">
+        <a:scrgbClr r="0" g="0" b="0"/>
+      </a:effectRef>
+      <a:fontRef idx="minor"/>
+    </dgm:style>
+  </dgm:styleLbl>
+  <dgm:styleLbl name="parChTrans1D4">
+    <dgm:scene3d>
+      <a:camera prst="orthographicFront"/>
+      <a:lightRig rig="threePt" dir="t"/>
+    </dgm:scene3d>
+    <dgm:sp3d/>
+    <dgm:txPr/>
+    <dgm:style>
+      <a:lnRef idx="2">
+        <a:scrgbClr r="0" g="0" b="0"/>
+      </a:lnRef>
+      <a:fillRef idx="0">
+        <a:scrgbClr r="0" g="0" b="0"/>
+      </a:fillRef>
+      <a:effectRef idx="0">
+        <a:scrgbClr r="0" g="0" b="0"/>
+      </a:effectRef>
+      <a:fontRef idx="minor"/>
+    </dgm:style>
+  </dgm:styleLbl>
+  <dgm:styleLbl name="fgAcc1">
+    <dgm:scene3d>
+      <a:camera prst="orthographicFront"/>
+      <a:lightRig rig="threePt" dir="t"/>
+    </dgm:scene3d>
+    <dgm:sp3d/>
+    <dgm:txPr/>
+    <dgm:style>
+      <a:lnRef idx="2">
+        <a:scrgbClr r="0" g="0" b="0"/>
+      </a:lnRef>
+      <a:fillRef idx="1">
+        <a:scrgbClr r="0" g="0" b="0"/>
+      </a:fillRef>
+      <a:effectRef idx="0">
+        <a:scrgbClr r="0" g="0" b="0"/>
+      </a:effectRef>
+      <a:fontRef idx="minor"/>
+    </dgm:style>
+  </dgm:styleLbl>
+  <dgm:styleLbl name="conFgAcc1">
+    <dgm:scene3d>
+      <a:camera prst="orthographicFront"/>
+      <a:lightRig rig="threePt" dir="t"/>
+    </dgm:scene3d>
+    <dgm:sp3d/>
+    <dgm:txPr/>
+    <dgm:style>
+      <a:lnRef idx="2">
+        <a:scrgbClr r="0" g="0" b="0"/>
+      </a:lnRef>
+      <a:fillRef idx="1">
+        <a:scrgbClr r="0" g="0" b="0"/>
+      </a:fillRef>
+      <a:effectRef idx="0">
+        <a:scrgbClr r="0" g="0" b="0"/>
+      </a:effectRef>
+      <a:fontRef idx="minor"/>
+    </dgm:style>
+  </dgm:styleLbl>
+  <dgm:styleLbl name="alignAcc1">
+    <dgm:scene3d>
+      <a:camera prst="orthographicFront"/>
+      <a:lightRig rig="threePt" dir="t"/>
+    </dgm:scene3d>
+    <dgm:sp3d/>
+    <dgm:txPr/>
+    <dgm:style>
+      <a:lnRef idx="2">
+        <a:scrgbClr r="0" g="0" b="0"/>
+      </a:lnRef>
+      <a:fillRef idx="1">
+        <a:scrgbClr r="0" g="0" b="0"/>
+      </a:fillRef>
+      <a:effectRef idx="0">
+        <a:scrgbClr r="0" g="0" b="0"/>
+      </a:effectRef>
+      <a:fontRef idx="minor"/>
+    </dgm:style>
+  </dgm:styleLbl>
+  <dgm:styleLbl name="trAlignAcc1">
+    <dgm:scene3d>
+      <a:camera prst="orthographicFront"/>
+      <a:lightRig rig="threePt" dir="t"/>
+    </dgm:scene3d>
+    <dgm:sp3d/>
+    <dgm:txPr/>
+    <dgm:style>
+      <a:lnRef idx="1">
+        <a:scrgbClr r="0" g="0" b="0"/>
+      </a:lnRef>
+      <a:fillRef idx="1">
+        <a:scrgbClr r="0" g="0" b="0"/>
+      </a:fillRef>
+      <a:effectRef idx="0">
+        <a:scrgbClr r="0" g="0" b="0"/>
+      </a:effectRef>
+      <a:fontRef idx="minor"/>
+    </dgm:style>
+  </dgm:styleLbl>
+  <dgm:styleLbl name="bgAcc1">
+    <dgm:scene3d>
+      <a:camera prst="orthographicFront"/>
+      <a:lightRig rig="threePt" dir="t"/>
+    </dgm:scene3d>
+    <dgm:sp3d/>
+    <dgm:txPr/>
+    <dgm:style>
+      <a:lnRef idx="2">
+        <a:scrgbClr r="0" g="0" b="0"/>
+      </a:lnRef>
+      <a:fillRef idx="1">
+        <a:scrgbClr r="0" g="0" b="0"/>
+      </a:fillRef>
+      <a:effectRef idx="0">
+        <a:scrgbClr r="0" g="0" b="0"/>
+      </a:effectRef>
+      <a:fontRef idx="minor"/>
+    </dgm:style>
+  </dgm:styleLbl>
+  <dgm:styleLbl name="solidFgAcc1">
+    <dgm:scene3d>
+      <a:camera prst="orthographicFront"/>
+      <a:lightRig rig="threePt" dir="t"/>
+    </dgm:scene3d>
+    <dgm:sp3d/>
+    <dgm:txPr/>
+    <dgm:style>
+      <a:lnRef idx="2">
+        <a:scrgbClr r="0" g="0" b="0"/>
+      </a:lnRef>
+      <a:fillRef idx="1">
+        <a:scrgbClr r="0" g="0" b="0"/>
+      </a:fillRef>
+      <a:effectRef idx="0">
+        <a:scrgbClr r="0" g="0" b="0"/>
+      </a:effectRef>
+      <a:fontRef idx="minor"/>
+    </dgm:style>
+  </dgm:styleLbl>
+  <dgm:styleLbl name="solidAlignAcc1">
+    <dgm:scene3d>
+      <a:camera prst="orthographicFront"/>
+      <a:lightRig rig="threePt" dir="t"/>
+    </dgm:scene3d>
+    <dgm:sp3d/>
+    <dgm:txPr/>
+    <dgm:style>
+      <a:lnRef idx="2">
+        <a:scrgbClr r="0" g="0" b="0"/>
+      </a:lnRef>
+      <a:fillRef idx="1">
+        <a:scrgbClr r="0" g="0" b="0"/>
+      </a:fillRef>
+      <a:effectRef idx="0">
+        <a:scrgbClr r="0" g="0" b="0"/>
+      </a:effectRef>
+      <a:fontRef idx="minor"/>
+    </dgm:style>
+  </dgm:styleLbl>
+  <dgm:styleLbl name="solidBgAcc1">
+    <dgm:scene3d>
+      <a:camera prst="orthographicFront"/>
+      <a:lightRig rig="threePt" dir="t"/>
+    </dgm:scene3d>
+    <dgm:sp3d/>
+    <dgm:txPr/>
+    <dgm:style>
+      <a:lnRef idx="2">
+        <a:scrgbClr r="0" g="0" b="0"/>
+      </a:lnRef>
+      <a:fillRef idx="1">
+        <a:scrgbClr r="0" g="0" b="0"/>
+      </a:fillRef>
+      <a:effectRef idx="0">
+        <a:scrgbClr r="0" g="0" b="0"/>
+      </a:effectRef>
+      <a:fontRef idx="minor"/>
+    </dgm:style>
+  </dgm:styleLbl>
+  <dgm:styleLbl name="fgAccFollowNode1">
+    <dgm:scene3d>
+      <a:camera prst="orthographicFront"/>
+      <a:lightRig rig="threePt" dir="t"/>
+    </dgm:scene3d>
+    <dgm:sp3d/>
+    <dgm:txPr/>
+    <dgm:style>
+      <a:lnRef idx="2">
+        <a:scrgbClr r="0" g="0" b="0"/>
+      </a:lnRef>
+      <a:fillRef idx="1">
+        <a:scrgbClr r="0" g="0" b="0"/>
+      </a:fillRef>
+      <a:effectRef idx="0">
+        <a:scrgbClr r="0" g="0" b="0"/>
+      </a:effectRef>
+      <a:fontRef idx="minor"/>
+    </dgm:style>
+  </dgm:styleLbl>
+  <dgm:styleLbl name="alignAccFollowNode1">
+    <dgm:scene3d>
+      <a:camera prst="orthographicFront"/>
+      <a:lightRig rig="threePt" dir="t"/>
+    </dgm:scene3d>
+    <dgm:sp3d/>
+    <dgm:txPr/>
+    <dgm:style>
+      <a:lnRef idx="2">
+        <a:scrgbClr r="0" g="0" b="0"/>
+      </a:lnRef>
+      <a:fillRef idx="1">
+        <a:scrgbClr r="0" g="0" b="0"/>
+      </a:fillRef>
+      <a:effectRef idx="0">
+        <a:scrgbClr r="0" g="0" b="0"/>
+      </a:effectRef>
+      <a:fontRef idx="minor"/>
+    </dgm:style>
+  </dgm:styleLbl>
+  <dgm:styleLbl name="bgAccFollowNode1">
+    <dgm:scene3d>
+      <a:camera prst="orthographicFront"/>
+      <a:lightRig rig="threePt" dir="t"/>
+    </dgm:scene3d>
+    <dgm:sp3d/>
+    <dgm:txPr/>
+    <dgm:style>
+      <a:lnRef idx="2">
+        <a:scrgbClr r="0" g="0" b="0"/>
+      </a:lnRef>
+      <a:fillRef idx="1">
+        <a:scrgbClr r="0" g="0" b="0"/>
+      </a:fillRef>
+      <a:effectRef idx="0">
+        <a:scrgbClr r="0" g="0" b="0"/>
+      </a:effectRef>
+      <a:fontRef idx="minor"/>
+    </dgm:style>
+  </dgm:styleLbl>
+  <dgm:styleLbl name="fgAcc0">
+    <dgm:scene3d>
+      <a:camera prst="orthographicFront"/>
+      <a:lightRig rig="threePt" dir="t"/>
+    </dgm:scene3d>
+    <dgm:sp3d/>
+    <dgm:txPr/>
+    <dgm:style>
+      <a:lnRef idx="2">
+        <a:scrgbClr r="0" g="0" b="0"/>
+      </a:lnRef>
+      <a:fillRef idx="1">
+        <a:scrgbClr r="0" g="0" b="0"/>
+      </a:fillRef>
+      <a:effectRef idx="0">
+        <a:scrgbClr r="0" g="0" b="0"/>
+      </a:effectRef>
+      <a:fontRef idx="minor"/>
+    </dgm:style>
+  </dgm:styleLbl>
+  <dgm:styleLbl name="fgAcc2">
+    <dgm:scene3d>
+      <a:camera prst="orthographicFront"/>
+      <a:lightRig rig="threePt" dir="t"/>
+    </dgm:scene3d>
+    <dgm:sp3d/>
+    <dgm:txPr/>
+    <dgm:style>
+      <a:lnRef idx="2">
+        <a:scrgbClr r="0" g="0" b="0"/>
+      </a:lnRef>
+      <a:fillRef idx="1">
+        <a:scrgbClr r="0" g="0" b="0"/>
+      </a:fillRef>
+      <a:effectRef idx="0">
+        <a:scrgbClr r="0" g="0" b="0"/>
+      </a:effectRef>
+      <a:fontRef idx="minor"/>
+    </dgm:style>
+  </dgm:styleLbl>
+  <dgm:styleLbl name="fgAcc3">
+    <dgm:scene3d>
+      <a:camera prst="orthographicFront"/>
+      <a:lightRig rig="threePt" dir="t"/>
+    </dgm:scene3d>
+    <dgm:sp3d/>
+    <dgm:txPr/>
+    <dgm:style>
+      <a:lnRef idx="2">
+        <a:scrgbClr r="0" g="0" b="0"/>
+      </a:lnRef>
+      <a:fillRef idx="1">
+        <a:scrgbClr r="0" g="0" b="0"/>
+      </a:fillRef>
+      <a:effectRef idx="0">
+        <a:scrgbClr r="0" g="0" b="0"/>
+      </a:effectRef>
+      <a:fontRef idx="minor"/>
+    </dgm:style>
+  </dgm:styleLbl>
+  <dgm:styleLbl name="fgAcc4">
+    <dgm:scene3d>
+      <a:camera prst="orthographicFront"/>
+      <a:lightRig rig="threePt" dir="t"/>
+    </dgm:scene3d>
+    <dgm:sp3d/>
+    <dgm:txPr/>
+    <dgm:style>
+      <a:lnRef idx="2">
+        <a:scrgbClr r="0" g="0" b="0"/>
+      </a:lnRef>
+      <a:fillRef idx="1">
+        <a:scrgbClr r="0" g="0" b="0"/>
+      </a:fillRef>
+      <a:effectRef idx="0">
+        <a:scrgbClr r="0" g="0" b="0"/>
+      </a:effectRef>
+      <a:fontRef idx="minor"/>
+    </dgm:style>
+  </dgm:styleLbl>
+  <dgm:styleLbl name="bgShp">
+    <dgm:scene3d>
+      <a:camera prst="orthographicFront"/>
+      <a:lightRig rig="threePt" dir="t"/>
+    </dgm:scene3d>
+    <dgm:sp3d/>
+    <dgm:txPr/>
+    <dgm:style>
+      <a:lnRef idx="0">
+        <a:scrgbClr r="0" g="0" b="0"/>
+      </a:lnRef>
+      <a:fillRef idx="1">
+        <a:scrgbClr r="0" g="0" b="0"/>
+      </a:fillRef>
+      <a:effectRef idx="0">
+        <a:scrgbClr r="0" g="0" b="0"/>
+      </a:effectRef>
+      <a:fontRef idx="minor"/>
+    </dgm:style>
+  </dgm:styleLbl>
+  <dgm:styleLbl name="dkBgShp">
+    <dgm:scene3d>
+      <a:camera prst="orthographicFront"/>
+      <a:lightRig rig="threePt" dir="t"/>
+    </dgm:scene3d>
+    <dgm:sp3d/>
+    <dgm:txPr/>
+    <dgm:style>
+      <a:lnRef idx="0">
+        <a:scrgbClr r="0" g="0" b="0"/>
+      </a:lnRef>
+      <a:fillRef idx="1">
+        <a:scrgbClr r="0" g="0" b="0"/>
+      </a:fillRef>
+      <a:effectRef idx="0">
+        <a:scrgbClr r="0" g="0" b="0"/>
+      </a:effectRef>
+      <a:fontRef idx="minor"/>
+    </dgm:style>
+  </dgm:styleLbl>
+  <dgm:styleLbl name="trBgShp">
+    <dgm:scene3d>
+      <a:camera prst="orthographicFront"/>
+      <a:lightRig rig="threePt" dir="t"/>
+    </dgm:scene3d>
+    <dgm:sp3d/>
+    <dgm:txPr/>
+    <dgm:style>
+      <a:lnRef idx="0">
+        <a:scrgbClr r="0" g="0" b="0"/>
+      </a:lnRef>
+      <a:fillRef idx="1">
+        <a:scrgbClr r="0" g="0" b="0"/>
+      </a:fillRef>
+      <a:effectRef idx="0">
+        <a:scrgbClr r="0" g="0" b="0"/>
+      </a:effectRef>
+      <a:fontRef idx="minor"/>
+    </dgm:style>
+  </dgm:styleLbl>
+  <dgm:styleLbl name="fgShp">
+    <dgm:scene3d>
+      <a:camera prst="orthographicFront"/>
+      <a:lightRig rig="threePt" dir="t"/>
+    </dgm:scene3d>
+    <dgm:sp3d/>
+    <dgm:txPr/>
+    <dgm:style>
+      <a:lnRef idx="2">
+        <a:scrgbClr r="0" g="0" b="0"/>
+      </a:lnRef>
+      <a:fillRef idx="1">
+        <a:scrgbClr r="0" g="0" b="0"/>
+      </a:fillRef>
+      <a:effectRef idx="0">
+        <a:scrgbClr r="0" g="0" b="0"/>
+      </a:effectRef>
+      <a:fontRef idx="minor"/>
+    </dgm:style>
+  </dgm:styleLbl>
+  <dgm:styleLbl name="revTx">
+    <dgm:scene3d>
+      <a:camera prst="orthographicFront"/>
+      <a:lightRig rig="threePt" dir="t"/>
+    </dgm:scene3d>
+    <dgm:sp3d/>
+    <dgm:txPr/>
+    <dgm:style>
+      <a:lnRef idx="0">
+        <a:scrgbClr r="0" g="0" b="0"/>
+      </a:lnRef>
+      <a:fillRef idx="0">
+        <a:scrgbClr r="0" g="0" b="0"/>
+      </a:fillRef>
+      <a:effectRef idx="0">
+        <a:scrgbClr r="0" g="0" b="0"/>
+      </a:effectRef>
+      <a:fontRef idx="minor"/>
+    </dgm:style>
+  </dgm:styleLbl>
+</dgm:styleDef>
+</file>
+
 <file path=ppt/slideLayouts/slideLayout1.xml><?xml version="1.0" encoding="utf-8"?>
 <p:sldLayout xmlns:a="http://schemas.openxmlformats.org/drawingml/2006/main" xmlns:r="http://schemas.openxmlformats.org/officeDocument/2006/relationships" xmlns:p="http://schemas.openxmlformats.org/presentationml/2006/main" type="title" preserve="1">
   <p:cSld name="Title Slide">
@@ -263,7 +3302,7 @@
           <a:p>
             <a:fld id="{18731994-CD9C-4CE4-BBC3-F63557CAFCAD}" type="datetimeFigureOut">
               <a:rPr lang="en-US" smtClean="0"/>
-              <a:t>6/8/2021</a:t>
+              <a:t>6/11/2021</a:t>
             </a:fld>
             <a:endParaRPr lang="en-US"/>
           </a:p>
@@ -461,7 +3500,7 @@
           <a:p>
             <a:fld id="{18731994-CD9C-4CE4-BBC3-F63557CAFCAD}" type="datetimeFigureOut">
               <a:rPr lang="en-US" smtClean="0"/>
-              <a:t>6/8/2021</a:t>
+              <a:t>6/11/2021</a:t>
             </a:fld>
             <a:endParaRPr lang="en-US"/>
           </a:p>
@@ -669,7 +3708,7 @@
           <a:p>
             <a:fld id="{18731994-CD9C-4CE4-BBC3-F63557CAFCAD}" type="datetimeFigureOut">
               <a:rPr lang="en-US" smtClean="0"/>
-              <a:t>6/8/2021</a:t>
+              <a:t>6/11/2021</a:t>
             </a:fld>
             <a:endParaRPr lang="en-US"/>
           </a:p>
@@ -867,7 +3906,7 @@
           <a:p>
             <a:fld id="{18731994-CD9C-4CE4-BBC3-F63557CAFCAD}" type="datetimeFigureOut">
               <a:rPr lang="en-US" smtClean="0"/>
-              <a:t>6/8/2021</a:t>
+              <a:t>6/11/2021</a:t>
             </a:fld>
             <a:endParaRPr lang="en-US"/>
           </a:p>
@@ -1142,7 +4181,7 @@
           <a:p>
             <a:fld id="{18731994-CD9C-4CE4-BBC3-F63557CAFCAD}" type="datetimeFigureOut">
               <a:rPr lang="en-US" smtClean="0"/>
-              <a:t>6/8/2021</a:t>
+              <a:t>6/11/2021</a:t>
             </a:fld>
             <a:endParaRPr lang="en-US"/>
           </a:p>
@@ -1407,7 +4446,7 @@
           <a:p>
             <a:fld id="{18731994-CD9C-4CE4-BBC3-F63557CAFCAD}" type="datetimeFigureOut">
               <a:rPr lang="en-US" smtClean="0"/>
-              <a:t>6/8/2021</a:t>
+              <a:t>6/11/2021</a:t>
             </a:fld>
             <a:endParaRPr lang="en-US"/>
           </a:p>
@@ -1819,7 +4858,7 @@
           <a:p>
             <a:fld id="{18731994-CD9C-4CE4-BBC3-F63557CAFCAD}" type="datetimeFigureOut">
               <a:rPr lang="en-US" smtClean="0"/>
-              <a:t>6/8/2021</a:t>
+              <a:t>6/11/2021</a:t>
             </a:fld>
             <a:endParaRPr lang="en-US"/>
           </a:p>
@@ -1960,7 +4999,7 @@
           <a:p>
             <a:fld id="{18731994-CD9C-4CE4-BBC3-F63557CAFCAD}" type="datetimeFigureOut">
               <a:rPr lang="en-US" smtClean="0"/>
-              <a:t>6/8/2021</a:t>
+              <a:t>6/11/2021</a:t>
             </a:fld>
             <a:endParaRPr lang="en-US"/>
           </a:p>
@@ -2073,7 +5112,7 @@
           <a:p>
             <a:fld id="{18731994-CD9C-4CE4-BBC3-F63557CAFCAD}" type="datetimeFigureOut">
               <a:rPr lang="en-US" smtClean="0"/>
-              <a:t>6/8/2021</a:t>
+              <a:t>6/11/2021</a:t>
             </a:fld>
             <a:endParaRPr lang="en-US"/>
           </a:p>
@@ -2384,7 +5423,7 @@
           <a:p>
             <a:fld id="{18731994-CD9C-4CE4-BBC3-F63557CAFCAD}" type="datetimeFigureOut">
               <a:rPr lang="en-US" smtClean="0"/>
-              <a:t>6/8/2021</a:t>
+              <a:t>6/11/2021</a:t>
             </a:fld>
             <a:endParaRPr lang="en-US"/>
           </a:p>
@@ -2672,7 +5711,7 @@
           <a:p>
             <a:fld id="{18731994-CD9C-4CE4-BBC3-F63557CAFCAD}" type="datetimeFigureOut">
               <a:rPr lang="en-US" smtClean="0"/>
-              <a:t>6/8/2021</a:t>
+              <a:t>6/11/2021</a:t>
             </a:fld>
             <a:endParaRPr lang="en-US"/>
           </a:p>
@@ -2913,7 +5952,7 @@
           <a:p>
             <a:fld id="{18731994-CD9C-4CE4-BBC3-F63557CAFCAD}" type="datetimeFigureOut">
               <a:rPr lang="en-US" smtClean="0"/>
-              <a:t>6/8/2021</a:t>
+              <a:t>6/11/2021</a:t>
             </a:fld>
             <a:endParaRPr lang="en-US"/>
           </a:p>
@@ -3316,6 +6355,14 @@
 <file path=ppt/slides/slide1.xml><?xml version="1.0" encoding="utf-8"?>
 <p:sld xmlns:a="http://schemas.openxmlformats.org/drawingml/2006/main" xmlns:r="http://schemas.openxmlformats.org/officeDocument/2006/relationships" xmlns:p="http://schemas.openxmlformats.org/presentationml/2006/main">
   <p:cSld>
+    <p:bg>
+      <p:bgPr>
+        <a:solidFill>
+          <a:schemeClr val="bg1"/>
+        </a:solidFill>
+        <a:effectLst/>
+      </p:bgPr>
+    </p:bg>
     <p:spTree>
       <p:nvGrpSpPr>
         <p:cNvPr id="1" name=""/>
@@ -3330,6 +6377,66 @@
           <a:chExt cx="0" cy="0"/>
         </a:xfrm>
       </p:grpSpPr>
+      <p:sp useBgFill="1">
+        <p:nvSpPr>
+          <p:cNvPr id="16" name="Rectangle 7">
+            <a:extLst>
+              <a:ext uri="{FF2B5EF4-FFF2-40B4-BE49-F238E27FC236}">
+                <a16:creationId xmlns:a16="http://schemas.microsoft.com/office/drawing/2014/main" id="{5463EB0A-3D7C-4AA5-BFA5-8EE5B4BA5624}"/>
+              </a:ext>
+              <a:ext uri="{C183D7F6-B498-43B3-948B-1728B52AA6E4}">
+                <adec:decorative xmlns:adec="http://schemas.microsoft.com/office/drawing/2017/decorative" val="1"/>
+              </a:ext>
+            </a:extLst>
+          </p:cNvPr>
+          <p:cNvSpPr>
+            <a:spLocks noGrp="1" noRot="1" noChangeAspect="1" noMove="1" noResize="1" noEditPoints="1" noAdjustHandles="1" noChangeArrowheads="1" noChangeShapeType="1" noTextEdit="1"/>
+          </p:cNvSpPr>
+          <p:nvPr>
+            <p:extLst>
+              <p:ext uri="{386F3935-93C4-4BCD-93E2-E3B085C9AB24}">
+                <p16:designElem xmlns:p16="http://schemas.microsoft.com/office/powerpoint/2015/main" val="1"/>
+              </p:ext>
+            </p:extLst>
+          </p:nvPr>
+        </p:nvSpPr>
+        <p:spPr>
+          <a:xfrm>
+            <a:off x="0" y="0"/>
+            <a:ext cx="12192000" cy="6858000"/>
+          </a:xfrm>
+          <a:prstGeom prst="rect">
+            <a:avLst/>
+          </a:prstGeom>
+          <a:ln>
+            <a:noFill/>
+          </a:ln>
+        </p:spPr>
+        <p:style>
+          <a:lnRef idx="2">
+            <a:schemeClr val="accent1">
+              <a:shade val="50000"/>
+            </a:schemeClr>
+          </a:lnRef>
+          <a:fillRef idx="1">
+            <a:schemeClr val="accent1"/>
+          </a:fillRef>
+          <a:effectRef idx="0">
+            <a:schemeClr val="accent1"/>
+          </a:effectRef>
+          <a:fontRef idx="minor">
+            <a:schemeClr val="lt1"/>
+          </a:fontRef>
+        </p:style>
+        <p:txBody>
+          <a:bodyPr rtlCol="0" anchor="ctr"/>
+          <a:lstStyle/>
+          <a:p>
+            <a:pPr algn="ctr"/>
+            <a:endParaRPr lang="en-US"/>
+          </a:p>
+        </p:txBody>
+      </p:sp>
       <p:sp>
         <p:nvSpPr>
           <p:cNvPr id="2" name="Title 1">
@@ -3346,13 +6453,21 @@
             <p:ph type="ctrTitle"/>
           </p:nvPr>
         </p:nvSpPr>
-        <p:spPr/>
+        <p:spPr>
+          <a:xfrm>
+            <a:off x="578651" y="1122363"/>
+            <a:ext cx="11034695" cy="3174690"/>
+          </a:xfrm>
+        </p:spPr>
         <p:txBody>
-          <a:bodyPr/>
+          <a:bodyPr>
+            <a:normAutofit/>
+          </a:bodyPr>
           <a:lstStyle/>
           <a:p>
+            <a:pPr algn="l"/>
             <a:r>
-              <a:rPr lang="en-US" dirty="0"/>
+              <a:rPr lang="en-US" sz="8000"/>
               <a:t>Yanick A. Anagho</a:t>
             </a:r>
           </a:p>
@@ -3374,26 +6489,191 @@
             <p:ph type="subTitle" idx="1"/>
           </p:nvPr>
         </p:nvSpPr>
-        <p:spPr/>
+        <p:spPr>
+          <a:xfrm>
+            <a:off x="578651" y="4723637"/>
+            <a:ext cx="11034695" cy="1481396"/>
+          </a:xfrm>
+        </p:spPr>
         <p:txBody>
-          <a:bodyPr/>
+          <a:bodyPr>
+            <a:normAutofit/>
+          </a:bodyPr>
           <a:lstStyle/>
           <a:p>
+            <a:pPr algn="l"/>
             <a:r>
-              <a:rPr lang="en-US" dirty="0"/>
-              <a:t>Data Science </a:t>
+              <a:rPr lang="en-US" sz="2800"/>
+              <a:t>Data Science Captone</a:t>
             </a:r>
+          </a:p>
+          <a:p>
+            <a:pPr algn="l"/>
             <a:r>
-              <a:rPr lang="en-US" dirty="0" err="1"/>
-              <a:t>Captone</a:t>
-            </a:r>
-            <a:endParaRPr lang="en-US" dirty="0"/>
-          </a:p>
-          <a:p>
-            <a:r>
-              <a:rPr lang="en-US" b="1" i="1" dirty="0"/>
+              <a:rPr lang="en-US" sz="2800" b="1" i="1"/>
               <a:t>User Ratings of Products on Amazon</a:t>
             </a:r>
+          </a:p>
+        </p:txBody>
+      </p:sp>
+      <p:sp>
+        <p:nvSpPr>
+          <p:cNvPr id="17" name="Rectangle 9">
+            <a:extLst>
+              <a:ext uri="{FF2B5EF4-FFF2-40B4-BE49-F238E27FC236}">
+                <a16:creationId xmlns:a16="http://schemas.microsoft.com/office/drawing/2014/main" id="{7945AD00-F967-454D-A4B2-39ABA5C88C20}"/>
+              </a:ext>
+              <a:ext uri="{C183D7F6-B498-43B3-948B-1728B52AA6E4}">
+                <adec:decorative xmlns:adec="http://schemas.microsoft.com/office/drawing/2017/decorative" val="1"/>
+              </a:ext>
+            </a:extLst>
+          </p:cNvPr>
+          <p:cNvSpPr>
+            <a:spLocks noGrp="1" noRot="1" noChangeAspect="1" noMove="1" noResize="1" noEditPoints="1" noAdjustHandles="1" noChangeArrowheads="1" noChangeShapeType="1" noTextEdit="1"/>
+          </p:cNvSpPr>
+          <p:nvPr>
+            <p:extLst>
+              <p:ext uri="{386F3935-93C4-4BCD-93E2-E3B085C9AB24}">
+                <p16:designElem xmlns:p16="http://schemas.microsoft.com/office/powerpoint/2015/main" val="1"/>
+              </p:ext>
+            </p:extLst>
+          </p:nvPr>
+        </p:nvSpPr>
+        <p:spPr>
+          <a:xfrm rot="5400000">
+            <a:off x="857544" y="346791"/>
+            <a:ext cx="146304" cy="704088"/>
+          </a:xfrm>
+          <a:prstGeom prst="rect">
+            <a:avLst/>
+          </a:prstGeom>
+          <a:solidFill>
+            <a:schemeClr val="accent2"/>
+          </a:solidFill>
+          <a:ln>
+            <a:noFill/>
+          </a:ln>
+        </p:spPr>
+        <p:style>
+          <a:lnRef idx="2">
+            <a:schemeClr val="accent1">
+              <a:shade val="50000"/>
+            </a:schemeClr>
+          </a:lnRef>
+          <a:fillRef idx="1">
+            <a:schemeClr val="accent1"/>
+          </a:fillRef>
+          <a:effectRef idx="0">
+            <a:schemeClr val="accent1"/>
+          </a:effectRef>
+          <a:fontRef idx="minor">
+            <a:schemeClr val="lt1"/>
+          </a:fontRef>
+        </p:style>
+        <p:txBody>
+          <a:bodyPr rtlCol="0" anchor="ctr"/>
+          <a:lstStyle/>
+          <a:p>
+            <a:pPr marL="0" marR="0" lvl="0" indent="0" algn="ctr" defTabSz="914400" rtl="0" eaLnBrk="1" fontAlgn="auto" latinLnBrk="0" hangingPunct="1">
+              <a:lnSpc>
+                <a:spcPct val="100000"/>
+              </a:lnSpc>
+              <a:spcBef>
+                <a:spcPts val="0"/>
+              </a:spcBef>
+              <a:spcAft>
+                <a:spcPts val="0"/>
+              </a:spcAft>
+              <a:buClrTx/>
+              <a:buSzTx/>
+              <a:buFontTx/>
+              <a:buNone/>
+              <a:tabLst/>
+              <a:defRPr/>
+            </a:pPr>
+            <a:endParaRPr kumimoji="0" lang="en-US" sz="1800" b="0" i="0" u="none" strike="noStrike" kern="1200" cap="none" spc="0" normalizeH="0" baseline="0" noProof="0">
+              <a:ln>
+                <a:noFill/>
+              </a:ln>
+              <a:solidFill>
+                <a:prstClr val="white"/>
+              </a:solidFill>
+              <a:effectLst/>
+              <a:uLnTx/>
+              <a:uFillTx/>
+              <a:latin typeface="Calibri" panose="020F0502020204030204"/>
+              <a:ea typeface="+mn-ea"/>
+              <a:cs typeface="+mn-cs"/>
+            </a:endParaRPr>
+          </a:p>
+        </p:txBody>
+      </p:sp>
+      <p:sp>
+        <p:nvSpPr>
+          <p:cNvPr id="18" name="Rectangle 11">
+            <a:extLst>
+              <a:ext uri="{FF2B5EF4-FFF2-40B4-BE49-F238E27FC236}">
+                <a16:creationId xmlns:a16="http://schemas.microsoft.com/office/drawing/2014/main" id="{E9BC5B79-B912-427C-8219-E3E50943FCDE}"/>
+              </a:ext>
+              <a:ext uri="{C183D7F6-B498-43B3-948B-1728B52AA6E4}">
+                <adec:decorative xmlns:adec="http://schemas.microsoft.com/office/drawing/2017/decorative" val="1"/>
+              </a:ext>
+            </a:extLst>
+          </p:cNvPr>
+          <p:cNvSpPr>
+            <a:spLocks noGrp="1" noRot="1" noChangeAspect="1" noMove="1" noResize="1" noEditPoints="1" noAdjustHandles="1" noChangeArrowheads="1" noChangeShapeType="1" noTextEdit="1"/>
+          </p:cNvSpPr>
+          <p:nvPr>
+            <p:extLst>
+              <p:ext uri="{386F3935-93C4-4BCD-93E2-E3B085C9AB24}">
+                <p16:designElem xmlns:p16="http://schemas.microsoft.com/office/powerpoint/2015/main" val="1"/>
+              </p:ext>
+            </p:extLst>
+          </p:nvPr>
+        </p:nvSpPr>
+        <p:spPr>
+          <a:xfrm flipV="1">
+            <a:off x="578652" y="4501201"/>
+            <a:ext cx="11034696" cy="18288"/>
+          </a:xfrm>
+          <a:prstGeom prst="rect">
+            <a:avLst/>
+          </a:prstGeom>
+          <a:solidFill>
+            <a:srgbClr val="D5D5D5"/>
+          </a:solidFill>
+          <a:ln w="3175">
+            <a:noFill/>
+          </a:ln>
+          <a:effectLst/>
+        </p:spPr>
+        <p:style>
+          <a:lnRef idx="2">
+            <a:schemeClr val="accent1">
+              <a:shade val="50000"/>
+            </a:schemeClr>
+          </a:lnRef>
+          <a:fillRef idx="1">
+            <a:schemeClr val="accent1"/>
+          </a:fillRef>
+          <a:effectRef idx="0">
+            <a:schemeClr val="accent1"/>
+          </a:effectRef>
+          <a:fontRef idx="minor">
+            <a:schemeClr val="lt1"/>
+          </a:fontRef>
+        </p:style>
+        <p:txBody>
+          <a:bodyPr rtlCol="0" anchor="ctr"/>
+          <a:lstStyle/>
+          <a:p>
+            <a:pPr algn="ctr"/>
+            <a:endParaRPr lang="en-US">
+              <a:solidFill>
+                <a:prstClr val="white"/>
+              </a:solidFill>
+              <a:latin typeface="Calibri" panose="020F0502020204030204"/>
+            </a:endParaRPr>
           </a:p>
         </p:txBody>
       </p:sp>
@@ -3485,6 +6765,14 @@
 <file path=ppt/slides/slide3.xml><?xml version="1.0" encoding="utf-8"?>
 <p:sld xmlns:a="http://schemas.openxmlformats.org/drawingml/2006/main" xmlns:r="http://schemas.openxmlformats.org/officeDocument/2006/relationships" xmlns:p="http://schemas.openxmlformats.org/presentationml/2006/main">
   <p:cSld>
+    <p:bg>
+      <p:bgPr>
+        <a:solidFill>
+          <a:schemeClr val="bg1"/>
+        </a:solidFill>
+        <a:effectLst/>
+      </p:bgPr>
+    </p:bg>
     <p:spTree>
       <p:nvGrpSpPr>
         <p:cNvPr id="1" name=""/>
@@ -3499,6 +6787,401 @@
           <a:chExt cx="0" cy="0"/>
         </a:xfrm>
       </p:grpSpPr>
+      <p:sp useBgFill="1">
+        <p:nvSpPr>
+          <p:cNvPr id="8" name="Rectangle 7">
+            <a:extLst>
+              <a:ext uri="{FF2B5EF4-FFF2-40B4-BE49-F238E27FC236}">
+                <a16:creationId xmlns:a16="http://schemas.microsoft.com/office/drawing/2014/main" id="{1C799903-48D5-4A31-A1A2-541072D9771E}"/>
+              </a:ext>
+              <a:ext uri="{C183D7F6-B498-43B3-948B-1728B52AA6E4}">
+                <adec:decorative xmlns:adec="http://schemas.microsoft.com/office/drawing/2017/decorative" val="1"/>
+              </a:ext>
+            </a:extLst>
+          </p:cNvPr>
+          <p:cNvSpPr>
+            <a:spLocks noGrp="1" noRot="1" noChangeAspect="1" noMove="1" noResize="1" noEditPoints="1" noAdjustHandles="1" noChangeArrowheads="1" noChangeShapeType="1" noTextEdit="1"/>
+          </p:cNvSpPr>
+          <p:nvPr>
+            <p:extLst>
+              <p:ext uri="{386F3935-93C4-4BCD-93E2-E3B085C9AB24}">
+                <p16:designElem xmlns:p16="http://schemas.microsoft.com/office/powerpoint/2015/main" val="1"/>
+              </p:ext>
+            </p:extLst>
+          </p:nvPr>
+        </p:nvSpPr>
+        <p:spPr>
+          <a:xfrm>
+            <a:off x="0" y="0"/>
+            <a:ext cx="12192002" cy="6858000"/>
+          </a:xfrm>
+          <a:prstGeom prst="rect">
+            <a:avLst/>
+          </a:prstGeom>
+          <a:ln>
+            <a:noFill/>
+          </a:ln>
+        </p:spPr>
+        <p:style>
+          <a:lnRef idx="2">
+            <a:schemeClr val="accent1">
+              <a:shade val="50000"/>
+            </a:schemeClr>
+          </a:lnRef>
+          <a:fillRef idx="1">
+            <a:schemeClr val="accent1"/>
+          </a:fillRef>
+          <a:effectRef idx="0">
+            <a:schemeClr val="accent1"/>
+          </a:effectRef>
+          <a:fontRef idx="minor">
+            <a:schemeClr val="lt1"/>
+          </a:fontRef>
+        </p:style>
+        <p:txBody>
+          <a:bodyPr rtlCol="0" anchor="ctr"/>
+          <a:lstStyle/>
+          <a:p>
+            <a:pPr algn="ctr"/>
+            <a:endParaRPr lang="en-US"/>
+          </a:p>
+        </p:txBody>
+      </p:sp>
+      <p:sp useBgFill="1">
+        <p:nvSpPr>
+          <p:cNvPr id="10" name="Freeform: Shape 9">
+            <a:extLst>
+              <a:ext uri="{FF2B5EF4-FFF2-40B4-BE49-F238E27FC236}">
+                <a16:creationId xmlns:a16="http://schemas.microsoft.com/office/drawing/2014/main" id="{8EFFF109-FC58-4FD3-BE05-9775A1310F55}"/>
+              </a:ext>
+              <a:ext uri="{C183D7F6-B498-43B3-948B-1728B52AA6E4}">
+                <adec:decorative xmlns:adec="http://schemas.microsoft.com/office/drawing/2017/decorative" val="1"/>
+              </a:ext>
+            </a:extLst>
+          </p:cNvPr>
+          <p:cNvSpPr>
+            <a:spLocks noGrp="1" noRot="1" noChangeAspect="1" noMove="1" noResize="1" noEditPoints="1" noAdjustHandles="1" noChangeArrowheads="1" noChangeShapeType="1" noTextEdit="1"/>
+          </p:cNvSpPr>
+          <p:nvPr>
+            <p:extLst>
+              <p:ext uri="{386F3935-93C4-4BCD-93E2-E3B085C9AB24}">
+                <p16:designElem xmlns:p16="http://schemas.microsoft.com/office/powerpoint/2015/main" val="1"/>
+              </p:ext>
+            </p:extLst>
+          </p:nvPr>
+        </p:nvSpPr>
+        <p:spPr>
+          <a:xfrm>
+            <a:off x="-1" y="0"/>
+            <a:ext cx="4818889" cy="6858000"/>
+          </a:xfrm>
+          <a:custGeom>
+            <a:avLst/>
+            <a:gdLst>
+              <a:gd name="connsiteX0" fmla="*/ 0 w 4818889"/>
+              <a:gd name="connsiteY0" fmla="*/ 0 h 6858000"/>
+              <a:gd name="connsiteX1" fmla="*/ 3605911 w 4818889"/>
+              <a:gd name="connsiteY1" fmla="*/ 0 h 6858000"/>
+              <a:gd name="connsiteX2" fmla="*/ 3668894 w 4818889"/>
+              <a:gd name="connsiteY2" fmla="*/ 69271 h 6858000"/>
+              <a:gd name="connsiteX3" fmla="*/ 4818889 w 4818889"/>
+              <a:gd name="connsiteY3" fmla="*/ 3429000 h 6858000"/>
+              <a:gd name="connsiteX4" fmla="*/ 3668894 w 4818889"/>
+              <a:gd name="connsiteY4" fmla="*/ 6788730 h 6858000"/>
+              <a:gd name="connsiteX5" fmla="*/ 3605911 w 4818889"/>
+              <a:gd name="connsiteY5" fmla="*/ 6858000 h 6858000"/>
+              <a:gd name="connsiteX6" fmla="*/ 0 w 4818889"/>
+              <a:gd name="connsiteY6" fmla="*/ 6858000 h 6858000"/>
+            </a:gdLst>
+            <a:ahLst/>
+            <a:cxnLst>
+              <a:cxn ang="0">
+                <a:pos x="connsiteX0" y="connsiteY0"/>
+              </a:cxn>
+              <a:cxn ang="0">
+                <a:pos x="connsiteX1" y="connsiteY1"/>
+              </a:cxn>
+              <a:cxn ang="0">
+                <a:pos x="connsiteX2" y="connsiteY2"/>
+              </a:cxn>
+              <a:cxn ang="0">
+                <a:pos x="connsiteX3" y="connsiteY3"/>
+              </a:cxn>
+              <a:cxn ang="0">
+                <a:pos x="connsiteX4" y="connsiteY4"/>
+              </a:cxn>
+              <a:cxn ang="0">
+                <a:pos x="connsiteX5" y="connsiteY5"/>
+              </a:cxn>
+              <a:cxn ang="0">
+                <a:pos x="connsiteX6" y="connsiteY6"/>
+              </a:cxn>
+            </a:cxnLst>
+            <a:rect l="l" t="t" r="r" b="b"/>
+            <a:pathLst>
+              <a:path w="4818889" h="6858000">
+                <a:moveTo>
+                  <a:pt x="0" y="0"/>
+                </a:moveTo>
+                <a:lnTo>
+                  <a:pt x="3605911" y="0"/>
+                </a:lnTo>
+                <a:lnTo>
+                  <a:pt x="3668894" y="69271"/>
+                </a:lnTo>
+                <a:cubicBezTo>
+                  <a:pt x="4379420" y="929100"/>
+                  <a:pt x="4818889" y="2116944"/>
+                  <a:pt x="4818889" y="3429000"/>
+                </a:cubicBezTo>
+                <a:cubicBezTo>
+                  <a:pt x="4818889" y="4741056"/>
+                  <a:pt x="4379420" y="5928900"/>
+                  <a:pt x="3668894" y="6788730"/>
+                </a:cubicBezTo>
+                <a:lnTo>
+                  <a:pt x="3605911" y="6858000"/>
+                </a:lnTo>
+                <a:lnTo>
+                  <a:pt x="0" y="6858000"/>
+                </a:lnTo>
+                <a:close/>
+              </a:path>
+            </a:pathLst>
+          </a:custGeom>
+          <a:ln w="9525">
+            <a:solidFill>
+              <a:srgbClr val="E6E6E6"/>
+            </a:solidFill>
+          </a:ln>
+          <a:effectLst>
+            <a:outerShdw blurRad="50800" dist="38100" algn="l" rotWithShape="0">
+              <a:schemeClr val="bg1">
+                <a:lumMod val="85000"/>
+                <a:alpha val="50000"/>
+              </a:schemeClr>
+            </a:outerShdw>
+          </a:effectLst>
+        </p:spPr>
+        <p:style>
+          <a:lnRef idx="2">
+            <a:schemeClr val="accent1">
+              <a:shade val="50000"/>
+            </a:schemeClr>
+          </a:lnRef>
+          <a:fillRef idx="1">
+            <a:schemeClr val="accent1"/>
+          </a:fillRef>
+          <a:effectRef idx="0">
+            <a:schemeClr val="accent1"/>
+          </a:effectRef>
+          <a:fontRef idx="minor">
+            <a:schemeClr val="lt1"/>
+          </a:fontRef>
+        </p:style>
+        <p:txBody>
+          <a:bodyPr wrap="square" rtlCol="0" anchor="ctr">
+            <a:noAutofit/>
+          </a:bodyPr>
+          <a:lstStyle/>
+          <a:p>
+            <a:pPr marL="0" marR="0" lvl="0" indent="0" algn="ctr" defTabSz="914400" rtl="0" eaLnBrk="1" fontAlgn="auto" latinLnBrk="0" hangingPunct="1">
+              <a:lnSpc>
+                <a:spcPct val="100000"/>
+              </a:lnSpc>
+              <a:spcBef>
+                <a:spcPts val="0"/>
+              </a:spcBef>
+              <a:spcAft>
+                <a:spcPts val="0"/>
+              </a:spcAft>
+              <a:buClrTx/>
+              <a:buSzTx/>
+              <a:buFontTx/>
+              <a:buNone/>
+              <a:tabLst/>
+              <a:defRPr/>
+            </a:pPr>
+            <a:endParaRPr kumimoji="0" lang="en-US" sz="1800" b="0" i="0" u="none" strike="noStrike" kern="1200" cap="none" spc="0" normalizeH="0" baseline="0" noProof="0">
+              <a:ln>
+                <a:noFill/>
+              </a:ln>
+              <a:solidFill>
+                <a:prstClr val="white"/>
+              </a:solidFill>
+              <a:effectLst/>
+              <a:uLnTx/>
+              <a:uFillTx/>
+              <a:latin typeface="Calibri" panose="020F0502020204030204"/>
+              <a:ea typeface="+mn-ea"/>
+              <a:cs typeface="+mn-cs"/>
+            </a:endParaRPr>
+          </a:p>
+        </p:txBody>
+      </p:sp>
+      <p:sp useBgFill="1">
+        <p:nvSpPr>
+          <p:cNvPr id="12" name="Freeform: Shape 11">
+            <a:extLst>
+              <a:ext uri="{FF2B5EF4-FFF2-40B4-BE49-F238E27FC236}">
+                <a16:creationId xmlns:a16="http://schemas.microsoft.com/office/drawing/2014/main" id="{E1B96AD6-92A9-4273-A62B-96A1C3E0BA95}"/>
+              </a:ext>
+              <a:ext uri="{C183D7F6-B498-43B3-948B-1728B52AA6E4}">
+                <adec:decorative xmlns:adec="http://schemas.microsoft.com/office/drawing/2017/decorative" val="1"/>
+              </a:ext>
+            </a:extLst>
+          </p:cNvPr>
+          <p:cNvSpPr>
+            <a:spLocks noGrp="1" noRot="1" noChangeAspect="1" noMove="1" noResize="1" noEditPoints="1" noAdjustHandles="1" noChangeArrowheads="1" noChangeShapeType="1" noTextEdit="1"/>
+          </p:cNvSpPr>
+          <p:nvPr>
+            <p:extLst>
+              <p:ext uri="{386F3935-93C4-4BCD-93E2-E3B085C9AB24}">
+                <p16:designElem xmlns:p16="http://schemas.microsoft.com/office/powerpoint/2015/main" val="1"/>
+              </p:ext>
+            </p:extLst>
+          </p:nvPr>
+        </p:nvSpPr>
+        <p:spPr>
+          <a:xfrm>
+            <a:off x="1" y="0"/>
+            <a:ext cx="4811477" cy="6858000"/>
+          </a:xfrm>
+          <a:custGeom>
+            <a:avLst/>
+            <a:gdLst>
+              <a:gd name="connsiteX0" fmla="*/ 0 w 4811477"/>
+              <a:gd name="connsiteY0" fmla="*/ 0 h 6858000"/>
+              <a:gd name="connsiteX1" fmla="*/ 3598499 w 4811477"/>
+              <a:gd name="connsiteY1" fmla="*/ 0 h 6858000"/>
+              <a:gd name="connsiteX2" fmla="*/ 3661482 w 4811477"/>
+              <a:gd name="connsiteY2" fmla="*/ 69271 h 6858000"/>
+              <a:gd name="connsiteX3" fmla="*/ 4811477 w 4811477"/>
+              <a:gd name="connsiteY3" fmla="*/ 3429000 h 6858000"/>
+              <a:gd name="connsiteX4" fmla="*/ 3661482 w 4811477"/>
+              <a:gd name="connsiteY4" fmla="*/ 6788730 h 6858000"/>
+              <a:gd name="connsiteX5" fmla="*/ 3598499 w 4811477"/>
+              <a:gd name="connsiteY5" fmla="*/ 6858000 h 6858000"/>
+              <a:gd name="connsiteX6" fmla="*/ 0 w 4811477"/>
+              <a:gd name="connsiteY6" fmla="*/ 6858000 h 6858000"/>
+            </a:gdLst>
+            <a:ahLst/>
+            <a:cxnLst>
+              <a:cxn ang="0">
+                <a:pos x="connsiteX0" y="connsiteY0"/>
+              </a:cxn>
+              <a:cxn ang="0">
+                <a:pos x="connsiteX1" y="connsiteY1"/>
+              </a:cxn>
+              <a:cxn ang="0">
+                <a:pos x="connsiteX2" y="connsiteY2"/>
+              </a:cxn>
+              <a:cxn ang="0">
+                <a:pos x="connsiteX3" y="connsiteY3"/>
+              </a:cxn>
+              <a:cxn ang="0">
+                <a:pos x="connsiteX4" y="connsiteY4"/>
+              </a:cxn>
+              <a:cxn ang="0">
+                <a:pos x="connsiteX5" y="connsiteY5"/>
+              </a:cxn>
+              <a:cxn ang="0">
+                <a:pos x="connsiteX6" y="connsiteY6"/>
+              </a:cxn>
+            </a:cxnLst>
+            <a:rect l="l" t="t" r="r" b="b"/>
+            <a:pathLst>
+              <a:path w="4811477" h="6858000">
+                <a:moveTo>
+                  <a:pt x="0" y="0"/>
+                </a:moveTo>
+                <a:lnTo>
+                  <a:pt x="3598499" y="0"/>
+                </a:lnTo>
+                <a:lnTo>
+                  <a:pt x="3661482" y="69271"/>
+                </a:lnTo>
+                <a:cubicBezTo>
+                  <a:pt x="4372008" y="929100"/>
+                  <a:pt x="4811477" y="2116944"/>
+                  <a:pt x="4811477" y="3429000"/>
+                </a:cubicBezTo>
+                <a:cubicBezTo>
+                  <a:pt x="4811477" y="4741056"/>
+                  <a:pt x="4372008" y="5928900"/>
+                  <a:pt x="3661482" y="6788730"/>
+                </a:cubicBezTo>
+                <a:lnTo>
+                  <a:pt x="3598499" y="6858000"/>
+                </a:lnTo>
+                <a:lnTo>
+                  <a:pt x="0" y="6858000"/>
+                </a:lnTo>
+                <a:close/>
+              </a:path>
+            </a:pathLst>
+          </a:custGeom>
+          <a:ln w="9525">
+            <a:noFill/>
+          </a:ln>
+          <a:effectLst/>
+        </p:spPr>
+        <p:style>
+          <a:lnRef idx="2">
+            <a:schemeClr val="accent1">
+              <a:shade val="50000"/>
+            </a:schemeClr>
+          </a:lnRef>
+          <a:fillRef idx="1">
+            <a:schemeClr val="accent1"/>
+          </a:fillRef>
+          <a:effectRef idx="0">
+            <a:schemeClr val="accent1"/>
+          </a:effectRef>
+          <a:fontRef idx="minor">
+            <a:schemeClr val="lt1"/>
+          </a:fontRef>
+        </p:style>
+        <p:txBody>
+          <a:bodyPr wrap="square" rtlCol="0" anchor="ctr">
+            <a:noAutofit/>
+          </a:bodyPr>
+          <a:lstStyle/>
+          <a:p>
+            <a:pPr marL="0" marR="0" lvl="0" indent="0" algn="ctr" defTabSz="914400" rtl="0" eaLnBrk="1" fontAlgn="auto" latinLnBrk="0" hangingPunct="1">
+              <a:lnSpc>
+                <a:spcPct val="100000"/>
+              </a:lnSpc>
+              <a:spcBef>
+                <a:spcPts val="0"/>
+              </a:spcBef>
+              <a:spcAft>
+                <a:spcPts val="0"/>
+              </a:spcAft>
+              <a:buClrTx/>
+              <a:buSzTx/>
+              <a:buFontTx/>
+              <a:buNone/>
+              <a:tabLst/>
+              <a:defRPr/>
+            </a:pPr>
+            <a:endParaRPr kumimoji="0" lang="en-US" sz="1800" b="0" i="0" u="none" strike="noStrike" kern="1200" cap="none" spc="0" normalizeH="0" baseline="0" noProof="0">
+              <a:ln>
+                <a:noFill/>
+              </a:ln>
+              <a:solidFill>
+                <a:prstClr val="white"/>
+              </a:solidFill>
+              <a:effectLst/>
+              <a:uLnTx/>
+              <a:uFillTx/>
+              <a:latin typeface="Calibri" panose="020F0502020204030204"/>
+              <a:ea typeface="+mn-ea"/>
+              <a:cs typeface="+mn-cs"/>
+            </a:endParaRPr>
+          </a:p>
+        </p:txBody>
+      </p:sp>
       <p:sp>
         <p:nvSpPr>
           <p:cNvPr id="2" name="Title 1">
@@ -3515,15 +7198,90 @@
             <p:ph type="title"/>
           </p:nvPr>
         </p:nvSpPr>
-        <p:spPr/>
+        <p:spPr>
+          <a:xfrm>
+            <a:off x="621792" y="1161288"/>
+            <a:ext cx="3602736" cy="4526280"/>
+          </a:xfrm>
+        </p:spPr>
         <p:txBody>
-          <a:bodyPr/>
+          <a:bodyPr>
+            <a:normAutofit/>
+          </a:bodyPr>
           <a:lstStyle/>
           <a:p>
             <a:r>
-              <a:rPr lang="en-US" dirty="0"/>
+              <a:rPr lang="en-US" sz="4000"/>
               <a:t>Data Set</a:t>
             </a:r>
+          </a:p>
+        </p:txBody>
+      </p:sp>
+      <p:sp>
+        <p:nvSpPr>
+          <p:cNvPr id="14" name="Rectangle 13">
+            <a:extLst>
+              <a:ext uri="{FF2B5EF4-FFF2-40B4-BE49-F238E27FC236}">
+                <a16:creationId xmlns:a16="http://schemas.microsoft.com/office/drawing/2014/main" id="{463EEC44-1BA3-44ED-81FC-A644B04B2A44}"/>
+              </a:ext>
+              <a:ext uri="{C183D7F6-B498-43B3-948B-1728B52AA6E4}">
+                <adec:decorative xmlns:adec="http://schemas.microsoft.com/office/drawing/2017/decorative" val="1"/>
+              </a:ext>
+            </a:extLst>
+          </p:cNvPr>
+          <p:cNvSpPr>
+            <a:spLocks noGrp="1" noRot="1" noChangeAspect="1" noMove="1" noResize="1" noEditPoints="1" noAdjustHandles="1" noChangeArrowheads="1" noChangeShapeType="1" noTextEdit="1"/>
+          </p:cNvSpPr>
+          <p:nvPr>
+            <p:extLst>
+              <p:ext uri="{386F3935-93C4-4BCD-93E2-E3B085C9AB24}">
+                <p16:designElem xmlns:p16="http://schemas.microsoft.com/office/powerpoint/2015/main" val="1"/>
+              </p:ext>
+            </p:extLst>
+          </p:nvPr>
+        </p:nvSpPr>
+        <p:spPr>
+          <a:xfrm>
+            <a:off x="0" y="3102049"/>
+            <a:ext cx="128016" cy="653903"/>
+          </a:xfrm>
+          <a:prstGeom prst="rect">
+            <a:avLst/>
+          </a:prstGeom>
+          <a:solidFill>
+            <a:schemeClr val="accent2"/>
+          </a:solidFill>
+          <a:ln>
+            <a:noFill/>
+          </a:ln>
+        </p:spPr>
+        <p:style>
+          <a:lnRef idx="2">
+            <a:schemeClr val="accent1">
+              <a:shade val="50000"/>
+            </a:schemeClr>
+          </a:lnRef>
+          <a:fillRef idx="1">
+            <a:schemeClr val="accent1"/>
+          </a:fillRef>
+          <a:effectRef idx="0">
+            <a:schemeClr val="accent1"/>
+          </a:effectRef>
+          <a:fontRef idx="minor">
+            <a:schemeClr val="lt1"/>
+          </a:fontRef>
+        </p:style>
+        <p:txBody>
+          <a:bodyPr rtlCol="0" anchor="ctr"/>
+          <a:lstStyle/>
+          <a:p>
+            <a:pPr algn="ctr"/>
+            <a:endParaRPr lang="en-US">
+              <a:solidFill>
+                <a:prstClr val="white"/>
+              </a:solidFill>
+              <a:latin typeface="Calibri" panose="020F0502020204030204"/>
+            </a:endParaRPr>
           </a:p>
         </p:txBody>
       </p:sp>
@@ -3543,40 +7301,63 @@
             <p:ph idx="1"/>
           </p:nvPr>
         </p:nvSpPr>
-        <p:spPr/>
+        <p:spPr>
+          <a:xfrm>
+            <a:off x="5434149" y="932688"/>
+            <a:ext cx="5916603" cy="4992624"/>
+          </a:xfrm>
+        </p:spPr>
         <p:txBody>
-          <a:bodyPr/>
+          <a:bodyPr anchor="ctr">
+            <a:normAutofit/>
+          </a:bodyPr>
           <a:lstStyle/>
           <a:p>
             <a:r>
-              <a:rPr lang="en-US" dirty="0"/>
-              <a:t>The dataset is a curated subset of data; user ratings of products, from user reviews of products purchased on Amazon between 1996 and 2014.</a:t>
+              <a:rPr lang="en-US" sz="2000"/>
+              <a:t>The dataset is a curated subset of data; user ratings of beauty products, from user reviews of products purchased on Amazon between 1996 and 2014.</a:t>
             </a:r>
           </a:p>
           <a:p>
             <a:r>
-              <a:rPr lang="en-US" dirty="0"/>
+              <a:rPr lang="en-US" sz="2000"/>
               <a:t>A CSV file obtained from; </a:t>
             </a:r>
             <a:r>
-              <a:rPr lang="en-US" sz="2400" dirty="0">
+              <a:rPr lang="en-US" sz="2000">
                 <a:hlinkClick r:id="rId2"/>
               </a:rPr>
               <a:t>https://code.datasciencedojo.com/datasciencedojo/datasets/tree/master/Amazon%20Product%20Reviews</a:t>
             </a:r>
             <a:r>
-              <a:rPr lang="en-US" sz="2400" baseline="30000" dirty="0">
+              <a:rPr lang="en-US" sz="2000" baseline="30000">
                 <a:hlinkClick r:id="rId2"/>
               </a:rPr>
               <a:t>1</a:t>
             </a:r>
-            <a:endParaRPr lang="en-US" sz="2400" baseline="30000" dirty="0"/>
-          </a:p>
-          <a:p>
-            <a:endParaRPr lang="en-US" sz="2400" baseline="30000" dirty="0"/>
-          </a:p>
-          <a:p>
-            <a:endParaRPr lang="en-US" dirty="0"/>
+            <a:endParaRPr lang="en-US" sz="2000" baseline="30000"/>
+          </a:p>
+          <a:p>
+            <a:r>
+              <a:rPr lang="en-US" sz="2000"/>
+              <a:t>This dataset also include metadata that further provides information on the user rated products</a:t>
+            </a:r>
+          </a:p>
+          <a:p>
+            <a:r>
+              <a:rPr lang="en-US" sz="2000"/>
+              <a:t>28 variables</a:t>
+            </a:r>
+          </a:p>
+          <a:p>
+            <a:r>
+              <a:rPr lang="en-US" sz="2000"/>
+              <a:t>371345 observations</a:t>
+            </a:r>
+            <a:endParaRPr lang="en-US" sz="2000" dirty="0"/>
+          </a:p>
+          <a:p>
+            <a:endParaRPr lang="en-US" sz="2000"/>
           </a:p>
         </p:txBody>
       </p:sp>
@@ -3596,6 +7377,14 @@
 <file path=ppt/slides/slide4.xml><?xml version="1.0" encoding="utf-8"?>
 <p:sld xmlns:a="http://schemas.openxmlformats.org/drawingml/2006/main" xmlns:r="http://schemas.openxmlformats.org/officeDocument/2006/relationships" xmlns:p="http://schemas.openxmlformats.org/presentationml/2006/main">
   <p:cSld>
+    <p:bg>
+      <p:bgPr>
+        <a:solidFill>
+          <a:schemeClr val="bg1"/>
+        </a:solidFill>
+        <a:effectLst/>
+      </p:bgPr>
+    </p:bg>
     <p:spTree>
       <p:nvGrpSpPr>
         <p:cNvPr id="1" name=""/>
@@ -3610,12 +7399,407 @@
           <a:chExt cx="0" cy="0"/>
         </a:xfrm>
       </p:grpSpPr>
+      <p:sp useBgFill="1">
+        <p:nvSpPr>
+          <p:cNvPr id="10" name="Rectangle 9">
+            <a:extLst>
+              <a:ext uri="{FF2B5EF4-FFF2-40B4-BE49-F238E27FC236}">
+                <a16:creationId xmlns:a16="http://schemas.microsoft.com/office/drawing/2014/main" id="{5DCB5928-DC7D-4612-9922-441966E15627}"/>
+              </a:ext>
+              <a:ext uri="{C183D7F6-B498-43B3-948B-1728B52AA6E4}">
+                <adec:decorative xmlns:adec="http://schemas.microsoft.com/office/drawing/2017/decorative" val="1"/>
+              </a:ext>
+            </a:extLst>
+          </p:cNvPr>
+          <p:cNvSpPr>
+            <a:spLocks noGrp="1" noRot="1" noChangeAspect="1" noMove="1" noResize="1" noEditPoints="1" noAdjustHandles="1" noChangeArrowheads="1" noChangeShapeType="1" noTextEdit="1"/>
+          </p:cNvSpPr>
+          <p:nvPr>
+            <p:extLst>
+              <p:ext uri="{386F3935-93C4-4BCD-93E2-E3B085C9AB24}">
+                <p16:designElem xmlns:p16="http://schemas.microsoft.com/office/powerpoint/2015/main" val="1"/>
+              </p:ext>
+            </p:extLst>
+          </p:nvPr>
+        </p:nvSpPr>
+        <p:spPr>
+          <a:xfrm>
+            <a:off x="0" y="0"/>
+            <a:ext cx="12192000" cy="6858000"/>
+          </a:xfrm>
+          <a:prstGeom prst="rect">
+            <a:avLst/>
+          </a:prstGeom>
+          <a:ln>
+            <a:noFill/>
+          </a:ln>
+        </p:spPr>
+        <p:style>
+          <a:lnRef idx="2">
+            <a:schemeClr val="accent1">
+              <a:shade val="50000"/>
+            </a:schemeClr>
+          </a:lnRef>
+          <a:fillRef idx="1">
+            <a:schemeClr val="accent1"/>
+          </a:fillRef>
+          <a:effectRef idx="0">
+            <a:schemeClr val="accent1"/>
+          </a:effectRef>
+          <a:fontRef idx="minor">
+            <a:schemeClr val="lt1"/>
+          </a:fontRef>
+        </p:style>
+        <p:txBody>
+          <a:bodyPr rtlCol="0" anchor="ctr"/>
+          <a:lstStyle/>
+          <a:p>
+            <a:pPr algn="ctr"/>
+            <a:endParaRPr lang="en-US"/>
+          </a:p>
+        </p:txBody>
+      </p:sp>
+      <p:sp useBgFill="1">
+        <p:nvSpPr>
+          <p:cNvPr id="12" name="Freeform: Shape 11">
+            <a:extLst>
+              <a:ext uri="{FF2B5EF4-FFF2-40B4-BE49-F238E27FC236}">
+                <a16:creationId xmlns:a16="http://schemas.microsoft.com/office/drawing/2014/main" id="{682C1161-1736-45EC-99B7-33F3CAE9D517}"/>
+              </a:ext>
+              <a:ext uri="{C183D7F6-B498-43B3-948B-1728B52AA6E4}">
+                <adec:decorative xmlns:adec="http://schemas.microsoft.com/office/drawing/2017/decorative" val="1"/>
+              </a:ext>
+            </a:extLst>
+          </p:cNvPr>
+          <p:cNvSpPr>
+            <a:spLocks noGrp="1" noRot="1" noChangeAspect="1" noMove="1" noResize="1" noEditPoints="1" noAdjustHandles="1" noChangeArrowheads="1" noChangeShapeType="1" noTextEdit="1"/>
+          </p:cNvSpPr>
+          <p:nvPr>
+            <p:extLst>
+              <p:ext uri="{386F3935-93C4-4BCD-93E2-E3B085C9AB24}">
+                <p16:designElem xmlns:p16="http://schemas.microsoft.com/office/powerpoint/2015/main" val="1"/>
+              </p:ext>
+            </p:extLst>
+          </p:nvPr>
+        </p:nvSpPr>
+        <p:spPr>
+          <a:xfrm>
+            <a:off x="0" y="0"/>
+            <a:ext cx="4959047" cy="6858000"/>
+          </a:xfrm>
+          <a:custGeom>
+            <a:avLst/>
+            <a:gdLst>
+              <a:gd name="connsiteX0" fmla="*/ 0 w 4959047"/>
+              <a:gd name="connsiteY0" fmla="*/ 0 h 6858000"/>
+              <a:gd name="connsiteX1" fmla="*/ 4110127 w 4959047"/>
+              <a:gd name="connsiteY1" fmla="*/ 0 h 6858000"/>
+              <a:gd name="connsiteX2" fmla="*/ 4179024 w 4959047"/>
+              <a:gd name="connsiteY2" fmla="*/ 123368 h 6858000"/>
+              <a:gd name="connsiteX3" fmla="*/ 4959047 w 4959047"/>
+              <a:gd name="connsiteY3" fmla="*/ 3429000 h 6858000"/>
+              <a:gd name="connsiteX4" fmla="*/ 4179024 w 4959047"/>
+              <a:gd name="connsiteY4" fmla="*/ 6734633 h 6858000"/>
+              <a:gd name="connsiteX5" fmla="*/ 4110127 w 4959047"/>
+              <a:gd name="connsiteY5" fmla="*/ 6858000 h 6858000"/>
+              <a:gd name="connsiteX6" fmla="*/ 0 w 4959047"/>
+              <a:gd name="connsiteY6" fmla="*/ 6858000 h 6858000"/>
+            </a:gdLst>
+            <a:ahLst/>
+            <a:cxnLst>
+              <a:cxn ang="0">
+                <a:pos x="connsiteX0" y="connsiteY0"/>
+              </a:cxn>
+              <a:cxn ang="0">
+                <a:pos x="connsiteX1" y="connsiteY1"/>
+              </a:cxn>
+              <a:cxn ang="0">
+                <a:pos x="connsiteX2" y="connsiteY2"/>
+              </a:cxn>
+              <a:cxn ang="0">
+                <a:pos x="connsiteX3" y="connsiteY3"/>
+              </a:cxn>
+              <a:cxn ang="0">
+                <a:pos x="connsiteX4" y="connsiteY4"/>
+              </a:cxn>
+              <a:cxn ang="0">
+                <a:pos x="connsiteX5" y="connsiteY5"/>
+              </a:cxn>
+              <a:cxn ang="0">
+                <a:pos x="connsiteX6" y="connsiteY6"/>
+              </a:cxn>
+            </a:cxnLst>
+            <a:rect l="l" t="t" r="r" b="b"/>
+            <a:pathLst>
+              <a:path w="4959047" h="6858000">
+                <a:moveTo>
+                  <a:pt x="0" y="0"/>
+                </a:moveTo>
+                <a:lnTo>
+                  <a:pt x="4110127" y="0"/>
+                </a:lnTo>
+                <a:lnTo>
+                  <a:pt x="4179024" y="123368"/>
+                </a:lnTo>
+                <a:cubicBezTo>
+                  <a:pt x="4668929" y="1045156"/>
+                  <a:pt x="4959047" y="2189404"/>
+                  <a:pt x="4959047" y="3429000"/>
+                </a:cubicBezTo>
+                <a:cubicBezTo>
+                  <a:pt x="4959047" y="4668597"/>
+                  <a:pt x="4668929" y="5812845"/>
+                  <a:pt x="4179024" y="6734633"/>
+                </a:cubicBezTo>
+                <a:lnTo>
+                  <a:pt x="4110127" y="6858000"/>
+                </a:lnTo>
+                <a:lnTo>
+                  <a:pt x="0" y="6858000"/>
+                </a:lnTo>
+                <a:close/>
+              </a:path>
+            </a:pathLst>
+          </a:custGeom>
+          <a:ln w="9525">
+            <a:solidFill>
+              <a:srgbClr val="E6E6E6"/>
+            </a:solidFill>
+          </a:ln>
+          <a:effectLst>
+            <a:outerShdw blurRad="76200" dist="38100" algn="l" rotWithShape="0">
+              <a:schemeClr val="bg1">
+                <a:lumMod val="85000"/>
+                <a:alpha val="50000"/>
+              </a:schemeClr>
+            </a:outerShdw>
+          </a:effectLst>
+        </p:spPr>
+        <p:style>
+          <a:lnRef idx="2">
+            <a:schemeClr val="accent1">
+              <a:shade val="50000"/>
+            </a:schemeClr>
+          </a:lnRef>
+          <a:fillRef idx="1">
+            <a:schemeClr val="accent1"/>
+          </a:fillRef>
+          <a:effectRef idx="0">
+            <a:schemeClr val="accent1"/>
+          </a:effectRef>
+          <a:fontRef idx="minor">
+            <a:schemeClr val="lt1"/>
+          </a:fontRef>
+        </p:style>
+        <p:txBody>
+          <a:bodyPr wrap="square" rtlCol="0" anchor="ctr">
+            <a:noAutofit/>
+          </a:bodyPr>
+          <a:lstStyle/>
+          <a:p>
+            <a:pPr marL="0" marR="0" lvl="0" indent="0" algn="ctr" defTabSz="914400" rtl="0" eaLnBrk="1" fontAlgn="auto" latinLnBrk="0" hangingPunct="1">
+              <a:lnSpc>
+                <a:spcPct val="100000"/>
+              </a:lnSpc>
+              <a:spcBef>
+                <a:spcPts val="0"/>
+              </a:spcBef>
+              <a:spcAft>
+                <a:spcPts val="0"/>
+              </a:spcAft>
+              <a:buClrTx/>
+              <a:buSzTx/>
+              <a:buFontTx/>
+              <a:buNone/>
+              <a:tabLst/>
+              <a:defRPr/>
+            </a:pPr>
+            <a:endParaRPr kumimoji="0" lang="en-US" sz="1800" b="0" i="0" u="none" strike="noStrike" kern="1200" cap="none" spc="0" normalizeH="0" baseline="0" noProof="0">
+              <a:ln>
+                <a:noFill/>
+              </a:ln>
+              <a:solidFill>
+                <a:prstClr val="white"/>
+              </a:solidFill>
+              <a:effectLst/>
+              <a:uLnTx/>
+              <a:uFillTx/>
+              <a:latin typeface="Calibri" panose="020F0502020204030204"/>
+              <a:ea typeface="+mn-ea"/>
+              <a:cs typeface="+mn-cs"/>
+            </a:endParaRPr>
+          </a:p>
+        </p:txBody>
+      </p:sp>
+      <p:sp useBgFill="1">
+        <p:nvSpPr>
+          <p:cNvPr id="14" name="Freeform: Shape 13">
+            <a:extLst>
+              <a:ext uri="{FF2B5EF4-FFF2-40B4-BE49-F238E27FC236}">
+                <a16:creationId xmlns:a16="http://schemas.microsoft.com/office/drawing/2014/main" id="{84D4DDB8-B68F-45B0-9F62-C4279996F672}"/>
+              </a:ext>
+              <a:ext uri="{C183D7F6-B498-43B3-948B-1728B52AA6E4}">
+                <adec:decorative xmlns:adec="http://schemas.microsoft.com/office/drawing/2017/decorative" val="1"/>
+              </a:ext>
+            </a:extLst>
+          </p:cNvPr>
+          <p:cNvSpPr>
+            <a:spLocks noGrp="1" noRot="1" noChangeAspect="1" noMove="1" noResize="1" noEditPoints="1" noAdjustHandles="1" noChangeArrowheads="1" noChangeShapeType="1" noTextEdit="1"/>
+          </p:cNvSpPr>
+          <p:nvPr>
+            <p:extLst>
+              <p:ext uri="{386F3935-93C4-4BCD-93E2-E3B085C9AB24}">
+                <p16:designElem xmlns:p16="http://schemas.microsoft.com/office/powerpoint/2015/main" val="1"/>
+              </p:ext>
+            </p:extLst>
+          </p:nvPr>
+        </p:nvSpPr>
+        <p:spPr>
+          <a:xfrm>
+            <a:off x="0" y="0"/>
+            <a:ext cx="4948887" cy="6858000"/>
+          </a:xfrm>
+          <a:custGeom>
+            <a:avLst/>
+            <a:gdLst>
+              <a:gd name="connsiteX0" fmla="*/ 0 w 4948887"/>
+              <a:gd name="connsiteY0" fmla="*/ 0 h 6858000"/>
+              <a:gd name="connsiteX1" fmla="*/ 4099967 w 4948887"/>
+              <a:gd name="connsiteY1" fmla="*/ 0 h 6858000"/>
+              <a:gd name="connsiteX2" fmla="*/ 4168864 w 4948887"/>
+              <a:gd name="connsiteY2" fmla="*/ 123368 h 6858000"/>
+              <a:gd name="connsiteX3" fmla="*/ 4948887 w 4948887"/>
+              <a:gd name="connsiteY3" fmla="*/ 3429000 h 6858000"/>
+              <a:gd name="connsiteX4" fmla="*/ 4168864 w 4948887"/>
+              <a:gd name="connsiteY4" fmla="*/ 6734633 h 6858000"/>
+              <a:gd name="connsiteX5" fmla="*/ 4099967 w 4948887"/>
+              <a:gd name="connsiteY5" fmla="*/ 6858000 h 6858000"/>
+              <a:gd name="connsiteX6" fmla="*/ 0 w 4948887"/>
+              <a:gd name="connsiteY6" fmla="*/ 6858000 h 6858000"/>
+            </a:gdLst>
+            <a:ahLst/>
+            <a:cxnLst>
+              <a:cxn ang="0">
+                <a:pos x="connsiteX0" y="connsiteY0"/>
+              </a:cxn>
+              <a:cxn ang="0">
+                <a:pos x="connsiteX1" y="connsiteY1"/>
+              </a:cxn>
+              <a:cxn ang="0">
+                <a:pos x="connsiteX2" y="connsiteY2"/>
+              </a:cxn>
+              <a:cxn ang="0">
+                <a:pos x="connsiteX3" y="connsiteY3"/>
+              </a:cxn>
+              <a:cxn ang="0">
+                <a:pos x="connsiteX4" y="connsiteY4"/>
+              </a:cxn>
+              <a:cxn ang="0">
+                <a:pos x="connsiteX5" y="connsiteY5"/>
+              </a:cxn>
+              <a:cxn ang="0">
+                <a:pos x="connsiteX6" y="connsiteY6"/>
+              </a:cxn>
+            </a:cxnLst>
+            <a:rect l="l" t="t" r="r" b="b"/>
+            <a:pathLst>
+              <a:path w="4948887" h="6858000">
+                <a:moveTo>
+                  <a:pt x="0" y="0"/>
+                </a:moveTo>
+                <a:lnTo>
+                  <a:pt x="4099967" y="0"/>
+                </a:lnTo>
+                <a:lnTo>
+                  <a:pt x="4168864" y="123368"/>
+                </a:lnTo>
+                <a:cubicBezTo>
+                  <a:pt x="4658769" y="1045156"/>
+                  <a:pt x="4948887" y="2189404"/>
+                  <a:pt x="4948887" y="3429000"/>
+                </a:cubicBezTo>
+                <a:cubicBezTo>
+                  <a:pt x="4948887" y="4668597"/>
+                  <a:pt x="4658769" y="5812845"/>
+                  <a:pt x="4168864" y="6734633"/>
+                </a:cubicBezTo>
+                <a:lnTo>
+                  <a:pt x="4099967" y="6858000"/>
+                </a:lnTo>
+                <a:lnTo>
+                  <a:pt x="0" y="6858000"/>
+                </a:lnTo>
+                <a:close/>
+              </a:path>
+            </a:pathLst>
+          </a:custGeom>
+          <a:ln w="9525">
+            <a:noFill/>
+          </a:ln>
+          <a:effectLst/>
+        </p:spPr>
+        <p:style>
+          <a:lnRef idx="2">
+            <a:schemeClr val="accent1">
+              <a:shade val="50000"/>
+            </a:schemeClr>
+          </a:lnRef>
+          <a:fillRef idx="1">
+            <a:schemeClr val="accent1"/>
+          </a:fillRef>
+          <a:effectRef idx="0">
+            <a:schemeClr val="accent1"/>
+          </a:effectRef>
+          <a:fontRef idx="minor">
+            <a:schemeClr val="lt1"/>
+          </a:fontRef>
+        </p:style>
+        <p:txBody>
+          <a:bodyPr wrap="square" rtlCol="0" anchor="ctr">
+            <a:noAutofit/>
+          </a:bodyPr>
+          <a:lstStyle/>
+          <a:p>
+            <a:pPr marL="0" marR="0" lvl="0" indent="0" algn="ctr" defTabSz="914400" rtl="0" eaLnBrk="1" fontAlgn="auto" latinLnBrk="0" hangingPunct="1">
+              <a:lnSpc>
+                <a:spcPct val="100000"/>
+              </a:lnSpc>
+              <a:spcBef>
+                <a:spcPts val="0"/>
+              </a:spcBef>
+              <a:spcAft>
+                <a:spcPts val="0"/>
+              </a:spcAft>
+              <a:buClrTx/>
+              <a:buSzTx/>
+              <a:buFontTx/>
+              <a:buNone/>
+              <a:tabLst/>
+              <a:defRPr/>
+            </a:pPr>
+            <a:endParaRPr kumimoji="0" lang="en-US" sz="1800" b="0" i="0" u="none" strike="noStrike" kern="1200" cap="none" spc="0" normalizeH="0" baseline="0" noProof="0">
+              <a:ln>
+                <a:noFill/>
+              </a:ln>
+              <a:solidFill>
+                <a:prstClr val="white"/>
+              </a:solidFill>
+              <a:effectLst/>
+              <a:uLnTx/>
+              <a:uFillTx/>
+              <a:latin typeface="Calibri" panose="020F0502020204030204"/>
+              <a:ea typeface="+mn-ea"/>
+              <a:cs typeface="+mn-cs"/>
+            </a:endParaRPr>
+          </a:p>
+        </p:txBody>
+      </p:sp>
       <p:sp>
         <p:nvSpPr>
           <p:cNvPr id="2" name="Title 1">
             <a:extLst>
               <a:ext uri="{FF2B5EF4-FFF2-40B4-BE49-F238E27FC236}">
-                <a16:creationId xmlns:a16="http://schemas.microsoft.com/office/drawing/2014/main" id="{F256FE81-D5DD-4192-9259-FE2B1247449F}"/>
+                <a16:creationId xmlns:a16="http://schemas.microsoft.com/office/drawing/2014/main" id="{E289961D-5C91-42EB-9FD1-C58556D450A9}"/>
               </a:ext>
             </a:extLst>
           </p:cNvPr>
@@ -3626,68 +7810,235 @@
             <p:ph type="title"/>
           </p:nvPr>
         </p:nvSpPr>
-        <p:spPr/>
+        <p:spPr>
+          <a:xfrm>
+            <a:off x="477981" y="1122363"/>
+            <a:ext cx="4023360" cy="3204134"/>
+          </a:xfrm>
+        </p:spPr>
         <p:txBody>
-          <a:bodyPr/>
+          <a:bodyPr vert="horz" lIns="91440" tIns="45720" rIns="91440" bIns="45720" rtlCol="0" anchor="b">
+            <a:normAutofit/>
+          </a:bodyPr>
           <a:lstStyle/>
           <a:p>
             <a:r>
-              <a:rPr lang="en-US" dirty="0"/>
-              <a:t>Moving Forward</a:t>
+              <a:rPr lang="en-US" sz="4800" kern="1200">
+                <a:solidFill>
+                  <a:schemeClr val="tx1"/>
+                </a:solidFill>
+                <a:latin typeface="+mj-lt"/>
+                <a:ea typeface="+mj-ea"/>
+                <a:cs typeface="+mj-cs"/>
+              </a:rPr>
+              <a:t>Data Dictionary</a:t>
             </a:r>
           </a:p>
         </p:txBody>
       </p:sp>
       <p:sp>
         <p:nvSpPr>
-          <p:cNvPr id="3" name="Content Placeholder 2">
+          <p:cNvPr id="16" name="Rectangle 15">
             <a:extLst>
               <a:ext uri="{FF2B5EF4-FFF2-40B4-BE49-F238E27FC236}">
-                <a16:creationId xmlns:a16="http://schemas.microsoft.com/office/drawing/2014/main" id="{3B53B335-A67A-454F-92EA-C3ADFB72C441}"/>
+                <a16:creationId xmlns:a16="http://schemas.microsoft.com/office/drawing/2014/main" id="{AF2F604E-43BE-4DC3-B983-E071523364F8}"/>
+              </a:ext>
+              <a:ext uri="{C183D7F6-B498-43B3-948B-1728B52AA6E4}">
+                <adec:decorative xmlns:adec="http://schemas.microsoft.com/office/drawing/2017/decorative" val="1"/>
               </a:ext>
             </a:extLst>
           </p:cNvPr>
           <p:cNvSpPr>
-            <a:spLocks noGrp="1"/>
+            <a:spLocks noGrp="1" noRot="1" noChangeAspect="1" noMove="1" noResize="1" noEditPoints="1" noAdjustHandles="1" noChangeArrowheads="1" noChangeShapeType="1" noTextEdit="1"/>
           </p:cNvSpPr>
+          <p:nvPr>
+            <p:extLst>
+              <p:ext uri="{386F3935-93C4-4BCD-93E2-E3B085C9AB24}">
+                <p16:designElem xmlns:p16="http://schemas.microsoft.com/office/powerpoint/2015/main" val="1"/>
+              </p:ext>
+            </p:extLst>
+          </p:nvPr>
+        </p:nvSpPr>
+        <p:spPr>
+          <a:xfrm rot="5400000">
+            <a:off x="759921" y="346791"/>
+            <a:ext cx="146304" cy="704088"/>
+          </a:xfrm>
+          <a:prstGeom prst="rect">
+            <a:avLst/>
+          </a:prstGeom>
+          <a:solidFill>
+            <a:schemeClr val="accent2"/>
+          </a:solidFill>
+          <a:ln>
+            <a:noFill/>
+          </a:ln>
+        </p:spPr>
+        <p:style>
+          <a:lnRef idx="2">
+            <a:schemeClr val="accent1">
+              <a:shade val="50000"/>
+            </a:schemeClr>
+          </a:lnRef>
+          <a:fillRef idx="1">
+            <a:schemeClr val="accent1"/>
+          </a:fillRef>
+          <a:effectRef idx="0">
+            <a:schemeClr val="accent1"/>
+          </a:effectRef>
+          <a:fontRef idx="minor">
+            <a:schemeClr val="lt1"/>
+          </a:fontRef>
+        </p:style>
+        <p:txBody>
+          <a:bodyPr rtlCol="0" anchor="ctr"/>
+          <a:lstStyle/>
+          <a:p>
+            <a:pPr algn="ctr"/>
+            <a:endParaRPr lang="en-US">
+              <a:solidFill>
+                <a:prstClr val="white"/>
+              </a:solidFill>
+              <a:latin typeface="Calibri" panose="020F0502020204030204"/>
+            </a:endParaRPr>
+          </a:p>
+        </p:txBody>
+      </p:sp>
+      <p:sp>
+        <p:nvSpPr>
+          <p:cNvPr id="18" name="Rectangle 17">
+            <a:extLst>
+              <a:ext uri="{FF2B5EF4-FFF2-40B4-BE49-F238E27FC236}">
+                <a16:creationId xmlns:a16="http://schemas.microsoft.com/office/drawing/2014/main" id="{08C9B587-E65E-4B52-B37C-ABEBB6E87928}"/>
+              </a:ext>
+              <a:ext uri="{C183D7F6-B498-43B3-948B-1728B52AA6E4}">
+                <adec:decorative xmlns:adec="http://schemas.microsoft.com/office/drawing/2017/decorative" val="1"/>
+              </a:ext>
+            </a:extLst>
+          </p:cNvPr>
+          <p:cNvSpPr>
+            <a:spLocks noGrp="1" noRot="1" noChangeAspect="1" noMove="1" noResize="1" noEditPoints="1" noAdjustHandles="1" noChangeArrowheads="1" noChangeShapeType="1" noTextEdit="1"/>
+          </p:cNvSpPr>
+          <p:nvPr>
+            <p:extLst>
+              <p:ext uri="{386F3935-93C4-4BCD-93E2-E3B085C9AB24}">
+                <p16:designElem xmlns:p16="http://schemas.microsoft.com/office/powerpoint/2015/main" val="1"/>
+              </p:ext>
+            </p:extLst>
+          </p:nvPr>
+        </p:nvSpPr>
+        <p:spPr>
+          <a:xfrm>
+            <a:off x="481029" y="4546920"/>
+            <a:ext cx="4023360" cy="18288"/>
+          </a:xfrm>
+          <a:prstGeom prst="rect">
+            <a:avLst/>
+          </a:prstGeom>
+          <a:solidFill>
+            <a:srgbClr val="D5D5D5"/>
+          </a:solidFill>
+          <a:ln w="3175">
+            <a:noFill/>
+          </a:ln>
+          <a:effectLst/>
+        </p:spPr>
+        <p:style>
+          <a:lnRef idx="2">
+            <a:schemeClr val="accent1">
+              <a:shade val="50000"/>
+            </a:schemeClr>
+          </a:lnRef>
+          <a:fillRef idx="1">
+            <a:schemeClr val="accent1"/>
+          </a:fillRef>
+          <a:effectRef idx="0">
+            <a:schemeClr val="accent1"/>
+          </a:effectRef>
+          <a:fontRef idx="minor">
+            <a:schemeClr val="lt1"/>
+          </a:fontRef>
+        </p:style>
+        <p:txBody>
+          <a:bodyPr rtlCol="0" anchor="ctr"/>
+          <a:lstStyle/>
+          <a:p>
+            <a:pPr marL="0" marR="0" lvl="0" indent="0" algn="ctr" defTabSz="914400" rtl="0" eaLnBrk="1" fontAlgn="auto" latinLnBrk="0" hangingPunct="1">
+              <a:lnSpc>
+                <a:spcPct val="100000"/>
+              </a:lnSpc>
+              <a:spcBef>
+                <a:spcPts val="0"/>
+              </a:spcBef>
+              <a:spcAft>
+                <a:spcPts val="0"/>
+              </a:spcAft>
+              <a:buClrTx/>
+              <a:buSzTx/>
+              <a:buFontTx/>
+              <a:buNone/>
+              <a:tabLst/>
+              <a:defRPr/>
+            </a:pPr>
+            <a:endParaRPr kumimoji="0" lang="en-US" sz="1800" b="0" i="0" u="none" strike="noStrike" kern="1200" cap="none" spc="0" normalizeH="0" baseline="0" noProof="0">
+              <a:ln>
+                <a:noFill/>
+              </a:ln>
+              <a:solidFill>
+                <a:prstClr val="white"/>
+              </a:solidFill>
+              <a:effectLst/>
+              <a:uLnTx/>
+              <a:uFillTx/>
+              <a:latin typeface="Calibri" panose="020F0502020204030204"/>
+              <a:ea typeface="+mn-ea"/>
+              <a:cs typeface="+mn-cs"/>
+            </a:endParaRPr>
+          </a:p>
+        </p:txBody>
+      </p:sp>
+      <p:pic>
+        <p:nvPicPr>
+          <p:cNvPr id="5" name="Content Placeholder 4" descr="Application&#10;&#10;Description automatically generated with low confidence">
+            <a:extLst>
+              <a:ext uri="{FF2B5EF4-FFF2-40B4-BE49-F238E27FC236}">
+                <a16:creationId xmlns:a16="http://schemas.microsoft.com/office/drawing/2014/main" id="{EA9FDC24-D028-4696-8CB9-5A3C5BC44D94}"/>
+              </a:ext>
+            </a:extLst>
+          </p:cNvPr>
+          <p:cNvPicPr>
+            <a:picLocks noGrp="1" noChangeAspect="1"/>
+          </p:cNvPicPr>
           <p:nvPr>
             <p:ph idx="1"/>
           </p:nvPr>
-        </p:nvSpPr>
-        <p:spPr/>
-        <p:txBody>
-          <a:bodyPr/>
-          <a:lstStyle/>
-          <a:p>
-            <a:r>
-              <a:rPr lang="en-US" dirty="0"/>
-              <a:t>Explore data further (identify data story)</a:t>
-            </a:r>
-          </a:p>
-          <a:p>
-            <a:r>
-              <a:rPr lang="en-US" dirty="0"/>
-              <a:t>Narrow down to specific question(s) – possibly expand more attributes and reduce instances (columns and rows)</a:t>
-            </a:r>
-          </a:p>
-          <a:p>
-            <a:r>
-              <a:rPr lang="en-US" dirty="0"/>
-              <a:t>Integrate other independent data linked to any attribute of existing dataset e.g. weather, labor etc.</a:t>
-            </a:r>
-          </a:p>
-          <a:p>
-            <a:pPr marL="0" indent="0">
-              <a:buNone/>
-            </a:pPr>
-            <a:endParaRPr lang="en-US" dirty="0"/>
-          </a:p>
-        </p:txBody>
-      </p:sp>
+        </p:nvPicPr>
+        <p:blipFill>
+          <a:blip r:embed="rId2">
+            <a:extLst>
+              <a:ext uri="{28A0092B-C50C-407E-A947-70E740481C1C}">
+                <a14:useLocalDpi xmlns:a14="http://schemas.microsoft.com/office/drawing/2010/main" val="0"/>
+              </a:ext>
+            </a:extLst>
+          </a:blip>
+          <a:stretch>
+            <a:fillRect/>
+          </a:stretch>
+        </p:blipFill>
+        <p:spPr>
+          <a:xfrm>
+            <a:off x="5414356" y="952839"/>
+            <a:ext cx="6408836" cy="4801069"/>
+          </a:xfrm>
+          <a:prstGeom prst="rect">
+            <a:avLst/>
+          </a:prstGeom>
+        </p:spPr>
+      </p:pic>
     </p:spTree>
     <p:extLst>
       <p:ext uri="{BB962C8B-B14F-4D97-AF65-F5344CB8AC3E}">
-        <p14:creationId xmlns:p14="http://schemas.microsoft.com/office/powerpoint/2010/main" val="2361845101"/>
+        <p14:creationId xmlns:p14="http://schemas.microsoft.com/office/powerpoint/2010/main" val="3687498193"/>
       </p:ext>
     </p:extLst>
   </p:cSld>
@@ -3700,6 +8051,14 @@
 <file path=ppt/slides/slide5.xml><?xml version="1.0" encoding="utf-8"?>
 <p:sld xmlns:a="http://schemas.openxmlformats.org/drawingml/2006/main" xmlns:r="http://schemas.openxmlformats.org/officeDocument/2006/relationships" xmlns:p="http://schemas.openxmlformats.org/presentationml/2006/main">
   <p:cSld>
+    <p:bg>
+      <p:bgPr>
+        <a:solidFill>
+          <a:schemeClr val="bg1"/>
+        </a:solidFill>
+        <a:effectLst/>
+      </p:bgPr>
+    </p:bg>
     <p:spTree>
       <p:nvGrpSpPr>
         <p:cNvPr id="1" name=""/>
@@ -3714,12 +8073,72 @@
           <a:chExt cx="0" cy="0"/>
         </a:xfrm>
       </p:grpSpPr>
+      <p:sp useBgFill="1">
+        <p:nvSpPr>
+          <p:cNvPr id="17" name="Rectangle 16">
+            <a:extLst>
+              <a:ext uri="{FF2B5EF4-FFF2-40B4-BE49-F238E27FC236}">
+                <a16:creationId xmlns:a16="http://schemas.microsoft.com/office/drawing/2014/main" id="{DBC6133C-0615-4CE4-9132-37E609A9BDFA}"/>
+              </a:ext>
+              <a:ext uri="{C183D7F6-B498-43B3-948B-1728B52AA6E4}">
+                <adec:decorative xmlns:adec="http://schemas.microsoft.com/office/drawing/2017/decorative" val="1"/>
+              </a:ext>
+            </a:extLst>
+          </p:cNvPr>
+          <p:cNvSpPr>
+            <a:spLocks noGrp="1" noRot="1" noChangeAspect="1" noMove="1" noResize="1" noEditPoints="1" noAdjustHandles="1" noChangeArrowheads="1" noChangeShapeType="1" noTextEdit="1"/>
+          </p:cNvSpPr>
+          <p:nvPr>
+            <p:extLst>
+              <p:ext uri="{386F3935-93C4-4BCD-93E2-E3B085C9AB24}">
+                <p16:designElem xmlns:p16="http://schemas.microsoft.com/office/powerpoint/2015/main" val="1"/>
+              </p:ext>
+            </p:extLst>
+          </p:nvPr>
+        </p:nvSpPr>
+        <p:spPr>
+          <a:xfrm>
+            <a:off x="0" y="0"/>
+            <a:ext cx="12191999" cy="6857365"/>
+          </a:xfrm>
+          <a:prstGeom prst="rect">
+            <a:avLst/>
+          </a:prstGeom>
+          <a:ln>
+            <a:noFill/>
+          </a:ln>
+        </p:spPr>
+        <p:style>
+          <a:lnRef idx="2">
+            <a:schemeClr val="accent1">
+              <a:shade val="50000"/>
+            </a:schemeClr>
+          </a:lnRef>
+          <a:fillRef idx="1">
+            <a:schemeClr val="accent1"/>
+          </a:fillRef>
+          <a:effectRef idx="0">
+            <a:schemeClr val="accent1"/>
+          </a:effectRef>
+          <a:fontRef idx="minor">
+            <a:schemeClr val="lt1"/>
+          </a:fontRef>
+        </p:style>
+        <p:txBody>
+          <a:bodyPr rtlCol="0" anchor="ctr"/>
+          <a:lstStyle/>
+          <a:p>
+            <a:pPr algn="ctr"/>
+            <a:endParaRPr lang="en-US"/>
+          </a:p>
+        </p:txBody>
+      </p:sp>
       <p:sp>
         <p:nvSpPr>
           <p:cNvPr id="2" name="Title 1">
             <a:extLst>
               <a:ext uri="{FF2B5EF4-FFF2-40B4-BE49-F238E27FC236}">
-                <a16:creationId xmlns:a16="http://schemas.microsoft.com/office/drawing/2014/main" id="{6B19A87D-C8AE-432C-9B8E-34CD9CD70F82}"/>
+                <a16:creationId xmlns:a16="http://schemas.microsoft.com/office/drawing/2014/main" id="{E289961D-5C91-42EB-9FD1-C58556D450A9}"/>
               </a:ext>
             </a:extLst>
           </p:cNvPr>
@@ -3730,15 +8149,85 @@
             <p:ph type="title"/>
           </p:nvPr>
         </p:nvSpPr>
-        <p:spPr/>
+        <p:spPr>
+          <a:xfrm>
+            <a:off x="645064" y="525982"/>
+            <a:ext cx="4282983" cy="1200361"/>
+          </a:xfrm>
+        </p:spPr>
         <p:txBody>
-          <a:bodyPr/>
+          <a:bodyPr anchor="b">
+            <a:normAutofit/>
+          </a:bodyPr>
           <a:lstStyle/>
           <a:p>
             <a:r>
-              <a:rPr lang="en-US" dirty="0"/>
-              <a:t>Sources</a:t>
+              <a:rPr lang="en-US" sz="3600"/>
+              <a:t>Data Model</a:t>
             </a:r>
+          </a:p>
+        </p:txBody>
+      </p:sp>
+      <p:sp>
+        <p:nvSpPr>
+          <p:cNvPr id="19" name="Rectangle 18">
+            <a:extLst>
+              <a:ext uri="{FF2B5EF4-FFF2-40B4-BE49-F238E27FC236}">
+                <a16:creationId xmlns:a16="http://schemas.microsoft.com/office/drawing/2014/main" id="{169CC832-2974-4E8D-90ED-3E2941BA7336}"/>
+              </a:ext>
+              <a:ext uri="{C183D7F6-B498-43B3-948B-1728B52AA6E4}">
+                <adec:decorative xmlns:adec="http://schemas.microsoft.com/office/drawing/2017/decorative" val="1"/>
+              </a:ext>
+            </a:extLst>
+          </p:cNvPr>
+          <p:cNvSpPr>
+            <a:spLocks noGrp="1" noRot="1" noChangeAspect="1" noMove="1" noResize="1" noEditPoints="1" noAdjustHandles="1" noChangeArrowheads="1" noChangeShapeType="1" noTextEdit="1"/>
+          </p:cNvSpPr>
+          <p:nvPr>
+            <p:extLst>
+              <p:ext uri="{386F3935-93C4-4BCD-93E2-E3B085C9AB24}">
+                <p16:designElem xmlns:p16="http://schemas.microsoft.com/office/powerpoint/2015/main" val="1"/>
+              </p:ext>
+            </p:extLst>
+          </p:nvPr>
+        </p:nvSpPr>
+        <p:spPr>
+          <a:xfrm flipH="1">
+            <a:off x="616533" y="1944913"/>
+            <a:ext cx="4023360" cy="27432"/>
+          </a:xfrm>
+          <a:prstGeom prst="rect">
+            <a:avLst/>
+          </a:prstGeom>
+          <a:solidFill>
+            <a:schemeClr val="accent4"/>
+          </a:solidFill>
+          <a:ln>
+            <a:noFill/>
+          </a:ln>
+        </p:spPr>
+        <p:style>
+          <a:lnRef idx="2">
+            <a:schemeClr val="accent1">
+              <a:shade val="50000"/>
+            </a:schemeClr>
+          </a:lnRef>
+          <a:fillRef idx="1">
+            <a:schemeClr val="accent1"/>
+          </a:fillRef>
+          <a:effectRef idx="0">
+            <a:schemeClr val="accent1"/>
+          </a:effectRef>
+          <a:fontRef idx="minor">
+            <a:schemeClr val="lt1"/>
+          </a:fontRef>
+        </p:style>
+        <p:txBody>
+          <a:bodyPr rtlCol="0" anchor="ctr"/>
+          <a:lstStyle/>
+          <a:p>
+            <a:pPr algn="ctr"/>
+            <a:endParaRPr lang="en-US"/>
           </a:p>
         </p:txBody>
       </p:sp>
@@ -3747,7 +8236,7 @@
           <p:cNvPr id="3" name="Content Placeholder 2">
             <a:extLst>
               <a:ext uri="{FF2B5EF4-FFF2-40B4-BE49-F238E27FC236}">
-                <a16:creationId xmlns:a16="http://schemas.microsoft.com/office/drawing/2014/main" id="{9614003B-D58B-49CA-A4C0-6BDD334ECB08}"/>
+                <a16:creationId xmlns:a16="http://schemas.microsoft.com/office/drawing/2014/main" id="{4D595A2C-2449-4841-99B2-28D7A568F8AC}"/>
               </a:ext>
             </a:extLst>
           </p:cNvPr>
@@ -3758,16 +8247,2251 @@
             <p:ph idx="1"/>
           </p:nvPr>
         </p:nvSpPr>
-        <p:spPr/>
+        <p:spPr>
+          <a:xfrm>
+            <a:off x="645066" y="2031101"/>
+            <a:ext cx="4282984" cy="3511943"/>
+          </a:xfrm>
+        </p:spPr>
         <p:txBody>
-          <a:bodyPr/>
+          <a:bodyPr anchor="ctr">
+            <a:normAutofit/>
+          </a:bodyPr>
+          <a:lstStyle/>
+          <a:p>
+            <a:r>
+              <a:rPr lang="en-US" sz="1800"/>
+              <a:t>Modeled into 3 related entities:</a:t>
+            </a:r>
+          </a:p>
+          <a:p>
+            <a:pPr lvl="1"/>
+            <a:r>
+              <a:rPr lang="en-US" sz="1800"/>
+              <a:t>Ratings</a:t>
+            </a:r>
+          </a:p>
+          <a:p>
+            <a:pPr lvl="1"/>
+            <a:r>
+              <a:rPr lang="en-US" sz="1800"/>
+              <a:t>Product_Style</a:t>
+            </a:r>
+          </a:p>
+          <a:p>
+            <a:pPr lvl="1"/>
+            <a:r>
+              <a:rPr lang="en-US" sz="1800"/>
+              <a:t>Ratings_Details</a:t>
+            </a:r>
+          </a:p>
+          <a:p>
+            <a:endParaRPr lang="en-US" sz="1800"/>
+          </a:p>
+        </p:txBody>
+      </p:sp>
+      <p:sp>
+        <p:nvSpPr>
+          <p:cNvPr id="24" name="Rectangle 20">
+            <a:extLst>
+              <a:ext uri="{FF2B5EF4-FFF2-40B4-BE49-F238E27FC236}">
+                <a16:creationId xmlns:a16="http://schemas.microsoft.com/office/drawing/2014/main" id="{55222F96-971A-4F90-B841-6BAB416C7AC1}"/>
+              </a:ext>
+              <a:ext uri="{C183D7F6-B498-43B3-948B-1728B52AA6E4}">
+                <adec:decorative xmlns:adec="http://schemas.microsoft.com/office/drawing/2017/decorative" val="1"/>
+              </a:ext>
+            </a:extLst>
+          </p:cNvPr>
+          <p:cNvSpPr>
+            <a:spLocks noGrp="1" noRot="1" noChangeAspect="1" noMove="1" noResize="1" noEditPoints="1" noAdjustHandles="1" noChangeArrowheads="1" noChangeShapeType="1" noTextEdit="1"/>
+          </p:cNvSpPr>
+          <p:nvPr>
+            <p:extLst>
+              <p:ext uri="{386F3935-93C4-4BCD-93E2-E3B085C9AB24}">
+                <p16:designElem xmlns:p16="http://schemas.microsoft.com/office/powerpoint/2015/main" val="1"/>
+              </p:ext>
+            </p:extLst>
+          </p:nvPr>
+        </p:nvSpPr>
+        <p:spPr>
+          <a:xfrm rot="5400000">
+            <a:off x="-225843" y="6053360"/>
+            <a:ext cx="740664" cy="154124"/>
+          </a:xfrm>
+          <a:prstGeom prst="rect">
+            <a:avLst/>
+          </a:prstGeom>
+          <a:solidFill>
+            <a:schemeClr val="accent4"/>
+          </a:solidFill>
+          <a:ln>
+            <a:noFill/>
+          </a:ln>
+        </p:spPr>
+        <p:style>
+          <a:lnRef idx="2">
+            <a:schemeClr val="accent1">
+              <a:shade val="50000"/>
+            </a:schemeClr>
+          </a:lnRef>
+          <a:fillRef idx="1">
+            <a:schemeClr val="accent1"/>
+          </a:fillRef>
+          <a:effectRef idx="0">
+            <a:schemeClr val="accent1"/>
+          </a:effectRef>
+          <a:fontRef idx="minor">
+            <a:schemeClr val="lt1"/>
+          </a:fontRef>
+        </p:style>
+        <p:txBody>
+          <a:bodyPr rtlCol="0" anchor="ctr"/>
+          <a:lstStyle/>
+          <a:p>
+            <a:pPr algn="ctr"/>
+            <a:endParaRPr lang="en-US"/>
+          </a:p>
+        </p:txBody>
+      </p:sp>
+      <p:sp>
+        <p:nvSpPr>
+          <p:cNvPr id="23" name="Rectangle 22">
+            <a:extLst>
+              <a:ext uri="{FF2B5EF4-FFF2-40B4-BE49-F238E27FC236}">
+                <a16:creationId xmlns:a16="http://schemas.microsoft.com/office/drawing/2014/main" id="{08980754-6F4B-43C9-B9BE-127B6BED6586}"/>
+              </a:ext>
+              <a:ext uri="{C183D7F6-B498-43B3-948B-1728B52AA6E4}">
+                <adec:decorative xmlns:adec="http://schemas.microsoft.com/office/drawing/2017/decorative" val="1"/>
+              </a:ext>
+            </a:extLst>
+          </p:cNvPr>
+          <p:cNvSpPr>
+            <a:spLocks noGrp="1" noRot="1" noChangeAspect="1" noMove="1" noResize="1" noEditPoints="1" noAdjustHandles="1" noChangeArrowheads="1" noChangeShapeType="1" noTextEdit="1"/>
+          </p:cNvSpPr>
+          <p:nvPr>
+            <p:extLst>
+              <p:ext uri="{386F3935-93C4-4BCD-93E2-E3B085C9AB24}">
+                <p16:designElem xmlns:p16="http://schemas.microsoft.com/office/powerpoint/2015/main" val="1"/>
+              </p:ext>
+            </p:extLst>
+          </p:nvPr>
+        </p:nvSpPr>
+        <p:spPr>
+          <a:xfrm rot="5400000">
+            <a:off x="5904923" y="215201"/>
+            <a:ext cx="740664" cy="11833491"/>
+          </a:xfrm>
+          <a:prstGeom prst="rect">
+            <a:avLst/>
+          </a:prstGeom>
+          <a:solidFill>
+            <a:schemeClr val="accent4"/>
+          </a:solidFill>
+          <a:ln>
+            <a:noFill/>
+          </a:ln>
+        </p:spPr>
+        <p:style>
+          <a:lnRef idx="2">
+            <a:schemeClr val="accent1">
+              <a:shade val="50000"/>
+            </a:schemeClr>
+          </a:lnRef>
+          <a:fillRef idx="1">
+            <a:schemeClr val="accent1"/>
+          </a:fillRef>
+          <a:effectRef idx="0">
+            <a:schemeClr val="accent1"/>
+          </a:effectRef>
+          <a:fontRef idx="minor">
+            <a:schemeClr val="lt1"/>
+          </a:fontRef>
+        </p:style>
+        <p:txBody>
+          <a:bodyPr rtlCol="0" anchor="ctr"/>
+          <a:lstStyle/>
+          <a:p>
+            <a:pPr algn="ctr"/>
+            <a:endParaRPr lang="en-US"/>
+          </a:p>
+        </p:txBody>
+      </p:sp>
+      <p:sp>
+        <p:nvSpPr>
+          <p:cNvPr id="25" name="Rectangle 24">
+            <a:extLst>
+              <a:ext uri="{FF2B5EF4-FFF2-40B4-BE49-F238E27FC236}">
+                <a16:creationId xmlns:a16="http://schemas.microsoft.com/office/drawing/2014/main" id="{2C1BBA94-3F40-40AA-8BB9-E69E25E537C1}"/>
+              </a:ext>
+              <a:ext uri="{C183D7F6-B498-43B3-948B-1728B52AA6E4}">
+                <adec:decorative xmlns:adec="http://schemas.microsoft.com/office/drawing/2017/decorative" val="1"/>
+              </a:ext>
+            </a:extLst>
+          </p:cNvPr>
+          <p:cNvSpPr>
+            <a:spLocks noGrp="1" noRot="1" noChangeAspect="1" noMove="1" noResize="1" noEditPoints="1" noAdjustHandles="1" noChangeArrowheads="1" noChangeShapeType="1" noTextEdit="1"/>
+          </p:cNvSpPr>
+          <p:nvPr>
+            <p:extLst>
+              <p:ext uri="{386F3935-93C4-4BCD-93E2-E3B085C9AB24}">
+                <p16:designElem xmlns:p16="http://schemas.microsoft.com/office/powerpoint/2015/main" val="1"/>
+              </p:ext>
+            </p:extLst>
+          </p:nvPr>
+        </p:nvSpPr>
+        <p:spPr>
+          <a:xfrm>
+            <a:off x="5696793" y="354959"/>
+            <a:ext cx="6184973" cy="5915212"/>
+          </a:xfrm>
+          <a:prstGeom prst="rect">
+            <a:avLst/>
+          </a:prstGeom>
+          <a:solidFill>
+            <a:schemeClr val="bg1"/>
+          </a:solidFill>
+          <a:ln>
+            <a:noFill/>
+          </a:ln>
+          <a:effectLst>
+            <a:outerShdw blurRad="139700" dist="127000" dir="5400000" algn="t" rotWithShape="0">
+              <a:prstClr val="black">
+                <a:alpha val="15000"/>
+              </a:prstClr>
+            </a:outerShdw>
+          </a:effectLst>
+        </p:spPr>
+        <p:style>
+          <a:lnRef idx="2">
+            <a:schemeClr val="accent1">
+              <a:shade val="50000"/>
+            </a:schemeClr>
+          </a:lnRef>
+          <a:fillRef idx="1">
+            <a:schemeClr val="accent1"/>
+          </a:fillRef>
+          <a:effectRef idx="0">
+            <a:schemeClr val="accent1"/>
+          </a:effectRef>
+          <a:fontRef idx="minor">
+            <a:schemeClr val="lt1"/>
+          </a:fontRef>
+        </p:style>
+        <p:txBody>
+          <a:bodyPr rtlCol="0" anchor="ctr"/>
+          <a:lstStyle/>
+          <a:p>
+            <a:pPr algn="ctr"/>
+            <a:endParaRPr lang="en-US"/>
+          </a:p>
+        </p:txBody>
+      </p:sp>
+      <p:pic>
+        <p:nvPicPr>
+          <p:cNvPr id="5" name="Picture 4" descr="Diagram&#10;&#10;Description automatically generated">
+            <a:extLst>
+              <a:ext uri="{FF2B5EF4-FFF2-40B4-BE49-F238E27FC236}">
+                <a16:creationId xmlns:a16="http://schemas.microsoft.com/office/drawing/2014/main" id="{1F1C1957-9DBF-4B14-B11B-F35DF88CE04D}"/>
+              </a:ext>
+            </a:extLst>
+          </p:cNvPr>
+          <p:cNvPicPr>
+            <a:picLocks noChangeAspect="1"/>
+          </p:cNvPicPr>
+          <p:nvPr/>
+        </p:nvPicPr>
+        <p:blipFill>
+          <a:blip r:embed="rId2">
+            <a:extLst>
+              <a:ext uri="{28A0092B-C50C-407E-A947-70E740481C1C}">
+                <a14:useLocalDpi xmlns:a14="http://schemas.microsoft.com/office/drawing/2010/main" val="0"/>
+              </a:ext>
+            </a:extLst>
+          </a:blip>
+          <a:stretch>
+            <a:fillRect/>
+          </a:stretch>
+        </p:blipFill>
+        <p:spPr>
+          <a:xfrm>
+            <a:off x="5987738" y="991008"/>
+            <a:ext cx="5628018" cy="4643114"/>
+          </a:xfrm>
+          <a:prstGeom prst="rect">
+            <a:avLst/>
+          </a:prstGeom>
+        </p:spPr>
+      </p:pic>
+    </p:spTree>
+    <p:extLst>
+      <p:ext uri="{BB962C8B-B14F-4D97-AF65-F5344CB8AC3E}">
+        <p14:creationId xmlns:p14="http://schemas.microsoft.com/office/powerpoint/2010/main" val="511694443"/>
+      </p:ext>
+    </p:extLst>
+  </p:cSld>
+  <p:clrMapOvr>
+    <a:masterClrMapping/>
+  </p:clrMapOvr>
+</p:sld>
+</file>
+
+<file path=ppt/slides/slide6.xml><?xml version="1.0" encoding="utf-8"?>
+<p:sld xmlns:a="http://schemas.openxmlformats.org/drawingml/2006/main" xmlns:r="http://schemas.openxmlformats.org/officeDocument/2006/relationships" xmlns:p="http://schemas.openxmlformats.org/presentationml/2006/main">
+  <p:cSld>
+    <p:bg>
+      <p:bgPr>
+        <a:solidFill>
+          <a:schemeClr val="bg1"/>
+        </a:solidFill>
+        <a:effectLst/>
+      </p:bgPr>
+    </p:bg>
+    <p:spTree>
+      <p:nvGrpSpPr>
+        <p:cNvPr id="1" name=""/>
+        <p:cNvGrpSpPr/>
+        <p:nvPr/>
+      </p:nvGrpSpPr>
+      <p:grpSpPr>
+        <a:xfrm>
+          <a:off x="0" y="0"/>
+          <a:ext cx="0" cy="0"/>
+          <a:chOff x="0" y="0"/>
+          <a:chExt cx="0" cy="0"/>
+        </a:xfrm>
+      </p:grpSpPr>
+      <p:sp useBgFill="1">
+        <p:nvSpPr>
+          <p:cNvPr id="9" name="Rectangle 8">
+            <a:extLst>
+              <a:ext uri="{FF2B5EF4-FFF2-40B4-BE49-F238E27FC236}">
+                <a16:creationId xmlns:a16="http://schemas.microsoft.com/office/drawing/2014/main" id="{D55CD764-972B-4CA5-A885-53E55C63E174}"/>
+              </a:ext>
+              <a:ext uri="{C183D7F6-B498-43B3-948B-1728B52AA6E4}">
+                <adec:decorative xmlns:adec="http://schemas.microsoft.com/office/drawing/2017/decorative" val="1"/>
+              </a:ext>
+            </a:extLst>
+          </p:cNvPr>
+          <p:cNvSpPr>
+            <a:spLocks noGrp="1" noRot="1" noChangeAspect="1" noMove="1" noResize="1" noEditPoints="1" noAdjustHandles="1" noChangeArrowheads="1" noChangeShapeType="1" noTextEdit="1"/>
+          </p:cNvSpPr>
+          <p:nvPr>
+            <p:extLst>
+              <p:ext uri="{386F3935-93C4-4BCD-93E2-E3B085C9AB24}">
+                <p16:designElem xmlns:p16="http://schemas.microsoft.com/office/powerpoint/2015/main" val="1"/>
+              </p:ext>
+            </p:extLst>
+          </p:nvPr>
+        </p:nvSpPr>
+        <p:spPr>
+          <a:xfrm>
+            <a:off x="0" y="0"/>
+            <a:ext cx="12188952" cy="6858000"/>
+          </a:xfrm>
+          <a:prstGeom prst="rect">
+            <a:avLst/>
+          </a:prstGeom>
+          <a:ln>
+            <a:noFill/>
+          </a:ln>
+        </p:spPr>
+        <p:style>
+          <a:lnRef idx="2">
+            <a:schemeClr val="accent1">
+              <a:shade val="50000"/>
+            </a:schemeClr>
+          </a:lnRef>
+          <a:fillRef idx="1">
+            <a:schemeClr val="accent1"/>
+          </a:fillRef>
+          <a:effectRef idx="0">
+            <a:schemeClr val="accent1"/>
+          </a:effectRef>
+          <a:fontRef idx="minor">
+            <a:schemeClr val="lt1"/>
+          </a:fontRef>
+        </p:style>
+        <p:txBody>
+          <a:bodyPr rtlCol="0" anchor="ctr"/>
+          <a:lstStyle/>
+          <a:p>
+            <a:pPr algn="ctr"/>
+            <a:endParaRPr lang="en-US"/>
+          </a:p>
+        </p:txBody>
+      </p:sp>
+      <p:sp>
+        <p:nvSpPr>
+          <p:cNvPr id="11" name="Rectangle 10">
+            <a:extLst>
+              <a:ext uri="{FF2B5EF4-FFF2-40B4-BE49-F238E27FC236}">
+                <a16:creationId xmlns:a16="http://schemas.microsoft.com/office/drawing/2014/main" id="{34165AB3-7006-4430-BCE3-25476BE13322}"/>
+              </a:ext>
+              <a:ext uri="{C183D7F6-B498-43B3-948B-1728B52AA6E4}">
+                <adec:decorative xmlns:adec="http://schemas.microsoft.com/office/drawing/2017/decorative" val="1"/>
+              </a:ext>
+            </a:extLst>
+          </p:cNvPr>
+          <p:cNvSpPr>
+            <a:spLocks noGrp="1" noRot="1" noChangeAspect="1" noMove="1" noResize="1" noEditPoints="1" noAdjustHandles="1" noChangeArrowheads="1" noChangeShapeType="1" noTextEdit="1"/>
+          </p:cNvSpPr>
+          <p:nvPr>
+            <p:extLst>
+              <p:ext uri="{386F3935-93C4-4BCD-93E2-E3B085C9AB24}">
+                <p16:designElem xmlns:p16="http://schemas.microsoft.com/office/powerpoint/2015/main" val="1"/>
+              </p:ext>
+            </p:extLst>
+          </p:nvPr>
+        </p:nvSpPr>
+        <p:spPr>
+          <a:xfrm>
+            <a:off x="0" y="0"/>
+            <a:ext cx="5020887" cy="6491605"/>
+          </a:xfrm>
+          <a:prstGeom prst="rect">
+            <a:avLst/>
+          </a:prstGeom>
+          <a:solidFill>
+            <a:schemeClr val="bg1">
+              <a:lumMod val="95000"/>
+            </a:schemeClr>
+          </a:solidFill>
+          <a:ln>
+            <a:noFill/>
+          </a:ln>
+        </p:spPr>
+        <p:style>
+          <a:lnRef idx="2">
+            <a:schemeClr val="accent1">
+              <a:shade val="50000"/>
+            </a:schemeClr>
+          </a:lnRef>
+          <a:fillRef idx="1">
+            <a:schemeClr val="accent1"/>
+          </a:fillRef>
+          <a:effectRef idx="0">
+            <a:schemeClr val="accent1"/>
+          </a:effectRef>
+          <a:fontRef idx="minor">
+            <a:schemeClr val="lt1"/>
+          </a:fontRef>
+        </p:style>
+        <p:txBody>
+          <a:bodyPr rtlCol="0" anchor="ctr"/>
+          <a:lstStyle/>
+          <a:p>
+            <a:pPr algn="ctr"/>
+            <a:endParaRPr lang="en-US"/>
+          </a:p>
+        </p:txBody>
+      </p:sp>
+      <p:sp>
+        <p:nvSpPr>
+          <p:cNvPr id="2" name="Title 1">
+            <a:extLst>
+              <a:ext uri="{FF2B5EF4-FFF2-40B4-BE49-F238E27FC236}">
+                <a16:creationId xmlns:a16="http://schemas.microsoft.com/office/drawing/2014/main" id="{F256FE81-D5DD-4192-9259-FE2B1247449F}"/>
+              </a:ext>
+            </a:extLst>
+          </p:cNvPr>
+          <p:cNvSpPr>
+            <a:spLocks noGrp="1"/>
+          </p:cNvSpPr>
+          <p:nvPr>
+            <p:ph type="title"/>
+          </p:nvPr>
+        </p:nvSpPr>
+        <p:spPr>
+          <a:xfrm>
+            <a:off x="594360" y="1209086"/>
+            <a:ext cx="3876848" cy="4064925"/>
+          </a:xfrm>
+        </p:spPr>
+        <p:txBody>
+          <a:bodyPr anchor="ctr">
+            <a:normAutofit/>
+          </a:bodyPr>
+          <a:lstStyle/>
+          <a:p>
+            <a:r>
+              <a:rPr lang="en-US" sz="5000"/>
+              <a:t>Moving Forward</a:t>
+            </a:r>
+          </a:p>
+        </p:txBody>
+      </p:sp>
+      <p:grpSp>
+        <p:nvGrpSpPr>
+          <p:cNvPr id="13" name="Group 12">
+            <a:extLst>
+              <a:ext uri="{FF2B5EF4-FFF2-40B4-BE49-F238E27FC236}">
+                <a16:creationId xmlns:a16="http://schemas.microsoft.com/office/drawing/2014/main" id="{11999B20-6058-4C55-882E-A1FB050B69DD}"/>
+              </a:ext>
+              <a:ext uri="{C183D7F6-B498-43B3-948B-1728B52AA6E4}">
+                <adec:decorative xmlns:adec="http://schemas.microsoft.com/office/drawing/2017/decorative" val="1"/>
+              </a:ext>
+            </a:extLst>
+          </p:cNvPr>
+          <p:cNvGrpSpPr>
+            <a:grpSpLocks noGrp="1" noUngrp="1" noRot="1" noChangeAspect="1" noMove="1" noResize="1"/>
+          </p:cNvGrpSpPr>
+          <p:nvPr>
+            <p:extLst>
+              <p:ext uri="{386F3935-93C4-4BCD-93E2-E3B085C9AB24}">
+                <p16:designElem xmlns:p16="http://schemas.microsoft.com/office/powerpoint/2015/main" val="1"/>
+              </p:ext>
+            </p:extLst>
+          </p:nvPr>
+        </p:nvGrpSpPr>
+        <p:grpSpPr>
+          <a:xfrm>
+            <a:off x="56167" y="2569464"/>
+            <a:ext cx="242107" cy="1340860"/>
+            <a:chOff x="56167" y="2761488"/>
+            <a:chExt cx="242107" cy="1340860"/>
+          </a:xfrm>
+        </p:grpSpPr>
+        <p:sp>
+          <p:nvSpPr>
+            <p:cNvPr id="14" name="Rectangle 2">
+              <a:extLst>
+                <a:ext uri="{FF2B5EF4-FFF2-40B4-BE49-F238E27FC236}">
+                  <a16:creationId xmlns:a16="http://schemas.microsoft.com/office/drawing/2014/main" id="{168AC90C-344A-4A64-BC4B-AEE98034B036}"/>
+                </a:ext>
+                <a:ext uri="{C183D7F6-B498-43B3-948B-1728B52AA6E4}">
+                  <adec:decorative xmlns:adec="http://schemas.microsoft.com/office/drawing/2017/decorative" val="1"/>
+                </a:ext>
+              </a:extLst>
+            </p:cNvPr>
+            <p:cNvSpPr/>
+            <p:nvPr>
+              <p:extLst>
+                <p:ext uri="{386F3935-93C4-4BCD-93E2-E3B085C9AB24}">
+                  <p16:designElem xmlns:p16="http://schemas.microsoft.com/office/powerpoint/2015/main" val="1"/>
+                </p:ext>
+              </p:extLst>
+            </p:nvPr>
+          </p:nvSpPr>
+          <p:spPr>
+            <a:xfrm rot="5400000">
+              <a:off x="237744" y="3331247"/>
+              <a:ext cx="61834" cy="59227"/>
+            </a:xfrm>
+            <a:prstGeom prst="ellipse">
+              <a:avLst/>
+            </a:prstGeom>
+            <a:solidFill>
+              <a:schemeClr val="accent1"/>
+            </a:solidFill>
+            <a:ln>
+              <a:noFill/>
+            </a:ln>
+          </p:spPr>
+          <p:style>
+            <a:lnRef idx="2">
+              <a:schemeClr val="accent1">
+                <a:shade val="50000"/>
+              </a:schemeClr>
+            </a:lnRef>
+            <a:fillRef idx="1">
+              <a:schemeClr val="accent1"/>
+            </a:fillRef>
+            <a:effectRef idx="0">
+              <a:schemeClr val="accent1"/>
+            </a:effectRef>
+            <a:fontRef idx="minor">
+              <a:schemeClr val="lt1"/>
+            </a:fontRef>
+          </p:style>
+          <p:txBody>
+            <a:bodyPr rtlCol="0" anchor="ctr"/>
+            <a:lstStyle/>
+            <a:p>
+              <a:pPr algn="ctr"/>
+              <a:endParaRPr lang="en-US"/>
+            </a:p>
+          </p:txBody>
+        </p:sp>
+        <p:sp>
+          <p:nvSpPr>
+            <p:cNvPr id="15" name="Rectangle 59">
+              <a:extLst>
+                <a:ext uri="{FF2B5EF4-FFF2-40B4-BE49-F238E27FC236}">
+                  <a16:creationId xmlns:a16="http://schemas.microsoft.com/office/drawing/2014/main" id="{47AEB9AE-7E63-42CA-A3E5-F8EF7D8CA0B1}"/>
+                </a:ext>
+                <a:ext uri="{C183D7F6-B498-43B3-948B-1728B52AA6E4}">
+                  <adec:decorative xmlns:adec="http://schemas.microsoft.com/office/drawing/2017/decorative" val="1"/>
+                </a:ext>
+              </a:extLst>
+            </p:cNvPr>
+            <p:cNvSpPr/>
+            <p:nvPr>
+              <p:extLst>
+                <p:ext uri="{386F3935-93C4-4BCD-93E2-E3B085C9AB24}">
+                  <p16:designElem xmlns:p16="http://schemas.microsoft.com/office/powerpoint/2015/main" val="1"/>
+                </p:ext>
+              </p:extLst>
+            </p:nvPr>
+          </p:nvSpPr>
+          <p:spPr>
+            <a:xfrm rot="5400000">
+              <a:off x="54864" y="3331247"/>
+              <a:ext cx="61834" cy="59227"/>
+            </a:xfrm>
+            <a:prstGeom prst="ellipse">
+              <a:avLst/>
+            </a:prstGeom>
+            <a:solidFill>
+              <a:schemeClr val="accent1"/>
+            </a:solidFill>
+            <a:ln>
+              <a:noFill/>
+            </a:ln>
+          </p:spPr>
+          <p:style>
+            <a:lnRef idx="2">
+              <a:schemeClr val="accent1">
+                <a:shade val="50000"/>
+              </a:schemeClr>
+            </a:lnRef>
+            <a:fillRef idx="1">
+              <a:schemeClr val="accent1"/>
+            </a:fillRef>
+            <a:effectRef idx="0">
+              <a:schemeClr val="accent1"/>
+            </a:effectRef>
+            <a:fontRef idx="minor">
+              <a:schemeClr val="lt1"/>
+            </a:fontRef>
+          </p:style>
+          <p:txBody>
+            <a:bodyPr rtlCol="0" anchor="ctr"/>
+            <a:lstStyle/>
+            <a:p>
+              <a:pPr algn="ctr"/>
+              <a:endParaRPr lang="en-US"/>
+            </a:p>
+          </p:txBody>
+        </p:sp>
+        <p:sp>
+          <p:nvSpPr>
+            <p:cNvPr id="16" name="Rectangle 2">
+              <a:extLst>
+                <a:ext uri="{FF2B5EF4-FFF2-40B4-BE49-F238E27FC236}">
+                  <a16:creationId xmlns:a16="http://schemas.microsoft.com/office/drawing/2014/main" id="{076031FA-B93F-4A7D-AE66-85ADC613EBD8}"/>
+                </a:ext>
+                <a:ext uri="{C183D7F6-B498-43B3-948B-1728B52AA6E4}">
+                  <adec:decorative xmlns:adec="http://schemas.microsoft.com/office/drawing/2017/decorative" val="1"/>
+                </a:ext>
+              </a:extLst>
+            </p:cNvPr>
+            <p:cNvSpPr/>
+            <p:nvPr>
+              <p:extLst>
+                <p:ext uri="{386F3935-93C4-4BCD-93E2-E3B085C9AB24}">
+                  <p16:designElem xmlns:p16="http://schemas.microsoft.com/office/powerpoint/2015/main" val="1"/>
+                </p:ext>
+              </p:extLst>
+            </p:nvPr>
+          </p:nvSpPr>
+          <p:spPr>
+            <a:xfrm rot="5400000">
+              <a:off x="237744" y="3189133"/>
+              <a:ext cx="61834" cy="59227"/>
+            </a:xfrm>
+            <a:prstGeom prst="ellipse">
+              <a:avLst/>
+            </a:prstGeom>
+            <a:solidFill>
+              <a:schemeClr val="accent1"/>
+            </a:solidFill>
+            <a:ln>
+              <a:noFill/>
+            </a:ln>
+          </p:spPr>
+          <p:style>
+            <a:lnRef idx="2">
+              <a:schemeClr val="accent1">
+                <a:shade val="50000"/>
+              </a:schemeClr>
+            </a:lnRef>
+            <a:fillRef idx="1">
+              <a:schemeClr val="accent1"/>
+            </a:fillRef>
+            <a:effectRef idx="0">
+              <a:schemeClr val="accent1"/>
+            </a:effectRef>
+            <a:fontRef idx="minor">
+              <a:schemeClr val="lt1"/>
+            </a:fontRef>
+          </p:style>
+          <p:txBody>
+            <a:bodyPr rtlCol="0" anchor="ctr"/>
+            <a:lstStyle/>
+            <a:p>
+              <a:pPr algn="ctr"/>
+              <a:endParaRPr lang="en-US"/>
+            </a:p>
+          </p:txBody>
+        </p:sp>
+        <p:sp>
+          <p:nvSpPr>
+            <p:cNvPr id="17" name="Rectangle 59">
+              <a:extLst>
+                <a:ext uri="{FF2B5EF4-FFF2-40B4-BE49-F238E27FC236}">
+                  <a16:creationId xmlns:a16="http://schemas.microsoft.com/office/drawing/2014/main" id="{0C1FC8D1-E08A-4B12-A48F-BF225E5B0A23}"/>
+                </a:ext>
+                <a:ext uri="{C183D7F6-B498-43B3-948B-1728B52AA6E4}">
+                  <adec:decorative xmlns:adec="http://schemas.microsoft.com/office/drawing/2017/decorative" val="1"/>
+                </a:ext>
+              </a:extLst>
+            </p:cNvPr>
+            <p:cNvSpPr/>
+            <p:nvPr>
+              <p:extLst>
+                <p:ext uri="{386F3935-93C4-4BCD-93E2-E3B085C9AB24}">
+                  <p16:designElem xmlns:p16="http://schemas.microsoft.com/office/powerpoint/2015/main" val="1"/>
+                </p:ext>
+              </p:extLst>
+            </p:nvPr>
+          </p:nvSpPr>
+          <p:spPr>
+            <a:xfrm rot="5400000">
+              <a:off x="54864" y="3189133"/>
+              <a:ext cx="61834" cy="59227"/>
+            </a:xfrm>
+            <a:prstGeom prst="ellipse">
+              <a:avLst/>
+            </a:prstGeom>
+            <a:solidFill>
+              <a:schemeClr val="accent1"/>
+            </a:solidFill>
+            <a:ln>
+              <a:noFill/>
+            </a:ln>
+          </p:spPr>
+          <p:style>
+            <a:lnRef idx="2">
+              <a:schemeClr val="accent1">
+                <a:shade val="50000"/>
+              </a:schemeClr>
+            </a:lnRef>
+            <a:fillRef idx="1">
+              <a:schemeClr val="accent1"/>
+            </a:fillRef>
+            <a:effectRef idx="0">
+              <a:schemeClr val="accent1"/>
+            </a:effectRef>
+            <a:fontRef idx="minor">
+              <a:schemeClr val="lt1"/>
+            </a:fontRef>
+          </p:style>
+          <p:txBody>
+            <a:bodyPr rtlCol="0" anchor="ctr"/>
+            <a:lstStyle/>
+            <a:p>
+              <a:pPr algn="ctr"/>
+              <a:endParaRPr lang="en-US"/>
+            </a:p>
+          </p:txBody>
+        </p:sp>
+        <p:sp>
+          <p:nvSpPr>
+            <p:cNvPr id="18" name="Rectangle 2">
+              <a:extLst>
+                <a:ext uri="{FF2B5EF4-FFF2-40B4-BE49-F238E27FC236}">
+                  <a16:creationId xmlns:a16="http://schemas.microsoft.com/office/drawing/2014/main" id="{F62D5F69-2C82-4007-8EF0-EBC9C2350129}"/>
+                </a:ext>
+                <a:ext uri="{C183D7F6-B498-43B3-948B-1728B52AA6E4}">
+                  <adec:decorative xmlns:adec="http://schemas.microsoft.com/office/drawing/2017/decorative" val="1"/>
+                </a:ext>
+              </a:extLst>
+            </p:cNvPr>
+            <p:cNvSpPr/>
+            <p:nvPr>
+              <p:extLst>
+                <p:ext uri="{386F3935-93C4-4BCD-93E2-E3B085C9AB24}">
+                  <p16:designElem xmlns:p16="http://schemas.microsoft.com/office/powerpoint/2015/main" val="1"/>
+                </p:ext>
+              </p:extLst>
+            </p:nvPr>
+          </p:nvSpPr>
+          <p:spPr>
+            <a:xfrm rot="5400000">
+              <a:off x="237744" y="3047019"/>
+              <a:ext cx="61834" cy="59227"/>
+            </a:xfrm>
+            <a:prstGeom prst="ellipse">
+              <a:avLst/>
+            </a:prstGeom>
+            <a:solidFill>
+              <a:schemeClr val="accent1"/>
+            </a:solidFill>
+            <a:ln>
+              <a:noFill/>
+            </a:ln>
+          </p:spPr>
+          <p:style>
+            <a:lnRef idx="2">
+              <a:schemeClr val="accent1">
+                <a:shade val="50000"/>
+              </a:schemeClr>
+            </a:lnRef>
+            <a:fillRef idx="1">
+              <a:schemeClr val="accent1"/>
+            </a:fillRef>
+            <a:effectRef idx="0">
+              <a:schemeClr val="accent1"/>
+            </a:effectRef>
+            <a:fontRef idx="minor">
+              <a:schemeClr val="lt1"/>
+            </a:fontRef>
+          </p:style>
+          <p:txBody>
+            <a:bodyPr rtlCol="0" anchor="ctr"/>
+            <a:lstStyle/>
+            <a:p>
+              <a:pPr algn="ctr"/>
+              <a:endParaRPr lang="en-US"/>
+            </a:p>
+          </p:txBody>
+        </p:sp>
+        <p:sp>
+          <p:nvSpPr>
+            <p:cNvPr id="19" name="Rectangle 59">
+              <a:extLst>
+                <a:ext uri="{FF2B5EF4-FFF2-40B4-BE49-F238E27FC236}">
+                  <a16:creationId xmlns:a16="http://schemas.microsoft.com/office/drawing/2014/main" id="{677FAED6-5057-4B80-B1CF-196DC022B79E}"/>
+                </a:ext>
+                <a:ext uri="{C183D7F6-B498-43B3-948B-1728B52AA6E4}">
+                  <adec:decorative xmlns:adec="http://schemas.microsoft.com/office/drawing/2017/decorative" val="1"/>
+                </a:ext>
+              </a:extLst>
+            </p:cNvPr>
+            <p:cNvSpPr/>
+            <p:nvPr>
+              <p:extLst>
+                <p:ext uri="{386F3935-93C4-4BCD-93E2-E3B085C9AB24}">
+                  <p16:designElem xmlns:p16="http://schemas.microsoft.com/office/powerpoint/2015/main" val="1"/>
+                </p:ext>
+              </p:extLst>
+            </p:nvPr>
+          </p:nvSpPr>
+          <p:spPr>
+            <a:xfrm rot="5400000">
+              <a:off x="54864" y="3047019"/>
+              <a:ext cx="61834" cy="59227"/>
+            </a:xfrm>
+            <a:prstGeom prst="ellipse">
+              <a:avLst/>
+            </a:prstGeom>
+            <a:solidFill>
+              <a:schemeClr val="accent1"/>
+            </a:solidFill>
+            <a:ln>
+              <a:noFill/>
+            </a:ln>
+          </p:spPr>
+          <p:style>
+            <a:lnRef idx="2">
+              <a:schemeClr val="accent1">
+                <a:shade val="50000"/>
+              </a:schemeClr>
+            </a:lnRef>
+            <a:fillRef idx="1">
+              <a:schemeClr val="accent1"/>
+            </a:fillRef>
+            <a:effectRef idx="0">
+              <a:schemeClr val="accent1"/>
+            </a:effectRef>
+            <a:fontRef idx="minor">
+              <a:schemeClr val="lt1"/>
+            </a:fontRef>
+          </p:style>
+          <p:txBody>
+            <a:bodyPr rtlCol="0" anchor="ctr"/>
+            <a:lstStyle/>
+            <a:p>
+              <a:pPr algn="ctr"/>
+              <a:endParaRPr lang="en-US"/>
+            </a:p>
+          </p:txBody>
+        </p:sp>
+        <p:sp>
+          <p:nvSpPr>
+            <p:cNvPr id="20" name="Rectangle 2">
+              <a:extLst>
+                <a:ext uri="{FF2B5EF4-FFF2-40B4-BE49-F238E27FC236}">
+                  <a16:creationId xmlns:a16="http://schemas.microsoft.com/office/drawing/2014/main" id="{CE77C39F-572F-4435-85B4-9E9A35CFE25F}"/>
+                </a:ext>
+                <a:ext uri="{C183D7F6-B498-43B3-948B-1728B52AA6E4}">
+                  <adec:decorative xmlns:adec="http://schemas.microsoft.com/office/drawing/2017/decorative" val="1"/>
+                </a:ext>
+              </a:extLst>
+            </p:cNvPr>
+            <p:cNvSpPr/>
+            <p:nvPr>
+              <p:extLst>
+                <p:ext uri="{386F3935-93C4-4BCD-93E2-E3B085C9AB24}">
+                  <p16:designElem xmlns:p16="http://schemas.microsoft.com/office/powerpoint/2015/main" val="1"/>
+                </p:ext>
+              </p:extLst>
+            </p:nvPr>
+          </p:nvSpPr>
+          <p:spPr>
+            <a:xfrm rot="5400000">
+              <a:off x="237744" y="2904905"/>
+              <a:ext cx="61834" cy="59227"/>
+            </a:xfrm>
+            <a:prstGeom prst="ellipse">
+              <a:avLst/>
+            </a:prstGeom>
+            <a:solidFill>
+              <a:schemeClr val="accent1"/>
+            </a:solidFill>
+            <a:ln>
+              <a:noFill/>
+            </a:ln>
+          </p:spPr>
+          <p:style>
+            <a:lnRef idx="2">
+              <a:schemeClr val="accent1">
+                <a:shade val="50000"/>
+              </a:schemeClr>
+            </a:lnRef>
+            <a:fillRef idx="1">
+              <a:schemeClr val="accent1"/>
+            </a:fillRef>
+            <a:effectRef idx="0">
+              <a:schemeClr val="accent1"/>
+            </a:effectRef>
+            <a:fontRef idx="minor">
+              <a:schemeClr val="lt1"/>
+            </a:fontRef>
+          </p:style>
+          <p:txBody>
+            <a:bodyPr rtlCol="0" anchor="ctr"/>
+            <a:lstStyle/>
+            <a:p>
+              <a:pPr algn="ctr"/>
+              <a:endParaRPr lang="en-US"/>
+            </a:p>
+          </p:txBody>
+        </p:sp>
+        <p:sp>
+          <p:nvSpPr>
+            <p:cNvPr id="21" name="Rectangle 59">
+              <a:extLst>
+                <a:ext uri="{FF2B5EF4-FFF2-40B4-BE49-F238E27FC236}">
+                  <a16:creationId xmlns:a16="http://schemas.microsoft.com/office/drawing/2014/main" id="{B3283BD4-0BC4-41D1-B09B-CBDC4292CDB2}"/>
+                </a:ext>
+                <a:ext uri="{C183D7F6-B498-43B3-948B-1728B52AA6E4}">
+                  <adec:decorative xmlns:adec="http://schemas.microsoft.com/office/drawing/2017/decorative" val="1"/>
+                </a:ext>
+              </a:extLst>
+            </p:cNvPr>
+            <p:cNvSpPr/>
+            <p:nvPr>
+              <p:extLst>
+                <p:ext uri="{386F3935-93C4-4BCD-93E2-E3B085C9AB24}">
+                  <p16:designElem xmlns:p16="http://schemas.microsoft.com/office/powerpoint/2015/main" val="1"/>
+                </p:ext>
+              </p:extLst>
+            </p:nvPr>
+          </p:nvSpPr>
+          <p:spPr>
+            <a:xfrm rot="5400000">
+              <a:off x="54864" y="2904905"/>
+              <a:ext cx="61834" cy="59227"/>
+            </a:xfrm>
+            <a:prstGeom prst="ellipse">
+              <a:avLst/>
+            </a:prstGeom>
+            <a:solidFill>
+              <a:schemeClr val="accent1"/>
+            </a:solidFill>
+            <a:ln>
+              <a:noFill/>
+            </a:ln>
+          </p:spPr>
+          <p:style>
+            <a:lnRef idx="2">
+              <a:schemeClr val="accent1">
+                <a:shade val="50000"/>
+              </a:schemeClr>
+            </a:lnRef>
+            <a:fillRef idx="1">
+              <a:schemeClr val="accent1"/>
+            </a:fillRef>
+            <a:effectRef idx="0">
+              <a:schemeClr val="accent1"/>
+            </a:effectRef>
+            <a:fontRef idx="minor">
+              <a:schemeClr val="lt1"/>
+            </a:fontRef>
+          </p:style>
+          <p:txBody>
+            <a:bodyPr rtlCol="0" anchor="ctr"/>
+            <a:lstStyle/>
+            <a:p>
+              <a:pPr algn="ctr"/>
+              <a:endParaRPr lang="en-US"/>
+            </a:p>
+          </p:txBody>
+        </p:sp>
+        <p:sp>
+          <p:nvSpPr>
+            <p:cNvPr id="22" name="Rectangle 2">
+              <a:extLst>
+                <a:ext uri="{FF2B5EF4-FFF2-40B4-BE49-F238E27FC236}">
+                  <a16:creationId xmlns:a16="http://schemas.microsoft.com/office/drawing/2014/main" id="{BA3E687B-951E-45B2-BEFE-4CBEB325FEAD}"/>
+                </a:ext>
+                <a:ext uri="{C183D7F6-B498-43B3-948B-1728B52AA6E4}">
+                  <adec:decorative xmlns:adec="http://schemas.microsoft.com/office/drawing/2017/decorative" val="1"/>
+                </a:ext>
+              </a:extLst>
+            </p:cNvPr>
+            <p:cNvSpPr/>
+            <p:nvPr>
+              <p:extLst>
+                <p:ext uri="{386F3935-93C4-4BCD-93E2-E3B085C9AB24}">
+                  <p16:designElem xmlns:p16="http://schemas.microsoft.com/office/powerpoint/2015/main" val="1"/>
+                </p:ext>
+              </p:extLst>
+            </p:nvPr>
+          </p:nvSpPr>
+          <p:spPr>
+            <a:xfrm rot="5400000">
+              <a:off x="237744" y="2762791"/>
+              <a:ext cx="61834" cy="59227"/>
+            </a:xfrm>
+            <a:prstGeom prst="ellipse">
+              <a:avLst/>
+            </a:prstGeom>
+            <a:solidFill>
+              <a:schemeClr val="accent1"/>
+            </a:solidFill>
+            <a:ln>
+              <a:noFill/>
+            </a:ln>
+          </p:spPr>
+          <p:style>
+            <a:lnRef idx="2">
+              <a:schemeClr val="accent1">
+                <a:shade val="50000"/>
+              </a:schemeClr>
+            </a:lnRef>
+            <a:fillRef idx="1">
+              <a:schemeClr val="accent1"/>
+            </a:fillRef>
+            <a:effectRef idx="0">
+              <a:schemeClr val="accent1"/>
+            </a:effectRef>
+            <a:fontRef idx="minor">
+              <a:schemeClr val="lt1"/>
+            </a:fontRef>
+          </p:style>
+          <p:txBody>
+            <a:bodyPr rtlCol="0" anchor="ctr"/>
+            <a:lstStyle/>
+            <a:p>
+              <a:pPr algn="ctr"/>
+              <a:endParaRPr lang="en-US"/>
+            </a:p>
+          </p:txBody>
+        </p:sp>
+        <p:sp>
+          <p:nvSpPr>
+            <p:cNvPr id="23" name="Rectangle 59">
+              <a:extLst>
+                <a:ext uri="{FF2B5EF4-FFF2-40B4-BE49-F238E27FC236}">
+                  <a16:creationId xmlns:a16="http://schemas.microsoft.com/office/drawing/2014/main" id="{A49870CA-6E02-4787-82A6-28C0CB6B81A1}"/>
+                </a:ext>
+                <a:ext uri="{C183D7F6-B498-43B3-948B-1728B52AA6E4}">
+                  <adec:decorative xmlns:adec="http://schemas.microsoft.com/office/drawing/2017/decorative" val="1"/>
+                </a:ext>
+              </a:extLst>
+            </p:cNvPr>
+            <p:cNvSpPr/>
+            <p:nvPr>
+              <p:extLst>
+                <p:ext uri="{386F3935-93C4-4BCD-93E2-E3B085C9AB24}">
+                  <p16:designElem xmlns:p16="http://schemas.microsoft.com/office/powerpoint/2015/main" val="1"/>
+                </p:ext>
+              </p:extLst>
+            </p:nvPr>
+          </p:nvSpPr>
+          <p:spPr>
+            <a:xfrm rot="5400000">
+              <a:off x="54864" y="2762791"/>
+              <a:ext cx="61834" cy="59227"/>
+            </a:xfrm>
+            <a:prstGeom prst="ellipse">
+              <a:avLst/>
+            </a:prstGeom>
+            <a:solidFill>
+              <a:schemeClr val="accent1"/>
+            </a:solidFill>
+            <a:ln>
+              <a:noFill/>
+            </a:ln>
+          </p:spPr>
+          <p:style>
+            <a:lnRef idx="2">
+              <a:schemeClr val="accent1">
+                <a:shade val="50000"/>
+              </a:schemeClr>
+            </a:lnRef>
+            <a:fillRef idx="1">
+              <a:schemeClr val="accent1"/>
+            </a:fillRef>
+            <a:effectRef idx="0">
+              <a:schemeClr val="accent1"/>
+            </a:effectRef>
+            <a:fontRef idx="minor">
+              <a:schemeClr val="lt1"/>
+            </a:fontRef>
+          </p:style>
+          <p:txBody>
+            <a:bodyPr rtlCol="0" anchor="ctr"/>
+            <a:lstStyle/>
+            <a:p>
+              <a:pPr algn="ctr"/>
+              <a:endParaRPr lang="en-US"/>
+            </a:p>
+          </p:txBody>
+        </p:sp>
+        <p:sp>
+          <p:nvSpPr>
+            <p:cNvPr id="24" name="Rectangle 2">
+              <a:extLst>
+                <a:ext uri="{FF2B5EF4-FFF2-40B4-BE49-F238E27FC236}">
+                  <a16:creationId xmlns:a16="http://schemas.microsoft.com/office/drawing/2014/main" id="{5639C028-DD6E-4E69-AE6E-1CC158EDC9B4}"/>
+                </a:ext>
+                <a:ext uri="{C183D7F6-B498-43B3-948B-1728B52AA6E4}">
+                  <adec:decorative xmlns:adec="http://schemas.microsoft.com/office/drawing/2017/decorative" val="1"/>
+                </a:ext>
+              </a:extLst>
+            </p:cNvPr>
+            <p:cNvSpPr/>
+            <p:nvPr>
+              <p:extLst>
+                <p:ext uri="{386F3935-93C4-4BCD-93E2-E3B085C9AB24}">
+                  <p16:designElem xmlns:p16="http://schemas.microsoft.com/office/powerpoint/2015/main" val="1"/>
+                </p:ext>
+              </p:extLst>
+            </p:nvPr>
+          </p:nvSpPr>
+          <p:spPr>
+            <a:xfrm rot="5400000">
+              <a:off x="237744" y="4041817"/>
+              <a:ext cx="61834" cy="59227"/>
+            </a:xfrm>
+            <a:prstGeom prst="ellipse">
+              <a:avLst/>
+            </a:prstGeom>
+            <a:solidFill>
+              <a:schemeClr val="accent1"/>
+            </a:solidFill>
+            <a:ln>
+              <a:noFill/>
+            </a:ln>
+          </p:spPr>
+          <p:style>
+            <a:lnRef idx="2">
+              <a:schemeClr val="accent1">
+                <a:shade val="50000"/>
+              </a:schemeClr>
+            </a:lnRef>
+            <a:fillRef idx="1">
+              <a:schemeClr val="accent1"/>
+            </a:fillRef>
+            <a:effectRef idx="0">
+              <a:schemeClr val="accent1"/>
+            </a:effectRef>
+            <a:fontRef idx="minor">
+              <a:schemeClr val="lt1"/>
+            </a:fontRef>
+          </p:style>
+          <p:txBody>
+            <a:bodyPr rtlCol="0" anchor="ctr"/>
+            <a:lstStyle/>
+            <a:p>
+              <a:pPr algn="ctr"/>
+              <a:endParaRPr lang="en-US"/>
+            </a:p>
+          </p:txBody>
+        </p:sp>
+        <p:sp>
+          <p:nvSpPr>
+            <p:cNvPr id="25" name="Rectangle 59">
+              <a:extLst>
+                <a:ext uri="{FF2B5EF4-FFF2-40B4-BE49-F238E27FC236}">
+                  <a16:creationId xmlns:a16="http://schemas.microsoft.com/office/drawing/2014/main" id="{B1CD1FE8-3027-45AA-AD53-5B131FB03DD8}"/>
+                </a:ext>
+                <a:ext uri="{C183D7F6-B498-43B3-948B-1728B52AA6E4}">
+                  <adec:decorative xmlns:adec="http://schemas.microsoft.com/office/drawing/2017/decorative" val="1"/>
+                </a:ext>
+              </a:extLst>
+            </p:cNvPr>
+            <p:cNvSpPr/>
+            <p:nvPr>
+              <p:extLst>
+                <p:ext uri="{386F3935-93C4-4BCD-93E2-E3B085C9AB24}">
+                  <p16:designElem xmlns:p16="http://schemas.microsoft.com/office/powerpoint/2015/main" val="1"/>
+                </p:ext>
+              </p:extLst>
+            </p:nvPr>
+          </p:nvSpPr>
+          <p:spPr>
+            <a:xfrm rot="5400000">
+              <a:off x="54864" y="4041817"/>
+              <a:ext cx="61834" cy="59227"/>
+            </a:xfrm>
+            <a:prstGeom prst="ellipse">
+              <a:avLst/>
+            </a:prstGeom>
+            <a:solidFill>
+              <a:schemeClr val="accent1"/>
+            </a:solidFill>
+            <a:ln>
+              <a:noFill/>
+            </a:ln>
+          </p:spPr>
+          <p:style>
+            <a:lnRef idx="2">
+              <a:schemeClr val="accent1">
+                <a:shade val="50000"/>
+              </a:schemeClr>
+            </a:lnRef>
+            <a:fillRef idx="1">
+              <a:schemeClr val="accent1"/>
+            </a:fillRef>
+            <a:effectRef idx="0">
+              <a:schemeClr val="accent1"/>
+            </a:effectRef>
+            <a:fontRef idx="minor">
+              <a:schemeClr val="lt1"/>
+            </a:fontRef>
+          </p:style>
+          <p:txBody>
+            <a:bodyPr rtlCol="0" anchor="ctr"/>
+            <a:lstStyle/>
+            <a:p>
+              <a:pPr algn="ctr"/>
+              <a:endParaRPr lang="en-US"/>
+            </a:p>
+          </p:txBody>
+        </p:sp>
+        <p:sp>
+          <p:nvSpPr>
+            <p:cNvPr id="26" name="Rectangle 2">
+              <a:extLst>
+                <a:ext uri="{FF2B5EF4-FFF2-40B4-BE49-F238E27FC236}">
+                  <a16:creationId xmlns:a16="http://schemas.microsoft.com/office/drawing/2014/main" id="{1FD2B706-0BB9-4A30-9206-252E09AE0351}"/>
+                </a:ext>
+                <a:ext uri="{C183D7F6-B498-43B3-948B-1728B52AA6E4}">
+                  <adec:decorative xmlns:adec="http://schemas.microsoft.com/office/drawing/2017/decorative" val="1"/>
+                </a:ext>
+              </a:extLst>
+            </p:cNvPr>
+            <p:cNvSpPr/>
+            <p:nvPr>
+              <p:extLst>
+                <p:ext uri="{386F3935-93C4-4BCD-93E2-E3B085C9AB24}">
+                  <p16:designElem xmlns:p16="http://schemas.microsoft.com/office/powerpoint/2015/main" val="1"/>
+                </p:ext>
+              </p:extLst>
+            </p:nvPr>
+          </p:nvSpPr>
+          <p:spPr>
+            <a:xfrm rot="5400000">
+              <a:off x="237744" y="3899703"/>
+              <a:ext cx="61834" cy="59227"/>
+            </a:xfrm>
+            <a:prstGeom prst="ellipse">
+              <a:avLst/>
+            </a:prstGeom>
+            <a:solidFill>
+              <a:schemeClr val="accent1"/>
+            </a:solidFill>
+            <a:ln>
+              <a:noFill/>
+            </a:ln>
+          </p:spPr>
+          <p:style>
+            <a:lnRef idx="2">
+              <a:schemeClr val="accent1">
+                <a:shade val="50000"/>
+              </a:schemeClr>
+            </a:lnRef>
+            <a:fillRef idx="1">
+              <a:schemeClr val="accent1"/>
+            </a:fillRef>
+            <a:effectRef idx="0">
+              <a:schemeClr val="accent1"/>
+            </a:effectRef>
+            <a:fontRef idx="minor">
+              <a:schemeClr val="lt1"/>
+            </a:fontRef>
+          </p:style>
+          <p:txBody>
+            <a:bodyPr rtlCol="0" anchor="ctr"/>
+            <a:lstStyle/>
+            <a:p>
+              <a:pPr algn="ctr"/>
+              <a:endParaRPr lang="en-US"/>
+            </a:p>
+          </p:txBody>
+        </p:sp>
+        <p:sp>
+          <p:nvSpPr>
+            <p:cNvPr id="27" name="Rectangle 59">
+              <a:extLst>
+                <a:ext uri="{FF2B5EF4-FFF2-40B4-BE49-F238E27FC236}">
+                  <a16:creationId xmlns:a16="http://schemas.microsoft.com/office/drawing/2014/main" id="{D5783E13-BA0A-4F1E-A4F0-BFC9FF1035F4}"/>
+                </a:ext>
+                <a:ext uri="{C183D7F6-B498-43B3-948B-1728B52AA6E4}">
+                  <adec:decorative xmlns:adec="http://schemas.microsoft.com/office/drawing/2017/decorative" val="1"/>
+                </a:ext>
+              </a:extLst>
+            </p:cNvPr>
+            <p:cNvSpPr/>
+            <p:nvPr>
+              <p:extLst>
+                <p:ext uri="{386F3935-93C4-4BCD-93E2-E3B085C9AB24}">
+                  <p16:designElem xmlns:p16="http://schemas.microsoft.com/office/powerpoint/2015/main" val="1"/>
+                </p:ext>
+              </p:extLst>
+            </p:nvPr>
+          </p:nvSpPr>
+          <p:spPr>
+            <a:xfrm rot="5400000">
+              <a:off x="54864" y="3899703"/>
+              <a:ext cx="61834" cy="59227"/>
+            </a:xfrm>
+            <a:prstGeom prst="ellipse">
+              <a:avLst/>
+            </a:prstGeom>
+            <a:solidFill>
+              <a:schemeClr val="accent1"/>
+            </a:solidFill>
+            <a:ln>
+              <a:noFill/>
+            </a:ln>
+          </p:spPr>
+          <p:style>
+            <a:lnRef idx="2">
+              <a:schemeClr val="accent1">
+                <a:shade val="50000"/>
+              </a:schemeClr>
+            </a:lnRef>
+            <a:fillRef idx="1">
+              <a:schemeClr val="accent1"/>
+            </a:fillRef>
+            <a:effectRef idx="0">
+              <a:schemeClr val="accent1"/>
+            </a:effectRef>
+            <a:fontRef idx="minor">
+              <a:schemeClr val="lt1"/>
+            </a:fontRef>
+          </p:style>
+          <p:txBody>
+            <a:bodyPr rtlCol="0" anchor="ctr"/>
+            <a:lstStyle/>
+            <a:p>
+              <a:pPr algn="ctr"/>
+              <a:endParaRPr lang="en-US"/>
+            </a:p>
+          </p:txBody>
+        </p:sp>
+        <p:sp>
+          <p:nvSpPr>
+            <p:cNvPr id="28" name="Rectangle 2">
+              <a:extLst>
+                <a:ext uri="{FF2B5EF4-FFF2-40B4-BE49-F238E27FC236}">
+                  <a16:creationId xmlns:a16="http://schemas.microsoft.com/office/drawing/2014/main" id="{D0847D6C-8036-43A9-BA3E-D1E89288828B}"/>
+                </a:ext>
+                <a:ext uri="{C183D7F6-B498-43B3-948B-1728B52AA6E4}">
+                  <adec:decorative xmlns:adec="http://schemas.microsoft.com/office/drawing/2017/decorative" val="1"/>
+                </a:ext>
+              </a:extLst>
+            </p:cNvPr>
+            <p:cNvSpPr/>
+            <p:nvPr>
+              <p:extLst>
+                <p:ext uri="{386F3935-93C4-4BCD-93E2-E3B085C9AB24}">
+                  <p16:designElem xmlns:p16="http://schemas.microsoft.com/office/powerpoint/2015/main" val="1"/>
+                </p:ext>
+              </p:extLst>
+            </p:nvPr>
+          </p:nvSpPr>
+          <p:spPr>
+            <a:xfrm rot="5400000">
+              <a:off x="237744" y="3757589"/>
+              <a:ext cx="61834" cy="59227"/>
+            </a:xfrm>
+            <a:prstGeom prst="ellipse">
+              <a:avLst/>
+            </a:prstGeom>
+            <a:solidFill>
+              <a:schemeClr val="accent1"/>
+            </a:solidFill>
+            <a:ln>
+              <a:noFill/>
+            </a:ln>
+          </p:spPr>
+          <p:style>
+            <a:lnRef idx="2">
+              <a:schemeClr val="accent1">
+                <a:shade val="50000"/>
+              </a:schemeClr>
+            </a:lnRef>
+            <a:fillRef idx="1">
+              <a:schemeClr val="accent1"/>
+            </a:fillRef>
+            <a:effectRef idx="0">
+              <a:schemeClr val="accent1"/>
+            </a:effectRef>
+            <a:fontRef idx="minor">
+              <a:schemeClr val="lt1"/>
+            </a:fontRef>
+          </p:style>
+          <p:txBody>
+            <a:bodyPr rtlCol="0" anchor="ctr"/>
+            <a:lstStyle/>
+            <a:p>
+              <a:pPr algn="ctr"/>
+              <a:endParaRPr lang="en-US"/>
+            </a:p>
+          </p:txBody>
+        </p:sp>
+        <p:sp>
+          <p:nvSpPr>
+            <p:cNvPr id="29" name="Rectangle 59">
+              <a:extLst>
+                <a:ext uri="{FF2B5EF4-FFF2-40B4-BE49-F238E27FC236}">
+                  <a16:creationId xmlns:a16="http://schemas.microsoft.com/office/drawing/2014/main" id="{1D610CBF-7C35-498A-9BDD-A2954A7CAB68}"/>
+                </a:ext>
+                <a:ext uri="{C183D7F6-B498-43B3-948B-1728B52AA6E4}">
+                  <adec:decorative xmlns:adec="http://schemas.microsoft.com/office/drawing/2017/decorative" val="1"/>
+                </a:ext>
+              </a:extLst>
+            </p:cNvPr>
+            <p:cNvSpPr/>
+            <p:nvPr>
+              <p:extLst>
+                <p:ext uri="{386F3935-93C4-4BCD-93E2-E3B085C9AB24}">
+                  <p16:designElem xmlns:p16="http://schemas.microsoft.com/office/powerpoint/2015/main" val="1"/>
+                </p:ext>
+              </p:extLst>
+            </p:nvPr>
+          </p:nvSpPr>
+          <p:spPr>
+            <a:xfrm rot="5400000">
+              <a:off x="54864" y="3757589"/>
+              <a:ext cx="61834" cy="59227"/>
+            </a:xfrm>
+            <a:prstGeom prst="ellipse">
+              <a:avLst/>
+            </a:prstGeom>
+            <a:solidFill>
+              <a:schemeClr val="accent1"/>
+            </a:solidFill>
+            <a:ln>
+              <a:noFill/>
+            </a:ln>
+          </p:spPr>
+          <p:style>
+            <a:lnRef idx="2">
+              <a:schemeClr val="accent1">
+                <a:shade val="50000"/>
+              </a:schemeClr>
+            </a:lnRef>
+            <a:fillRef idx="1">
+              <a:schemeClr val="accent1"/>
+            </a:fillRef>
+            <a:effectRef idx="0">
+              <a:schemeClr val="accent1"/>
+            </a:effectRef>
+            <a:fontRef idx="minor">
+              <a:schemeClr val="lt1"/>
+            </a:fontRef>
+          </p:style>
+          <p:txBody>
+            <a:bodyPr rtlCol="0" anchor="ctr"/>
+            <a:lstStyle/>
+            <a:p>
+              <a:pPr algn="ctr"/>
+              <a:endParaRPr lang="en-US"/>
+            </a:p>
+          </p:txBody>
+        </p:sp>
+        <p:sp>
+          <p:nvSpPr>
+            <p:cNvPr id="30" name="Rectangle 2">
+              <a:extLst>
+                <a:ext uri="{FF2B5EF4-FFF2-40B4-BE49-F238E27FC236}">
+                  <a16:creationId xmlns:a16="http://schemas.microsoft.com/office/drawing/2014/main" id="{BCB60915-0422-4144-87E9-2289DBC045F1}"/>
+                </a:ext>
+                <a:ext uri="{C183D7F6-B498-43B3-948B-1728B52AA6E4}">
+                  <adec:decorative xmlns:adec="http://schemas.microsoft.com/office/drawing/2017/decorative" val="1"/>
+                </a:ext>
+              </a:extLst>
+            </p:cNvPr>
+            <p:cNvSpPr/>
+            <p:nvPr>
+              <p:extLst>
+                <p:ext uri="{386F3935-93C4-4BCD-93E2-E3B085C9AB24}">
+                  <p16:designElem xmlns:p16="http://schemas.microsoft.com/office/powerpoint/2015/main" val="1"/>
+                </p:ext>
+              </p:extLst>
+            </p:nvPr>
+          </p:nvSpPr>
+          <p:spPr>
+            <a:xfrm rot="5400000">
+              <a:off x="237744" y="3615475"/>
+              <a:ext cx="61834" cy="59227"/>
+            </a:xfrm>
+            <a:prstGeom prst="ellipse">
+              <a:avLst/>
+            </a:prstGeom>
+            <a:solidFill>
+              <a:schemeClr val="accent1"/>
+            </a:solidFill>
+            <a:ln>
+              <a:noFill/>
+            </a:ln>
+          </p:spPr>
+          <p:style>
+            <a:lnRef idx="2">
+              <a:schemeClr val="accent1">
+                <a:shade val="50000"/>
+              </a:schemeClr>
+            </a:lnRef>
+            <a:fillRef idx="1">
+              <a:schemeClr val="accent1"/>
+            </a:fillRef>
+            <a:effectRef idx="0">
+              <a:schemeClr val="accent1"/>
+            </a:effectRef>
+            <a:fontRef idx="minor">
+              <a:schemeClr val="lt1"/>
+            </a:fontRef>
+          </p:style>
+          <p:txBody>
+            <a:bodyPr rtlCol="0" anchor="ctr"/>
+            <a:lstStyle/>
+            <a:p>
+              <a:pPr algn="ctr"/>
+              <a:endParaRPr lang="en-US"/>
+            </a:p>
+          </p:txBody>
+        </p:sp>
+        <p:sp>
+          <p:nvSpPr>
+            <p:cNvPr id="31" name="Rectangle 59">
+              <a:extLst>
+                <a:ext uri="{FF2B5EF4-FFF2-40B4-BE49-F238E27FC236}">
+                  <a16:creationId xmlns:a16="http://schemas.microsoft.com/office/drawing/2014/main" id="{9D64F486-DA93-45CE-9075-4110C67F1094}"/>
+                </a:ext>
+                <a:ext uri="{C183D7F6-B498-43B3-948B-1728B52AA6E4}">
+                  <adec:decorative xmlns:adec="http://schemas.microsoft.com/office/drawing/2017/decorative" val="1"/>
+                </a:ext>
+              </a:extLst>
+            </p:cNvPr>
+            <p:cNvSpPr/>
+            <p:nvPr>
+              <p:extLst>
+                <p:ext uri="{386F3935-93C4-4BCD-93E2-E3B085C9AB24}">
+                  <p16:designElem xmlns:p16="http://schemas.microsoft.com/office/powerpoint/2015/main" val="1"/>
+                </p:ext>
+              </p:extLst>
+            </p:nvPr>
+          </p:nvSpPr>
+          <p:spPr>
+            <a:xfrm rot="5400000">
+              <a:off x="54864" y="3615475"/>
+              <a:ext cx="61834" cy="59227"/>
+            </a:xfrm>
+            <a:prstGeom prst="ellipse">
+              <a:avLst/>
+            </a:prstGeom>
+            <a:solidFill>
+              <a:schemeClr val="accent1"/>
+            </a:solidFill>
+            <a:ln>
+              <a:noFill/>
+            </a:ln>
+          </p:spPr>
+          <p:style>
+            <a:lnRef idx="2">
+              <a:schemeClr val="accent1">
+                <a:shade val="50000"/>
+              </a:schemeClr>
+            </a:lnRef>
+            <a:fillRef idx="1">
+              <a:schemeClr val="accent1"/>
+            </a:fillRef>
+            <a:effectRef idx="0">
+              <a:schemeClr val="accent1"/>
+            </a:effectRef>
+            <a:fontRef idx="minor">
+              <a:schemeClr val="lt1"/>
+            </a:fontRef>
+          </p:style>
+          <p:txBody>
+            <a:bodyPr rtlCol="0" anchor="ctr"/>
+            <a:lstStyle/>
+            <a:p>
+              <a:pPr algn="ctr"/>
+              <a:endParaRPr lang="en-US"/>
+            </a:p>
+          </p:txBody>
+        </p:sp>
+        <p:sp>
+          <p:nvSpPr>
+            <p:cNvPr id="32" name="Rectangle 2">
+              <a:extLst>
+                <a:ext uri="{FF2B5EF4-FFF2-40B4-BE49-F238E27FC236}">
+                  <a16:creationId xmlns:a16="http://schemas.microsoft.com/office/drawing/2014/main" id="{DA8356F6-E822-44E0-8A11-33E5A5432E7F}"/>
+                </a:ext>
+                <a:ext uri="{C183D7F6-B498-43B3-948B-1728B52AA6E4}">
+                  <adec:decorative xmlns:adec="http://schemas.microsoft.com/office/drawing/2017/decorative" val="1"/>
+                </a:ext>
+              </a:extLst>
+            </p:cNvPr>
+            <p:cNvSpPr/>
+            <p:nvPr>
+              <p:extLst>
+                <p:ext uri="{386F3935-93C4-4BCD-93E2-E3B085C9AB24}">
+                  <p16:designElem xmlns:p16="http://schemas.microsoft.com/office/powerpoint/2015/main" val="1"/>
+                </p:ext>
+              </p:extLst>
+            </p:nvPr>
+          </p:nvSpPr>
+          <p:spPr>
+            <a:xfrm rot="5400000">
+              <a:off x="237744" y="3473361"/>
+              <a:ext cx="61834" cy="59227"/>
+            </a:xfrm>
+            <a:prstGeom prst="ellipse">
+              <a:avLst/>
+            </a:prstGeom>
+            <a:solidFill>
+              <a:schemeClr val="accent1"/>
+            </a:solidFill>
+            <a:ln>
+              <a:noFill/>
+            </a:ln>
+          </p:spPr>
+          <p:style>
+            <a:lnRef idx="2">
+              <a:schemeClr val="accent1">
+                <a:shade val="50000"/>
+              </a:schemeClr>
+            </a:lnRef>
+            <a:fillRef idx="1">
+              <a:schemeClr val="accent1"/>
+            </a:fillRef>
+            <a:effectRef idx="0">
+              <a:schemeClr val="accent1"/>
+            </a:effectRef>
+            <a:fontRef idx="minor">
+              <a:schemeClr val="lt1"/>
+            </a:fontRef>
+          </p:style>
+          <p:txBody>
+            <a:bodyPr rtlCol="0" anchor="ctr"/>
+            <a:lstStyle/>
+            <a:p>
+              <a:pPr algn="ctr"/>
+              <a:endParaRPr lang="en-US"/>
+            </a:p>
+          </p:txBody>
+        </p:sp>
+        <p:sp>
+          <p:nvSpPr>
+            <p:cNvPr id="33" name="Rectangle 59">
+              <a:extLst>
+                <a:ext uri="{FF2B5EF4-FFF2-40B4-BE49-F238E27FC236}">
+                  <a16:creationId xmlns:a16="http://schemas.microsoft.com/office/drawing/2014/main" id="{C825C106-0BD3-41C1-8520-50F54BD6759E}"/>
+                </a:ext>
+                <a:ext uri="{C183D7F6-B498-43B3-948B-1728B52AA6E4}">
+                  <adec:decorative xmlns:adec="http://schemas.microsoft.com/office/drawing/2017/decorative" val="1"/>
+                </a:ext>
+              </a:extLst>
+            </p:cNvPr>
+            <p:cNvSpPr/>
+            <p:nvPr>
+              <p:extLst>
+                <p:ext uri="{386F3935-93C4-4BCD-93E2-E3B085C9AB24}">
+                  <p16:designElem xmlns:p16="http://schemas.microsoft.com/office/powerpoint/2015/main" val="1"/>
+                </p:ext>
+              </p:extLst>
+            </p:nvPr>
+          </p:nvSpPr>
+          <p:spPr>
+            <a:xfrm rot="5400000">
+              <a:off x="54864" y="3473361"/>
+              <a:ext cx="61834" cy="59227"/>
+            </a:xfrm>
+            <a:prstGeom prst="ellipse">
+              <a:avLst/>
+            </a:prstGeom>
+            <a:solidFill>
+              <a:schemeClr val="accent1"/>
+            </a:solidFill>
+            <a:ln>
+              <a:noFill/>
+            </a:ln>
+          </p:spPr>
+          <p:style>
+            <a:lnRef idx="2">
+              <a:schemeClr val="accent1">
+                <a:shade val="50000"/>
+              </a:schemeClr>
+            </a:lnRef>
+            <a:fillRef idx="1">
+              <a:schemeClr val="accent1"/>
+            </a:fillRef>
+            <a:effectRef idx="0">
+              <a:schemeClr val="accent1"/>
+            </a:effectRef>
+            <a:fontRef idx="minor">
+              <a:schemeClr val="lt1"/>
+            </a:fontRef>
+          </p:style>
+          <p:txBody>
+            <a:bodyPr rtlCol="0" anchor="ctr"/>
+            <a:lstStyle/>
+            <a:p>
+              <a:pPr algn="ctr"/>
+              <a:endParaRPr lang="en-US"/>
+            </a:p>
+          </p:txBody>
+        </p:sp>
+      </p:grpSp>
+      <p:sp>
+        <p:nvSpPr>
+          <p:cNvPr id="35" name="Rectangle 34">
+            <a:extLst>
+              <a:ext uri="{FF2B5EF4-FFF2-40B4-BE49-F238E27FC236}">
+                <a16:creationId xmlns:a16="http://schemas.microsoft.com/office/drawing/2014/main" id="{E3E51905-F374-4E1A-97CF-B741584B74D5}"/>
+              </a:ext>
+              <a:ext uri="{C183D7F6-B498-43B3-948B-1728B52AA6E4}">
+                <adec:decorative xmlns:adec="http://schemas.microsoft.com/office/drawing/2017/decorative" val="1"/>
+              </a:ext>
+            </a:extLst>
+          </p:cNvPr>
+          <p:cNvSpPr>
+            <a:spLocks noGrp="1" noRot="1" noChangeAspect="1" noMove="1" noResize="1" noEditPoints="1" noAdjustHandles="1" noChangeArrowheads="1" noChangeShapeType="1" noTextEdit="1"/>
+          </p:cNvSpPr>
+          <p:nvPr>
+            <p:extLst>
+              <p:ext uri="{386F3935-93C4-4BCD-93E2-E3B085C9AB24}">
+                <p16:designElem xmlns:p16="http://schemas.microsoft.com/office/powerpoint/2015/main" val="1"/>
+              </p:ext>
+            </p:extLst>
+          </p:nvPr>
+        </p:nvSpPr>
+        <p:spPr>
+          <a:xfrm>
+            <a:off x="0" y="6501384"/>
+            <a:ext cx="12192000" cy="356616"/>
+          </a:xfrm>
+          <a:prstGeom prst="rect">
+            <a:avLst/>
+          </a:prstGeom>
+          <a:solidFill>
+            <a:schemeClr val="tx1">
+              <a:lumMod val="85000"/>
+              <a:lumOff val="15000"/>
+            </a:schemeClr>
+          </a:solidFill>
+          <a:ln>
+            <a:noFill/>
+          </a:ln>
+        </p:spPr>
+        <p:style>
+          <a:lnRef idx="2">
+            <a:schemeClr val="accent1">
+              <a:shade val="50000"/>
+            </a:schemeClr>
+          </a:lnRef>
+          <a:fillRef idx="1">
+            <a:schemeClr val="accent1"/>
+          </a:fillRef>
+          <a:effectRef idx="0">
+            <a:schemeClr val="accent1"/>
+          </a:effectRef>
+          <a:fontRef idx="minor">
+            <a:schemeClr val="lt1"/>
+          </a:fontRef>
+        </p:style>
+        <p:txBody>
+          <a:bodyPr rtlCol="0" anchor="ctr"/>
+          <a:lstStyle/>
+          <a:p>
+            <a:pPr algn="ctr"/>
+            <a:endParaRPr lang="en-US"/>
+          </a:p>
+        </p:txBody>
+      </p:sp>
+      <p:graphicFrame>
+        <p:nvGraphicFramePr>
+          <p:cNvPr id="5" name="Content Placeholder 2">
+            <a:extLst>
+              <a:ext uri="{FF2B5EF4-FFF2-40B4-BE49-F238E27FC236}">
+                <a16:creationId xmlns:a16="http://schemas.microsoft.com/office/drawing/2014/main" id="{9376CE0A-3E1D-41E6-BDB6-2F4303B749D9}"/>
+              </a:ext>
+            </a:extLst>
+          </p:cNvPr>
+          <p:cNvGraphicFramePr>
+            <a:graphicFrameLocks noGrp="1"/>
+          </p:cNvGraphicFramePr>
+          <p:nvPr>
+            <p:ph idx="1"/>
+            <p:extLst>
+              <p:ext uri="{D42A27DB-BD31-4B8C-83A1-F6EECF244321}">
+                <p14:modId xmlns:p14="http://schemas.microsoft.com/office/powerpoint/2010/main" val="3127231151"/>
+              </p:ext>
+            </p:extLst>
+          </p:nvPr>
+        </p:nvGraphicFramePr>
+        <p:xfrm>
+          <a:off x="5614416" y="457200"/>
+          <a:ext cx="6117336" cy="5696712"/>
+        </p:xfrm>
+        <a:graphic>
+          <a:graphicData uri="http://schemas.openxmlformats.org/drawingml/2006/diagram">
+            <dgm:relIds xmlns:dgm="http://schemas.openxmlformats.org/drawingml/2006/diagram" xmlns:r="http://schemas.openxmlformats.org/officeDocument/2006/relationships" r:dm="rId2" r:lo="rId3" r:qs="rId4" r:cs="rId5"/>
+          </a:graphicData>
+        </a:graphic>
+      </p:graphicFrame>
+    </p:spTree>
+    <p:extLst>
+      <p:ext uri="{BB962C8B-B14F-4D97-AF65-F5344CB8AC3E}">
+        <p14:creationId xmlns:p14="http://schemas.microsoft.com/office/powerpoint/2010/main" val="2361845101"/>
+      </p:ext>
+    </p:extLst>
+  </p:cSld>
+  <p:clrMapOvr>
+    <a:masterClrMapping/>
+  </p:clrMapOvr>
+</p:sld>
+</file>
+
+<file path=ppt/slides/slide7.xml><?xml version="1.0" encoding="utf-8"?>
+<p:sld xmlns:a="http://schemas.openxmlformats.org/drawingml/2006/main" xmlns:r="http://schemas.openxmlformats.org/officeDocument/2006/relationships" xmlns:p="http://schemas.openxmlformats.org/presentationml/2006/main">
+  <p:cSld>
+    <p:bg>
+      <p:bgPr>
+        <a:solidFill>
+          <a:schemeClr val="bg1"/>
+        </a:solidFill>
+        <a:effectLst/>
+      </p:bgPr>
+    </p:bg>
+    <p:spTree>
+      <p:nvGrpSpPr>
+        <p:cNvPr id="1" name=""/>
+        <p:cNvGrpSpPr/>
+        <p:nvPr/>
+      </p:nvGrpSpPr>
+      <p:grpSpPr>
+        <a:xfrm>
+          <a:off x="0" y="0"/>
+          <a:ext cx="0" cy="0"/>
+          <a:chOff x="0" y="0"/>
+          <a:chExt cx="0" cy="0"/>
+        </a:xfrm>
+      </p:grpSpPr>
+      <p:sp useBgFill="1">
+        <p:nvSpPr>
+          <p:cNvPr id="8" name="Rectangle 7">
+            <a:extLst>
+              <a:ext uri="{FF2B5EF4-FFF2-40B4-BE49-F238E27FC236}">
+                <a16:creationId xmlns:a16="http://schemas.microsoft.com/office/drawing/2014/main" id="{DAF1966E-FD40-4A4A-B61B-C4DF7FA05F06}"/>
+              </a:ext>
+              <a:ext uri="{C183D7F6-B498-43B3-948B-1728B52AA6E4}">
+                <adec:decorative xmlns:adec="http://schemas.microsoft.com/office/drawing/2017/decorative" val="1"/>
+              </a:ext>
+            </a:extLst>
+          </p:cNvPr>
+          <p:cNvSpPr>
+            <a:spLocks noGrp="1" noRot="1" noChangeAspect="1" noMove="1" noResize="1" noEditPoints="1" noAdjustHandles="1" noChangeArrowheads="1" noChangeShapeType="1" noTextEdit="1"/>
+          </p:cNvSpPr>
+          <p:nvPr>
+            <p:extLst>
+              <p:ext uri="{386F3935-93C4-4BCD-93E2-E3B085C9AB24}">
+                <p16:designElem xmlns:p16="http://schemas.microsoft.com/office/powerpoint/2015/main" val="1"/>
+              </p:ext>
+            </p:extLst>
+          </p:nvPr>
+        </p:nvSpPr>
+        <p:spPr>
+          <a:xfrm>
+            <a:off x="0" y="0"/>
+            <a:ext cx="12192000" cy="6858000"/>
+          </a:xfrm>
+          <a:prstGeom prst="rect">
+            <a:avLst/>
+          </a:prstGeom>
+          <a:ln>
+            <a:noFill/>
+          </a:ln>
+        </p:spPr>
+        <p:style>
+          <a:lnRef idx="2">
+            <a:schemeClr val="accent1">
+              <a:shade val="50000"/>
+            </a:schemeClr>
+          </a:lnRef>
+          <a:fillRef idx="1">
+            <a:schemeClr val="accent1"/>
+          </a:fillRef>
+          <a:effectRef idx="0">
+            <a:schemeClr val="accent1"/>
+          </a:effectRef>
+          <a:fontRef idx="minor">
+            <a:schemeClr val="lt1"/>
+          </a:fontRef>
+        </p:style>
+        <p:txBody>
+          <a:bodyPr rtlCol="0" anchor="ctr"/>
+          <a:lstStyle/>
+          <a:p>
+            <a:pPr algn="ctr"/>
+            <a:endParaRPr lang="en-US"/>
+          </a:p>
+        </p:txBody>
+      </p:sp>
+      <p:sp useBgFill="1">
+        <p:nvSpPr>
+          <p:cNvPr id="10" name="Rectangle 9">
+            <a:extLst>
+              <a:ext uri="{FF2B5EF4-FFF2-40B4-BE49-F238E27FC236}">
+                <a16:creationId xmlns:a16="http://schemas.microsoft.com/office/drawing/2014/main" id="{047BFA19-D45E-416B-A404-7AF2F3F27017}"/>
+              </a:ext>
+              <a:ext uri="{C183D7F6-B498-43B3-948B-1728B52AA6E4}">
+                <adec:decorative xmlns:adec="http://schemas.microsoft.com/office/drawing/2017/decorative" val="1"/>
+              </a:ext>
+            </a:extLst>
+          </p:cNvPr>
+          <p:cNvSpPr>
+            <a:spLocks noGrp="1" noRot="1" noChangeAspect="1" noMove="1" noResize="1" noEditPoints="1" noAdjustHandles="1" noChangeArrowheads="1" noChangeShapeType="1" noTextEdit="1"/>
+          </p:cNvSpPr>
+          <p:nvPr>
+            <p:extLst>
+              <p:ext uri="{386F3935-93C4-4BCD-93E2-E3B085C9AB24}">
+                <p16:designElem xmlns:p16="http://schemas.microsoft.com/office/powerpoint/2015/main" val="1"/>
+              </p:ext>
+            </p:extLst>
+          </p:nvPr>
+        </p:nvSpPr>
+        <p:spPr>
+          <a:xfrm>
+            <a:off x="558209" y="0"/>
+            <a:ext cx="11167447" cy="2018806"/>
+          </a:xfrm>
+          <a:prstGeom prst="rect">
+            <a:avLst/>
+          </a:prstGeom>
+          <a:ln w="9525">
+            <a:solidFill>
+              <a:srgbClr val="E1E1E1"/>
+            </a:solidFill>
+          </a:ln>
+          <a:effectLst>
+            <a:outerShdw blurRad="50800" dist="38100" dir="2700000" algn="tl" rotWithShape="0">
+              <a:schemeClr val="bg1">
+                <a:lumMod val="85000"/>
+                <a:alpha val="50000"/>
+              </a:schemeClr>
+            </a:outerShdw>
+          </a:effectLst>
+        </p:spPr>
+        <p:style>
+          <a:lnRef idx="2">
+            <a:schemeClr val="accent1">
+              <a:shade val="50000"/>
+            </a:schemeClr>
+          </a:lnRef>
+          <a:fillRef idx="1">
+            <a:schemeClr val="accent1"/>
+          </a:fillRef>
+          <a:effectRef idx="0">
+            <a:schemeClr val="accent1"/>
+          </a:effectRef>
+          <a:fontRef idx="minor">
+            <a:schemeClr val="lt1"/>
+          </a:fontRef>
+        </p:style>
+        <p:txBody>
+          <a:bodyPr rtlCol="0" anchor="ctr"/>
+          <a:lstStyle/>
+          <a:p>
+            <a:pPr marL="0" marR="0" lvl="0" indent="0" algn="ctr" defTabSz="914400" rtl="0" eaLnBrk="1" fontAlgn="auto" latinLnBrk="0" hangingPunct="1">
+              <a:lnSpc>
+                <a:spcPct val="100000"/>
+              </a:lnSpc>
+              <a:spcBef>
+                <a:spcPts val="0"/>
+              </a:spcBef>
+              <a:spcAft>
+                <a:spcPts val="0"/>
+              </a:spcAft>
+              <a:buClrTx/>
+              <a:buSzTx/>
+              <a:buFontTx/>
+              <a:buNone/>
+              <a:tabLst/>
+              <a:defRPr/>
+            </a:pPr>
+            <a:endParaRPr kumimoji="0" lang="en-US" sz="1800" b="0" i="0" u="none" strike="noStrike" kern="1200" cap="none" spc="0" normalizeH="0" baseline="0" noProof="0">
+              <a:ln>
+                <a:noFill/>
+              </a:ln>
+              <a:solidFill>
+                <a:prstClr val="white"/>
+              </a:solidFill>
+              <a:effectLst/>
+              <a:uLnTx/>
+              <a:uFillTx/>
+              <a:latin typeface="Calibri" panose="020F0502020204030204"/>
+              <a:ea typeface="+mn-ea"/>
+              <a:cs typeface="+mn-cs"/>
+            </a:endParaRPr>
+          </a:p>
+        </p:txBody>
+      </p:sp>
+      <p:sp useBgFill="1">
+        <p:nvSpPr>
+          <p:cNvPr id="12" name="Rectangle 11">
+            <a:extLst>
+              <a:ext uri="{FF2B5EF4-FFF2-40B4-BE49-F238E27FC236}">
+                <a16:creationId xmlns:a16="http://schemas.microsoft.com/office/drawing/2014/main" id="{8E0105E7-23DB-4CF2-8258-FF47C7620F6E}"/>
+              </a:ext>
+              <a:ext uri="{C183D7F6-B498-43B3-948B-1728B52AA6E4}">
+                <adec:decorative xmlns:adec="http://schemas.microsoft.com/office/drawing/2017/decorative" val="1"/>
+              </a:ext>
+            </a:extLst>
+          </p:cNvPr>
+          <p:cNvSpPr>
+            <a:spLocks noGrp="1" noRot="1" noChangeAspect="1" noMove="1" noResize="1" noEditPoints="1" noAdjustHandles="1" noChangeArrowheads="1" noChangeShapeType="1" noTextEdit="1"/>
+          </p:cNvSpPr>
+          <p:nvPr>
+            <p:extLst>
+              <p:ext uri="{386F3935-93C4-4BCD-93E2-E3B085C9AB24}">
+                <p16:designElem xmlns:p16="http://schemas.microsoft.com/office/powerpoint/2015/main" val="1"/>
+              </p:ext>
+            </p:extLst>
+          </p:nvPr>
+        </p:nvSpPr>
+        <p:spPr>
+          <a:xfrm>
+            <a:off x="566928" y="0"/>
+            <a:ext cx="11155680" cy="2011680"/>
+          </a:xfrm>
+          <a:prstGeom prst="rect">
+            <a:avLst/>
+          </a:prstGeom>
+          <a:ln w="9525">
+            <a:noFill/>
+          </a:ln>
+          <a:effectLst/>
+        </p:spPr>
+        <p:style>
+          <a:lnRef idx="2">
+            <a:schemeClr val="accent1">
+              <a:shade val="50000"/>
+            </a:schemeClr>
+          </a:lnRef>
+          <a:fillRef idx="1">
+            <a:schemeClr val="accent1"/>
+          </a:fillRef>
+          <a:effectRef idx="0">
+            <a:schemeClr val="accent1"/>
+          </a:effectRef>
+          <a:fontRef idx="minor">
+            <a:schemeClr val="lt1"/>
+          </a:fontRef>
+        </p:style>
+        <p:txBody>
+          <a:bodyPr rtlCol="0" anchor="ctr"/>
+          <a:lstStyle/>
+          <a:p>
+            <a:pPr marL="0" marR="0" lvl="0" indent="0" algn="ctr" defTabSz="914400" rtl="0" eaLnBrk="1" fontAlgn="auto" latinLnBrk="0" hangingPunct="1">
+              <a:lnSpc>
+                <a:spcPct val="100000"/>
+              </a:lnSpc>
+              <a:spcBef>
+                <a:spcPts val="0"/>
+              </a:spcBef>
+              <a:spcAft>
+                <a:spcPts val="0"/>
+              </a:spcAft>
+              <a:buClrTx/>
+              <a:buSzTx/>
+              <a:buFontTx/>
+              <a:buNone/>
+              <a:tabLst/>
+              <a:defRPr/>
+            </a:pPr>
+            <a:endParaRPr kumimoji="0" lang="en-US" sz="1800" b="0" i="0" u="none" strike="noStrike" kern="1200" cap="none" spc="0" normalizeH="0" baseline="0" noProof="0">
+              <a:ln>
+                <a:noFill/>
+              </a:ln>
+              <a:solidFill>
+                <a:prstClr val="white"/>
+              </a:solidFill>
+              <a:effectLst/>
+              <a:uLnTx/>
+              <a:uFillTx/>
+              <a:latin typeface="Calibri" panose="020F0502020204030204"/>
+              <a:ea typeface="+mn-ea"/>
+              <a:cs typeface="+mn-cs"/>
+            </a:endParaRPr>
+          </a:p>
+        </p:txBody>
+      </p:sp>
+      <p:sp>
+        <p:nvSpPr>
+          <p:cNvPr id="2" name="Title 1">
+            <a:extLst>
+              <a:ext uri="{FF2B5EF4-FFF2-40B4-BE49-F238E27FC236}">
+                <a16:creationId xmlns:a16="http://schemas.microsoft.com/office/drawing/2014/main" id="{6B19A87D-C8AE-432C-9B8E-34CD9CD70F82}"/>
+              </a:ext>
+            </a:extLst>
+          </p:cNvPr>
+          <p:cNvSpPr>
+            <a:spLocks noGrp="1"/>
+          </p:cNvSpPr>
+          <p:nvPr>
+            <p:ph type="title"/>
+          </p:nvPr>
+        </p:nvSpPr>
+        <p:spPr>
+          <a:xfrm>
+            <a:off x="1115568" y="548640"/>
+            <a:ext cx="10168128" cy="1179576"/>
+          </a:xfrm>
+        </p:spPr>
+        <p:txBody>
+          <a:bodyPr>
+            <a:normAutofit/>
+          </a:bodyPr>
+          <a:lstStyle/>
+          <a:p>
+            <a:r>
+              <a:rPr lang="en-US" sz="4000"/>
+              <a:t>Sources</a:t>
+            </a:r>
+          </a:p>
+        </p:txBody>
+      </p:sp>
+      <p:sp>
+        <p:nvSpPr>
+          <p:cNvPr id="14" name="Rectangle 13">
+            <a:extLst>
+              <a:ext uri="{FF2B5EF4-FFF2-40B4-BE49-F238E27FC236}">
+                <a16:creationId xmlns:a16="http://schemas.microsoft.com/office/drawing/2014/main" id="{074B4F7D-14B2-478B-8BF5-01E4E0C5D263}"/>
+              </a:ext>
+              <a:ext uri="{C183D7F6-B498-43B3-948B-1728B52AA6E4}">
+                <adec:decorative xmlns:adec="http://schemas.microsoft.com/office/drawing/2017/decorative" val="1"/>
+              </a:ext>
+            </a:extLst>
+          </p:cNvPr>
+          <p:cNvSpPr>
+            <a:spLocks noGrp="1" noRot="1" noChangeAspect="1" noMove="1" noResize="1" noEditPoints="1" noAdjustHandles="1" noChangeArrowheads="1" noChangeShapeType="1" noTextEdit="1"/>
+          </p:cNvSpPr>
+          <p:nvPr>
+            <p:extLst>
+              <p:ext uri="{386F3935-93C4-4BCD-93E2-E3B085C9AB24}">
+                <p16:designElem xmlns:p16="http://schemas.microsoft.com/office/powerpoint/2015/main" val="1"/>
+              </p:ext>
+            </p:extLst>
+          </p:nvPr>
+        </p:nvSpPr>
+        <p:spPr>
+          <a:xfrm>
+            <a:off x="498834" y="758952"/>
+            <a:ext cx="128016" cy="704088"/>
+          </a:xfrm>
+          <a:prstGeom prst="rect">
+            <a:avLst/>
+          </a:prstGeom>
+          <a:solidFill>
+            <a:schemeClr val="accent2"/>
+          </a:solidFill>
+          <a:ln>
+            <a:noFill/>
+          </a:ln>
+        </p:spPr>
+        <p:style>
+          <a:lnRef idx="2">
+            <a:schemeClr val="accent1">
+              <a:shade val="50000"/>
+            </a:schemeClr>
+          </a:lnRef>
+          <a:fillRef idx="1">
+            <a:schemeClr val="accent1"/>
+          </a:fillRef>
+          <a:effectRef idx="0">
+            <a:schemeClr val="accent1"/>
+          </a:effectRef>
+          <a:fontRef idx="minor">
+            <a:schemeClr val="lt1"/>
+          </a:fontRef>
+        </p:style>
+        <p:txBody>
+          <a:bodyPr rtlCol="0" anchor="ctr"/>
+          <a:lstStyle/>
+          <a:p>
+            <a:pPr algn="ctr"/>
+            <a:endParaRPr lang="en-US">
+              <a:solidFill>
+                <a:prstClr val="white"/>
+              </a:solidFill>
+              <a:latin typeface="Calibri" panose="020F0502020204030204"/>
+            </a:endParaRPr>
+          </a:p>
+        </p:txBody>
+      </p:sp>
+      <p:sp>
+        <p:nvSpPr>
+          <p:cNvPr id="3" name="Content Placeholder 2">
+            <a:extLst>
+              <a:ext uri="{FF2B5EF4-FFF2-40B4-BE49-F238E27FC236}">
+                <a16:creationId xmlns:a16="http://schemas.microsoft.com/office/drawing/2014/main" id="{9614003B-D58B-49CA-A4C0-6BDD334ECB08}"/>
+              </a:ext>
+            </a:extLst>
+          </p:cNvPr>
+          <p:cNvSpPr>
+            <a:spLocks noGrp="1"/>
+          </p:cNvSpPr>
+          <p:nvPr>
+            <p:ph idx="1"/>
+          </p:nvPr>
+        </p:nvSpPr>
+        <p:spPr>
+          <a:xfrm>
+            <a:off x="1115568" y="2481943"/>
+            <a:ext cx="10168128" cy="3695020"/>
+          </a:xfrm>
+        </p:spPr>
+        <p:txBody>
+          <a:bodyPr>
+            <a:normAutofit/>
+          </a:bodyPr>
           <a:lstStyle/>
           <a:p>
             <a:pPr marL="342900" indent="-342900">
               <a:buAutoNum type="arabicPeriod"/>
             </a:pPr>
             <a:r>
-              <a:rPr lang="en-US" sz="1800" dirty="0"/>
+              <a:rPr lang="en-US" sz="2200"/>
               <a:t>Ups and downs: Modeling the visual evolution of fashion trends with   one-class collaborative filtering </a:t>
             </a:r>
           </a:p>
@@ -3776,7 +10500,7 @@
               <a:buNone/>
             </a:pPr>
             <a:r>
-              <a:rPr lang="en-US" sz="1800" dirty="0"/>
+              <a:rPr lang="en-US" sz="2200"/>
               <a:t>      R. He, J. McAuley </a:t>
             </a:r>
           </a:p>
@@ -3785,7 +10509,7 @@
               <a:buNone/>
             </a:pPr>
             <a:r>
-              <a:rPr lang="en-US" sz="1800" dirty="0"/>
+              <a:rPr lang="en-US" sz="2200"/>
               <a:t>      WWW, 2016</a:t>
             </a:r>
           </a:p>
@@ -3794,7 +10518,7 @@
               <a:buNone/>
             </a:pPr>
             <a:r>
-              <a:rPr lang="en-US" sz="1800" dirty="0"/>
+              <a:rPr lang="en-US" sz="2200"/>
               <a:t>      mcauley.ucsd.edu/data/amazon/links.html</a:t>
             </a:r>
           </a:p>

--- a/yanick.anagho@divergence.one/Capstone Presentation_User Ratings - Products.pptx
+++ b/yanick.anagho@divergence.one/Capstone Presentation_User Ratings - Products.pptx
@@ -1097,7 +1097,7 @@
         <a:lstStyle/>
         <a:p>
           <a:r>
-            <a:rPr lang="en-US"/>
+            <a:rPr lang="en-US" dirty="0"/>
             <a:t>Narrow down to specific question(s) – possibly expand more attributes and reduce instances (columns and rows)</a:t>
           </a:r>
         </a:p>
@@ -1378,7 +1378,7 @@
       <dsp:spPr>
         <a:xfrm>
           <a:off x="0" y="695"/>
-          <a:ext cx="6117335" cy="1627234"/>
+          <a:ext cx="6414780" cy="1627234"/>
         </a:xfrm>
         <a:prstGeom prst="roundRect">
           <a:avLst>
@@ -1469,7 +1469,7 @@
       <dsp:spPr>
         <a:xfrm>
           <a:off x="1879455" y="695"/>
-          <a:ext cx="4237880" cy="1627234"/>
+          <a:ext cx="4535324" cy="1627234"/>
         </a:xfrm>
         <a:prstGeom prst="rect">
           <a:avLst/>
@@ -1518,7 +1518,7 @@
       </dsp:txBody>
       <dsp:txXfrm>
         <a:off x="1879455" y="695"/>
-        <a:ext cx="4237880" cy="1627234"/>
+        <a:ext cx="4535324" cy="1627234"/>
       </dsp:txXfrm>
     </dsp:sp>
     <dsp:sp modelId="{CCA322AA-03D0-437B-9316-EBF3CC588F60}">
@@ -1529,7 +1529,7 @@
       <dsp:spPr>
         <a:xfrm>
           <a:off x="0" y="2034738"/>
-          <a:ext cx="6117335" cy="1627234"/>
+          <a:ext cx="6414780" cy="1627234"/>
         </a:xfrm>
         <a:prstGeom prst="roundRect">
           <a:avLst>
@@ -1620,7 +1620,7 @@
       <dsp:spPr>
         <a:xfrm>
           <a:off x="1879455" y="2034738"/>
-          <a:ext cx="4237880" cy="1627234"/>
+          <a:ext cx="4535324" cy="1627234"/>
         </a:xfrm>
         <a:prstGeom prst="rect">
           <a:avLst/>
@@ -1662,14 +1662,14 @@
             <a:buNone/>
           </a:pPr>
           <a:r>
-            <a:rPr lang="en-US" sz="2200" kern="1200"/>
+            <a:rPr lang="en-US" sz="2200" kern="1200" dirty="0"/>
             <a:t>Narrow down to specific question(s) – possibly expand more attributes and reduce instances (columns and rows)</a:t>
           </a:r>
         </a:p>
       </dsp:txBody>
       <dsp:txXfrm>
         <a:off x="1879455" y="2034738"/>
-        <a:ext cx="4237880" cy="1627234"/>
+        <a:ext cx="4535324" cy="1627234"/>
       </dsp:txXfrm>
     </dsp:sp>
     <dsp:sp modelId="{514790DB-4D13-447C-BCD1-57ADE151ACB5}">
@@ -1680,7 +1680,7 @@
       <dsp:spPr>
         <a:xfrm>
           <a:off x="0" y="4068781"/>
-          <a:ext cx="6117335" cy="1627234"/>
+          <a:ext cx="6414780" cy="1627234"/>
         </a:xfrm>
         <a:prstGeom prst="roundRect">
           <a:avLst>
@@ -1771,7 +1771,7 @@
       <dsp:spPr>
         <a:xfrm>
           <a:off x="1879455" y="4068781"/>
-          <a:ext cx="4237880" cy="1627234"/>
+          <a:ext cx="4535324" cy="1627234"/>
         </a:xfrm>
         <a:prstGeom prst="rect">
           <a:avLst/>
@@ -1820,7 +1820,7 @@
       </dsp:txBody>
       <dsp:txXfrm>
         <a:off x="1879455" y="4068781"/>
-        <a:ext cx="4237880" cy="1627234"/>
+        <a:ext cx="4535324" cy="1627234"/>
       </dsp:txXfrm>
     </dsp:sp>
   </dsp:spTree>
@@ -3302,7 +3302,7 @@
           <a:p>
             <a:fld id="{18731994-CD9C-4CE4-BBC3-F63557CAFCAD}" type="datetimeFigureOut">
               <a:rPr lang="en-US" smtClean="0"/>
-              <a:t>6/11/2021</a:t>
+              <a:t>6/17/2021</a:t>
             </a:fld>
             <a:endParaRPr lang="en-US"/>
           </a:p>
@@ -3500,7 +3500,7 @@
           <a:p>
             <a:fld id="{18731994-CD9C-4CE4-BBC3-F63557CAFCAD}" type="datetimeFigureOut">
               <a:rPr lang="en-US" smtClean="0"/>
-              <a:t>6/11/2021</a:t>
+              <a:t>6/17/2021</a:t>
             </a:fld>
             <a:endParaRPr lang="en-US"/>
           </a:p>
@@ -3708,7 +3708,7 @@
           <a:p>
             <a:fld id="{18731994-CD9C-4CE4-BBC3-F63557CAFCAD}" type="datetimeFigureOut">
               <a:rPr lang="en-US" smtClean="0"/>
-              <a:t>6/11/2021</a:t>
+              <a:t>6/17/2021</a:t>
             </a:fld>
             <a:endParaRPr lang="en-US"/>
           </a:p>
@@ -3906,7 +3906,7 @@
           <a:p>
             <a:fld id="{18731994-CD9C-4CE4-BBC3-F63557CAFCAD}" type="datetimeFigureOut">
               <a:rPr lang="en-US" smtClean="0"/>
-              <a:t>6/11/2021</a:t>
+              <a:t>6/17/2021</a:t>
             </a:fld>
             <a:endParaRPr lang="en-US"/>
           </a:p>
@@ -4181,7 +4181,7 @@
           <a:p>
             <a:fld id="{18731994-CD9C-4CE4-BBC3-F63557CAFCAD}" type="datetimeFigureOut">
               <a:rPr lang="en-US" smtClean="0"/>
-              <a:t>6/11/2021</a:t>
+              <a:t>6/17/2021</a:t>
             </a:fld>
             <a:endParaRPr lang="en-US"/>
           </a:p>
@@ -4446,7 +4446,7 @@
           <a:p>
             <a:fld id="{18731994-CD9C-4CE4-BBC3-F63557CAFCAD}" type="datetimeFigureOut">
               <a:rPr lang="en-US" smtClean="0"/>
-              <a:t>6/11/2021</a:t>
+              <a:t>6/17/2021</a:t>
             </a:fld>
             <a:endParaRPr lang="en-US"/>
           </a:p>
@@ -4858,7 +4858,7 @@
           <a:p>
             <a:fld id="{18731994-CD9C-4CE4-BBC3-F63557CAFCAD}" type="datetimeFigureOut">
               <a:rPr lang="en-US" smtClean="0"/>
-              <a:t>6/11/2021</a:t>
+              <a:t>6/17/2021</a:t>
             </a:fld>
             <a:endParaRPr lang="en-US"/>
           </a:p>
@@ -4999,7 +4999,7 @@
           <a:p>
             <a:fld id="{18731994-CD9C-4CE4-BBC3-F63557CAFCAD}" type="datetimeFigureOut">
               <a:rPr lang="en-US" smtClean="0"/>
-              <a:t>6/11/2021</a:t>
+              <a:t>6/17/2021</a:t>
             </a:fld>
             <a:endParaRPr lang="en-US"/>
           </a:p>
@@ -5112,7 +5112,7 @@
           <a:p>
             <a:fld id="{18731994-CD9C-4CE4-BBC3-F63557CAFCAD}" type="datetimeFigureOut">
               <a:rPr lang="en-US" smtClean="0"/>
-              <a:t>6/11/2021</a:t>
+              <a:t>6/17/2021</a:t>
             </a:fld>
             <a:endParaRPr lang="en-US"/>
           </a:p>
@@ -5423,7 +5423,7 @@
           <a:p>
             <a:fld id="{18731994-CD9C-4CE4-BBC3-F63557CAFCAD}" type="datetimeFigureOut">
               <a:rPr lang="en-US" smtClean="0"/>
-              <a:t>6/11/2021</a:t>
+              <a:t>6/17/2021</a:t>
             </a:fld>
             <a:endParaRPr lang="en-US"/>
           </a:p>
@@ -5711,7 +5711,7 @@
           <a:p>
             <a:fld id="{18731994-CD9C-4CE4-BBC3-F63557CAFCAD}" type="datetimeFigureOut">
               <a:rPr lang="en-US" smtClean="0"/>
-              <a:t>6/11/2021</a:t>
+              <a:t>6/17/2021</a:t>
             </a:fld>
             <a:endParaRPr lang="en-US"/>
           </a:p>
@@ -5952,7 +5952,7 @@
           <a:p>
             <a:fld id="{18731994-CD9C-4CE4-BBC3-F63557CAFCAD}" type="datetimeFigureOut">
               <a:rPr lang="en-US" smtClean="0"/>
-              <a:t>6/11/2021</a:t>
+              <a:t>6/17/2021</a:t>
             </a:fld>
             <a:endParaRPr lang="en-US"/>
           </a:p>
@@ -6467,7 +6467,7 @@
           <a:p>
             <a:pPr algn="l"/>
             <a:r>
-              <a:rPr lang="en-US" sz="8000"/>
+              <a:rPr lang="en-US" sz="8000" dirty="0"/>
               <a:t>Yanick A. Anagho</a:t>
             </a:r>
           </a:p>
@@ -6503,15 +6503,15 @@
           <a:p>
             <a:pPr algn="l"/>
             <a:r>
-              <a:rPr lang="en-US" sz="2800"/>
-              <a:t>Data Science Captone</a:t>
+              <a:rPr lang="en-US" sz="2800" dirty="0"/>
+              <a:t>Data Science Immersive (DSI) Capstone Project – August 2021</a:t>
             </a:r>
           </a:p>
           <a:p>
             <a:pPr algn="l"/>
             <a:r>
-              <a:rPr lang="en-US" sz="2800" b="1" i="1"/>
-              <a:t>User Ratings of Products on Amazon</a:t>
+              <a:rPr lang="en-US" sz="2800" b="1" i="1" dirty="0"/>
+              <a:t>User Ratings of Beauty Products on Amazon</a:t>
             </a:r>
           </a:p>
         </p:txBody>
@@ -7314,50 +7314,49 @@
           <a:lstStyle/>
           <a:p>
             <a:r>
-              <a:rPr lang="en-US" sz="2000"/>
+              <a:rPr lang="en-US" sz="2000" dirty="0"/>
               <a:t>The dataset is a curated subset of data; user ratings of beauty products, from user reviews of products purchased on Amazon between 1996 and 2014.</a:t>
             </a:r>
           </a:p>
           <a:p>
             <a:r>
-              <a:rPr lang="en-US" sz="2000"/>
+              <a:rPr lang="en-US" sz="2000" dirty="0"/>
               <a:t>A CSV file obtained from; </a:t>
             </a:r>
             <a:r>
-              <a:rPr lang="en-US" sz="2000">
+              <a:rPr lang="en-US" sz="2000" dirty="0">
                 <a:hlinkClick r:id="rId2"/>
               </a:rPr>
               <a:t>https://code.datasciencedojo.com/datasciencedojo/datasets/tree/master/Amazon%20Product%20Reviews</a:t>
             </a:r>
             <a:r>
-              <a:rPr lang="en-US" sz="2000" baseline="30000">
+              <a:rPr lang="en-US" sz="2000" baseline="30000" dirty="0">
                 <a:hlinkClick r:id="rId2"/>
               </a:rPr>
               <a:t>1</a:t>
             </a:r>
-            <a:endParaRPr lang="en-US" sz="2000" baseline="30000"/>
+            <a:endParaRPr lang="en-US" sz="2000" baseline="30000" dirty="0"/>
           </a:p>
           <a:p>
             <a:r>
-              <a:rPr lang="en-US" sz="2000"/>
+              <a:rPr lang="en-US" sz="2000" dirty="0"/>
               <a:t>This dataset also include metadata that further provides information on the user rated products</a:t>
             </a:r>
           </a:p>
           <a:p>
             <a:r>
-              <a:rPr lang="en-US" sz="2000"/>
+              <a:rPr lang="en-US" sz="2000" dirty="0"/>
               <a:t>28 variables</a:t>
             </a:r>
           </a:p>
           <a:p>
             <a:r>
-              <a:rPr lang="en-US" sz="2000"/>
+              <a:rPr lang="en-US" sz="2000" dirty="0"/>
               <a:t>371345 observations</a:t>
             </a:r>
+          </a:p>
+          <a:p>
             <a:endParaRPr lang="en-US" sz="2000" dirty="0"/>
-          </a:p>
-          <a:p>
-            <a:endParaRPr lang="en-US" sz="2000"/>
           </a:p>
         </p:txBody>
       </p:sp>
@@ -8075,10 +8074,10 @@
       </p:grpSpPr>
       <p:sp useBgFill="1">
         <p:nvSpPr>
-          <p:cNvPr id="17" name="Rectangle 16">
+          <p:cNvPr id="40" name="Rectangle 39">
             <a:extLst>
               <a:ext uri="{FF2B5EF4-FFF2-40B4-BE49-F238E27FC236}">
-                <a16:creationId xmlns:a16="http://schemas.microsoft.com/office/drawing/2014/main" id="{DBC6133C-0615-4CE4-9132-37E609A9BDFA}"/>
+                <a16:creationId xmlns:a16="http://schemas.microsoft.com/office/drawing/2014/main" id="{1ECAB1E8-8195-4748-BE71-FF806D86892E}"/>
               </a:ext>
               <a:ext uri="{C183D7F6-B498-43B3-948B-1728B52AA6E4}">
                 <adec:decorative xmlns:adec="http://schemas.microsoft.com/office/drawing/2017/decorative" val="1"/>
@@ -8099,7 +8098,7 @@
         <p:spPr>
           <a:xfrm>
             <a:off x="0" y="0"/>
-            <a:ext cx="12191999" cy="6857365"/>
+            <a:ext cx="12192000" cy="6858000"/>
           </a:xfrm>
           <a:prstGeom prst="rect">
             <a:avLst/>
@@ -8133,47 +8132,12 @@
           </a:p>
         </p:txBody>
       </p:sp>
-      <p:sp>
+      <p:sp useBgFill="1">
         <p:nvSpPr>
-          <p:cNvPr id="2" name="Title 1">
+          <p:cNvPr id="42" name="!!text rectangle">
             <a:extLst>
               <a:ext uri="{FF2B5EF4-FFF2-40B4-BE49-F238E27FC236}">
-                <a16:creationId xmlns:a16="http://schemas.microsoft.com/office/drawing/2014/main" id="{E289961D-5C91-42EB-9FD1-C58556D450A9}"/>
-              </a:ext>
-            </a:extLst>
-          </p:cNvPr>
-          <p:cNvSpPr>
-            <a:spLocks noGrp="1"/>
-          </p:cNvSpPr>
-          <p:nvPr>
-            <p:ph type="title"/>
-          </p:nvPr>
-        </p:nvSpPr>
-        <p:spPr>
-          <a:xfrm>
-            <a:off x="645064" y="525982"/>
-            <a:ext cx="4282983" cy="1200361"/>
-          </a:xfrm>
-        </p:spPr>
-        <p:txBody>
-          <a:bodyPr anchor="b">
-            <a:normAutofit/>
-          </a:bodyPr>
-          <a:lstStyle/>
-          <a:p>
-            <a:r>
-              <a:rPr lang="en-US" sz="3600"/>
-              <a:t>Data Model</a:t>
-            </a:r>
-          </a:p>
-        </p:txBody>
-      </p:sp>
-      <p:sp>
-        <p:nvSpPr>
-          <p:cNvPr id="19" name="Rectangle 18">
-            <a:extLst>
-              <a:ext uri="{FF2B5EF4-FFF2-40B4-BE49-F238E27FC236}">
-                <a16:creationId xmlns:a16="http://schemas.microsoft.com/office/drawing/2014/main" id="{169CC832-2974-4E8D-90ED-3E2941BA7336}"/>
+                <a16:creationId xmlns:a16="http://schemas.microsoft.com/office/drawing/2014/main" id="{57F6BDD4-E066-4008-8011-6CC31AEB4556}"/>
               </a:ext>
               <a:ext uri="{C183D7F6-B498-43B3-948B-1728B52AA6E4}">
                 <adec:decorative xmlns:adec="http://schemas.microsoft.com/office/drawing/2017/decorative" val="1"/>
@@ -8192,15 +8156,149 @@
           </p:nvPr>
         </p:nvSpPr>
         <p:spPr>
-          <a:xfrm flipH="1">
-            <a:off x="616533" y="1944913"/>
-            <a:ext cx="4023360" cy="27432"/>
+          <a:xfrm>
+            <a:off x="409575" y="633619"/>
+            <a:ext cx="4279383" cy="5495925"/>
+          </a:xfrm>
+          <a:prstGeom prst="rect">
+            <a:avLst/>
+          </a:prstGeom>
+          <a:ln w="9525">
+            <a:solidFill>
+              <a:srgbClr val="E1E1E1"/>
+            </a:solidFill>
+          </a:ln>
+          <a:effectLst>
+            <a:outerShdw blurRad="50800" dist="38100" dir="2700000" algn="tl" rotWithShape="0">
+              <a:schemeClr val="bg1">
+                <a:lumMod val="85000"/>
+                <a:alpha val="50000"/>
+              </a:schemeClr>
+            </a:outerShdw>
+          </a:effectLst>
+        </p:spPr>
+        <p:style>
+          <a:lnRef idx="2">
+            <a:schemeClr val="accent1">
+              <a:shade val="50000"/>
+            </a:schemeClr>
+          </a:lnRef>
+          <a:fillRef idx="1">
+            <a:schemeClr val="accent1"/>
+          </a:fillRef>
+          <a:effectRef idx="0">
+            <a:schemeClr val="accent1"/>
+          </a:effectRef>
+          <a:fontRef idx="minor">
+            <a:schemeClr val="lt1"/>
+          </a:fontRef>
+        </p:style>
+        <p:txBody>
+          <a:bodyPr rtlCol="0" anchor="ctr"/>
+          <a:lstStyle/>
+          <a:p>
+            <a:pPr marL="0" marR="0" lvl="0" indent="0" algn="ctr" defTabSz="914400" rtl="0" eaLnBrk="1" fontAlgn="auto" latinLnBrk="0" hangingPunct="1">
+              <a:lnSpc>
+                <a:spcPct val="100000"/>
+              </a:lnSpc>
+              <a:spcBef>
+                <a:spcPts val="0"/>
+              </a:spcBef>
+              <a:spcAft>
+                <a:spcPts val="0"/>
+              </a:spcAft>
+              <a:buClrTx/>
+              <a:buSzTx/>
+              <a:buFontTx/>
+              <a:buNone/>
+              <a:tabLst/>
+              <a:defRPr/>
+            </a:pPr>
+            <a:endParaRPr kumimoji="0" lang="en-US" sz="1800" b="0" i="0" u="none" strike="noStrike" kern="1200" cap="none" spc="0" normalizeH="0" baseline="0" noProof="0">
+              <a:ln>
+                <a:noFill/>
+              </a:ln>
+              <a:solidFill>
+                <a:prstClr val="white"/>
+              </a:solidFill>
+              <a:effectLst/>
+              <a:uLnTx/>
+              <a:uFillTx/>
+              <a:latin typeface="Calibri" panose="020F0502020204030204"/>
+              <a:ea typeface="+mn-ea"/>
+              <a:cs typeface="+mn-cs"/>
+            </a:endParaRPr>
+          </a:p>
+        </p:txBody>
+      </p:sp>
+      <p:sp>
+        <p:nvSpPr>
+          <p:cNvPr id="2" name="Title 1">
+            <a:extLst>
+              <a:ext uri="{FF2B5EF4-FFF2-40B4-BE49-F238E27FC236}">
+                <a16:creationId xmlns:a16="http://schemas.microsoft.com/office/drawing/2014/main" id="{E289961D-5C91-42EB-9FD1-C58556D450A9}"/>
+              </a:ext>
+            </a:extLst>
+          </p:cNvPr>
+          <p:cNvSpPr>
+            <a:spLocks noGrp="1"/>
+          </p:cNvSpPr>
+          <p:nvPr>
+            <p:ph type="title"/>
+          </p:nvPr>
+        </p:nvSpPr>
+        <p:spPr>
+          <a:xfrm>
+            <a:off x="841247" y="978619"/>
+            <a:ext cx="3410712" cy="1106424"/>
+          </a:xfrm>
+        </p:spPr>
+        <p:txBody>
+          <a:bodyPr>
+            <a:normAutofit/>
+          </a:bodyPr>
+          <a:lstStyle/>
+          <a:p>
+            <a:r>
+              <a:rPr lang="en-US" sz="2800"/>
+              <a:t>Data Model</a:t>
+            </a:r>
+          </a:p>
+        </p:txBody>
+      </p:sp>
+      <p:sp>
+        <p:nvSpPr>
+          <p:cNvPr id="44" name="!!accent">
+            <a:extLst>
+              <a:ext uri="{FF2B5EF4-FFF2-40B4-BE49-F238E27FC236}">
+                <a16:creationId xmlns:a16="http://schemas.microsoft.com/office/drawing/2014/main" id="{2711A8FB-68FC-45FC-B01E-38F809E2D439}"/>
+              </a:ext>
+              <a:ext uri="{C183D7F6-B498-43B3-948B-1728B52AA6E4}">
+                <adec:decorative xmlns:adec="http://schemas.microsoft.com/office/drawing/2017/decorative" val="1"/>
+              </a:ext>
+            </a:extLst>
+          </p:cNvPr>
+          <p:cNvSpPr>
+            <a:spLocks noGrp="1" noRot="1" noChangeAspect="1" noMove="1" noResize="1" noEditPoints="1" noAdjustHandles="1" noChangeArrowheads="1" noChangeShapeType="1" noTextEdit="1"/>
+          </p:cNvSpPr>
+          <p:nvPr>
+            <p:extLst>
+              <p:ext uri="{386F3935-93C4-4BCD-93E2-E3B085C9AB24}">
+                <p16:designElem xmlns:p16="http://schemas.microsoft.com/office/powerpoint/2015/main" val="1"/>
+              </p:ext>
+            </p:extLst>
+          </p:nvPr>
+        </p:nvSpPr>
+        <p:spPr>
+          <a:xfrm>
+            <a:off x="345567" y="1170432"/>
+            <a:ext cx="128016" cy="704088"/>
           </a:xfrm>
           <a:prstGeom prst="rect">
             <a:avLst/>
           </a:prstGeom>
           <a:solidFill>
-            <a:schemeClr val="accent4"/>
+            <a:schemeClr val="accent2"/>
           </a:solidFill>
           <a:ln>
             <a:noFill/>
@@ -8227,75 +8325,21 @@
           <a:lstStyle/>
           <a:p>
             <a:pPr algn="ctr"/>
-            <a:endParaRPr lang="en-US"/>
+            <a:endParaRPr lang="en-US">
+              <a:solidFill>
+                <a:prstClr val="white"/>
+              </a:solidFill>
+              <a:latin typeface="Calibri" panose="020F0502020204030204"/>
+            </a:endParaRPr>
           </a:p>
         </p:txBody>
       </p:sp>
       <p:sp>
         <p:nvSpPr>
-          <p:cNvPr id="3" name="Content Placeholder 2">
+          <p:cNvPr id="46" name="Rectangle 45">
             <a:extLst>
               <a:ext uri="{FF2B5EF4-FFF2-40B4-BE49-F238E27FC236}">
-                <a16:creationId xmlns:a16="http://schemas.microsoft.com/office/drawing/2014/main" id="{4D595A2C-2449-4841-99B2-28D7A568F8AC}"/>
-              </a:ext>
-            </a:extLst>
-          </p:cNvPr>
-          <p:cNvSpPr>
-            <a:spLocks noGrp="1"/>
-          </p:cNvSpPr>
-          <p:nvPr>
-            <p:ph idx="1"/>
-          </p:nvPr>
-        </p:nvSpPr>
-        <p:spPr>
-          <a:xfrm>
-            <a:off x="645066" y="2031101"/>
-            <a:ext cx="4282984" cy="3511943"/>
-          </a:xfrm>
-        </p:spPr>
-        <p:txBody>
-          <a:bodyPr anchor="ctr">
-            <a:normAutofit/>
-          </a:bodyPr>
-          <a:lstStyle/>
-          <a:p>
-            <a:r>
-              <a:rPr lang="en-US" sz="1800"/>
-              <a:t>Modeled into 3 related entities:</a:t>
-            </a:r>
-          </a:p>
-          <a:p>
-            <a:pPr lvl="1"/>
-            <a:r>
-              <a:rPr lang="en-US" sz="1800"/>
-              <a:t>Ratings</a:t>
-            </a:r>
-          </a:p>
-          <a:p>
-            <a:pPr lvl="1"/>
-            <a:r>
-              <a:rPr lang="en-US" sz="1800"/>
-              <a:t>Product_Style</a:t>
-            </a:r>
-          </a:p>
-          <a:p>
-            <a:pPr lvl="1"/>
-            <a:r>
-              <a:rPr lang="en-US" sz="1800"/>
-              <a:t>Ratings_Details</a:t>
-            </a:r>
-          </a:p>
-          <a:p>
-            <a:endParaRPr lang="en-US" sz="1800"/>
-          </a:p>
-        </p:txBody>
-      </p:sp>
-      <p:sp>
-        <p:nvSpPr>
-          <p:cNvPr id="24" name="Rectangle 20">
-            <a:extLst>
-              <a:ext uri="{FF2B5EF4-FFF2-40B4-BE49-F238E27FC236}">
-                <a16:creationId xmlns:a16="http://schemas.microsoft.com/office/drawing/2014/main" id="{55222F96-971A-4F90-B841-6BAB416C7AC1}"/>
+                <a16:creationId xmlns:a16="http://schemas.microsoft.com/office/drawing/2014/main" id="{2A865FE3-5FC9-4049-87CF-30019C46C0F5}"/>
               </a:ext>
               <a:ext uri="{C183D7F6-B498-43B3-948B-1728B52AA6E4}">
                 <adec:decorative xmlns:adec="http://schemas.microsoft.com/office/drawing/2017/decorative" val="1"/>
@@ -8314,19 +8358,20 @@
           </p:nvPr>
         </p:nvSpPr>
         <p:spPr>
-          <a:xfrm rot="5400000">
-            <a:off x="-225843" y="6053360"/>
-            <a:ext cx="740664" cy="154124"/>
+          <a:xfrm>
+            <a:off x="877459" y="2121408"/>
+            <a:ext cx="3328416" cy="9144"/>
           </a:xfrm>
           <a:prstGeom prst="rect">
             <a:avLst/>
           </a:prstGeom>
           <a:solidFill>
-            <a:schemeClr val="accent4"/>
+            <a:srgbClr val="D5D5D5"/>
           </a:solidFill>
-          <a:ln>
+          <a:ln w="3175">
             <a:noFill/>
           </a:ln>
+          <a:effectLst/>
         </p:spPr>
         <p:style>
           <a:lnRef idx="2">
@@ -8348,150 +8393,112 @@
           <a:bodyPr rtlCol="0" anchor="ctr"/>
           <a:lstStyle/>
           <a:p>
-            <a:pPr algn="ctr"/>
-            <a:endParaRPr lang="en-US"/>
+            <a:pPr marL="0" marR="0" lvl="0" indent="0" algn="ctr" defTabSz="914400" rtl="0" eaLnBrk="1" fontAlgn="auto" latinLnBrk="0" hangingPunct="1">
+              <a:lnSpc>
+                <a:spcPct val="100000"/>
+              </a:lnSpc>
+              <a:spcBef>
+                <a:spcPts val="0"/>
+              </a:spcBef>
+              <a:spcAft>
+                <a:spcPts val="0"/>
+              </a:spcAft>
+              <a:buClrTx/>
+              <a:buSzTx/>
+              <a:buFontTx/>
+              <a:buNone/>
+              <a:tabLst/>
+              <a:defRPr/>
+            </a:pPr>
+            <a:endParaRPr kumimoji="0" lang="en-US" sz="1800" b="0" i="0" u="none" strike="noStrike" kern="1200" cap="none" spc="0" normalizeH="0" baseline="0" noProof="0">
+              <a:ln>
+                <a:noFill/>
+              </a:ln>
+              <a:solidFill>
+                <a:prstClr val="white"/>
+              </a:solidFill>
+              <a:effectLst/>
+              <a:uLnTx/>
+              <a:uFillTx/>
+              <a:latin typeface="Calibri" panose="020F0502020204030204"/>
+              <a:ea typeface="+mn-ea"/>
+              <a:cs typeface="+mn-cs"/>
+            </a:endParaRPr>
           </a:p>
         </p:txBody>
       </p:sp>
       <p:sp>
         <p:nvSpPr>
-          <p:cNvPr id="23" name="Rectangle 22">
+          <p:cNvPr id="3" name="Content Placeholder 2">
             <a:extLst>
               <a:ext uri="{FF2B5EF4-FFF2-40B4-BE49-F238E27FC236}">
-                <a16:creationId xmlns:a16="http://schemas.microsoft.com/office/drawing/2014/main" id="{08980754-6F4B-43C9-B9BE-127B6BED6586}"/>
-              </a:ext>
-              <a:ext uri="{C183D7F6-B498-43B3-948B-1728B52AA6E4}">
-                <adec:decorative xmlns:adec="http://schemas.microsoft.com/office/drawing/2017/decorative" val="1"/>
+                <a16:creationId xmlns:a16="http://schemas.microsoft.com/office/drawing/2014/main" id="{4D595A2C-2449-4841-99B2-28D7A568F8AC}"/>
               </a:ext>
             </a:extLst>
           </p:cNvPr>
           <p:cNvSpPr>
-            <a:spLocks noGrp="1" noRot="1" noChangeAspect="1" noMove="1" noResize="1" noEditPoints="1" noAdjustHandles="1" noChangeArrowheads="1" noChangeShapeType="1" noTextEdit="1"/>
+            <a:spLocks noGrp="1"/>
           </p:cNvSpPr>
           <p:nvPr>
-            <p:extLst>
-              <p:ext uri="{386F3935-93C4-4BCD-93E2-E3B085C9AB24}">
-                <p16:designElem xmlns:p16="http://schemas.microsoft.com/office/powerpoint/2015/main" val="1"/>
-              </p:ext>
-            </p:extLst>
-          </p:nvPr>
-        </p:nvSpPr>
-        <p:spPr>
-          <a:xfrm rot="5400000">
-            <a:off x="5904923" y="215201"/>
-            <a:ext cx="740664" cy="11833491"/>
-          </a:xfrm>
-          <a:prstGeom prst="rect">
-            <a:avLst/>
-          </a:prstGeom>
-          <a:solidFill>
-            <a:schemeClr val="accent4"/>
-          </a:solidFill>
-          <a:ln>
-            <a:noFill/>
-          </a:ln>
-        </p:spPr>
-        <p:style>
-          <a:lnRef idx="2">
-            <a:schemeClr val="accent1">
-              <a:shade val="50000"/>
-            </a:schemeClr>
-          </a:lnRef>
-          <a:fillRef idx="1">
-            <a:schemeClr val="accent1"/>
-          </a:fillRef>
-          <a:effectRef idx="0">
-            <a:schemeClr val="accent1"/>
-          </a:effectRef>
-          <a:fontRef idx="minor">
-            <a:schemeClr val="lt1"/>
-          </a:fontRef>
-        </p:style>
-        <p:txBody>
-          <a:bodyPr rtlCol="0" anchor="ctr"/>
-          <a:lstStyle/>
-          <a:p>
-            <a:pPr algn="ctr"/>
-            <a:endParaRPr lang="en-US"/>
-          </a:p>
-        </p:txBody>
-      </p:sp>
-      <p:sp>
-        <p:nvSpPr>
-          <p:cNvPr id="25" name="Rectangle 24">
-            <a:extLst>
-              <a:ext uri="{FF2B5EF4-FFF2-40B4-BE49-F238E27FC236}">
-                <a16:creationId xmlns:a16="http://schemas.microsoft.com/office/drawing/2014/main" id="{2C1BBA94-3F40-40AA-8BB9-E69E25E537C1}"/>
-              </a:ext>
-              <a:ext uri="{C183D7F6-B498-43B3-948B-1728B52AA6E4}">
-                <adec:decorative xmlns:adec="http://schemas.microsoft.com/office/drawing/2017/decorative" val="1"/>
-              </a:ext>
-            </a:extLst>
-          </p:cNvPr>
-          <p:cNvSpPr>
-            <a:spLocks noGrp="1" noRot="1" noChangeAspect="1" noMove="1" noResize="1" noEditPoints="1" noAdjustHandles="1" noChangeArrowheads="1" noChangeShapeType="1" noTextEdit="1"/>
-          </p:cNvSpPr>
-          <p:nvPr>
-            <p:extLst>
-              <p:ext uri="{386F3935-93C4-4BCD-93E2-E3B085C9AB24}">
-                <p16:designElem xmlns:p16="http://schemas.microsoft.com/office/powerpoint/2015/main" val="1"/>
-              </p:ext>
-            </p:extLst>
+            <p:ph idx="1"/>
           </p:nvPr>
         </p:nvSpPr>
         <p:spPr>
           <a:xfrm>
-            <a:off x="5696793" y="354959"/>
-            <a:ext cx="6184973" cy="5915212"/>
+            <a:off x="841247" y="2359152"/>
+            <a:ext cx="3410712" cy="3425043"/>
           </a:xfrm>
-          <a:prstGeom prst="rect">
-            <a:avLst/>
-          </a:prstGeom>
-          <a:solidFill>
-            <a:schemeClr val="bg1"/>
-          </a:solidFill>
-          <a:ln>
-            <a:noFill/>
-          </a:ln>
-          <a:effectLst>
-            <a:outerShdw blurRad="139700" dist="127000" dir="5400000" algn="t" rotWithShape="0">
-              <a:prstClr val="black">
-                <a:alpha val="15000"/>
-              </a:prstClr>
-            </a:outerShdw>
-          </a:effectLst>
         </p:spPr>
-        <p:style>
-          <a:lnRef idx="2">
-            <a:schemeClr val="accent1">
-              <a:shade val="50000"/>
-            </a:schemeClr>
-          </a:lnRef>
-          <a:fillRef idx="1">
-            <a:schemeClr val="accent1"/>
-          </a:fillRef>
-          <a:effectRef idx="0">
-            <a:schemeClr val="accent1"/>
-          </a:effectRef>
-          <a:fontRef idx="minor">
-            <a:schemeClr val="lt1"/>
-          </a:fontRef>
-        </p:style>
         <p:txBody>
-          <a:bodyPr rtlCol="0" anchor="ctr"/>
+          <a:bodyPr>
+            <a:normAutofit/>
+          </a:bodyPr>
           <a:lstStyle/>
           <a:p>
-            <a:pPr algn="ctr"/>
-            <a:endParaRPr lang="en-US"/>
+            <a:r>
+              <a:rPr lang="en-US" sz="1700"/>
+              <a:t>Modeled into 4 related entities:</a:t>
+            </a:r>
+          </a:p>
+          <a:p>
+            <a:pPr lvl="1"/>
+            <a:r>
+              <a:rPr lang="en-US" sz="1700"/>
+              <a:t>Ratings</a:t>
+            </a:r>
+          </a:p>
+          <a:p>
+            <a:pPr lvl="1"/>
+            <a:r>
+              <a:rPr lang="en-US" sz="1700"/>
+              <a:t>Ratings_Product</a:t>
+            </a:r>
+          </a:p>
+          <a:p>
+            <a:pPr lvl="1"/>
+            <a:r>
+              <a:rPr lang="en-US" sz="1700"/>
+              <a:t>Ratings_Reviewer</a:t>
+            </a:r>
+          </a:p>
+          <a:p>
+            <a:pPr lvl="1"/>
+            <a:r>
+              <a:rPr lang="en-US" sz="1700"/>
+              <a:t>Ratings_related_products</a:t>
+            </a:r>
+          </a:p>
+          <a:p>
+            <a:endParaRPr lang="en-US" sz="1700"/>
           </a:p>
         </p:txBody>
       </p:sp>
       <p:pic>
         <p:nvPicPr>
-          <p:cNvPr id="5" name="Picture 4" descr="Diagram&#10;&#10;Description automatically generated">
+          <p:cNvPr id="6" name="Picture 5" descr="Diagram&#10;&#10;Description automatically generated">
             <a:extLst>
               <a:ext uri="{FF2B5EF4-FFF2-40B4-BE49-F238E27FC236}">
-                <a16:creationId xmlns:a16="http://schemas.microsoft.com/office/drawing/2014/main" id="{1F1C1957-9DBF-4B14-B11B-F35DF88CE04D}"/>
+                <a16:creationId xmlns:a16="http://schemas.microsoft.com/office/drawing/2014/main" id="{C11A0EC7-39C4-4852-AA1B-3AEB34D42F6B}"/>
               </a:ext>
             </a:extLst>
           </p:cNvPr>
@@ -8500,7 +8507,7 @@
           </p:cNvPicPr>
           <p:nvPr/>
         </p:nvPicPr>
-        <p:blipFill>
+        <p:blipFill rotWithShape="1">
           <a:blip r:embed="rId2">
             <a:extLst>
               <a:ext uri="{28A0092B-C50C-407E-A947-70E740481C1C}">
@@ -8508,14 +8515,13 @@
               </a:ext>
             </a:extLst>
           </a:blip>
-          <a:stretch>
-            <a:fillRect/>
-          </a:stretch>
+          <a:srcRect t="2024"/>
+          <a:stretch/>
         </p:blipFill>
         <p:spPr>
           <a:xfrm>
-            <a:off x="5987738" y="991008"/>
-            <a:ext cx="5628018" cy="4643114"/>
+            <a:off x="5124450" y="634382"/>
+            <a:ext cx="6657213" cy="5495162"/>
           </a:xfrm>
           <a:prstGeom prst="rect">
             <a:avLst/>
@@ -10054,14 +10060,14 @@
             <p:ph idx="1"/>
             <p:extLst>
               <p:ext uri="{D42A27DB-BD31-4B8C-83A1-F6EECF244321}">
-                <p14:modId xmlns:p14="http://schemas.microsoft.com/office/powerpoint/2010/main" val="3127231151"/>
+                <p14:modId xmlns:p14="http://schemas.microsoft.com/office/powerpoint/2010/main" val="2404590241"/>
               </p:ext>
             </p:extLst>
           </p:nvPr>
         </p:nvGraphicFramePr>
         <p:xfrm>
-          <a:off x="5614416" y="457200"/>
-          <a:ext cx="6117336" cy="5696712"/>
+          <a:off x="5316972" y="457200"/>
+          <a:ext cx="6414780" cy="5696712"/>
         </p:xfrm>
         <a:graphic>
           <a:graphicData uri="http://schemas.openxmlformats.org/drawingml/2006/diagram">

--- a/yanick.anagho@divergence.one/Capstone Presentation_User Ratings - Products.pptx
+++ b/yanick.anagho@divergence.one/Capstone Presentation_User Ratings - Products.pptx
@@ -6,12 +6,14 @@
   </p:sldMasterIdLst>
   <p:sldIdLst>
     <p:sldId id="256" r:id="rId2"/>
-    <p:sldId id="260" r:id="rId3"/>
-    <p:sldId id="257" r:id="rId4"/>
-    <p:sldId id="261" r:id="rId5"/>
-    <p:sldId id="262" r:id="rId6"/>
-    <p:sldId id="259" r:id="rId7"/>
-    <p:sldId id="258" r:id="rId8"/>
+    <p:sldId id="263" r:id="rId3"/>
+    <p:sldId id="260" r:id="rId4"/>
+    <p:sldId id="257" r:id="rId5"/>
+    <p:sldId id="261" r:id="rId6"/>
+    <p:sldId id="262" r:id="rId7"/>
+    <p:sldId id="264" r:id="rId8"/>
+    <p:sldId id="259" r:id="rId9"/>
+    <p:sldId id="258" r:id="rId10"/>
   </p:sldIdLst>
   <p:sldSz cx="12192000" cy="6858000"/>
   <p:notesSz cx="6858000" cy="9144000"/>
@@ -1060,8 +1062,13 @@
         <a:bodyPr/>
         <a:lstStyle/>
         <a:p>
+          <a:pPr>
+            <a:lnSpc>
+              <a:spcPct val="100000"/>
+            </a:lnSpc>
+          </a:pPr>
           <a:r>
-            <a:rPr lang="en-US"/>
+            <a:rPr lang="en-US" dirty="0"/>
             <a:t>Explore data further (identify data story)</a:t>
           </a:r>
         </a:p>
@@ -1096,6 +1103,11 @@
         <a:bodyPr/>
         <a:lstStyle/>
         <a:p>
+          <a:pPr>
+            <a:lnSpc>
+              <a:spcPct val="100000"/>
+            </a:lnSpc>
+          </a:pPr>
           <a:r>
             <a:rPr lang="en-US" dirty="0"/>
             <a:t>Narrow down to specific question(s) – possibly expand more attributes and reduce instances (columns and rows)</a:t>
@@ -1132,9 +1144,14 @@
         <a:bodyPr/>
         <a:lstStyle/>
         <a:p>
+          <a:pPr>
+            <a:lnSpc>
+              <a:spcPct val="100000"/>
+            </a:lnSpc>
+          </a:pPr>
           <a:r>
-            <a:rPr lang="en-US"/>
-            <a:t>Integrate other independent data linked to any attribute of existing dataset e.g. weather, labor etc.</a:t>
+            <a:rPr lang="en-US" dirty="0"/>
+            <a:t>Statistics knowledge</a:t>
           </a:r>
         </a:p>
       </dgm:t>
@@ -1161,6 +1178,74 @@
         </a:p>
       </dgm:t>
     </dgm:pt>
+    <dgm:pt modelId="{8925E69D-DFED-408E-97C7-28A07E0BB8FA}">
+      <dgm:prSet/>
+      <dgm:spPr/>
+      <dgm:t>
+        <a:bodyPr/>
+        <a:lstStyle/>
+        <a:p>
+          <a:pPr>
+            <a:lnSpc>
+              <a:spcPct val="100000"/>
+            </a:lnSpc>
+          </a:pPr>
+          <a:r>
+            <a:rPr lang="en-US" dirty="0"/>
+            <a:t>Integrate other independent data linked to any attribute of existing dataset e.g. weather, labor etc.</a:t>
+          </a:r>
+        </a:p>
+      </dgm:t>
+    </dgm:pt>
+    <dgm:pt modelId="{A6DBC24A-D76E-45CD-B94A-96BE5EC99E1B}" type="parTrans" cxnId="{845B7306-1EC8-41D4-A9DC-6DD7A0CAC935}">
+      <dgm:prSet/>
+      <dgm:spPr/>
+      <dgm:t>
+        <a:bodyPr/>
+        <a:lstStyle/>
+        <a:p>
+          <a:endParaRPr lang="en-US"/>
+        </a:p>
+      </dgm:t>
+    </dgm:pt>
+    <dgm:pt modelId="{F66BC3AC-E3F7-46D9-8874-68188D4F1D52}" type="sibTrans" cxnId="{845B7306-1EC8-41D4-A9DC-6DD7A0CAC935}">
+      <dgm:prSet/>
+      <dgm:spPr/>
+      <dgm:t>
+        <a:bodyPr/>
+        <a:lstStyle/>
+        <a:p>
+          <a:endParaRPr lang="en-US"/>
+        </a:p>
+      </dgm:t>
+    </dgm:pt>
+    <dgm:pt modelId="{2CC0E63C-69FD-4F31-B092-8848897C7F64}">
+      <dgm:prSet/>
+      <dgm:spPr/>
+      <dgm:t>
+        <a:bodyPr/>
+        <a:lstStyle/>
+        <a:p>
+          <a:pPr>
+            <a:lnSpc>
+              <a:spcPct val="100000"/>
+            </a:lnSpc>
+          </a:pPr>
+          <a:r>
+            <a:rPr lang="en-US" dirty="0"/>
+            <a:t>visualizations</a:t>
+          </a:r>
+        </a:p>
+      </dgm:t>
+    </dgm:pt>
+    <dgm:pt modelId="{F7F33FA0-1C74-4443-AD6D-48DF990CD601}" type="parTrans" cxnId="{1149FE11-2AEB-4B16-A4F0-392FB7BD29E0}">
+      <dgm:prSet/>
+      <dgm:spPr/>
+    </dgm:pt>
+    <dgm:pt modelId="{0D4E1834-B0F3-4573-BC87-F9F562C33EDE}" type="sibTrans" cxnId="{1149FE11-2AEB-4B16-A4F0-392FB7BD29E0}">
+      <dgm:prSet/>
+      <dgm:spPr/>
+    </dgm:pt>
     <dgm:pt modelId="{57017507-C952-4521-B59A-DBA38AE86170}" type="pres">
       <dgm:prSet presAssocID="{175BAB4B-7FCC-4BDF-A548-75A33B01F89C}" presName="root" presStyleCnt="0">
         <dgm:presLayoutVars>
@@ -1175,11 +1260,11 @@
       <dgm:spPr/>
     </dgm:pt>
     <dgm:pt modelId="{85282CC7-A787-4E3B-946E-AE0920C75F5B}" type="pres">
-      <dgm:prSet presAssocID="{3BB1B6E0-911D-4E78-BC1D-49324BB365B8}" presName="bgRect" presStyleLbl="bgShp" presStyleIdx="0" presStyleCnt="3"/>
+      <dgm:prSet presAssocID="{3BB1B6E0-911D-4E78-BC1D-49324BB365B8}" presName="bgRect" presStyleLbl="bgShp" presStyleIdx="0" presStyleCnt="5"/>
       <dgm:spPr/>
     </dgm:pt>
     <dgm:pt modelId="{A0598C66-AAEB-4525-9ECD-8303D67600EC}" type="pres">
-      <dgm:prSet presAssocID="{3BB1B6E0-911D-4E78-BC1D-49324BB365B8}" presName="iconRect" presStyleLbl="node1" presStyleIdx="0" presStyleCnt="3"/>
+      <dgm:prSet presAssocID="{3BB1B6E0-911D-4E78-BC1D-49324BB365B8}" presName="iconRect" presStyleLbl="node1" presStyleIdx="0" presStyleCnt="5"/>
       <dgm:spPr>
         <a:blipFill>
           <a:blip xmlns:r="http://schemas.openxmlformats.org/officeDocument/2006/relationships" r:embed="rId1">
@@ -1211,7 +1296,7 @@
       <dgm:spPr/>
     </dgm:pt>
     <dgm:pt modelId="{89B498D5-8A9F-495F-B24B-81927CA49B4B}" type="pres">
-      <dgm:prSet presAssocID="{3BB1B6E0-911D-4E78-BC1D-49324BB365B8}" presName="parTx" presStyleLbl="revTx" presStyleIdx="0" presStyleCnt="3">
+      <dgm:prSet presAssocID="{3BB1B6E0-911D-4E78-BC1D-49324BB365B8}" presName="parTx" presStyleLbl="revTx" presStyleIdx="0" presStyleCnt="5">
         <dgm:presLayoutVars>
           <dgm:chMax val="0"/>
           <dgm:chPref val="0"/>
@@ -1228,11 +1313,11 @@
       <dgm:spPr/>
     </dgm:pt>
     <dgm:pt modelId="{CCA322AA-03D0-437B-9316-EBF3CC588F60}" type="pres">
-      <dgm:prSet presAssocID="{3BFCA093-33AF-4D13-8657-66668F987528}" presName="bgRect" presStyleLbl="bgShp" presStyleIdx="1" presStyleCnt="3"/>
+      <dgm:prSet presAssocID="{3BFCA093-33AF-4D13-8657-66668F987528}" presName="bgRect" presStyleLbl="bgShp" presStyleIdx="1" presStyleCnt="5"/>
       <dgm:spPr/>
     </dgm:pt>
     <dgm:pt modelId="{5D537140-81F5-45F9-89E9-306C556AFFD4}" type="pres">
-      <dgm:prSet presAssocID="{3BFCA093-33AF-4D13-8657-66668F987528}" presName="iconRect" presStyleLbl="node1" presStyleIdx="1" presStyleCnt="3"/>
+      <dgm:prSet presAssocID="{3BFCA093-33AF-4D13-8657-66668F987528}" presName="iconRect" presStyleLbl="node1" presStyleIdx="1" presStyleCnt="5"/>
       <dgm:spPr>
         <a:blipFill>
           <a:blip xmlns:r="http://schemas.openxmlformats.org/officeDocument/2006/relationships" r:embed="rId3">
@@ -1264,7 +1349,7 @@
       <dgm:spPr/>
     </dgm:pt>
     <dgm:pt modelId="{BCBB2798-4073-4D50-9AC8-A68E36A66F0E}" type="pres">
-      <dgm:prSet presAssocID="{3BFCA093-33AF-4D13-8657-66668F987528}" presName="parTx" presStyleLbl="revTx" presStyleIdx="1" presStyleCnt="3">
+      <dgm:prSet presAssocID="{3BFCA093-33AF-4D13-8657-66668F987528}" presName="parTx" presStyleLbl="revTx" presStyleIdx="1" presStyleCnt="5">
         <dgm:presLayoutVars>
           <dgm:chMax val="0"/>
           <dgm:chPref val="0"/>
@@ -1276,16 +1361,16 @@
       <dgm:prSet presAssocID="{57CAA2E4-01B1-4DE4-BAB5-6D8491EE0EE2}" presName="sibTrans" presStyleCnt="0"/>
       <dgm:spPr/>
     </dgm:pt>
-    <dgm:pt modelId="{88DD745C-1A25-4A26-B6A7-185E6937309C}" type="pres">
-      <dgm:prSet presAssocID="{62D04096-0064-40F2-8D1E-5785E6F2F905}" presName="compNode" presStyleCnt="0"/>
+    <dgm:pt modelId="{9E5FD856-4AE1-4214-B416-4DAB1C644AD3}" type="pres">
+      <dgm:prSet presAssocID="{2CC0E63C-69FD-4F31-B092-8848897C7F64}" presName="compNode" presStyleCnt="0"/>
       <dgm:spPr/>
     </dgm:pt>
-    <dgm:pt modelId="{514790DB-4D13-447C-BCD1-57ADE151ACB5}" type="pres">
-      <dgm:prSet presAssocID="{62D04096-0064-40F2-8D1E-5785E6F2F905}" presName="bgRect" presStyleLbl="bgShp" presStyleIdx="2" presStyleCnt="3"/>
+    <dgm:pt modelId="{5E73EA9A-CC08-4454-BDD9-D4E2EE256940}" type="pres">
+      <dgm:prSet presAssocID="{2CC0E63C-69FD-4F31-B092-8848897C7F64}" presName="bgRect" presStyleLbl="bgShp" presStyleIdx="2" presStyleCnt="5"/>
       <dgm:spPr/>
     </dgm:pt>
-    <dgm:pt modelId="{03B087BA-FF01-4212-95EA-403B41DF86EB}" type="pres">
-      <dgm:prSet presAssocID="{62D04096-0064-40F2-8D1E-5785E6F2F905}" presName="iconRect" presStyleLbl="node1" presStyleIdx="2" presStyleCnt="3"/>
+    <dgm:pt modelId="{C1C0D915-5154-4F9D-90BB-24CFD73AFFB1}" type="pres">
+      <dgm:prSet presAssocID="{2CC0E63C-69FD-4F31-B092-8848897C7F64}" presName="iconRect" presStyleLbl="node1" presStyleIdx="2" presStyleCnt="5"/>
       <dgm:spPr>
         <a:blipFill>
           <a:blip xmlns:r="http://schemas.openxmlformats.org/officeDocument/2006/relationships" r:embed="rId5">
@@ -1295,6 +1380,57 @@
               </a:ext>
               <a:ext uri="{96DAC541-7B7A-43D3-8B79-37D633B846F1}">
                 <asvg:svgBlip xmlns:asvg="http://schemas.microsoft.com/office/drawing/2016/SVG/main" r:embed="rId6"/>
+              </a:ext>
+            </a:extLst>
+          </a:blip>
+          <a:srcRect/>
+          <a:stretch>
+            <a:fillRect/>
+          </a:stretch>
+        </a:blipFill>
+      </dgm:spPr>
+      <dgm:extLst>
+        <a:ext uri="{E40237B7-FDA0-4F09-8148-C483321AD2D9}">
+          <dgm14:cNvPr xmlns:dgm14="http://schemas.microsoft.com/office/drawing/2010/diagram" id="0" name="" descr="Bar graph with upward trend outline"/>
+        </a:ext>
+      </dgm:extLst>
+    </dgm:pt>
+    <dgm:pt modelId="{939C952A-D21D-4D5A-A08C-15E753FFBBD4}" type="pres">
+      <dgm:prSet presAssocID="{2CC0E63C-69FD-4F31-B092-8848897C7F64}" presName="spaceRect" presStyleCnt="0"/>
+      <dgm:spPr/>
+    </dgm:pt>
+    <dgm:pt modelId="{5C50E1E9-DC4D-44CA-A570-0397DE8533A1}" type="pres">
+      <dgm:prSet presAssocID="{2CC0E63C-69FD-4F31-B092-8848897C7F64}" presName="parTx" presStyleLbl="revTx" presStyleIdx="2" presStyleCnt="5">
+        <dgm:presLayoutVars>
+          <dgm:chMax val="0"/>
+          <dgm:chPref val="0"/>
+        </dgm:presLayoutVars>
+      </dgm:prSet>
+      <dgm:spPr/>
+    </dgm:pt>
+    <dgm:pt modelId="{461311F5-FF0E-4F5F-9EF5-3B0962F8EF5C}" type="pres">
+      <dgm:prSet presAssocID="{0D4E1834-B0F3-4573-BC87-F9F562C33EDE}" presName="sibTrans" presStyleCnt="0"/>
+      <dgm:spPr/>
+    </dgm:pt>
+    <dgm:pt modelId="{88DD745C-1A25-4A26-B6A7-185E6937309C}" type="pres">
+      <dgm:prSet presAssocID="{62D04096-0064-40F2-8D1E-5785E6F2F905}" presName="compNode" presStyleCnt="0"/>
+      <dgm:spPr/>
+    </dgm:pt>
+    <dgm:pt modelId="{514790DB-4D13-447C-BCD1-57ADE151ACB5}" type="pres">
+      <dgm:prSet presAssocID="{62D04096-0064-40F2-8D1E-5785E6F2F905}" presName="bgRect" presStyleLbl="bgShp" presStyleIdx="3" presStyleCnt="5"/>
+      <dgm:spPr/>
+    </dgm:pt>
+    <dgm:pt modelId="{03B087BA-FF01-4212-95EA-403B41DF86EB}" type="pres">
+      <dgm:prSet presAssocID="{62D04096-0064-40F2-8D1E-5785E6F2F905}" presName="iconRect" presStyleLbl="node1" presStyleIdx="3" presStyleCnt="5"/>
+      <dgm:spPr>
+        <a:blipFill>
+          <a:blip xmlns:r="http://schemas.openxmlformats.org/officeDocument/2006/relationships" r:embed="rId7">
+            <a:extLst>
+              <a:ext uri="{28A0092B-C50C-407E-A947-70E740481C1C}">
+                <a14:useLocalDpi xmlns:a14="http://schemas.microsoft.com/office/drawing/2010/main" val="0"/>
+              </a:ext>
+              <a:ext uri="{96DAC541-7B7A-43D3-8B79-37D633B846F1}">
+                <asvg:svgBlip xmlns:asvg="http://schemas.microsoft.com/office/drawing/2016/SVG/main" r:embed="rId8"/>
               </a:ext>
             </a:extLst>
           </a:blip>
@@ -1317,7 +1453,58 @@
       <dgm:spPr/>
     </dgm:pt>
     <dgm:pt modelId="{9FFEC301-9E09-45E0-959F-338A77A30356}" type="pres">
-      <dgm:prSet presAssocID="{62D04096-0064-40F2-8D1E-5785E6F2F905}" presName="parTx" presStyleLbl="revTx" presStyleIdx="2" presStyleCnt="3">
+      <dgm:prSet presAssocID="{62D04096-0064-40F2-8D1E-5785E6F2F905}" presName="parTx" presStyleLbl="revTx" presStyleIdx="3" presStyleCnt="5">
+        <dgm:presLayoutVars>
+          <dgm:chMax val="0"/>
+          <dgm:chPref val="0"/>
+        </dgm:presLayoutVars>
+      </dgm:prSet>
+      <dgm:spPr/>
+    </dgm:pt>
+    <dgm:pt modelId="{4D0BD255-F1D9-4362-A61A-44C96B9BA2DC}" type="pres">
+      <dgm:prSet presAssocID="{7245EEF0-A976-4216-BE45-8387C8DEAB84}" presName="sibTrans" presStyleCnt="0"/>
+      <dgm:spPr/>
+    </dgm:pt>
+    <dgm:pt modelId="{0D0B0CF0-35C8-4A06-8B1E-C0EDA65F737D}" type="pres">
+      <dgm:prSet presAssocID="{8925E69D-DFED-408E-97C7-28A07E0BB8FA}" presName="compNode" presStyleCnt="0"/>
+      <dgm:spPr/>
+    </dgm:pt>
+    <dgm:pt modelId="{4EE3E2A1-62D0-4A32-8E6F-89718212FB1D}" type="pres">
+      <dgm:prSet presAssocID="{8925E69D-DFED-408E-97C7-28A07E0BB8FA}" presName="bgRect" presStyleLbl="bgShp" presStyleIdx="4" presStyleCnt="5"/>
+      <dgm:spPr/>
+    </dgm:pt>
+    <dgm:pt modelId="{A61E8F1D-D533-489B-8AE6-CF460D2C9310}" type="pres">
+      <dgm:prSet presAssocID="{8925E69D-DFED-408E-97C7-28A07E0BB8FA}" presName="iconRect" presStyleLbl="node1" presStyleIdx="4" presStyleCnt="5"/>
+      <dgm:spPr>
+        <a:blipFill>
+          <a:blip xmlns:r="http://schemas.openxmlformats.org/officeDocument/2006/relationships" r:embed="rId9">
+            <a:extLst>
+              <a:ext uri="{28A0092B-C50C-407E-A947-70E740481C1C}">
+                <a14:useLocalDpi xmlns:a14="http://schemas.microsoft.com/office/drawing/2010/main" val="0"/>
+              </a:ext>
+              <a:ext uri="{96DAC541-7B7A-43D3-8B79-37D633B846F1}">
+                <asvg:svgBlip xmlns:asvg="http://schemas.microsoft.com/office/drawing/2016/SVG/main" r:embed="rId10"/>
+              </a:ext>
+            </a:extLst>
+          </a:blip>
+          <a:srcRect/>
+          <a:stretch>
+            <a:fillRect/>
+          </a:stretch>
+        </a:blipFill>
+      </dgm:spPr>
+      <dgm:extLst>
+        <a:ext uri="{E40237B7-FDA0-4F09-8148-C483321AD2D9}">
+          <dgm14:cNvPr xmlns:dgm14="http://schemas.microsoft.com/office/drawing/2010/diagram" id="0" name="" descr="Connections outline"/>
+        </a:ext>
+      </dgm:extLst>
+    </dgm:pt>
+    <dgm:pt modelId="{1485AE28-EA1D-497F-8558-62C25D81F652}" type="pres">
+      <dgm:prSet presAssocID="{8925E69D-DFED-408E-97C7-28A07E0BB8FA}" presName="spaceRect" presStyleCnt="0"/>
+      <dgm:spPr/>
+    </dgm:pt>
+    <dgm:pt modelId="{BD618918-9B50-4A52-85F2-DCE6F3E2C43B}" type="pres">
+      <dgm:prSet presAssocID="{8925E69D-DFED-408E-97C7-28A07E0BB8FA}" presName="parTx" presStyleLbl="revTx" presStyleIdx="4" presStyleCnt="5">
         <dgm:presLayoutVars>
           <dgm:chMax val="0"/>
           <dgm:chPref val="0"/>
@@ -1327,13 +1514,17 @@
     </dgm:pt>
   </dgm:ptLst>
   <dgm:cxnLst>
+    <dgm:cxn modelId="{845B7306-1EC8-41D4-A9DC-6DD7A0CAC935}" srcId="{175BAB4B-7FCC-4BDF-A548-75A33B01F89C}" destId="{8925E69D-DFED-408E-97C7-28A07E0BB8FA}" srcOrd="4" destOrd="0" parTransId="{A6DBC24A-D76E-45CD-B94A-96BE5EC99E1B}" sibTransId="{F66BC3AC-E3F7-46D9-8874-68188D4F1D52}"/>
+    <dgm:cxn modelId="{1149FE11-2AEB-4B16-A4F0-392FB7BD29E0}" srcId="{175BAB4B-7FCC-4BDF-A548-75A33B01F89C}" destId="{2CC0E63C-69FD-4F31-B092-8848897C7F64}" srcOrd="2" destOrd="0" parTransId="{F7F33FA0-1C74-4443-AD6D-48DF990CD601}" sibTransId="{0D4E1834-B0F3-4573-BC87-F9F562C33EDE}"/>
+    <dgm:cxn modelId="{B6657E2E-51D4-424C-9E95-340BA0A51E78}" type="presOf" srcId="{2CC0E63C-69FD-4F31-B092-8848897C7F64}" destId="{5C50E1E9-DC4D-44CA-A570-0397DE8533A1}" srcOrd="0" destOrd="0" presId="urn:microsoft.com/office/officeart/2018/2/layout/IconVerticalSolidList"/>
     <dgm:cxn modelId="{15B4BE38-1EA8-4627-8F66-BABCA60FEDE6}" type="presOf" srcId="{3BFCA093-33AF-4D13-8657-66668F987528}" destId="{BCBB2798-4073-4D50-9AC8-A68E36A66F0E}" srcOrd="0" destOrd="0" presId="urn:microsoft.com/office/officeart/2018/2/layout/IconVerticalSolidList"/>
     <dgm:cxn modelId="{FB2F1A66-A6A1-44AF-B114-74FF698522C4}" type="presOf" srcId="{62D04096-0064-40F2-8D1E-5785E6F2F905}" destId="{9FFEC301-9E09-45E0-959F-338A77A30356}" srcOrd="0" destOrd="0" presId="urn:microsoft.com/office/officeart/2018/2/layout/IconVerticalSolidList"/>
     <dgm:cxn modelId="{6EB20B79-8ED9-4889-B2F6-A2B009E4DA34}" srcId="{175BAB4B-7FCC-4BDF-A548-75A33B01F89C}" destId="{3BFCA093-33AF-4D13-8657-66668F987528}" srcOrd="1" destOrd="0" parTransId="{322C6B2A-7F13-4A0B-9C50-7B85A134B609}" sibTransId="{57CAA2E4-01B1-4DE4-BAB5-6D8491EE0EE2}"/>
     <dgm:cxn modelId="{0A9A558A-9F8F-4D31-A992-42F278A1AFA3}" type="presOf" srcId="{3BB1B6E0-911D-4E78-BC1D-49324BB365B8}" destId="{89B498D5-8A9F-495F-B24B-81927CA49B4B}" srcOrd="0" destOrd="0" presId="urn:microsoft.com/office/officeart/2018/2/layout/IconVerticalSolidList"/>
     <dgm:cxn modelId="{D31015B7-04C5-4252-8FC9-E05A14B0C609}" srcId="{175BAB4B-7FCC-4BDF-A548-75A33B01F89C}" destId="{3BB1B6E0-911D-4E78-BC1D-49324BB365B8}" srcOrd="0" destOrd="0" parTransId="{E50E17A4-5FAD-4EDF-9DCB-81B946F8B021}" sibTransId="{47010D84-4086-4349-BD93-551C8792EF64}"/>
-    <dgm:cxn modelId="{3F3ADAB9-AA33-4A25-A5AE-885391F623E1}" srcId="{175BAB4B-7FCC-4BDF-A548-75A33B01F89C}" destId="{62D04096-0064-40F2-8D1E-5785E6F2F905}" srcOrd="2" destOrd="0" parTransId="{678A88D4-CD8B-4043-9489-BF8C984ACEC1}" sibTransId="{7245EEF0-A976-4216-BE45-8387C8DEAB84}"/>
+    <dgm:cxn modelId="{3F3ADAB9-AA33-4A25-A5AE-885391F623E1}" srcId="{175BAB4B-7FCC-4BDF-A548-75A33B01F89C}" destId="{62D04096-0064-40F2-8D1E-5785E6F2F905}" srcOrd="3" destOrd="0" parTransId="{678A88D4-CD8B-4043-9489-BF8C984ACEC1}" sibTransId="{7245EEF0-A976-4216-BE45-8387C8DEAB84}"/>
     <dgm:cxn modelId="{FBCEE1DC-DEBE-438B-99EA-562C9E847F1F}" type="presOf" srcId="{175BAB4B-7FCC-4BDF-A548-75A33B01F89C}" destId="{57017507-C952-4521-B59A-DBA38AE86170}" srcOrd="0" destOrd="0" presId="urn:microsoft.com/office/officeart/2018/2/layout/IconVerticalSolidList"/>
+    <dgm:cxn modelId="{008D90F6-D5CA-48DA-BA2F-72625D2900B2}" type="presOf" srcId="{8925E69D-DFED-408E-97C7-28A07E0BB8FA}" destId="{BD618918-9B50-4A52-85F2-DCE6F3E2C43B}" srcOrd="0" destOrd="0" presId="urn:microsoft.com/office/officeart/2018/2/layout/IconVerticalSolidList"/>
     <dgm:cxn modelId="{301C18AF-81E9-4CC8-BC7F-B9A386B5DA4E}" type="presParOf" srcId="{57017507-C952-4521-B59A-DBA38AE86170}" destId="{720524D1-5A16-40AA-9C49-B38C0396004A}" srcOrd="0" destOrd="0" presId="urn:microsoft.com/office/officeart/2018/2/layout/IconVerticalSolidList"/>
     <dgm:cxn modelId="{C8EBFABF-8BF3-40F4-82AE-1FCCCF15BE34}" type="presParOf" srcId="{720524D1-5A16-40AA-9C49-B38C0396004A}" destId="{85282CC7-A787-4E3B-946E-AE0920C75F5B}" srcOrd="0" destOrd="0" presId="urn:microsoft.com/office/officeart/2018/2/layout/IconVerticalSolidList"/>
     <dgm:cxn modelId="{3D99CCD3-B63A-4698-BCA3-CE7F730E7C05}" type="presParOf" srcId="{720524D1-5A16-40AA-9C49-B38C0396004A}" destId="{A0598C66-AAEB-4525-9ECD-8303D67600EC}" srcOrd="1" destOrd="0" presId="urn:microsoft.com/office/officeart/2018/2/layout/IconVerticalSolidList"/>
@@ -1346,11 +1537,23 @@
     <dgm:cxn modelId="{F04807E0-8F1C-4597-A77A-601677629513}" type="presParOf" srcId="{CC53D648-105E-486D-A4E6-F466E54341BB}" destId="{E76FBD8E-74F0-4A8C-8211-6C90F24F4055}" srcOrd="2" destOrd="0" presId="urn:microsoft.com/office/officeart/2018/2/layout/IconVerticalSolidList"/>
     <dgm:cxn modelId="{C545F6A2-B400-49FA-88C7-B356DB1A0D3E}" type="presParOf" srcId="{CC53D648-105E-486D-A4E6-F466E54341BB}" destId="{BCBB2798-4073-4D50-9AC8-A68E36A66F0E}" srcOrd="3" destOrd="0" presId="urn:microsoft.com/office/officeart/2018/2/layout/IconVerticalSolidList"/>
     <dgm:cxn modelId="{6308E3C0-626A-4F12-B1E3-4C3AB8B0DE51}" type="presParOf" srcId="{57017507-C952-4521-B59A-DBA38AE86170}" destId="{B1BCFFA9-CB61-42B6-A6B3-DD5F24D75E3A}" srcOrd="3" destOrd="0" presId="urn:microsoft.com/office/officeart/2018/2/layout/IconVerticalSolidList"/>
-    <dgm:cxn modelId="{5D2C269B-F62F-49D4-855C-409FAFE23E1E}" type="presParOf" srcId="{57017507-C952-4521-B59A-DBA38AE86170}" destId="{88DD745C-1A25-4A26-B6A7-185E6937309C}" srcOrd="4" destOrd="0" presId="urn:microsoft.com/office/officeart/2018/2/layout/IconVerticalSolidList"/>
+    <dgm:cxn modelId="{EDD64D6B-7B3E-44FA-BFD8-77ECD2E2A73D}" type="presParOf" srcId="{57017507-C952-4521-B59A-DBA38AE86170}" destId="{9E5FD856-4AE1-4214-B416-4DAB1C644AD3}" srcOrd="4" destOrd="0" presId="urn:microsoft.com/office/officeart/2018/2/layout/IconVerticalSolidList"/>
+    <dgm:cxn modelId="{191763AB-092D-478C-A4C6-1E2AEF206A58}" type="presParOf" srcId="{9E5FD856-4AE1-4214-B416-4DAB1C644AD3}" destId="{5E73EA9A-CC08-4454-BDD9-D4E2EE256940}" srcOrd="0" destOrd="0" presId="urn:microsoft.com/office/officeart/2018/2/layout/IconVerticalSolidList"/>
+    <dgm:cxn modelId="{B74A9B65-23EA-443A-9DF4-973EF63B089B}" type="presParOf" srcId="{9E5FD856-4AE1-4214-B416-4DAB1C644AD3}" destId="{C1C0D915-5154-4F9D-90BB-24CFD73AFFB1}" srcOrd="1" destOrd="0" presId="urn:microsoft.com/office/officeart/2018/2/layout/IconVerticalSolidList"/>
+    <dgm:cxn modelId="{50A2DAF7-1D1A-40E2-B29F-3988971F07A2}" type="presParOf" srcId="{9E5FD856-4AE1-4214-B416-4DAB1C644AD3}" destId="{939C952A-D21D-4D5A-A08C-15E753FFBBD4}" srcOrd="2" destOrd="0" presId="urn:microsoft.com/office/officeart/2018/2/layout/IconVerticalSolidList"/>
+    <dgm:cxn modelId="{1BC90E57-5342-4FAC-AE9E-782F54515AC5}" type="presParOf" srcId="{9E5FD856-4AE1-4214-B416-4DAB1C644AD3}" destId="{5C50E1E9-DC4D-44CA-A570-0397DE8533A1}" srcOrd="3" destOrd="0" presId="urn:microsoft.com/office/officeart/2018/2/layout/IconVerticalSolidList"/>
+    <dgm:cxn modelId="{1FBC9AB9-0680-4241-B9C8-CAC82CBB9D48}" type="presParOf" srcId="{57017507-C952-4521-B59A-DBA38AE86170}" destId="{461311F5-FF0E-4F5F-9EF5-3B0962F8EF5C}" srcOrd="5" destOrd="0" presId="urn:microsoft.com/office/officeart/2018/2/layout/IconVerticalSolidList"/>
+    <dgm:cxn modelId="{5D2C269B-F62F-49D4-855C-409FAFE23E1E}" type="presParOf" srcId="{57017507-C952-4521-B59A-DBA38AE86170}" destId="{88DD745C-1A25-4A26-B6A7-185E6937309C}" srcOrd="6" destOrd="0" presId="urn:microsoft.com/office/officeart/2018/2/layout/IconVerticalSolidList"/>
     <dgm:cxn modelId="{9E41AEB7-56C4-4474-8DB2-F7DE04FB1457}" type="presParOf" srcId="{88DD745C-1A25-4A26-B6A7-185E6937309C}" destId="{514790DB-4D13-447C-BCD1-57ADE151ACB5}" srcOrd="0" destOrd="0" presId="urn:microsoft.com/office/officeart/2018/2/layout/IconVerticalSolidList"/>
     <dgm:cxn modelId="{95E3DD18-BE4D-4D78-9D03-0F59F7F5CD01}" type="presParOf" srcId="{88DD745C-1A25-4A26-B6A7-185E6937309C}" destId="{03B087BA-FF01-4212-95EA-403B41DF86EB}" srcOrd="1" destOrd="0" presId="urn:microsoft.com/office/officeart/2018/2/layout/IconVerticalSolidList"/>
     <dgm:cxn modelId="{0B2E981C-5E39-4FEB-8A9D-A2919AFF1FF6}" type="presParOf" srcId="{88DD745C-1A25-4A26-B6A7-185E6937309C}" destId="{07AAA141-DF04-42E0-8B0A-B79972062FA3}" srcOrd="2" destOrd="0" presId="urn:microsoft.com/office/officeart/2018/2/layout/IconVerticalSolidList"/>
     <dgm:cxn modelId="{58EA4268-E602-4689-85C5-FDC42E63AE14}" type="presParOf" srcId="{88DD745C-1A25-4A26-B6A7-185E6937309C}" destId="{9FFEC301-9E09-45E0-959F-338A77A30356}" srcOrd="3" destOrd="0" presId="urn:microsoft.com/office/officeart/2018/2/layout/IconVerticalSolidList"/>
+    <dgm:cxn modelId="{A293AD0F-A573-4759-89BA-9FCEF43508BF}" type="presParOf" srcId="{57017507-C952-4521-B59A-DBA38AE86170}" destId="{4D0BD255-F1D9-4362-A61A-44C96B9BA2DC}" srcOrd="7" destOrd="0" presId="urn:microsoft.com/office/officeart/2018/2/layout/IconVerticalSolidList"/>
+    <dgm:cxn modelId="{72EB22B0-E0D7-4F97-AF5C-99609574BABD}" type="presParOf" srcId="{57017507-C952-4521-B59A-DBA38AE86170}" destId="{0D0B0CF0-35C8-4A06-8B1E-C0EDA65F737D}" srcOrd="8" destOrd="0" presId="urn:microsoft.com/office/officeart/2018/2/layout/IconVerticalSolidList"/>
+    <dgm:cxn modelId="{C9469236-864C-4B55-9054-92279F7EAE89}" type="presParOf" srcId="{0D0B0CF0-35C8-4A06-8B1E-C0EDA65F737D}" destId="{4EE3E2A1-62D0-4A32-8E6F-89718212FB1D}" srcOrd="0" destOrd="0" presId="urn:microsoft.com/office/officeart/2018/2/layout/IconVerticalSolidList"/>
+    <dgm:cxn modelId="{B39B0F86-70EC-43E4-A528-5C276424DF3A}" type="presParOf" srcId="{0D0B0CF0-35C8-4A06-8B1E-C0EDA65F737D}" destId="{A61E8F1D-D533-489B-8AE6-CF460D2C9310}" srcOrd="1" destOrd="0" presId="urn:microsoft.com/office/officeart/2018/2/layout/IconVerticalSolidList"/>
+    <dgm:cxn modelId="{B65CC371-2B6C-4472-B60E-84572C2B72B1}" type="presParOf" srcId="{0D0B0CF0-35C8-4A06-8B1E-C0EDA65F737D}" destId="{1485AE28-EA1D-497F-8558-62C25D81F652}" srcOrd="2" destOrd="0" presId="urn:microsoft.com/office/officeart/2018/2/layout/IconVerticalSolidList"/>
+    <dgm:cxn modelId="{EF3FEB8E-473A-46D3-B87C-6BA042375B23}" type="presParOf" srcId="{0D0B0CF0-35C8-4A06-8B1E-C0EDA65F737D}" destId="{BD618918-9B50-4A52-85F2-DCE6F3E2C43B}" srcOrd="3" destOrd="0" presId="urn:microsoft.com/office/officeart/2018/2/layout/IconVerticalSolidList"/>
   </dgm:cxnLst>
   <dgm:bg/>
   <dgm:whole/>
@@ -1377,8 +1580,8 @@
       </dsp:nvSpPr>
       <dsp:spPr>
         <a:xfrm>
-          <a:off x="0" y="695"/>
-          <a:ext cx="6414780" cy="1627234"/>
+          <a:off x="0" y="4450"/>
+          <a:ext cx="6414780" cy="947968"/>
         </a:xfrm>
         <a:prstGeom prst="roundRect">
           <a:avLst>
@@ -1418,8 +1621,8 @@
       </dsp:nvSpPr>
       <dsp:spPr>
         <a:xfrm>
-          <a:off x="492238" y="366823"/>
-          <a:ext cx="894979" cy="894979"/>
+          <a:off x="286760" y="217743"/>
+          <a:ext cx="521382" cy="521382"/>
         </a:xfrm>
         <a:prstGeom prst="rect">
           <a:avLst/>
@@ -1468,8 +1671,8 @@
       </dsp:nvSpPr>
       <dsp:spPr>
         <a:xfrm>
-          <a:off x="1879455" y="695"/>
-          <a:ext cx="4535324" cy="1627234"/>
+          <a:off x="1094903" y="4450"/>
+          <a:ext cx="5319876" cy="947968"/>
         </a:xfrm>
         <a:prstGeom prst="rect">
           <a:avLst/>
@@ -1493,14 +1696,14 @@
         <a:fontRef idx="minor"/>
       </dsp:style>
       <dsp:txBody>
-        <a:bodyPr spcFirstLastPara="0" vert="horz" wrap="square" lIns="172216" tIns="172216" rIns="172216" bIns="172216" numCol="1" spcCol="1270" anchor="ctr" anchorCtr="0">
+        <a:bodyPr spcFirstLastPara="0" vert="horz" wrap="square" lIns="100327" tIns="100327" rIns="100327" bIns="100327" numCol="1" spcCol="1270" anchor="ctr" anchorCtr="0">
           <a:noAutofit/>
         </a:bodyPr>
         <a:lstStyle/>
         <a:p>
-          <a:pPr marL="0" lvl="0" indent="0" algn="l" defTabSz="977900">
+          <a:pPr marL="0" lvl="0" indent="0" algn="l" defTabSz="755650">
             <a:lnSpc>
-              <a:spcPct val="90000"/>
+              <a:spcPct val="100000"/>
             </a:lnSpc>
             <a:spcBef>
               <a:spcPct val="0"/>
@@ -1511,14 +1714,14 @@
             <a:buNone/>
           </a:pPr>
           <a:r>
-            <a:rPr lang="en-US" sz="2200" kern="1200"/>
+            <a:rPr lang="en-US" sz="1700" kern="1200" dirty="0"/>
             <a:t>Explore data further (identify data story)</a:t>
           </a:r>
         </a:p>
       </dsp:txBody>
       <dsp:txXfrm>
-        <a:off x="1879455" y="695"/>
-        <a:ext cx="4535324" cy="1627234"/>
+        <a:off x="1094903" y="4450"/>
+        <a:ext cx="5319876" cy="947968"/>
       </dsp:txXfrm>
     </dsp:sp>
     <dsp:sp modelId="{CCA322AA-03D0-437B-9316-EBF3CC588F60}">
@@ -1528,8 +1731,8 @@
       </dsp:nvSpPr>
       <dsp:spPr>
         <a:xfrm>
-          <a:off x="0" y="2034738"/>
-          <a:ext cx="6414780" cy="1627234"/>
+          <a:off x="0" y="1189411"/>
+          <a:ext cx="6414780" cy="947968"/>
         </a:xfrm>
         <a:prstGeom prst="roundRect">
           <a:avLst>
@@ -1569,8 +1772,8 @@
       </dsp:nvSpPr>
       <dsp:spPr>
         <a:xfrm>
-          <a:off x="492238" y="2400866"/>
-          <a:ext cx="894979" cy="894979"/>
+          <a:off x="286760" y="1402704"/>
+          <a:ext cx="521382" cy="521382"/>
         </a:xfrm>
         <a:prstGeom prst="rect">
           <a:avLst/>
@@ -1619,8 +1822,8 @@
       </dsp:nvSpPr>
       <dsp:spPr>
         <a:xfrm>
-          <a:off x="1879455" y="2034738"/>
-          <a:ext cx="4535324" cy="1627234"/>
+          <a:off x="1094903" y="1189411"/>
+          <a:ext cx="5319876" cy="947968"/>
         </a:xfrm>
         <a:prstGeom prst="rect">
           <a:avLst/>
@@ -1644,14 +1847,14 @@
         <a:fontRef idx="minor"/>
       </dsp:style>
       <dsp:txBody>
-        <a:bodyPr spcFirstLastPara="0" vert="horz" wrap="square" lIns="172216" tIns="172216" rIns="172216" bIns="172216" numCol="1" spcCol="1270" anchor="ctr" anchorCtr="0">
+        <a:bodyPr spcFirstLastPara="0" vert="horz" wrap="square" lIns="100327" tIns="100327" rIns="100327" bIns="100327" numCol="1" spcCol="1270" anchor="ctr" anchorCtr="0">
           <a:noAutofit/>
         </a:bodyPr>
         <a:lstStyle/>
         <a:p>
-          <a:pPr marL="0" lvl="0" indent="0" algn="l" defTabSz="977900">
+          <a:pPr marL="0" lvl="0" indent="0" algn="l" defTabSz="755650">
             <a:lnSpc>
-              <a:spcPct val="90000"/>
+              <a:spcPct val="100000"/>
             </a:lnSpc>
             <a:spcBef>
               <a:spcPct val="0"/>
@@ -1662,25 +1865,25 @@
             <a:buNone/>
           </a:pPr>
           <a:r>
-            <a:rPr lang="en-US" sz="2200" kern="1200" dirty="0"/>
+            <a:rPr lang="en-US" sz="1700" kern="1200" dirty="0"/>
             <a:t>Narrow down to specific question(s) – possibly expand more attributes and reduce instances (columns and rows)</a:t>
           </a:r>
         </a:p>
       </dsp:txBody>
       <dsp:txXfrm>
-        <a:off x="1879455" y="2034738"/>
-        <a:ext cx="4535324" cy="1627234"/>
+        <a:off x="1094903" y="1189411"/>
+        <a:ext cx="5319876" cy="947968"/>
       </dsp:txXfrm>
     </dsp:sp>
-    <dsp:sp modelId="{514790DB-4D13-447C-BCD1-57ADE151ACB5}">
+    <dsp:sp modelId="{5E73EA9A-CC08-4454-BDD9-D4E2EE256940}">
       <dsp:nvSpPr>
         <dsp:cNvPr id="0" name=""/>
         <dsp:cNvSpPr/>
       </dsp:nvSpPr>
       <dsp:spPr>
         <a:xfrm>
-          <a:off x="0" y="4068781"/>
-          <a:ext cx="6414780" cy="1627234"/>
+          <a:off x="0" y="2374371"/>
+          <a:ext cx="6414780" cy="947968"/>
         </a:xfrm>
         <a:prstGeom prst="roundRect">
           <a:avLst>
@@ -1713,15 +1916,15 @@
         <a:fontRef idx="minor"/>
       </dsp:style>
     </dsp:sp>
-    <dsp:sp modelId="{03B087BA-FF01-4212-95EA-403B41DF86EB}">
+    <dsp:sp modelId="{C1C0D915-5154-4F9D-90BB-24CFD73AFFB1}">
       <dsp:nvSpPr>
         <dsp:cNvPr id="0" name=""/>
         <dsp:cNvSpPr/>
       </dsp:nvSpPr>
       <dsp:spPr>
         <a:xfrm>
-          <a:off x="492238" y="4434909"/>
-          <a:ext cx="894979" cy="894979"/>
+          <a:off x="286760" y="2587664"/>
+          <a:ext cx="521382" cy="521382"/>
         </a:xfrm>
         <a:prstGeom prst="rect">
           <a:avLst/>
@@ -1734,6 +1937,166 @@
               </a:ext>
               <a:ext uri="{96DAC541-7B7A-43D3-8B79-37D633B846F1}">
                 <asvg:svgBlip xmlns:asvg="http://schemas.microsoft.com/office/drawing/2016/SVG/main" r:embed="rId6"/>
+              </a:ext>
+            </a:extLst>
+          </a:blip>
+          <a:srcRect/>
+          <a:stretch>
+            <a:fillRect/>
+          </a:stretch>
+        </a:blipFill>
+        <a:ln w="12700" cap="flat" cmpd="sng" algn="ctr">
+          <a:solidFill>
+            <a:schemeClr val="lt1">
+              <a:alpha val="0"/>
+              <a:hueOff val="0"/>
+              <a:satOff val="0"/>
+              <a:lumOff val="0"/>
+              <a:alphaOff val="0"/>
+            </a:schemeClr>
+          </a:solidFill>
+          <a:prstDash val="solid"/>
+          <a:miter lim="800000"/>
+        </a:ln>
+        <a:effectLst/>
+      </dsp:spPr>
+      <dsp:style>
+        <a:lnRef idx="2">
+          <a:scrgbClr r="0" g="0" b="0"/>
+        </a:lnRef>
+        <a:fillRef idx="1">
+          <a:scrgbClr r="0" g="0" b="0"/>
+        </a:fillRef>
+        <a:effectRef idx="0">
+          <a:scrgbClr r="0" g="0" b="0"/>
+        </a:effectRef>
+        <a:fontRef idx="minor">
+          <a:schemeClr val="lt1"/>
+        </a:fontRef>
+      </dsp:style>
+    </dsp:sp>
+    <dsp:sp modelId="{5C50E1E9-DC4D-44CA-A570-0397DE8533A1}">
+      <dsp:nvSpPr>
+        <dsp:cNvPr id="0" name=""/>
+        <dsp:cNvSpPr/>
+      </dsp:nvSpPr>
+      <dsp:spPr>
+        <a:xfrm>
+          <a:off x="1094903" y="2374371"/>
+          <a:ext cx="5319876" cy="947968"/>
+        </a:xfrm>
+        <a:prstGeom prst="rect">
+          <a:avLst/>
+        </a:prstGeom>
+        <a:noFill/>
+        <a:ln>
+          <a:noFill/>
+        </a:ln>
+        <a:effectLst/>
+      </dsp:spPr>
+      <dsp:style>
+        <a:lnRef idx="0">
+          <a:scrgbClr r="0" g="0" b="0"/>
+        </a:lnRef>
+        <a:fillRef idx="0">
+          <a:scrgbClr r="0" g="0" b="0"/>
+        </a:fillRef>
+        <a:effectRef idx="0">
+          <a:scrgbClr r="0" g="0" b="0"/>
+        </a:effectRef>
+        <a:fontRef idx="minor"/>
+      </dsp:style>
+      <dsp:txBody>
+        <a:bodyPr spcFirstLastPara="0" vert="horz" wrap="square" lIns="100327" tIns="100327" rIns="100327" bIns="100327" numCol="1" spcCol="1270" anchor="ctr" anchorCtr="0">
+          <a:noAutofit/>
+        </a:bodyPr>
+        <a:lstStyle/>
+        <a:p>
+          <a:pPr marL="0" lvl="0" indent="0" algn="l" defTabSz="755650">
+            <a:lnSpc>
+              <a:spcPct val="100000"/>
+            </a:lnSpc>
+            <a:spcBef>
+              <a:spcPct val="0"/>
+            </a:spcBef>
+            <a:spcAft>
+              <a:spcPct val="35000"/>
+            </a:spcAft>
+            <a:buNone/>
+          </a:pPr>
+          <a:r>
+            <a:rPr lang="en-US" sz="1700" kern="1200" dirty="0"/>
+            <a:t>visualizations</a:t>
+          </a:r>
+        </a:p>
+      </dsp:txBody>
+      <dsp:txXfrm>
+        <a:off x="1094903" y="2374371"/>
+        <a:ext cx="5319876" cy="947968"/>
+      </dsp:txXfrm>
+    </dsp:sp>
+    <dsp:sp modelId="{514790DB-4D13-447C-BCD1-57ADE151ACB5}">
+      <dsp:nvSpPr>
+        <dsp:cNvPr id="0" name=""/>
+        <dsp:cNvSpPr/>
+      </dsp:nvSpPr>
+      <dsp:spPr>
+        <a:xfrm>
+          <a:off x="0" y="3559332"/>
+          <a:ext cx="6414780" cy="947968"/>
+        </a:xfrm>
+        <a:prstGeom prst="roundRect">
+          <a:avLst>
+            <a:gd name="adj" fmla="val 10000"/>
+          </a:avLst>
+        </a:prstGeom>
+        <a:solidFill>
+          <a:schemeClr val="accent5">
+            <a:hueOff val="0"/>
+            <a:satOff val="0"/>
+            <a:lumOff val="0"/>
+            <a:alphaOff val="0"/>
+          </a:schemeClr>
+        </a:solidFill>
+        <a:ln>
+          <a:noFill/>
+        </a:ln>
+        <a:effectLst/>
+      </dsp:spPr>
+      <dsp:style>
+        <a:lnRef idx="0">
+          <a:scrgbClr r="0" g="0" b="0"/>
+        </a:lnRef>
+        <a:fillRef idx="1">
+          <a:scrgbClr r="0" g="0" b="0"/>
+        </a:fillRef>
+        <a:effectRef idx="0">
+          <a:scrgbClr r="0" g="0" b="0"/>
+        </a:effectRef>
+        <a:fontRef idx="minor"/>
+      </dsp:style>
+    </dsp:sp>
+    <dsp:sp modelId="{03B087BA-FF01-4212-95EA-403B41DF86EB}">
+      <dsp:nvSpPr>
+        <dsp:cNvPr id="0" name=""/>
+        <dsp:cNvSpPr/>
+      </dsp:nvSpPr>
+      <dsp:spPr>
+        <a:xfrm>
+          <a:off x="286760" y="3772625"/>
+          <a:ext cx="521382" cy="521382"/>
+        </a:xfrm>
+        <a:prstGeom prst="rect">
+          <a:avLst/>
+        </a:prstGeom>
+        <a:blipFill>
+          <a:blip xmlns:r="http://schemas.openxmlformats.org/officeDocument/2006/relationships" r:embed="rId7">
+            <a:extLst>
+              <a:ext uri="{28A0092B-C50C-407E-A947-70E740481C1C}">
+                <a14:useLocalDpi xmlns:a14="http://schemas.microsoft.com/office/drawing/2010/main" val="0"/>
+              </a:ext>
+              <a:ext uri="{96DAC541-7B7A-43D3-8B79-37D633B846F1}">
+                <asvg:svgBlip xmlns:asvg="http://schemas.microsoft.com/office/drawing/2016/SVG/main" r:embed="rId8"/>
               </a:ext>
             </a:extLst>
           </a:blip>
@@ -1770,8 +2133,8 @@
       </dsp:nvSpPr>
       <dsp:spPr>
         <a:xfrm>
-          <a:off x="1879455" y="4068781"/>
-          <a:ext cx="4535324" cy="1627234"/>
+          <a:off x="1094903" y="3559332"/>
+          <a:ext cx="5319876" cy="947968"/>
         </a:xfrm>
         <a:prstGeom prst="rect">
           <a:avLst/>
@@ -1795,14 +2158,14 @@
         <a:fontRef idx="minor"/>
       </dsp:style>
       <dsp:txBody>
-        <a:bodyPr spcFirstLastPara="0" vert="horz" wrap="square" lIns="172216" tIns="172216" rIns="172216" bIns="172216" numCol="1" spcCol="1270" anchor="ctr" anchorCtr="0">
+        <a:bodyPr spcFirstLastPara="0" vert="horz" wrap="square" lIns="100327" tIns="100327" rIns="100327" bIns="100327" numCol="1" spcCol="1270" anchor="ctr" anchorCtr="0">
           <a:noAutofit/>
         </a:bodyPr>
         <a:lstStyle/>
         <a:p>
-          <a:pPr marL="0" lvl="0" indent="0" algn="l" defTabSz="977900">
+          <a:pPr marL="0" lvl="0" indent="0" algn="l" defTabSz="755650">
             <a:lnSpc>
-              <a:spcPct val="90000"/>
+              <a:spcPct val="100000"/>
             </a:lnSpc>
             <a:spcBef>
               <a:spcPct val="0"/>
@@ -1813,14 +2176,174 @@
             <a:buNone/>
           </a:pPr>
           <a:r>
-            <a:rPr lang="en-US" sz="2200" kern="1200"/>
+            <a:rPr lang="en-US" sz="1700" kern="1200" dirty="0"/>
+            <a:t>Statistics knowledge</a:t>
+          </a:r>
+        </a:p>
+      </dsp:txBody>
+      <dsp:txXfrm>
+        <a:off x="1094903" y="3559332"/>
+        <a:ext cx="5319876" cy="947968"/>
+      </dsp:txXfrm>
+    </dsp:sp>
+    <dsp:sp modelId="{4EE3E2A1-62D0-4A32-8E6F-89718212FB1D}">
+      <dsp:nvSpPr>
+        <dsp:cNvPr id="0" name=""/>
+        <dsp:cNvSpPr/>
+      </dsp:nvSpPr>
+      <dsp:spPr>
+        <a:xfrm>
+          <a:off x="0" y="4744292"/>
+          <a:ext cx="6414780" cy="947968"/>
+        </a:xfrm>
+        <a:prstGeom prst="roundRect">
+          <a:avLst>
+            <a:gd name="adj" fmla="val 10000"/>
+          </a:avLst>
+        </a:prstGeom>
+        <a:solidFill>
+          <a:schemeClr val="accent6">
+            <a:hueOff val="0"/>
+            <a:satOff val="0"/>
+            <a:lumOff val="0"/>
+            <a:alphaOff val="0"/>
+          </a:schemeClr>
+        </a:solidFill>
+        <a:ln>
+          <a:noFill/>
+        </a:ln>
+        <a:effectLst/>
+      </dsp:spPr>
+      <dsp:style>
+        <a:lnRef idx="0">
+          <a:scrgbClr r="0" g="0" b="0"/>
+        </a:lnRef>
+        <a:fillRef idx="1">
+          <a:scrgbClr r="0" g="0" b="0"/>
+        </a:fillRef>
+        <a:effectRef idx="0">
+          <a:scrgbClr r="0" g="0" b="0"/>
+        </a:effectRef>
+        <a:fontRef idx="minor"/>
+      </dsp:style>
+    </dsp:sp>
+    <dsp:sp modelId="{A61E8F1D-D533-489B-8AE6-CF460D2C9310}">
+      <dsp:nvSpPr>
+        <dsp:cNvPr id="0" name=""/>
+        <dsp:cNvSpPr/>
+      </dsp:nvSpPr>
+      <dsp:spPr>
+        <a:xfrm>
+          <a:off x="286760" y="4957585"/>
+          <a:ext cx="521382" cy="521382"/>
+        </a:xfrm>
+        <a:prstGeom prst="rect">
+          <a:avLst/>
+        </a:prstGeom>
+        <a:blipFill>
+          <a:blip xmlns:r="http://schemas.openxmlformats.org/officeDocument/2006/relationships" r:embed="rId9">
+            <a:extLst>
+              <a:ext uri="{28A0092B-C50C-407E-A947-70E740481C1C}">
+                <a14:useLocalDpi xmlns:a14="http://schemas.microsoft.com/office/drawing/2010/main" val="0"/>
+              </a:ext>
+              <a:ext uri="{96DAC541-7B7A-43D3-8B79-37D633B846F1}">
+                <asvg:svgBlip xmlns:asvg="http://schemas.microsoft.com/office/drawing/2016/SVG/main" r:embed="rId10"/>
+              </a:ext>
+            </a:extLst>
+          </a:blip>
+          <a:srcRect/>
+          <a:stretch>
+            <a:fillRect/>
+          </a:stretch>
+        </a:blipFill>
+        <a:ln w="12700" cap="flat" cmpd="sng" algn="ctr">
+          <a:solidFill>
+            <a:schemeClr val="lt1">
+              <a:alpha val="0"/>
+              <a:hueOff val="0"/>
+              <a:satOff val="0"/>
+              <a:lumOff val="0"/>
+              <a:alphaOff val="0"/>
+            </a:schemeClr>
+          </a:solidFill>
+          <a:prstDash val="solid"/>
+          <a:miter lim="800000"/>
+        </a:ln>
+        <a:effectLst/>
+      </dsp:spPr>
+      <dsp:style>
+        <a:lnRef idx="2">
+          <a:scrgbClr r="0" g="0" b="0"/>
+        </a:lnRef>
+        <a:fillRef idx="1">
+          <a:scrgbClr r="0" g="0" b="0"/>
+        </a:fillRef>
+        <a:effectRef idx="0">
+          <a:scrgbClr r="0" g="0" b="0"/>
+        </a:effectRef>
+        <a:fontRef idx="minor">
+          <a:schemeClr val="lt1"/>
+        </a:fontRef>
+      </dsp:style>
+    </dsp:sp>
+    <dsp:sp modelId="{BD618918-9B50-4A52-85F2-DCE6F3E2C43B}">
+      <dsp:nvSpPr>
+        <dsp:cNvPr id="0" name=""/>
+        <dsp:cNvSpPr/>
+      </dsp:nvSpPr>
+      <dsp:spPr>
+        <a:xfrm>
+          <a:off x="1094903" y="4744292"/>
+          <a:ext cx="5319876" cy="947968"/>
+        </a:xfrm>
+        <a:prstGeom prst="rect">
+          <a:avLst/>
+        </a:prstGeom>
+        <a:noFill/>
+        <a:ln>
+          <a:noFill/>
+        </a:ln>
+        <a:effectLst/>
+      </dsp:spPr>
+      <dsp:style>
+        <a:lnRef idx="0">
+          <a:scrgbClr r="0" g="0" b="0"/>
+        </a:lnRef>
+        <a:fillRef idx="0">
+          <a:scrgbClr r="0" g="0" b="0"/>
+        </a:fillRef>
+        <a:effectRef idx="0">
+          <a:scrgbClr r="0" g="0" b="0"/>
+        </a:effectRef>
+        <a:fontRef idx="minor"/>
+      </dsp:style>
+      <dsp:txBody>
+        <a:bodyPr spcFirstLastPara="0" vert="horz" wrap="square" lIns="100327" tIns="100327" rIns="100327" bIns="100327" numCol="1" spcCol="1270" anchor="ctr" anchorCtr="0">
+          <a:noAutofit/>
+        </a:bodyPr>
+        <a:lstStyle/>
+        <a:p>
+          <a:pPr marL="0" lvl="0" indent="0" algn="l" defTabSz="755650">
+            <a:lnSpc>
+              <a:spcPct val="100000"/>
+            </a:lnSpc>
+            <a:spcBef>
+              <a:spcPct val="0"/>
+            </a:spcBef>
+            <a:spcAft>
+              <a:spcPct val="35000"/>
+            </a:spcAft>
+            <a:buNone/>
+          </a:pPr>
+          <a:r>
+            <a:rPr lang="en-US" sz="1700" kern="1200" dirty="0"/>
             <a:t>Integrate other independent data linked to any attribute of existing dataset e.g. weather, labor etc.</a:t>
           </a:r>
         </a:p>
       </dsp:txBody>
       <dsp:txXfrm>
-        <a:off x="1879455" y="4068781"/>
-        <a:ext cx="4535324" cy="1627234"/>
+        <a:off x="1094903" y="4744292"/>
+        <a:ext cx="5319876" cy="947968"/>
       </dsp:txXfrm>
     </dsp:sp>
   </dsp:spTree>
@@ -3302,7 +3825,7 @@
           <a:p>
             <a:fld id="{18731994-CD9C-4CE4-BBC3-F63557CAFCAD}" type="datetimeFigureOut">
               <a:rPr lang="en-US" smtClean="0"/>
-              <a:t>6/17/2021</a:t>
+              <a:t>6/21/2021</a:t>
             </a:fld>
             <a:endParaRPr lang="en-US"/>
           </a:p>
@@ -3500,7 +4023,7 @@
           <a:p>
             <a:fld id="{18731994-CD9C-4CE4-BBC3-F63557CAFCAD}" type="datetimeFigureOut">
               <a:rPr lang="en-US" smtClean="0"/>
-              <a:t>6/17/2021</a:t>
+              <a:t>6/21/2021</a:t>
             </a:fld>
             <a:endParaRPr lang="en-US"/>
           </a:p>
@@ -3708,7 +4231,7 @@
           <a:p>
             <a:fld id="{18731994-CD9C-4CE4-BBC3-F63557CAFCAD}" type="datetimeFigureOut">
               <a:rPr lang="en-US" smtClean="0"/>
-              <a:t>6/17/2021</a:t>
+              <a:t>6/21/2021</a:t>
             </a:fld>
             <a:endParaRPr lang="en-US"/>
           </a:p>
@@ -3906,7 +4429,7 @@
           <a:p>
             <a:fld id="{18731994-CD9C-4CE4-BBC3-F63557CAFCAD}" type="datetimeFigureOut">
               <a:rPr lang="en-US" smtClean="0"/>
-              <a:t>6/17/2021</a:t>
+              <a:t>6/21/2021</a:t>
             </a:fld>
             <a:endParaRPr lang="en-US"/>
           </a:p>
@@ -4181,7 +4704,7 @@
           <a:p>
             <a:fld id="{18731994-CD9C-4CE4-BBC3-F63557CAFCAD}" type="datetimeFigureOut">
               <a:rPr lang="en-US" smtClean="0"/>
-              <a:t>6/17/2021</a:t>
+              <a:t>6/21/2021</a:t>
             </a:fld>
             <a:endParaRPr lang="en-US"/>
           </a:p>
@@ -4446,7 +4969,7 @@
           <a:p>
             <a:fld id="{18731994-CD9C-4CE4-BBC3-F63557CAFCAD}" type="datetimeFigureOut">
               <a:rPr lang="en-US" smtClean="0"/>
-              <a:t>6/17/2021</a:t>
+              <a:t>6/21/2021</a:t>
             </a:fld>
             <a:endParaRPr lang="en-US"/>
           </a:p>
@@ -4858,7 +5381,7 @@
           <a:p>
             <a:fld id="{18731994-CD9C-4CE4-BBC3-F63557CAFCAD}" type="datetimeFigureOut">
               <a:rPr lang="en-US" smtClean="0"/>
-              <a:t>6/17/2021</a:t>
+              <a:t>6/21/2021</a:t>
             </a:fld>
             <a:endParaRPr lang="en-US"/>
           </a:p>
@@ -4999,7 +5522,7 @@
           <a:p>
             <a:fld id="{18731994-CD9C-4CE4-BBC3-F63557CAFCAD}" type="datetimeFigureOut">
               <a:rPr lang="en-US" smtClean="0"/>
-              <a:t>6/17/2021</a:t>
+              <a:t>6/21/2021</a:t>
             </a:fld>
             <a:endParaRPr lang="en-US"/>
           </a:p>
@@ -5112,7 +5635,7 @@
           <a:p>
             <a:fld id="{18731994-CD9C-4CE4-BBC3-F63557CAFCAD}" type="datetimeFigureOut">
               <a:rPr lang="en-US" smtClean="0"/>
-              <a:t>6/17/2021</a:t>
+              <a:t>6/21/2021</a:t>
             </a:fld>
             <a:endParaRPr lang="en-US"/>
           </a:p>
@@ -5423,7 +5946,7 @@
           <a:p>
             <a:fld id="{18731994-CD9C-4CE4-BBC3-F63557CAFCAD}" type="datetimeFigureOut">
               <a:rPr lang="en-US" smtClean="0"/>
-              <a:t>6/17/2021</a:t>
+              <a:t>6/21/2021</a:t>
             </a:fld>
             <a:endParaRPr lang="en-US"/>
           </a:p>
@@ -5711,7 +6234,7 @@
           <a:p>
             <a:fld id="{18731994-CD9C-4CE4-BBC3-F63557CAFCAD}" type="datetimeFigureOut">
               <a:rPr lang="en-US" smtClean="0"/>
-              <a:t>6/17/2021</a:t>
+              <a:t>6/21/2021</a:t>
             </a:fld>
             <a:endParaRPr lang="en-US"/>
           </a:p>
@@ -5952,7 +6475,7 @@
           <a:p>
             <a:fld id="{18731994-CD9C-4CE4-BBC3-F63557CAFCAD}" type="datetimeFigureOut">
               <a:rPr lang="en-US" smtClean="0"/>
-              <a:t>6/17/2021</a:t>
+              <a:t>6/21/2021</a:t>
             </a:fld>
             <a:endParaRPr lang="en-US"/>
           </a:p>
@@ -6712,6 +7235,311 @@
           <p:cNvPr id="2" name="Title 1">
             <a:extLst>
               <a:ext uri="{FF2B5EF4-FFF2-40B4-BE49-F238E27FC236}">
+                <a16:creationId xmlns:a16="http://schemas.microsoft.com/office/drawing/2014/main" id="{E4185E51-689C-400D-85CA-EE2F989B5582}"/>
+              </a:ext>
+            </a:extLst>
+          </p:cNvPr>
+          <p:cNvSpPr>
+            <a:spLocks noGrp="1"/>
+          </p:cNvSpPr>
+          <p:nvPr>
+            <p:ph type="title"/>
+          </p:nvPr>
+        </p:nvSpPr>
+        <p:spPr/>
+        <p:txBody>
+          <a:bodyPr/>
+          <a:lstStyle/>
+          <a:p>
+            <a:r>
+              <a:rPr lang="en-US" b="1" dirty="0"/>
+              <a:t>Agenda</a:t>
+            </a:r>
+          </a:p>
+        </p:txBody>
+      </p:sp>
+      <p:sp>
+        <p:nvSpPr>
+          <p:cNvPr id="3" name="Content Placeholder 2">
+            <a:extLst>
+              <a:ext uri="{FF2B5EF4-FFF2-40B4-BE49-F238E27FC236}">
+                <a16:creationId xmlns:a16="http://schemas.microsoft.com/office/drawing/2014/main" id="{467EF4E7-FA48-40DE-8E7C-7CF609C495D5}"/>
+              </a:ext>
+            </a:extLst>
+          </p:cNvPr>
+          <p:cNvSpPr>
+            <a:spLocks noGrp="1"/>
+          </p:cNvSpPr>
+          <p:nvPr>
+            <p:ph idx="1"/>
+          </p:nvPr>
+        </p:nvSpPr>
+        <p:spPr>
+          <a:xfrm>
+            <a:off x="838200" y="1834861"/>
+            <a:ext cx="10515600" cy="4351338"/>
+          </a:xfrm>
+        </p:spPr>
+        <p:txBody>
+          <a:bodyPr/>
+          <a:lstStyle/>
+          <a:p>
+            <a:r>
+              <a:rPr lang="en-US" dirty="0"/>
+              <a:t>Audience</a:t>
+            </a:r>
+          </a:p>
+          <a:p>
+            <a:r>
+              <a:rPr lang="en-US" dirty="0"/>
+              <a:t>Question(s)</a:t>
+            </a:r>
+          </a:p>
+          <a:p>
+            <a:r>
+              <a:rPr lang="en-US" dirty="0"/>
+              <a:t>Data</a:t>
+            </a:r>
+          </a:p>
+          <a:p>
+            <a:r>
+              <a:rPr lang="en-US" dirty="0"/>
+              <a:t>Data Prep</a:t>
+            </a:r>
+          </a:p>
+        </p:txBody>
+      </p:sp>
+      <p:sp>
+        <p:nvSpPr>
+          <p:cNvPr id="4" name="Content Placeholder 2">
+            <a:extLst>
+              <a:ext uri="{FF2B5EF4-FFF2-40B4-BE49-F238E27FC236}">
+                <a16:creationId xmlns:a16="http://schemas.microsoft.com/office/drawing/2014/main" id="{61408B22-5D68-4BB2-BAC5-E66980424604}"/>
+              </a:ext>
+            </a:extLst>
+          </p:cNvPr>
+          <p:cNvSpPr txBox="1">
+            <a:spLocks/>
+          </p:cNvSpPr>
+          <p:nvPr/>
+        </p:nvSpPr>
+        <p:spPr>
+          <a:xfrm>
+            <a:off x="4777508" y="2227407"/>
+            <a:ext cx="5433291" cy="4351338"/>
+          </a:xfrm>
+          <a:prstGeom prst="rect">
+            <a:avLst/>
+          </a:prstGeom>
+        </p:spPr>
+        <p:txBody>
+          <a:bodyPr vert="horz" lIns="91440" tIns="45720" rIns="91440" bIns="45720" rtlCol="0">
+            <a:normAutofit/>
+          </a:bodyPr>
+          <a:lstStyle>
+            <a:lvl1pPr marL="228600" indent="-228600" algn="l" defTabSz="914400" rtl="0" eaLnBrk="1" latinLnBrk="0" hangingPunct="1">
+              <a:lnSpc>
+                <a:spcPct val="90000"/>
+              </a:lnSpc>
+              <a:spcBef>
+                <a:spcPts val="1000"/>
+              </a:spcBef>
+              <a:buFont typeface="Arial" panose="020B0604020202020204" pitchFamily="34" charset="0"/>
+              <a:buChar char="•"/>
+              <a:defRPr sz="2800" kern="1200">
+                <a:solidFill>
+                  <a:schemeClr val="tx1"/>
+                </a:solidFill>
+                <a:latin typeface="+mn-lt"/>
+                <a:ea typeface="+mn-ea"/>
+                <a:cs typeface="+mn-cs"/>
+              </a:defRPr>
+            </a:lvl1pPr>
+            <a:lvl2pPr marL="685800" indent="-228600" algn="l" defTabSz="914400" rtl="0" eaLnBrk="1" latinLnBrk="0" hangingPunct="1">
+              <a:lnSpc>
+                <a:spcPct val="90000"/>
+              </a:lnSpc>
+              <a:spcBef>
+                <a:spcPts val="500"/>
+              </a:spcBef>
+              <a:buFont typeface="Arial" panose="020B0604020202020204" pitchFamily="34" charset="0"/>
+              <a:buChar char="•"/>
+              <a:defRPr sz="2400" kern="1200">
+                <a:solidFill>
+                  <a:schemeClr val="tx1"/>
+                </a:solidFill>
+                <a:latin typeface="+mn-lt"/>
+                <a:ea typeface="+mn-ea"/>
+                <a:cs typeface="+mn-cs"/>
+              </a:defRPr>
+            </a:lvl2pPr>
+            <a:lvl3pPr marL="1143000" indent="-228600" algn="l" defTabSz="914400" rtl="0" eaLnBrk="1" latinLnBrk="0" hangingPunct="1">
+              <a:lnSpc>
+                <a:spcPct val="90000"/>
+              </a:lnSpc>
+              <a:spcBef>
+                <a:spcPts val="500"/>
+              </a:spcBef>
+              <a:buFont typeface="Arial" panose="020B0604020202020204" pitchFamily="34" charset="0"/>
+              <a:buChar char="•"/>
+              <a:defRPr sz="2000" kern="1200">
+                <a:solidFill>
+                  <a:schemeClr val="tx1"/>
+                </a:solidFill>
+                <a:latin typeface="+mn-lt"/>
+                <a:ea typeface="+mn-ea"/>
+                <a:cs typeface="+mn-cs"/>
+              </a:defRPr>
+            </a:lvl3pPr>
+            <a:lvl4pPr marL="1600200" indent="-228600" algn="l" defTabSz="914400" rtl="0" eaLnBrk="1" latinLnBrk="0" hangingPunct="1">
+              <a:lnSpc>
+                <a:spcPct val="90000"/>
+              </a:lnSpc>
+              <a:spcBef>
+                <a:spcPts val="500"/>
+              </a:spcBef>
+              <a:buFont typeface="Arial" panose="020B0604020202020204" pitchFamily="34" charset="0"/>
+              <a:buChar char="•"/>
+              <a:defRPr sz="1800" kern="1200">
+                <a:solidFill>
+                  <a:schemeClr val="tx1"/>
+                </a:solidFill>
+                <a:latin typeface="+mn-lt"/>
+                <a:ea typeface="+mn-ea"/>
+                <a:cs typeface="+mn-cs"/>
+              </a:defRPr>
+            </a:lvl4pPr>
+            <a:lvl5pPr marL="2057400" indent="-228600" algn="l" defTabSz="914400" rtl="0" eaLnBrk="1" latinLnBrk="0" hangingPunct="1">
+              <a:lnSpc>
+                <a:spcPct val="90000"/>
+              </a:lnSpc>
+              <a:spcBef>
+                <a:spcPts val="500"/>
+              </a:spcBef>
+              <a:buFont typeface="Arial" panose="020B0604020202020204" pitchFamily="34" charset="0"/>
+              <a:buChar char="•"/>
+              <a:defRPr sz="1800" kern="1200">
+                <a:solidFill>
+                  <a:schemeClr val="tx1"/>
+                </a:solidFill>
+                <a:latin typeface="+mn-lt"/>
+                <a:ea typeface="+mn-ea"/>
+                <a:cs typeface="+mn-cs"/>
+              </a:defRPr>
+            </a:lvl5pPr>
+            <a:lvl6pPr marL="2514600" indent="-228600" algn="l" defTabSz="914400" rtl="0" eaLnBrk="1" latinLnBrk="0" hangingPunct="1">
+              <a:lnSpc>
+                <a:spcPct val="90000"/>
+              </a:lnSpc>
+              <a:spcBef>
+                <a:spcPts val="500"/>
+              </a:spcBef>
+              <a:buFont typeface="Arial" panose="020B0604020202020204" pitchFamily="34" charset="0"/>
+              <a:buChar char="•"/>
+              <a:defRPr sz="1800" kern="1200">
+                <a:solidFill>
+                  <a:schemeClr val="tx1"/>
+                </a:solidFill>
+                <a:latin typeface="+mn-lt"/>
+                <a:ea typeface="+mn-ea"/>
+                <a:cs typeface="+mn-cs"/>
+              </a:defRPr>
+            </a:lvl6pPr>
+            <a:lvl7pPr marL="2971800" indent="-228600" algn="l" defTabSz="914400" rtl="0" eaLnBrk="1" latinLnBrk="0" hangingPunct="1">
+              <a:lnSpc>
+                <a:spcPct val="90000"/>
+              </a:lnSpc>
+              <a:spcBef>
+                <a:spcPts val="500"/>
+              </a:spcBef>
+              <a:buFont typeface="Arial" panose="020B0604020202020204" pitchFamily="34" charset="0"/>
+              <a:buChar char="•"/>
+              <a:defRPr sz="1800" kern="1200">
+                <a:solidFill>
+                  <a:schemeClr val="tx1"/>
+                </a:solidFill>
+                <a:latin typeface="+mn-lt"/>
+                <a:ea typeface="+mn-ea"/>
+                <a:cs typeface="+mn-cs"/>
+              </a:defRPr>
+            </a:lvl7pPr>
+            <a:lvl8pPr marL="3429000" indent="-228600" algn="l" defTabSz="914400" rtl="0" eaLnBrk="1" latinLnBrk="0" hangingPunct="1">
+              <a:lnSpc>
+                <a:spcPct val="90000"/>
+              </a:lnSpc>
+              <a:spcBef>
+                <a:spcPts val="500"/>
+              </a:spcBef>
+              <a:buFont typeface="Arial" panose="020B0604020202020204" pitchFamily="34" charset="0"/>
+              <a:buChar char="•"/>
+              <a:defRPr sz="1800" kern="1200">
+                <a:solidFill>
+                  <a:schemeClr val="tx1"/>
+                </a:solidFill>
+                <a:latin typeface="+mn-lt"/>
+                <a:ea typeface="+mn-ea"/>
+                <a:cs typeface="+mn-cs"/>
+              </a:defRPr>
+            </a:lvl8pPr>
+            <a:lvl9pPr marL="3886200" indent="-228600" algn="l" defTabSz="914400" rtl="0" eaLnBrk="1" latinLnBrk="0" hangingPunct="1">
+              <a:lnSpc>
+                <a:spcPct val="90000"/>
+              </a:lnSpc>
+              <a:spcBef>
+                <a:spcPts val="500"/>
+              </a:spcBef>
+              <a:buFont typeface="Arial" panose="020B0604020202020204" pitchFamily="34" charset="0"/>
+              <a:buChar char="•"/>
+              <a:defRPr sz="1800" kern="1200">
+                <a:solidFill>
+                  <a:schemeClr val="tx1"/>
+                </a:solidFill>
+                <a:latin typeface="+mn-lt"/>
+                <a:ea typeface="+mn-ea"/>
+                <a:cs typeface="+mn-cs"/>
+              </a:defRPr>
+            </a:lvl9pPr>
+          </a:lstStyle>
+          <a:p>
+            <a:endParaRPr lang="en-US" dirty="0"/>
+          </a:p>
+        </p:txBody>
+      </p:sp>
+    </p:spTree>
+    <p:extLst>
+      <p:ext uri="{BB962C8B-B14F-4D97-AF65-F5344CB8AC3E}">
+        <p14:creationId xmlns:p14="http://schemas.microsoft.com/office/powerpoint/2010/main" val="3086337841"/>
+      </p:ext>
+    </p:extLst>
+  </p:cSld>
+  <p:clrMapOvr>
+    <a:masterClrMapping/>
+  </p:clrMapOvr>
+</p:sld>
+</file>
+
+<file path=ppt/slides/slide3.xml><?xml version="1.0" encoding="utf-8"?>
+<p:sld xmlns:a="http://schemas.openxmlformats.org/drawingml/2006/main" xmlns:r="http://schemas.openxmlformats.org/officeDocument/2006/relationships" xmlns:p="http://schemas.openxmlformats.org/presentationml/2006/main">
+  <p:cSld>
+    <p:spTree>
+      <p:nvGrpSpPr>
+        <p:cNvPr id="1" name=""/>
+        <p:cNvGrpSpPr/>
+        <p:nvPr/>
+      </p:nvGrpSpPr>
+      <p:grpSpPr>
+        <a:xfrm>
+          <a:off x="0" y="0"/>
+          <a:ext cx="0" cy="0"/>
+          <a:chOff x="0" y="0"/>
+          <a:chExt cx="0" cy="0"/>
+        </a:xfrm>
+      </p:grpSpPr>
+      <p:sp>
+        <p:nvSpPr>
+          <p:cNvPr id="2" name="Title 1">
+            <a:extLst>
+              <a:ext uri="{FF2B5EF4-FFF2-40B4-BE49-F238E27FC236}">
                 <a16:creationId xmlns:a16="http://schemas.microsoft.com/office/drawing/2014/main" id="{42DE989D-A297-41DC-AABB-147C3E9F035C}"/>
               </a:ext>
             </a:extLst>
@@ -6762,7 +7590,7 @@
 </p:sld>
 </file>
 
-<file path=ppt/slides/slide3.xml><?xml version="1.0" encoding="utf-8"?>
+<file path=ppt/slides/slide4.xml><?xml version="1.0" encoding="utf-8"?>
 <p:sld xmlns:a="http://schemas.openxmlformats.org/drawingml/2006/main" xmlns:r="http://schemas.openxmlformats.org/officeDocument/2006/relationships" xmlns:p="http://schemas.openxmlformats.org/presentationml/2006/main">
   <p:cSld>
     <p:bg>
@@ -7373,7 +8201,7 @@
 </p:sld>
 </file>
 
-<file path=ppt/slides/slide4.xml><?xml version="1.0" encoding="utf-8"?>
+<file path=ppt/slides/slide5.xml><?xml version="1.0" encoding="utf-8"?>
 <p:sld xmlns:a="http://schemas.openxmlformats.org/drawingml/2006/main" xmlns:r="http://schemas.openxmlformats.org/officeDocument/2006/relationships" xmlns:p="http://schemas.openxmlformats.org/presentationml/2006/main">
   <p:cSld>
     <p:bg>
@@ -8047,7 +8875,7 @@
 </p:sld>
 </file>
 
-<file path=ppt/slides/slide5.xml><?xml version="1.0" encoding="utf-8"?>
+<file path=ppt/slides/slide6.xml><?xml version="1.0" encoding="utf-8"?>
 <p:sld xmlns:a="http://schemas.openxmlformats.org/drawingml/2006/main" xmlns:r="http://schemas.openxmlformats.org/officeDocument/2006/relationships" xmlns:p="http://schemas.openxmlformats.org/presentationml/2006/main">
   <p:cSld>
     <p:bg>
@@ -8541,7 +9369,90 @@
 </p:sld>
 </file>
 
-<file path=ppt/slides/slide6.xml><?xml version="1.0" encoding="utf-8"?>
+<file path=ppt/slides/slide7.xml><?xml version="1.0" encoding="utf-8"?>
+<p:sld xmlns:a="http://schemas.openxmlformats.org/drawingml/2006/main" xmlns:r="http://schemas.openxmlformats.org/officeDocument/2006/relationships" xmlns:p="http://schemas.openxmlformats.org/presentationml/2006/main">
+  <p:cSld>
+    <p:spTree>
+      <p:nvGrpSpPr>
+        <p:cNvPr id="1" name=""/>
+        <p:cNvGrpSpPr/>
+        <p:nvPr/>
+      </p:nvGrpSpPr>
+      <p:grpSpPr>
+        <a:xfrm>
+          <a:off x="0" y="0"/>
+          <a:ext cx="0" cy="0"/>
+          <a:chOff x="0" y="0"/>
+          <a:chExt cx="0" cy="0"/>
+        </a:xfrm>
+      </p:grpSpPr>
+      <p:sp>
+        <p:nvSpPr>
+          <p:cNvPr id="2" name="Title 1">
+            <a:extLst>
+              <a:ext uri="{FF2B5EF4-FFF2-40B4-BE49-F238E27FC236}">
+                <a16:creationId xmlns:a16="http://schemas.microsoft.com/office/drawing/2014/main" id="{6013916A-DD58-41AF-B49F-F4B3C69EF67B}"/>
+              </a:ext>
+            </a:extLst>
+          </p:cNvPr>
+          <p:cNvSpPr>
+            <a:spLocks noGrp="1"/>
+          </p:cNvSpPr>
+          <p:nvPr>
+            <p:ph type="title"/>
+          </p:nvPr>
+        </p:nvSpPr>
+        <p:spPr/>
+        <p:txBody>
+          <a:bodyPr/>
+          <a:lstStyle/>
+          <a:p>
+            <a:r>
+              <a:rPr lang="en-US" dirty="0"/>
+              <a:t>Data Prep</a:t>
+            </a:r>
+          </a:p>
+        </p:txBody>
+      </p:sp>
+      <p:sp>
+        <p:nvSpPr>
+          <p:cNvPr id="3" name="Content Placeholder 2">
+            <a:extLst>
+              <a:ext uri="{FF2B5EF4-FFF2-40B4-BE49-F238E27FC236}">
+                <a16:creationId xmlns:a16="http://schemas.microsoft.com/office/drawing/2014/main" id="{26EA3B00-1C23-4740-8838-6B7C252B48DE}"/>
+              </a:ext>
+            </a:extLst>
+          </p:cNvPr>
+          <p:cNvSpPr>
+            <a:spLocks noGrp="1"/>
+          </p:cNvSpPr>
+          <p:nvPr>
+            <p:ph idx="1"/>
+          </p:nvPr>
+        </p:nvSpPr>
+        <p:spPr/>
+        <p:txBody>
+          <a:bodyPr/>
+          <a:lstStyle/>
+          <a:p>
+            <a:endParaRPr lang="en-US"/>
+          </a:p>
+        </p:txBody>
+      </p:sp>
+    </p:spTree>
+    <p:extLst>
+      <p:ext uri="{BB962C8B-B14F-4D97-AF65-F5344CB8AC3E}">
+        <p14:creationId xmlns:p14="http://schemas.microsoft.com/office/powerpoint/2010/main" val="887033914"/>
+      </p:ext>
+    </p:extLst>
+  </p:cSld>
+  <p:clrMapOvr>
+    <a:masterClrMapping/>
+  </p:clrMapOvr>
+</p:sld>
+</file>
+
+<file path=ppt/slides/slide8.xml><?xml version="1.0" encoding="utf-8"?>
 <p:sld xmlns:a="http://schemas.openxmlformats.org/drawingml/2006/main" xmlns:r="http://schemas.openxmlformats.org/officeDocument/2006/relationships" xmlns:p="http://schemas.openxmlformats.org/presentationml/2006/main">
   <p:cSld>
     <p:bg>
@@ -10060,7 +10971,7 @@
             <p:ph idx="1"/>
             <p:extLst>
               <p:ext uri="{D42A27DB-BD31-4B8C-83A1-F6EECF244321}">
-                <p14:modId xmlns:p14="http://schemas.microsoft.com/office/powerpoint/2010/main" val="2404590241"/>
+                <p14:modId xmlns:p14="http://schemas.microsoft.com/office/powerpoint/2010/main" val="2567814299"/>
               </p:ext>
             </p:extLst>
           </p:nvPr>
@@ -10088,7 +10999,7 @@
 </p:sld>
 </file>
 
-<file path=ppt/slides/slide7.xml><?xml version="1.0" encoding="utf-8"?>
+<file path=ppt/slides/slide9.xml><?xml version="1.0" encoding="utf-8"?>
 <p:sld xmlns:a="http://schemas.openxmlformats.org/drawingml/2006/main" xmlns:r="http://schemas.openxmlformats.org/officeDocument/2006/relationships" xmlns:p="http://schemas.openxmlformats.org/presentationml/2006/main">
   <p:cSld>
     <p:bg>
